--- a/ProjectDocuments/05_Misc/00_Introduction.pptx
+++ b/ProjectDocuments/05_Misc/00_Introduction.pptx
@@ -1,17 +1,22 @@
 
 <file path=ppt/presentation.xml><?xml version="1.0" encoding="utf-8"?>
-<p:presentation xmlns:a="http://schemas.openxmlformats.org/drawingml/2006/main" xmlns:r="http://schemas.openxmlformats.org/officeDocument/2006/relationships" xmlns:p="http://schemas.openxmlformats.org/presentationml/2006/main" saveSubsetFonts="1">
+<p:presentation xmlns:a="http://schemas.openxmlformats.org/drawingml/2006/main" xmlns:r="http://schemas.openxmlformats.org/officeDocument/2006/relationships" xmlns:p="http://schemas.openxmlformats.org/presentationml/2006/main" saveSubsetFonts="1" bookmarkIdSeed="2">
   <p:sldMasterIdLst>
     <p:sldMasterId id="2147483660" r:id="rId1"/>
   </p:sldMasterIdLst>
   <p:notesMasterIdLst>
-    <p:notesMasterId r:id="rId6"/>
+    <p:notesMasterId r:id="rId11"/>
   </p:notesMasterIdLst>
   <p:sldIdLst>
     <p:sldId id="280" r:id="rId2"/>
     <p:sldId id="315" r:id="rId3"/>
-    <p:sldId id="286" r:id="rId4"/>
-    <p:sldId id="321" r:id="rId5"/>
+    <p:sldId id="326" r:id="rId4"/>
+    <p:sldId id="286" r:id="rId5"/>
+    <p:sldId id="322" r:id="rId6"/>
+    <p:sldId id="323" r:id="rId7"/>
+    <p:sldId id="324" r:id="rId8"/>
+    <p:sldId id="325" r:id="rId9"/>
+    <p:sldId id="321" r:id="rId10"/>
   </p:sldIdLst>
   <p:sldSz cx="9144000" cy="6858000" type="screen4x3"/>
   <p:notesSz cx="6858000" cy="9144000"/>
@@ -20,8 +25,8 @@
       <p:sldLst>
         <p:sld r:id="rId2"/>
         <p:sld r:id="rId3"/>
-        <p:sld r:id="rId4"/>
         <p:sld r:id="rId5"/>
+        <p:sld r:id="rId10"/>
       </p:sldLst>
     </p:custShow>
   </p:custShowLst>
@@ -122,7 +127,7 @@
   </p:defaultTextStyle>
   <p:extLst>
     <p:ext uri="{EFAFB233-063F-42B5-8137-9DF3F51BA10A}">
-      <p15:sldGuideLst xmlns="" xmlns:p15="http://schemas.microsoft.com/office/powerpoint/2012/main">
+      <p15:sldGuideLst xmlns:p15="http://schemas.microsoft.com/office/powerpoint/2012/main" xmlns="">
         <p15:guide id="1" orient="horz" pos="2160">
           <p15:clr>
             <a:srgbClr val="A4A3A4"/>
@@ -137,6 +142,6849 @@
     </p:ext>
   </p:extLst>
 </p:presentation>
+</file>
+
+<file path=ppt/diagrams/colors1.xml><?xml version="1.0" encoding="utf-8"?>
+<dgm:colorsDef xmlns:dgm="http://schemas.openxmlformats.org/drawingml/2006/diagram" xmlns:a="http://schemas.openxmlformats.org/drawingml/2006/main" uniqueId="urn:microsoft.com/office/officeart/2005/8/colors/accent1_2">
+  <dgm:title val=""/>
+  <dgm:desc val=""/>
+  <dgm:catLst>
+    <dgm:cat type="accent1" pri="11200"/>
+  </dgm:catLst>
+  <dgm:styleLbl name="node0">
+    <dgm:fillClrLst meth="repeat">
+      <a:schemeClr val="accent1"/>
+    </dgm:fillClrLst>
+    <dgm:linClrLst meth="repeat">
+      <a:schemeClr val="lt1"/>
+    </dgm:linClrLst>
+    <dgm:effectClrLst/>
+    <dgm:txLinClrLst/>
+    <dgm:txFillClrLst/>
+    <dgm:txEffectClrLst/>
+  </dgm:styleLbl>
+  <dgm:styleLbl name="alignNode1">
+    <dgm:fillClrLst meth="repeat">
+      <a:schemeClr val="accent1"/>
+    </dgm:fillClrLst>
+    <dgm:linClrLst meth="repeat">
+      <a:schemeClr val="accent1"/>
+    </dgm:linClrLst>
+    <dgm:effectClrLst/>
+    <dgm:txLinClrLst/>
+    <dgm:txFillClrLst/>
+    <dgm:txEffectClrLst/>
+  </dgm:styleLbl>
+  <dgm:styleLbl name="node1">
+    <dgm:fillClrLst meth="repeat">
+      <a:schemeClr val="accent1"/>
+    </dgm:fillClrLst>
+    <dgm:linClrLst meth="repeat">
+      <a:schemeClr val="lt1"/>
+    </dgm:linClrLst>
+    <dgm:effectClrLst/>
+    <dgm:txLinClrLst/>
+    <dgm:txFillClrLst/>
+    <dgm:txEffectClrLst/>
+  </dgm:styleLbl>
+  <dgm:styleLbl name="lnNode1">
+    <dgm:fillClrLst meth="repeat">
+      <a:schemeClr val="accent1"/>
+    </dgm:fillClrLst>
+    <dgm:linClrLst meth="repeat">
+      <a:schemeClr val="lt1"/>
+    </dgm:linClrLst>
+    <dgm:effectClrLst/>
+    <dgm:txLinClrLst/>
+    <dgm:txFillClrLst/>
+    <dgm:txEffectClrLst/>
+  </dgm:styleLbl>
+  <dgm:styleLbl name="vennNode1">
+    <dgm:fillClrLst meth="repeat">
+      <a:schemeClr val="accent1">
+        <a:alpha val="50000"/>
+      </a:schemeClr>
+    </dgm:fillClrLst>
+    <dgm:linClrLst meth="repeat">
+      <a:schemeClr val="lt1"/>
+    </dgm:linClrLst>
+    <dgm:effectClrLst/>
+    <dgm:txLinClrLst/>
+    <dgm:txFillClrLst/>
+    <dgm:txEffectClrLst/>
+  </dgm:styleLbl>
+  <dgm:styleLbl name="node2">
+    <dgm:fillClrLst meth="repeat">
+      <a:schemeClr val="accent1"/>
+    </dgm:fillClrLst>
+    <dgm:linClrLst meth="repeat">
+      <a:schemeClr val="lt1"/>
+    </dgm:linClrLst>
+    <dgm:effectClrLst/>
+    <dgm:txLinClrLst/>
+    <dgm:txFillClrLst/>
+    <dgm:txEffectClrLst/>
+  </dgm:styleLbl>
+  <dgm:styleLbl name="node3">
+    <dgm:fillClrLst meth="repeat">
+      <a:schemeClr val="accent1"/>
+    </dgm:fillClrLst>
+    <dgm:linClrLst meth="repeat">
+      <a:schemeClr val="lt1"/>
+    </dgm:linClrLst>
+    <dgm:effectClrLst/>
+    <dgm:txLinClrLst/>
+    <dgm:txFillClrLst/>
+    <dgm:txEffectClrLst/>
+  </dgm:styleLbl>
+  <dgm:styleLbl name="node4">
+    <dgm:fillClrLst meth="repeat">
+      <a:schemeClr val="accent1"/>
+    </dgm:fillClrLst>
+    <dgm:linClrLst meth="repeat">
+      <a:schemeClr val="lt1"/>
+    </dgm:linClrLst>
+    <dgm:effectClrLst/>
+    <dgm:txLinClrLst/>
+    <dgm:txFillClrLst/>
+    <dgm:txEffectClrLst/>
+  </dgm:styleLbl>
+  <dgm:styleLbl name="fgImgPlace1">
+    <dgm:fillClrLst meth="repeat">
+      <a:schemeClr val="accent1">
+        <a:tint val="50000"/>
+      </a:schemeClr>
+    </dgm:fillClrLst>
+    <dgm:linClrLst meth="repeat">
+      <a:schemeClr val="lt1"/>
+    </dgm:linClrLst>
+    <dgm:effectClrLst/>
+    <dgm:txLinClrLst/>
+    <dgm:txFillClrLst meth="repeat">
+      <a:schemeClr val="lt1"/>
+    </dgm:txFillClrLst>
+    <dgm:txEffectClrLst/>
+  </dgm:styleLbl>
+  <dgm:styleLbl name="alignImgPlace1">
+    <dgm:fillClrLst meth="repeat">
+      <a:schemeClr val="accent1">
+        <a:tint val="50000"/>
+      </a:schemeClr>
+    </dgm:fillClrLst>
+    <dgm:linClrLst meth="repeat">
+      <a:schemeClr val="lt1"/>
+    </dgm:linClrLst>
+    <dgm:effectClrLst/>
+    <dgm:txLinClrLst/>
+    <dgm:txFillClrLst meth="repeat">
+      <a:schemeClr val="lt1"/>
+    </dgm:txFillClrLst>
+    <dgm:txEffectClrLst/>
+  </dgm:styleLbl>
+  <dgm:styleLbl name="bgImgPlace1">
+    <dgm:fillClrLst meth="repeat">
+      <a:schemeClr val="accent1">
+        <a:tint val="50000"/>
+      </a:schemeClr>
+    </dgm:fillClrLst>
+    <dgm:linClrLst meth="repeat">
+      <a:schemeClr val="lt1"/>
+    </dgm:linClrLst>
+    <dgm:effectClrLst/>
+    <dgm:txLinClrLst/>
+    <dgm:txFillClrLst meth="repeat">
+      <a:schemeClr val="lt1"/>
+    </dgm:txFillClrLst>
+    <dgm:txEffectClrLst/>
+  </dgm:styleLbl>
+  <dgm:styleLbl name="sibTrans2D1">
+    <dgm:fillClrLst meth="repeat">
+      <a:schemeClr val="accent1">
+        <a:tint val="60000"/>
+      </a:schemeClr>
+    </dgm:fillClrLst>
+    <dgm:linClrLst meth="repeat">
+      <a:schemeClr val="accent1">
+        <a:tint val="60000"/>
+      </a:schemeClr>
+    </dgm:linClrLst>
+    <dgm:effectClrLst/>
+    <dgm:txLinClrLst/>
+    <dgm:txFillClrLst/>
+    <dgm:txEffectClrLst/>
+  </dgm:styleLbl>
+  <dgm:styleLbl name="fgSibTrans2D1">
+    <dgm:fillClrLst meth="repeat">
+      <a:schemeClr val="accent1">
+        <a:tint val="60000"/>
+      </a:schemeClr>
+    </dgm:fillClrLst>
+    <dgm:linClrLst meth="repeat">
+      <a:schemeClr val="accent1">
+        <a:tint val="60000"/>
+      </a:schemeClr>
+    </dgm:linClrLst>
+    <dgm:effectClrLst/>
+    <dgm:txLinClrLst/>
+    <dgm:txFillClrLst/>
+    <dgm:txEffectClrLst/>
+  </dgm:styleLbl>
+  <dgm:styleLbl name="bgSibTrans2D1">
+    <dgm:fillClrLst meth="repeat">
+      <a:schemeClr val="accent1">
+        <a:tint val="60000"/>
+      </a:schemeClr>
+    </dgm:fillClrLst>
+    <dgm:linClrLst meth="repeat">
+      <a:schemeClr val="accent1">
+        <a:tint val="60000"/>
+      </a:schemeClr>
+    </dgm:linClrLst>
+    <dgm:effectClrLst/>
+    <dgm:txLinClrLst/>
+    <dgm:txFillClrLst/>
+    <dgm:txEffectClrLst/>
+  </dgm:styleLbl>
+  <dgm:styleLbl name="sibTrans1D1">
+    <dgm:fillClrLst meth="repeat">
+      <a:schemeClr val="accent1"/>
+    </dgm:fillClrLst>
+    <dgm:linClrLst meth="repeat">
+      <a:schemeClr val="accent1"/>
+    </dgm:linClrLst>
+    <dgm:effectClrLst/>
+    <dgm:txLinClrLst/>
+    <dgm:txFillClrLst meth="repeat">
+      <a:schemeClr val="tx1"/>
+    </dgm:txFillClrLst>
+    <dgm:txEffectClrLst/>
+  </dgm:styleLbl>
+  <dgm:styleLbl name="callout">
+    <dgm:fillClrLst meth="repeat">
+      <a:schemeClr val="accent1"/>
+    </dgm:fillClrLst>
+    <dgm:linClrLst meth="repeat">
+      <a:schemeClr val="accent1">
+        <a:tint val="50000"/>
+      </a:schemeClr>
+    </dgm:linClrLst>
+    <dgm:effectClrLst/>
+    <dgm:txLinClrLst/>
+    <dgm:txFillClrLst meth="repeat">
+      <a:schemeClr val="tx1"/>
+    </dgm:txFillClrLst>
+    <dgm:txEffectClrLst/>
+  </dgm:styleLbl>
+  <dgm:styleLbl name="asst0">
+    <dgm:fillClrLst meth="repeat">
+      <a:schemeClr val="accent1"/>
+    </dgm:fillClrLst>
+    <dgm:linClrLst meth="repeat">
+      <a:schemeClr val="lt1"/>
+    </dgm:linClrLst>
+    <dgm:effectClrLst/>
+    <dgm:txLinClrLst/>
+    <dgm:txFillClrLst/>
+    <dgm:txEffectClrLst/>
+  </dgm:styleLbl>
+  <dgm:styleLbl name="asst1">
+    <dgm:fillClrLst meth="repeat">
+      <a:schemeClr val="accent1"/>
+    </dgm:fillClrLst>
+    <dgm:linClrLst meth="repeat">
+      <a:schemeClr val="lt1"/>
+    </dgm:linClrLst>
+    <dgm:effectClrLst/>
+    <dgm:txLinClrLst/>
+    <dgm:txFillClrLst/>
+    <dgm:txEffectClrLst/>
+  </dgm:styleLbl>
+  <dgm:styleLbl name="asst2">
+    <dgm:fillClrLst meth="repeat">
+      <a:schemeClr val="accent1"/>
+    </dgm:fillClrLst>
+    <dgm:linClrLst meth="repeat">
+      <a:schemeClr val="lt1"/>
+    </dgm:linClrLst>
+    <dgm:effectClrLst/>
+    <dgm:txLinClrLst/>
+    <dgm:txFillClrLst/>
+    <dgm:txEffectClrLst/>
+  </dgm:styleLbl>
+  <dgm:styleLbl name="asst3">
+    <dgm:fillClrLst meth="repeat">
+      <a:schemeClr val="accent1"/>
+    </dgm:fillClrLst>
+    <dgm:linClrLst meth="repeat">
+      <a:schemeClr val="lt1"/>
+    </dgm:linClrLst>
+    <dgm:effectClrLst/>
+    <dgm:txLinClrLst/>
+    <dgm:txFillClrLst/>
+    <dgm:txEffectClrLst/>
+  </dgm:styleLbl>
+  <dgm:styleLbl name="asst4">
+    <dgm:fillClrLst meth="repeat">
+      <a:schemeClr val="accent1"/>
+    </dgm:fillClrLst>
+    <dgm:linClrLst meth="repeat">
+      <a:schemeClr val="lt1"/>
+    </dgm:linClrLst>
+    <dgm:effectClrLst/>
+    <dgm:txLinClrLst/>
+    <dgm:txFillClrLst/>
+    <dgm:txEffectClrLst/>
+  </dgm:styleLbl>
+  <dgm:styleLbl name="parChTrans2D1">
+    <dgm:fillClrLst meth="repeat">
+      <a:schemeClr val="accent1">
+        <a:tint val="60000"/>
+      </a:schemeClr>
+    </dgm:fillClrLst>
+    <dgm:linClrLst meth="repeat">
+      <a:schemeClr val="accent1">
+        <a:tint val="60000"/>
+      </a:schemeClr>
+    </dgm:linClrLst>
+    <dgm:effectClrLst/>
+    <dgm:txLinClrLst/>
+    <dgm:txFillClrLst meth="repeat">
+      <a:schemeClr val="lt1"/>
+    </dgm:txFillClrLst>
+    <dgm:txEffectClrLst/>
+  </dgm:styleLbl>
+  <dgm:styleLbl name="parChTrans2D2">
+    <dgm:fillClrLst meth="repeat">
+      <a:schemeClr val="accent1"/>
+    </dgm:fillClrLst>
+    <dgm:linClrLst meth="repeat">
+      <a:schemeClr val="accent1"/>
+    </dgm:linClrLst>
+    <dgm:effectClrLst/>
+    <dgm:txLinClrLst/>
+    <dgm:txFillClrLst meth="repeat">
+      <a:schemeClr val="lt1"/>
+    </dgm:txFillClrLst>
+    <dgm:txEffectClrLst/>
+  </dgm:styleLbl>
+  <dgm:styleLbl name="parChTrans2D3">
+    <dgm:fillClrLst meth="repeat">
+      <a:schemeClr val="accent1"/>
+    </dgm:fillClrLst>
+    <dgm:linClrLst meth="repeat">
+      <a:schemeClr val="accent1"/>
+    </dgm:linClrLst>
+    <dgm:effectClrLst/>
+    <dgm:txLinClrLst/>
+    <dgm:txFillClrLst meth="repeat">
+      <a:schemeClr val="lt1"/>
+    </dgm:txFillClrLst>
+    <dgm:txEffectClrLst/>
+  </dgm:styleLbl>
+  <dgm:styleLbl name="parChTrans2D4">
+    <dgm:fillClrLst meth="repeat">
+      <a:schemeClr val="accent1"/>
+    </dgm:fillClrLst>
+    <dgm:linClrLst meth="repeat">
+      <a:schemeClr val="accent1"/>
+    </dgm:linClrLst>
+    <dgm:effectClrLst/>
+    <dgm:txLinClrLst/>
+    <dgm:txFillClrLst meth="repeat">
+      <a:schemeClr val="lt1"/>
+    </dgm:txFillClrLst>
+    <dgm:txEffectClrLst/>
+  </dgm:styleLbl>
+  <dgm:styleLbl name="parChTrans1D1">
+    <dgm:fillClrLst meth="repeat">
+      <a:schemeClr val="accent1"/>
+    </dgm:fillClrLst>
+    <dgm:linClrLst meth="repeat">
+      <a:schemeClr val="accent1">
+        <a:shade val="60000"/>
+      </a:schemeClr>
+    </dgm:linClrLst>
+    <dgm:effectClrLst/>
+    <dgm:txLinClrLst/>
+    <dgm:txFillClrLst meth="repeat">
+      <a:schemeClr val="tx1"/>
+    </dgm:txFillClrLst>
+    <dgm:txEffectClrLst/>
+  </dgm:styleLbl>
+  <dgm:styleLbl name="parChTrans1D2">
+    <dgm:fillClrLst meth="repeat">
+      <a:schemeClr val="accent1"/>
+    </dgm:fillClrLst>
+    <dgm:linClrLst meth="repeat">
+      <a:schemeClr val="accent1">
+        <a:shade val="60000"/>
+      </a:schemeClr>
+    </dgm:linClrLst>
+    <dgm:effectClrLst/>
+    <dgm:txLinClrLst/>
+    <dgm:txFillClrLst meth="repeat">
+      <a:schemeClr val="tx1"/>
+    </dgm:txFillClrLst>
+    <dgm:txEffectClrLst/>
+  </dgm:styleLbl>
+  <dgm:styleLbl name="parChTrans1D3">
+    <dgm:fillClrLst meth="repeat">
+      <a:schemeClr val="accent1"/>
+    </dgm:fillClrLst>
+    <dgm:linClrLst meth="repeat">
+      <a:schemeClr val="accent1">
+        <a:shade val="80000"/>
+      </a:schemeClr>
+    </dgm:linClrLst>
+    <dgm:effectClrLst/>
+    <dgm:txLinClrLst/>
+    <dgm:txFillClrLst meth="repeat">
+      <a:schemeClr val="tx1"/>
+    </dgm:txFillClrLst>
+    <dgm:txEffectClrLst/>
+  </dgm:styleLbl>
+  <dgm:styleLbl name="parChTrans1D4">
+    <dgm:fillClrLst meth="repeat">
+      <a:schemeClr val="accent1"/>
+    </dgm:fillClrLst>
+    <dgm:linClrLst meth="repeat">
+      <a:schemeClr val="accent1">
+        <a:shade val="80000"/>
+      </a:schemeClr>
+    </dgm:linClrLst>
+    <dgm:effectClrLst/>
+    <dgm:txLinClrLst/>
+    <dgm:txFillClrLst meth="repeat">
+      <a:schemeClr val="tx1"/>
+    </dgm:txFillClrLst>
+    <dgm:txEffectClrLst/>
+  </dgm:styleLbl>
+  <dgm:styleLbl name="fgAcc1">
+    <dgm:fillClrLst meth="repeat">
+      <a:schemeClr val="lt1">
+        <a:alpha val="90000"/>
+      </a:schemeClr>
+    </dgm:fillClrLst>
+    <dgm:linClrLst meth="repeat">
+      <a:schemeClr val="accent1"/>
+    </dgm:linClrLst>
+    <dgm:effectClrLst/>
+    <dgm:txLinClrLst/>
+    <dgm:txFillClrLst meth="repeat">
+      <a:schemeClr val="dk1"/>
+    </dgm:txFillClrLst>
+    <dgm:txEffectClrLst/>
+  </dgm:styleLbl>
+  <dgm:styleLbl name="conFgAcc1">
+    <dgm:fillClrLst meth="repeat">
+      <a:schemeClr val="lt1">
+        <a:alpha val="90000"/>
+      </a:schemeClr>
+    </dgm:fillClrLst>
+    <dgm:linClrLst meth="repeat">
+      <a:schemeClr val="accent1"/>
+    </dgm:linClrLst>
+    <dgm:effectClrLst/>
+    <dgm:txLinClrLst/>
+    <dgm:txFillClrLst meth="repeat">
+      <a:schemeClr val="dk1"/>
+    </dgm:txFillClrLst>
+    <dgm:txEffectClrLst/>
+  </dgm:styleLbl>
+  <dgm:styleLbl name="alignAcc1">
+    <dgm:fillClrLst meth="repeat">
+      <a:schemeClr val="lt1">
+        <a:alpha val="90000"/>
+      </a:schemeClr>
+    </dgm:fillClrLst>
+    <dgm:linClrLst meth="repeat">
+      <a:schemeClr val="accent1"/>
+    </dgm:linClrLst>
+    <dgm:effectClrLst/>
+    <dgm:txLinClrLst/>
+    <dgm:txFillClrLst meth="repeat">
+      <a:schemeClr val="dk1"/>
+    </dgm:txFillClrLst>
+    <dgm:txEffectClrLst/>
+  </dgm:styleLbl>
+  <dgm:styleLbl name="trAlignAcc1">
+    <dgm:fillClrLst meth="repeat">
+      <a:schemeClr val="lt1">
+        <a:alpha val="40000"/>
+      </a:schemeClr>
+    </dgm:fillClrLst>
+    <dgm:linClrLst meth="repeat">
+      <a:schemeClr val="accent1"/>
+    </dgm:linClrLst>
+    <dgm:effectClrLst/>
+    <dgm:txLinClrLst/>
+    <dgm:txFillClrLst meth="repeat">
+      <a:schemeClr val="dk1"/>
+    </dgm:txFillClrLst>
+    <dgm:txEffectClrLst/>
+  </dgm:styleLbl>
+  <dgm:styleLbl name="bgAcc1">
+    <dgm:fillClrLst meth="repeat">
+      <a:schemeClr val="lt1">
+        <a:alpha val="90000"/>
+      </a:schemeClr>
+    </dgm:fillClrLst>
+    <dgm:linClrLst meth="repeat">
+      <a:schemeClr val="accent1"/>
+    </dgm:linClrLst>
+    <dgm:effectClrLst/>
+    <dgm:txLinClrLst/>
+    <dgm:txFillClrLst meth="repeat">
+      <a:schemeClr val="dk1"/>
+    </dgm:txFillClrLst>
+    <dgm:txEffectClrLst/>
+  </dgm:styleLbl>
+  <dgm:styleLbl name="solidFgAcc1">
+    <dgm:fillClrLst meth="repeat">
+      <a:schemeClr val="lt1"/>
+    </dgm:fillClrLst>
+    <dgm:linClrLst meth="repeat">
+      <a:schemeClr val="accent1"/>
+    </dgm:linClrLst>
+    <dgm:effectClrLst/>
+    <dgm:txLinClrLst/>
+    <dgm:txFillClrLst meth="repeat">
+      <a:schemeClr val="dk1"/>
+    </dgm:txFillClrLst>
+    <dgm:txEffectClrLst/>
+  </dgm:styleLbl>
+  <dgm:styleLbl name="solidAlignAcc1">
+    <dgm:fillClrLst meth="repeat">
+      <a:schemeClr val="lt1"/>
+    </dgm:fillClrLst>
+    <dgm:linClrLst meth="repeat">
+      <a:schemeClr val="accent1"/>
+    </dgm:linClrLst>
+    <dgm:effectClrLst/>
+    <dgm:txLinClrLst/>
+    <dgm:txFillClrLst meth="repeat">
+      <a:schemeClr val="dk1"/>
+    </dgm:txFillClrLst>
+    <dgm:txEffectClrLst/>
+  </dgm:styleLbl>
+  <dgm:styleLbl name="solidBgAcc1">
+    <dgm:fillClrLst meth="repeat">
+      <a:schemeClr val="lt1"/>
+    </dgm:fillClrLst>
+    <dgm:linClrLst meth="repeat">
+      <a:schemeClr val="accent1"/>
+    </dgm:linClrLst>
+    <dgm:effectClrLst/>
+    <dgm:txLinClrLst/>
+    <dgm:txFillClrLst meth="repeat">
+      <a:schemeClr val="dk1"/>
+    </dgm:txFillClrLst>
+    <dgm:txEffectClrLst/>
+  </dgm:styleLbl>
+  <dgm:styleLbl name="fgAccFollowNode1">
+    <dgm:fillClrLst meth="repeat">
+      <a:schemeClr val="accent1">
+        <a:alpha val="90000"/>
+        <a:tint val="40000"/>
+      </a:schemeClr>
+    </dgm:fillClrLst>
+    <dgm:linClrLst meth="repeat">
+      <a:schemeClr val="accent1">
+        <a:alpha val="90000"/>
+        <a:tint val="40000"/>
+      </a:schemeClr>
+    </dgm:linClrLst>
+    <dgm:effectClrLst/>
+    <dgm:txLinClrLst/>
+    <dgm:txFillClrLst meth="repeat">
+      <a:schemeClr val="dk1"/>
+    </dgm:txFillClrLst>
+    <dgm:txEffectClrLst/>
+  </dgm:styleLbl>
+  <dgm:styleLbl name="alignAccFollowNode1">
+    <dgm:fillClrLst meth="repeat">
+      <a:schemeClr val="accent1">
+        <a:alpha val="90000"/>
+        <a:tint val="40000"/>
+      </a:schemeClr>
+    </dgm:fillClrLst>
+    <dgm:linClrLst meth="repeat">
+      <a:schemeClr val="accent1">
+        <a:alpha val="90000"/>
+        <a:tint val="40000"/>
+      </a:schemeClr>
+    </dgm:linClrLst>
+    <dgm:effectClrLst/>
+    <dgm:txLinClrLst/>
+    <dgm:txFillClrLst meth="repeat">
+      <a:schemeClr val="dk1"/>
+    </dgm:txFillClrLst>
+    <dgm:txEffectClrLst/>
+  </dgm:styleLbl>
+  <dgm:styleLbl name="bgAccFollowNode1">
+    <dgm:fillClrLst meth="repeat">
+      <a:schemeClr val="accent1">
+        <a:alpha val="90000"/>
+        <a:tint val="40000"/>
+      </a:schemeClr>
+    </dgm:fillClrLst>
+    <dgm:linClrLst meth="repeat">
+      <a:schemeClr val="accent1">
+        <a:alpha val="90000"/>
+        <a:tint val="40000"/>
+      </a:schemeClr>
+    </dgm:linClrLst>
+    <dgm:effectClrLst/>
+    <dgm:txLinClrLst/>
+    <dgm:txFillClrLst meth="repeat">
+      <a:schemeClr val="dk1"/>
+    </dgm:txFillClrLst>
+    <dgm:txEffectClrLst/>
+  </dgm:styleLbl>
+  <dgm:styleLbl name="fgAcc0">
+    <dgm:fillClrLst meth="repeat">
+      <a:schemeClr val="lt1">
+        <a:alpha val="90000"/>
+      </a:schemeClr>
+    </dgm:fillClrLst>
+    <dgm:linClrLst meth="repeat">
+      <a:schemeClr val="accent1"/>
+    </dgm:linClrLst>
+    <dgm:effectClrLst/>
+    <dgm:txLinClrLst/>
+    <dgm:txFillClrLst meth="repeat">
+      <a:schemeClr val="dk1"/>
+    </dgm:txFillClrLst>
+    <dgm:txEffectClrLst/>
+  </dgm:styleLbl>
+  <dgm:styleLbl name="fgAcc2">
+    <dgm:fillClrLst meth="repeat">
+      <a:schemeClr val="lt1">
+        <a:alpha val="90000"/>
+      </a:schemeClr>
+    </dgm:fillClrLst>
+    <dgm:linClrLst meth="repeat">
+      <a:schemeClr val="accent1"/>
+    </dgm:linClrLst>
+    <dgm:effectClrLst/>
+    <dgm:txLinClrLst/>
+    <dgm:txFillClrLst meth="repeat">
+      <a:schemeClr val="dk1"/>
+    </dgm:txFillClrLst>
+    <dgm:txEffectClrLst/>
+  </dgm:styleLbl>
+  <dgm:styleLbl name="fgAcc3">
+    <dgm:fillClrLst meth="repeat">
+      <a:schemeClr val="lt1">
+        <a:alpha val="90000"/>
+      </a:schemeClr>
+    </dgm:fillClrLst>
+    <dgm:linClrLst meth="repeat">
+      <a:schemeClr val="accent1"/>
+    </dgm:linClrLst>
+    <dgm:effectClrLst/>
+    <dgm:txLinClrLst/>
+    <dgm:txFillClrLst meth="repeat">
+      <a:schemeClr val="dk1"/>
+    </dgm:txFillClrLst>
+    <dgm:txEffectClrLst/>
+  </dgm:styleLbl>
+  <dgm:styleLbl name="fgAcc4">
+    <dgm:fillClrLst meth="repeat">
+      <a:schemeClr val="lt1">
+        <a:alpha val="90000"/>
+      </a:schemeClr>
+    </dgm:fillClrLst>
+    <dgm:linClrLst meth="repeat">
+      <a:schemeClr val="accent1"/>
+    </dgm:linClrLst>
+    <dgm:effectClrLst/>
+    <dgm:txLinClrLst/>
+    <dgm:txFillClrLst meth="repeat">
+      <a:schemeClr val="dk1"/>
+    </dgm:txFillClrLst>
+    <dgm:txEffectClrLst/>
+  </dgm:styleLbl>
+  <dgm:styleLbl name="bgShp">
+    <dgm:fillClrLst meth="repeat">
+      <a:schemeClr val="accent1">
+        <a:tint val="40000"/>
+      </a:schemeClr>
+    </dgm:fillClrLst>
+    <dgm:linClrLst meth="repeat">
+      <a:schemeClr val="accent1"/>
+    </dgm:linClrLst>
+    <dgm:effectClrLst/>
+    <dgm:txLinClrLst/>
+    <dgm:txFillClrLst meth="repeat">
+      <a:schemeClr val="dk1"/>
+    </dgm:txFillClrLst>
+    <dgm:txEffectClrLst/>
+  </dgm:styleLbl>
+  <dgm:styleLbl name="dkBgShp">
+    <dgm:fillClrLst meth="repeat">
+      <a:schemeClr val="accent1">
+        <a:shade val="80000"/>
+      </a:schemeClr>
+    </dgm:fillClrLst>
+    <dgm:linClrLst meth="repeat">
+      <a:schemeClr val="accent1"/>
+    </dgm:linClrLst>
+    <dgm:effectClrLst/>
+    <dgm:txLinClrLst/>
+    <dgm:txFillClrLst meth="repeat">
+      <a:schemeClr val="lt1"/>
+    </dgm:txFillClrLst>
+    <dgm:txEffectClrLst/>
+  </dgm:styleLbl>
+  <dgm:styleLbl name="trBgShp">
+    <dgm:fillClrLst meth="repeat">
+      <a:schemeClr val="accent1">
+        <a:tint val="50000"/>
+        <a:alpha val="40000"/>
+      </a:schemeClr>
+    </dgm:fillClrLst>
+    <dgm:linClrLst meth="repeat">
+      <a:schemeClr val="accent1"/>
+    </dgm:linClrLst>
+    <dgm:effectClrLst/>
+    <dgm:txLinClrLst/>
+    <dgm:txFillClrLst meth="repeat">
+      <a:schemeClr val="lt1"/>
+    </dgm:txFillClrLst>
+    <dgm:txEffectClrLst/>
+  </dgm:styleLbl>
+  <dgm:styleLbl name="fgShp">
+    <dgm:fillClrLst meth="repeat">
+      <a:schemeClr val="accent1">
+        <a:tint val="60000"/>
+      </a:schemeClr>
+    </dgm:fillClrLst>
+    <dgm:linClrLst meth="repeat">
+      <a:schemeClr val="lt1"/>
+    </dgm:linClrLst>
+    <dgm:effectClrLst/>
+    <dgm:txLinClrLst/>
+    <dgm:txFillClrLst meth="repeat">
+      <a:schemeClr val="dk1"/>
+    </dgm:txFillClrLst>
+    <dgm:txEffectClrLst/>
+  </dgm:styleLbl>
+  <dgm:styleLbl name="revTx">
+    <dgm:fillClrLst meth="repeat">
+      <a:schemeClr val="lt1">
+        <a:alpha val="0"/>
+      </a:schemeClr>
+    </dgm:fillClrLst>
+    <dgm:linClrLst meth="repeat">
+      <a:schemeClr val="dk1">
+        <a:alpha val="0"/>
+      </a:schemeClr>
+    </dgm:linClrLst>
+    <dgm:effectClrLst/>
+    <dgm:txLinClrLst/>
+    <dgm:txFillClrLst meth="repeat">
+      <a:schemeClr val="tx1"/>
+    </dgm:txFillClrLst>
+    <dgm:txEffectClrLst/>
+  </dgm:styleLbl>
+</dgm:colorsDef>
+</file>
+
+<file path=ppt/diagrams/colors2.xml><?xml version="1.0" encoding="utf-8"?>
+<dgm:colorsDef xmlns:dgm="http://schemas.openxmlformats.org/drawingml/2006/diagram" xmlns:a="http://schemas.openxmlformats.org/drawingml/2006/main" uniqueId="urn:microsoft.com/office/officeart/2005/8/colors/accent1_2">
+  <dgm:title val=""/>
+  <dgm:desc val=""/>
+  <dgm:catLst>
+    <dgm:cat type="accent1" pri="11200"/>
+  </dgm:catLst>
+  <dgm:styleLbl name="node0">
+    <dgm:fillClrLst meth="repeat">
+      <a:schemeClr val="accent1"/>
+    </dgm:fillClrLst>
+    <dgm:linClrLst meth="repeat">
+      <a:schemeClr val="lt1"/>
+    </dgm:linClrLst>
+    <dgm:effectClrLst/>
+    <dgm:txLinClrLst/>
+    <dgm:txFillClrLst/>
+    <dgm:txEffectClrLst/>
+  </dgm:styleLbl>
+  <dgm:styleLbl name="alignNode1">
+    <dgm:fillClrLst meth="repeat">
+      <a:schemeClr val="accent1"/>
+    </dgm:fillClrLst>
+    <dgm:linClrLst meth="repeat">
+      <a:schemeClr val="accent1"/>
+    </dgm:linClrLst>
+    <dgm:effectClrLst/>
+    <dgm:txLinClrLst/>
+    <dgm:txFillClrLst/>
+    <dgm:txEffectClrLst/>
+  </dgm:styleLbl>
+  <dgm:styleLbl name="node1">
+    <dgm:fillClrLst meth="repeat">
+      <a:schemeClr val="accent1"/>
+    </dgm:fillClrLst>
+    <dgm:linClrLst meth="repeat">
+      <a:schemeClr val="lt1"/>
+    </dgm:linClrLst>
+    <dgm:effectClrLst/>
+    <dgm:txLinClrLst/>
+    <dgm:txFillClrLst/>
+    <dgm:txEffectClrLst/>
+  </dgm:styleLbl>
+  <dgm:styleLbl name="lnNode1">
+    <dgm:fillClrLst meth="repeat">
+      <a:schemeClr val="accent1"/>
+    </dgm:fillClrLst>
+    <dgm:linClrLst meth="repeat">
+      <a:schemeClr val="lt1"/>
+    </dgm:linClrLst>
+    <dgm:effectClrLst/>
+    <dgm:txLinClrLst/>
+    <dgm:txFillClrLst/>
+    <dgm:txEffectClrLst/>
+  </dgm:styleLbl>
+  <dgm:styleLbl name="vennNode1">
+    <dgm:fillClrLst meth="repeat">
+      <a:schemeClr val="accent1">
+        <a:alpha val="50000"/>
+      </a:schemeClr>
+    </dgm:fillClrLst>
+    <dgm:linClrLst meth="repeat">
+      <a:schemeClr val="lt1"/>
+    </dgm:linClrLst>
+    <dgm:effectClrLst/>
+    <dgm:txLinClrLst/>
+    <dgm:txFillClrLst/>
+    <dgm:txEffectClrLst/>
+  </dgm:styleLbl>
+  <dgm:styleLbl name="node2">
+    <dgm:fillClrLst meth="repeat">
+      <a:schemeClr val="accent1"/>
+    </dgm:fillClrLst>
+    <dgm:linClrLst meth="repeat">
+      <a:schemeClr val="lt1"/>
+    </dgm:linClrLst>
+    <dgm:effectClrLst/>
+    <dgm:txLinClrLst/>
+    <dgm:txFillClrLst/>
+    <dgm:txEffectClrLst/>
+  </dgm:styleLbl>
+  <dgm:styleLbl name="node3">
+    <dgm:fillClrLst meth="repeat">
+      <a:schemeClr val="accent1"/>
+    </dgm:fillClrLst>
+    <dgm:linClrLst meth="repeat">
+      <a:schemeClr val="lt1"/>
+    </dgm:linClrLst>
+    <dgm:effectClrLst/>
+    <dgm:txLinClrLst/>
+    <dgm:txFillClrLst/>
+    <dgm:txEffectClrLst/>
+  </dgm:styleLbl>
+  <dgm:styleLbl name="node4">
+    <dgm:fillClrLst meth="repeat">
+      <a:schemeClr val="accent1"/>
+    </dgm:fillClrLst>
+    <dgm:linClrLst meth="repeat">
+      <a:schemeClr val="lt1"/>
+    </dgm:linClrLst>
+    <dgm:effectClrLst/>
+    <dgm:txLinClrLst/>
+    <dgm:txFillClrLst/>
+    <dgm:txEffectClrLst/>
+  </dgm:styleLbl>
+  <dgm:styleLbl name="fgImgPlace1">
+    <dgm:fillClrLst meth="repeat">
+      <a:schemeClr val="accent1">
+        <a:tint val="50000"/>
+      </a:schemeClr>
+    </dgm:fillClrLst>
+    <dgm:linClrLst meth="repeat">
+      <a:schemeClr val="lt1"/>
+    </dgm:linClrLst>
+    <dgm:effectClrLst/>
+    <dgm:txLinClrLst/>
+    <dgm:txFillClrLst meth="repeat">
+      <a:schemeClr val="lt1"/>
+    </dgm:txFillClrLst>
+    <dgm:txEffectClrLst/>
+  </dgm:styleLbl>
+  <dgm:styleLbl name="alignImgPlace1">
+    <dgm:fillClrLst meth="repeat">
+      <a:schemeClr val="accent1">
+        <a:tint val="50000"/>
+      </a:schemeClr>
+    </dgm:fillClrLst>
+    <dgm:linClrLst meth="repeat">
+      <a:schemeClr val="lt1"/>
+    </dgm:linClrLst>
+    <dgm:effectClrLst/>
+    <dgm:txLinClrLst/>
+    <dgm:txFillClrLst meth="repeat">
+      <a:schemeClr val="lt1"/>
+    </dgm:txFillClrLst>
+    <dgm:txEffectClrLst/>
+  </dgm:styleLbl>
+  <dgm:styleLbl name="bgImgPlace1">
+    <dgm:fillClrLst meth="repeat">
+      <a:schemeClr val="accent1">
+        <a:tint val="50000"/>
+      </a:schemeClr>
+    </dgm:fillClrLst>
+    <dgm:linClrLst meth="repeat">
+      <a:schemeClr val="lt1"/>
+    </dgm:linClrLst>
+    <dgm:effectClrLst/>
+    <dgm:txLinClrLst/>
+    <dgm:txFillClrLst meth="repeat">
+      <a:schemeClr val="lt1"/>
+    </dgm:txFillClrLst>
+    <dgm:txEffectClrLst/>
+  </dgm:styleLbl>
+  <dgm:styleLbl name="sibTrans2D1">
+    <dgm:fillClrLst meth="repeat">
+      <a:schemeClr val="accent1">
+        <a:tint val="60000"/>
+      </a:schemeClr>
+    </dgm:fillClrLst>
+    <dgm:linClrLst meth="repeat">
+      <a:schemeClr val="accent1">
+        <a:tint val="60000"/>
+      </a:schemeClr>
+    </dgm:linClrLst>
+    <dgm:effectClrLst/>
+    <dgm:txLinClrLst/>
+    <dgm:txFillClrLst/>
+    <dgm:txEffectClrLst/>
+  </dgm:styleLbl>
+  <dgm:styleLbl name="fgSibTrans2D1">
+    <dgm:fillClrLst meth="repeat">
+      <a:schemeClr val="accent1">
+        <a:tint val="60000"/>
+      </a:schemeClr>
+    </dgm:fillClrLst>
+    <dgm:linClrLst meth="repeat">
+      <a:schemeClr val="accent1">
+        <a:tint val="60000"/>
+      </a:schemeClr>
+    </dgm:linClrLst>
+    <dgm:effectClrLst/>
+    <dgm:txLinClrLst/>
+    <dgm:txFillClrLst/>
+    <dgm:txEffectClrLst/>
+  </dgm:styleLbl>
+  <dgm:styleLbl name="bgSibTrans2D1">
+    <dgm:fillClrLst meth="repeat">
+      <a:schemeClr val="accent1">
+        <a:tint val="60000"/>
+      </a:schemeClr>
+    </dgm:fillClrLst>
+    <dgm:linClrLst meth="repeat">
+      <a:schemeClr val="accent1">
+        <a:tint val="60000"/>
+      </a:schemeClr>
+    </dgm:linClrLst>
+    <dgm:effectClrLst/>
+    <dgm:txLinClrLst/>
+    <dgm:txFillClrLst/>
+    <dgm:txEffectClrLst/>
+  </dgm:styleLbl>
+  <dgm:styleLbl name="sibTrans1D1">
+    <dgm:fillClrLst meth="repeat">
+      <a:schemeClr val="accent1"/>
+    </dgm:fillClrLst>
+    <dgm:linClrLst meth="repeat">
+      <a:schemeClr val="accent1"/>
+    </dgm:linClrLst>
+    <dgm:effectClrLst/>
+    <dgm:txLinClrLst/>
+    <dgm:txFillClrLst meth="repeat">
+      <a:schemeClr val="tx1"/>
+    </dgm:txFillClrLst>
+    <dgm:txEffectClrLst/>
+  </dgm:styleLbl>
+  <dgm:styleLbl name="callout">
+    <dgm:fillClrLst meth="repeat">
+      <a:schemeClr val="accent1"/>
+    </dgm:fillClrLst>
+    <dgm:linClrLst meth="repeat">
+      <a:schemeClr val="accent1">
+        <a:tint val="50000"/>
+      </a:schemeClr>
+    </dgm:linClrLst>
+    <dgm:effectClrLst/>
+    <dgm:txLinClrLst/>
+    <dgm:txFillClrLst meth="repeat">
+      <a:schemeClr val="tx1"/>
+    </dgm:txFillClrLst>
+    <dgm:txEffectClrLst/>
+  </dgm:styleLbl>
+  <dgm:styleLbl name="asst0">
+    <dgm:fillClrLst meth="repeat">
+      <a:schemeClr val="accent1"/>
+    </dgm:fillClrLst>
+    <dgm:linClrLst meth="repeat">
+      <a:schemeClr val="lt1"/>
+    </dgm:linClrLst>
+    <dgm:effectClrLst/>
+    <dgm:txLinClrLst/>
+    <dgm:txFillClrLst/>
+    <dgm:txEffectClrLst/>
+  </dgm:styleLbl>
+  <dgm:styleLbl name="asst1">
+    <dgm:fillClrLst meth="repeat">
+      <a:schemeClr val="accent1"/>
+    </dgm:fillClrLst>
+    <dgm:linClrLst meth="repeat">
+      <a:schemeClr val="lt1"/>
+    </dgm:linClrLst>
+    <dgm:effectClrLst/>
+    <dgm:txLinClrLst/>
+    <dgm:txFillClrLst/>
+    <dgm:txEffectClrLst/>
+  </dgm:styleLbl>
+  <dgm:styleLbl name="asst2">
+    <dgm:fillClrLst meth="repeat">
+      <a:schemeClr val="accent1"/>
+    </dgm:fillClrLst>
+    <dgm:linClrLst meth="repeat">
+      <a:schemeClr val="lt1"/>
+    </dgm:linClrLst>
+    <dgm:effectClrLst/>
+    <dgm:txLinClrLst/>
+    <dgm:txFillClrLst/>
+    <dgm:txEffectClrLst/>
+  </dgm:styleLbl>
+  <dgm:styleLbl name="asst3">
+    <dgm:fillClrLst meth="repeat">
+      <a:schemeClr val="accent1"/>
+    </dgm:fillClrLst>
+    <dgm:linClrLst meth="repeat">
+      <a:schemeClr val="lt1"/>
+    </dgm:linClrLst>
+    <dgm:effectClrLst/>
+    <dgm:txLinClrLst/>
+    <dgm:txFillClrLst/>
+    <dgm:txEffectClrLst/>
+  </dgm:styleLbl>
+  <dgm:styleLbl name="asst4">
+    <dgm:fillClrLst meth="repeat">
+      <a:schemeClr val="accent1"/>
+    </dgm:fillClrLst>
+    <dgm:linClrLst meth="repeat">
+      <a:schemeClr val="lt1"/>
+    </dgm:linClrLst>
+    <dgm:effectClrLst/>
+    <dgm:txLinClrLst/>
+    <dgm:txFillClrLst/>
+    <dgm:txEffectClrLst/>
+  </dgm:styleLbl>
+  <dgm:styleLbl name="parChTrans2D1">
+    <dgm:fillClrLst meth="repeat">
+      <a:schemeClr val="accent1">
+        <a:tint val="60000"/>
+      </a:schemeClr>
+    </dgm:fillClrLst>
+    <dgm:linClrLst meth="repeat">
+      <a:schemeClr val="accent1">
+        <a:tint val="60000"/>
+      </a:schemeClr>
+    </dgm:linClrLst>
+    <dgm:effectClrLst/>
+    <dgm:txLinClrLst/>
+    <dgm:txFillClrLst meth="repeat">
+      <a:schemeClr val="lt1"/>
+    </dgm:txFillClrLst>
+    <dgm:txEffectClrLst/>
+  </dgm:styleLbl>
+  <dgm:styleLbl name="parChTrans2D2">
+    <dgm:fillClrLst meth="repeat">
+      <a:schemeClr val="accent1"/>
+    </dgm:fillClrLst>
+    <dgm:linClrLst meth="repeat">
+      <a:schemeClr val="accent1"/>
+    </dgm:linClrLst>
+    <dgm:effectClrLst/>
+    <dgm:txLinClrLst/>
+    <dgm:txFillClrLst meth="repeat">
+      <a:schemeClr val="lt1"/>
+    </dgm:txFillClrLst>
+    <dgm:txEffectClrLst/>
+  </dgm:styleLbl>
+  <dgm:styleLbl name="parChTrans2D3">
+    <dgm:fillClrLst meth="repeat">
+      <a:schemeClr val="accent1"/>
+    </dgm:fillClrLst>
+    <dgm:linClrLst meth="repeat">
+      <a:schemeClr val="accent1"/>
+    </dgm:linClrLst>
+    <dgm:effectClrLst/>
+    <dgm:txLinClrLst/>
+    <dgm:txFillClrLst meth="repeat">
+      <a:schemeClr val="lt1"/>
+    </dgm:txFillClrLst>
+    <dgm:txEffectClrLst/>
+  </dgm:styleLbl>
+  <dgm:styleLbl name="parChTrans2D4">
+    <dgm:fillClrLst meth="repeat">
+      <a:schemeClr val="accent1"/>
+    </dgm:fillClrLst>
+    <dgm:linClrLst meth="repeat">
+      <a:schemeClr val="accent1"/>
+    </dgm:linClrLst>
+    <dgm:effectClrLst/>
+    <dgm:txLinClrLst/>
+    <dgm:txFillClrLst meth="repeat">
+      <a:schemeClr val="lt1"/>
+    </dgm:txFillClrLst>
+    <dgm:txEffectClrLst/>
+  </dgm:styleLbl>
+  <dgm:styleLbl name="parChTrans1D1">
+    <dgm:fillClrLst meth="repeat">
+      <a:schemeClr val="accent1"/>
+    </dgm:fillClrLst>
+    <dgm:linClrLst meth="repeat">
+      <a:schemeClr val="accent1">
+        <a:shade val="60000"/>
+      </a:schemeClr>
+    </dgm:linClrLst>
+    <dgm:effectClrLst/>
+    <dgm:txLinClrLst/>
+    <dgm:txFillClrLst meth="repeat">
+      <a:schemeClr val="tx1"/>
+    </dgm:txFillClrLst>
+    <dgm:txEffectClrLst/>
+  </dgm:styleLbl>
+  <dgm:styleLbl name="parChTrans1D2">
+    <dgm:fillClrLst meth="repeat">
+      <a:schemeClr val="accent1"/>
+    </dgm:fillClrLst>
+    <dgm:linClrLst meth="repeat">
+      <a:schemeClr val="accent1">
+        <a:shade val="60000"/>
+      </a:schemeClr>
+    </dgm:linClrLst>
+    <dgm:effectClrLst/>
+    <dgm:txLinClrLst/>
+    <dgm:txFillClrLst meth="repeat">
+      <a:schemeClr val="tx1"/>
+    </dgm:txFillClrLst>
+    <dgm:txEffectClrLst/>
+  </dgm:styleLbl>
+  <dgm:styleLbl name="parChTrans1D3">
+    <dgm:fillClrLst meth="repeat">
+      <a:schemeClr val="accent1"/>
+    </dgm:fillClrLst>
+    <dgm:linClrLst meth="repeat">
+      <a:schemeClr val="accent1">
+        <a:shade val="80000"/>
+      </a:schemeClr>
+    </dgm:linClrLst>
+    <dgm:effectClrLst/>
+    <dgm:txLinClrLst/>
+    <dgm:txFillClrLst meth="repeat">
+      <a:schemeClr val="tx1"/>
+    </dgm:txFillClrLst>
+    <dgm:txEffectClrLst/>
+  </dgm:styleLbl>
+  <dgm:styleLbl name="parChTrans1D4">
+    <dgm:fillClrLst meth="repeat">
+      <a:schemeClr val="accent1"/>
+    </dgm:fillClrLst>
+    <dgm:linClrLst meth="repeat">
+      <a:schemeClr val="accent1">
+        <a:shade val="80000"/>
+      </a:schemeClr>
+    </dgm:linClrLst>
+    <dgm:effectClrLst/>
+    <dgm:txLinClrLst/>
+    <dgm:txFillClrLst meth="repeat">
+      <a:schemeClr val="tx1"/>
+    </dgm:txFillClrLst>
+    <dgm:txEffectClrLst/>
+  </dgm:styleLbl>
+  <dgm:styleLbl name="fgAcc1">
+    <dgm:fillClrLst meth="repeat">
+      <a:schemeClr val="lt1">
+        <a:alpha val="90000"/>
+      </a:schemeClr>
+    </dgm:fillClrLst>
+    <dgm:linClrLst meth="repeat">
+      <a:schemeClr val="accent1"/>
+    </dgm:linClrLst>
+    <dgm:effectClrLst/>
+    <dgm:txLinClrLst/>
+    <dgm:txFillClrLst meth="repeat">
+      <a:schemeClr val="dk1"/>
+    </dgm:txFillClrLst>
+    <dgm:txEffectClrLst/>
+  </dgm:styleLbl>
+  <dgm:styleLbl name="conFgAcc1">
+    <dgm:fillClrLst meth="repeat">
+      <a:schemeClr val="lt1">
+        <a:alpha val="90000"/>
+      </a:schemeClr>
+    </dgm:fillClrLst>
+    <dgm:linClrLst meth="repeat">
+      <a:schemeClr val="accent1"/>
+    </dgm:linClrLst>
+    <dgm:effectClrLst/>
+    <dgm:txLinClrLst/>
+    <dgm:txFillClrLst meth="repeat">
+      <a:schemeClr val="dk1"/>
+    </dgm:txFillClrLst>
+    <dgm:txEffectClrLst/>
+  </dgm:styleLbl>
+  <dgm:styleLbl name="alignAcc1">
+    <dgm:fillClrLst meth="repeat">
+      <a:schemeClr val="lt1">
+        <a:alpha val="90000"/>
+      </a:schemeClr>
+    </dgm:fillClrLst>
+    <dgm:linClrLst meth="repeat">
+      <a:schemeClr val="accent1"/>
+    </dgm:linClrLst>
+    <dgm:effectClrLst/>
+    <dgm:txLinClrLst/>
+    <dgm:txFillClrLst meth="repeat">
+      <a:schemeClr val="dk1"/>
+    </dgm:txFillClrLst>
+    <dgm:txEffectClrLst/>
+  </dgm:styleLbl>
+  <dgm:styleLbl name="trAlignAcc1">
+    <dgm:fillClrLst meth="repeat">
+      <a:schemeClr val="lt1">
+        <a:alpha val="40000"/>
+      </a:schemeClr>
+    </dgm:fillClrLst>
+    <dgm:linClrLst meth="repeat">
+      <a:schemeClr val="accent1"/>
+    </dgm:linClrLst>
+    <dgm:effectClrLst/>
+    <dgm:txLinClrLst/>
+    <dgm:txFillClrLst meth="repeat">
+      <a:schemeClr val="dk1"/>
+    </dgm:txFillClrLst>
+    <dgm:txEffectClrLst/>
+  </dgm:styleLbl>
+  <dgm:styleLbl name="bgAcc1">
+    <dgm:fillClrLst meth="repeat">
+      <a:schemeClr val="lt1">
+        <a:alpha val="90000"/>
+      </a:schemeClr>
+    </dgm:fillClrLst>
+    <dgm:linClrLst meth="repeat">
+      <a:schemeClr val="accent1"/>
+    </dgm:linClrLst>
+    <dgm:effectClrLst/>
+    <dgm:txLinClrLst/>
+    <dgm:txFillClrLst meth="repeat">
+      <a:schemeClr val="dk1"/>
+    </dgm:txFillClrLst>
+    <dgm:txEffectClrLst/>
+  </dgm:styleLbl>
+  <dgm:styleLbl name="solidFgAcc1">
+    <dgm:fillClrLst meth="repeat">
+      <a:schemeClr val="lt1"/>
+    </dgm:fillClrLst>
+    <dgm:linClrLst meth="repeat">
+      <a:schemeClr val="accent1"/>
+    </dgm:linClrLst>
+    <dgm:effectClrLst/>
+    <dgm:txLinClrLst/>
+    <dgm:txFillClrLst meth="repeat">
+      <a:schemeClr val="dk1"/>
+    </dgm:txFillClrLst>
+    <dgm:txEffectClrLst/>
+  </dgm:styleLbl>
+  <dgm:styleLbl name="solidAlignAcc1">
+    <dgm:fillClrLst meth="repeat">
+      <a:schemeClr val="lt1"/>
+    </dgm:fillClrLst>
+    <dgm:linClrLst meth="repeat">
+      <a:schemeClr val="accent1"/>
+    </dgm:linClrLst>
+    <dgm:effectClrLst/>
+    <dgm:txLinClrLst/>
+    <dgm:txFillClrLst meth="repeat">
+      <a:schemeClr val="dk1"/>
+    </dgm:txFillClrLst>
+    <dgm:txEffectClrLst/>
+  </dgm:styleLbl>
+  <dgm:styleLbl name="solidBgAcc1">
+    <dgm:fillClrLst meth="repeat">
+      <a:schemeClr val="lt1"/>
+    </dgm:fillClrLst>
+    <dgm:linClrLst meth="repeat">
+      <a:schemeClr val="accent1"/>
+    </dgm:linClrLst>
+    <dgm:effectClrLst/>
+    <dgm:txLinClrLst/>
+    <dgm:txFillClrLst meth="repeat">
+      <a:schemeClr val="dk1"/>
+    </dgm:txFillClrLst>
+    <dgm:txEffectClrLst/>
+  </dgm:styleLbl>
+  <dgm:styleLbl name="fgAccFollowNode1">
+    <dgm:fillClrLst meth="repeat">
+      <a:schemeClr val="accent1">
+        <a:alpha val="90000"/>
+        <a:tint val="40000"/>
+      </a:schemeClr>
+    </dgm:fillClrLst>
+    <dgm:linClrLst meth="repeat">
+      <a:schemeClr val="accent1">
+        <a:alpha val="90000"/>
+        <a:tint val="40000"/>
+      </a:schemeClr>
+    </dgm:linClrLst>
+    <dgm:effectClrLst/>
+    <dgm:txLinClrLst/>
+    <dgm:txFillClrLst meth="repeat">
+      <a:schemeClr val="dk1"/>
+    </dgm:txFillClrLst>
+    <dgm:txEffectClrLst/>
+  </dgm:styleLbl>
+  <dgm:styleLbl name="alignAccFollowNode1">
+    <dgm:fillClrLst meth="repeat">
+      <a:schemeClr val="accent1">
+        <a:alpha val="90000"/>
+        <a:tint val="40000"/>
+      </a:schemeClr>
+    </dgm:fillClrLst>
+    <dgm:linClrLst meth="repeat">
+      <a:schemeClr val="accent1">
+        <a:alpha val="90000"/>
+        <a:tint val="40000"/>
+      </a:schemeClr>
+    </dgm:linClrLst>
+    <dgm:effectClrLst/>
+    <dgm:txLinClrLst/>
+    <dgm:txFillClrLst meth="repeat">
+      <a:schemeClr val="dk1"/>
+    </dgm:txFillClrLst>
+    <dgm:txEffectClrLst/>
+  </dgm:styleLbl>
+  <dgm:styleLbl name="bgAccFollowNode1">
+    <dgm:fillClrLst meth="repeat">
+      <a:schemeClr val="accent1">
+        <a:alpha val="90000"/>
+        <a:tint val="40000"/>
+      </a:schemeClr>
+    </dgm:fillClrLst>
+    <dgm:linClrLst meth="repeat">
+      <a:schemeClr val="accent1">
+        <a:alpha val="90000"/>
+        <a:tint val="40000"/>
+      </a:schemeClr>
+    </dgm:linClrLst>
+    <dgm:effectClrLst/>
+    <dgm:txLinClrLst/>
+    <dgm:txFillClrLst meth="repeat">
+      <a:schemeClr val="dk1"/>
+    </dgm:txFillClrLst>
+    <dgm:txEffectClrLst/>
+  </dgm:styleLbl>
+  <dgm:styleLbl name="fgAcc0">
+    <dgm:fillClrLst meth="repeat">
+      <a:schemeClr val="lt1">
+        <a:alpha val="90000"/>
+      </a:schemeClr>
+    </dgm:fillClrLst>
+    <dgm:linClrLst meth="repeat">
+      <a:schemeClr val="accent1"/>
+    </dgm:linClrLst>
+    <dgm:effectClrLst/>
+    <dgm:txLinClrLst/>
+    <dgm:txFillClrLst meth="repeat">
+      <a:schemeClr val="dk1"/>
+    </dgm:txFillClrLst>
+    <dgm:txEffectClrLst/>
+  </dgm:styleLbl>
+  <dgm:styleLbl name="fgAcc2">
+    <dgm:fillClrLst meth="repeat">
+      <a:schemeClr val="lt1">
+        <a:alpha val="90000"/>
+      </a:schemeClr>
+    </dgm:fillClrLst>
+    <dgm:linClrLst meth="repeat">
+      <a:schemeClr val="accent1"/>
+    </dgm:linClrLst>
+    <dgm:effectClrLst/>
+    <dgm:txLinClrLst/>
+    <dgm:txFillClrLst meth="repeat">
+      <a:schemeClr val="dk1"/>
+    </dgm:txFillClrLst>
+    <dgm:txEffectClrLst/>
+  </dgm:styleLbl>
+  <dgm:styleLbl name="fgAcc3">
+    <dgm:fillClrLst meth="repeat">
+      <a:schemeClr val="lt1">
+        <a:alpha val="90000"/>
+      </a:schemeClr>
+    </dgm:fillClrLst>
+    <dgm:linClrLst meth="repeat">
+      <a:schemeClr val="accent1"/>
+    </dgm:linClrLst>
+    <dgm:effectClrLst/>
+    <dgm:txLinClrLst/>
+    <dgm:txFillClrLst meth="repeat">
+      <a:schemeClr val="dk1"/>
+    </dgm:txFillClrLst>
+    <dgm:txEffectClrLst/>
+  </dgm:styleLbl>
+  <dgm:styleLbl name="fgAcc4">
+    <dgm:fillClrLst meth="repeat">
+      <a:schemeClr val="lt1">
+        <a:alpha val="90000"/>
+      </a:schemeClr>
+    </dgm:fillClrLst>
+    <dgm:linClrLst meth="repeat">
+      <a:schemeClr val="accent1"/>
+    </dgm:linClrLst>
+    <dgm:effectClrLst/>
+    <dgm:txLinClrLst/>
+    <dgm:txFillClrLst meth="repeat">
+      <a:schemeClr val="dk1"/>
+    </dgm:txFillClrLst>
+    <dgm:txEffectClrLst/>
+  </dgm:styleLbl>
+  <dgm:styleLbl name="bgShp">
+    <dgm:fillClrLst meth="repeat">
+      <a:schemeClr val="accent1">
+        <a:tint val="40000"/>
+      </a:schemeClr>
+    </dgm:fillClrLst>
+    <dgm:linClrLst meth="repeat">
+      <a:schemeClr val="accent1"/>
+    </dgm:linClrLst>
+    <dgm:effectClrLst/>
+    <dgm:txLinClrLst/>
+    <dgm:txFillClrLst meth="repeat">
+      <a:schemeClr val="dk1"/>
+    </dgm:txFillClrLst>
+    <dgm:txEffectClrLst/>
+  </dgm:styleLbl>
+  <dgm:styleLbl name="dkBgShp">
+    <dgm:fillClrLst meth="repeat">
+      <a:schemeClr val="accent1">
+        <a:shade val="80000"/>
+      </a:schemeClr>
+    </dgm:fillClrLst>
+    <dgm:linClrLst meth="repeat">
+      <a:schemeClr val="accent1"/>
+    </dgm:linClrLst>
+    <dgm:effectClrLst/>
+    <dgm:txLinClrLst/>
+    <dgm:txFillClrLst meth="repeat">
+      <a:schemeClr val="lt1"/>
+    </dgm:txFillClrLst>
+    <dgm:txEffectClrLst/>
+  </dgm:styleLbl>
+  <dgm:styleLbl name="trBgShp">
+    <dgm:fillClrLst meth="repeat">
+      <a:schemeClr val="accent1">
+        <a:tint val="50000"/>
+        <a:alpha val="40000"/>
+      </a:schemeClr>
+    </dgm:fillClrLst>
+    <dgm:linClrLst meth="repeat">
+      <a:schemeClr val="accent1"/>
+    </dgm:linClrLst>
+    <dgm:effectClrLst/>
+    <dgm:txLinClrLst/>
+    <dgm:txFillClrLst meth="repeat">
+      <a:schemeClr val="lt1"/>
+    </dgm:txFillClrLst>
+    <dgm:txEffectClrLst/>
+  </dgm:styleLbl>
+  <dgm:styleLbl name="fgShp">
+    <dgm:fillClrLst meth="repeat">
+      <a:schemeClr val="accent1">
+        <a:tint val="60000"/>
+      </a:schemeClr>
+    </dgm:fillClrLst>
+    <dgm:linClrLst meth="repeat">
+      <a:schemeClr val="lt1"/>
+    </dgm:linClrLst>
+    <dgm:effectClrLst/>
+    <dgm:txLinClrLst/>
+    <dgm:txFillClrLst meth="repeat">
+      <a:schemeClr val="dk1"/>
+    </dgm:txFillClrLst>
+    <dgm:txEffectClrLst/>
+  </dgm:styleLbl>
+  <dgm:styleLbl name="revTx">
+    <dgm:fillClrLst meth="repeat">
+      <a:schemeClr val="lt1">
+        <a:alpha val="0"/>
+      </a:schemeClr>
+    </dgm:fillClrLst>
+    <dgm:linClrLst meth="repeat">
+      <a:schemeClr val="dk1">
+        <a:alpha val="0"/>
+      </a:schemeClr>
+    </dgm:linClrLst>
+    <dgm:effectClrLst/>
+    <dgm:txLinClrLst/>
+    <dgm:txFillClrLst meth="repeat">
+      <a:schemeClr val="tx1"/>
+    </dgm:txFillClrLst>
+    <dgm:txEffectClrLst/>
+  </dgm:styleLbl>
+</dgm:colorsDef>
+</file>
+
+<file path=ppt/diagrams/data1.xml><?xml version="1.0" encoding="utf-8"?>
+<dgm:dataModel xmlns:dgm="http://schemas.openxmlformats.org/drawingml/2006/diagram" xmlns:a="http://schemas.openxmlformats.org/drawingml/2006/main">
+  <dgm:ptLst>
+    <dgm:pt modelId="{15612445-E8FD-46A0-B70C-96D5D1BAD06E}" type="doc">
+      <dgm:prSet loTypeId="urn:microsoft.com/office/officeart/2005/8/layout/radial2" loCatId="relationship" qsTypeId="urn:microsoft.com/office/officeart/2005/8/quickstyle/simple1" qsCatId="simple" csTypeId="urn:microsoft.com/office/officeart/2005/8/colors/accent1_2" csCatId="accent1" phldr="1"/>
+      <dgm:spPr/>
+      <dgm:t>
+        <a:bodyPr/>
+        <a:lstStyle/>
+        <a:p>
+          <a:endParaRPr lang="en-US"/>
+        </a:p>
+      </dgm:t>
+    </dgm:pt>
+    <dgm:pt modelId="{F2084A1E-FDEF-4458-9A80-0752CE8EDD87}">
+      <dgm:prSet phldrT="[Text]"/>
+      <dgm:spPr/>
+      <dgm:t>
+        <a:bodyPr/>
+        <a:lstStyle/>
+        <a:p>
+          <a:r>
+            <a:rPr lang="en-US" dirty="0" smtClean="0"/>
+            <a:t>1. Store Requirements</a:t>
+          </a:r>
+          <a:endParaRPr lang="en-US" dirty="0"/>
+        </a:p>
+      </dgm:t>
+    </dgm:pt>
+    <dgm:pt modelId="{69C847DD-8975-48AF-9E19-B7ED890BEDC1}" type="parTrans" cxnId="{7300D8A9-7E1C-4C22-AD16-BC41CB60A6E2}">
+      <dgm:prSet/>
+      <dgm:spPr/>
+      <dgm:t>
+        <a:bodyPr/>
+        <a:lstStyle/>
+        <a:p>
+          <a:endParaRPr lang="en-US"/>
+        </a:p>
+      </dgm:t>
+    </dgm:pt>
+    <dgm:pt modelId="{558B313C-786A-460C-A8CC-2E19406D4B56}" type="sibTrans" cxnId="{7300D8A9-7E1C-4C22-AD16-BC41CB60A6E2}">
+      <dgm:prSet/>
+      <dgm:spPr/>
+      <dgm:t>
+        <a:bodyPr/>
+        <a:lstStyle/>
+        <a:p>
+          <a:endParaRPr lang="en-US"/>
+        </a:p>
+      </dgm:t>
+    </dgm:pt>
+    <dgm:pt modelId="{CDCACF33-A244-4BED-BAF4-EDBF180FC8D3}">
+      <dgm:prSet phldrT="[Text]"/>
+      <dgm:spPr/>
+      <dgm:t>
+        <a:bodyPr/>
+        <a:lstStyle/>
+        <a:p>
+          <a:r>
+            <a:rPr lang="en-US" dirty="0" smtClean="0"/>
+            <a:t>Xml file</a:t>
+          </a:r>
+          <a:endParaRPr lang="en-US" dirty="0"/>
+        </a:p>
+      </dgm:t>
+    </dgm:pt>
+    <dgm:pt modelId="{CF1FC038-AE8B-485E-A1A2-09B90DEA566E}" type="parTrans" cxnId="{768E826B-7711-4CD1-9991-5BCF53FD6854}">
+      <dgm:prSet/>
+      <dgm:spPr/>
+      <dgm:t>
+        <a:bodyPr/>
+        <a:lstStyle/>
+        <a:p>
+          <a:endParaRPr lang="en-US"/>
+        </a:p>
+      </dgm:t>
+    </dgm:pt>
+    <dgm:pt modelId="{58B85F34-C3C4-4C6D-A835-E0785526F45E}" type="sibTrans" cxnId="{768E826B-7711-4CD1-9991-5BCF53FD6854}">
+      <dgm:prSet/>
+      <dgm:spPr/>
+      <dgm:t>
+        <a:bodyPr/>
+        <a:lstStyle/>
+        <a:p>
+          <a:endParaRPr lang="en-US"/>
+        </a:p>
+      </dgm:t>
+    </dgm:pt>
+    <dgm:pt modelId="{A8398DA1-353A-45D8-BDB2-F6D9174F75BB}">
+      <dgm:prSet phldrT="[Text]"/>
+      <dgm:spPr/>
+      <dgm:t>
+        <a:bodyPr/>
+        <a:lstStyle/>
+        <a:p>
+          <a:r>
+            <a:rPr lang="en-US" dirty="0" smtClean="0"/>
+            <a:t>Requirements and Document Settings</a:t>
+          </a:r>
+          <a:endParaRPr lang="en-US" dirty="0"/>
+        </a:p>
+      </dgm:t>
+    </dgm:pt>
+    <dgm:pt modelId="{86329AF8-4FAA-47B7-ABD4-AAD6E288AA17}" type="parTrans" cxnId="{5D2E51A6-1149-400E-8D73-A4891AE5410F}">
+      <dgm:prSet/>
+      <dgm:spPr/>
+      <dgm:t>
+        <a:bodyPr/>
+        <a:lstStyle/>
+        <a:p>
+          <a:endParaRPr lang="en-US"/>
+        </a:p>
+      </dgm:t>
+    </dgm:pt>
+    <dgm:pt modelId="{732B6DB8-B879-4C28-A158-E363D892D786}" type="sibTrans" cxnId="{5D2E51A6-1149-400E-8D73-A4891AE5410F}">
+      <dgm:prSet/>
+      <dgm:spPr/>
+      <dgm:t>
+        <a:bodyPr/>
+        <a:lstStyle/>
+        <a:p>
+          <a:endParaRPr lang="en-US"/>
+        </a:p>
+      </dgm:t>
+    </dgm:pt>
+    <dgm:pt modelId="{4996626F-C073-4D39-8D2B-24E2B006D958}">
+      <dgm:prSet phldrT="[Text]"/>
+      <dgm:spPr/>
+      <dgm:t>
+        <a:bodyPr/>
+        <a:lstStyle/>
+        <a:p>
+          <a:r>
+            <a:rPr lang="en-US" dirty="0" smtClean="0"/>
+            <a:t>2. Track Project Requirements</a:t>
+          </a:r>
+          <a:endParaRPr lang="en-US" dirty="0"/>
+        </a:p>
+      </dgm:t>
+    </dgm:pt>
+    <dgm:pt modelId="{AAE95A1D-5022-48B4-9A75-E9F74E07E27B}" type="parTrans" cxnId="{688B1688-13CD-4B24-9201-EEE48C328A23}">
+      <dgm:prSet/>
+      <dgm:spPr/>
+      <dgm:t>
+        <a:bodyPr/>
+        <a:lstStyle/>
+        <a:p>
+          <a:endParaRPr lang="en-US"/>
+        </a:p>
+      </dgm:t>
+    </dgm:pt>
+    <dgm:pt modelId="{9D8A4188-0C41-4133-8EF4-E6F3FF605923}" type="sibTrans" cxnId="{688B1688-13CD-4B24-9201-EEE48C328A23}">
+      <dgm:prSet/>
+      <dgm:spPr/>
+      <dgm:t>
+        <a:bodyPr/>
+        <a:lstStyle/>
+        <a:p>
+          <a:endParaRPr lang="en-US"/>
+        </a:p>
+      </dgm:t>
+    </dgm:pt>
+    <dgm:pt modelId="{27EE3672-6EA2-4C66-97BD-2EE8419A0732}">
+      <dgm:prSet phldrT="[Text]"/>
+      <dgm:spPr/>
+      <dgm:t>
+        <a:bodyPr/>
+        <a:lstStyle/>
+        <a:p>
+          <a:r>
+            <a:rPr lang="en-US" dirty="0" smtClean="0"/>
+            <a:t>Perform Code Coverage</a:t>
+          </a:r>
+          <a:endParaRPr lang="en-US" dirty="0"/>
+        </a:p>
+      </dgm:t>
+    </dgm:pt>
+    <dgm:pt modelId="{0B94DBD4-15FB-4409-9D08-72CD98FFF9CC}" type="parTrans" cxnId="{FBD468BC-8CAF-41C5-AFC5-0EB152A17E59}">
+      <dgm:prSet/>
+      <dgm:spPr/>
+      <dgm:t>
+        <a:bodyPr/>
+        <a:lstStyle/>
+        <a:p>
+          <a:endParaRPr lang="en-US"/>
+        </a:p>
+      </dgm:t>
+    </dgm:pt>
+    <dgm:pt modelId="{E6BC6304-3716-4550-B6FC-A596325445AC}" type="sibTrans" cxnId="{FBD468BC-8CAF-41C5-AFC5-0EB152A17E59}">
+      <dgm:prSet/>
+      <dgm:spPr/>
+      <dgm:t>
+        <a:bodyPr/>
+        <a:lstStyle/>
+        <a:p>
+          <a:endParaRPr lang="en-US"/>
+        </a:p>
+      </dgm:t>
+    </dgm:pt>
+    <dgm:pt modelId="{BEF4E5E4-4B8E-474E-8E98-3EE06257D7EF}">
+      <dgm:prSet phldrT="[Text]"/>
+      <dgm:spPr/>
+      <dgm:t>
+        <a:bodyPr/>
+        <a:lstStyle/>
+        <a:p>
+          <a:r>
+            <a:rPr lang="en-US" dirty="0" smtClean="0"/>
+            <a:t>3. Monitor Requirements</a:t>
+          </a:r>
+          <a:endParaRPr lang="en-US" dirty="0"/>
+        </a:p>
+      </dgm:t>
+    </dgm:pt>
+    <dgm:pt modelId="{D92FFB5F-C9EF-4071-A69C-34EB7F2C523F}" type="parTrans" cxnId="{2A097072-C131-4F7F-8391-8645DE813B88}">
+      <dgm:prSet/>
+      <dgm:spPr/>
+      <dgm:t>
+        <a:bodyPr/>
+        <a:lstStyle/>
+        <a:p>
+          <a:endParaRPr lang="en-US"/>
+        </a:p>
+      </dgm:t>
+    </dgm:pt>
+    <dgm:pt modelId="{DEFC3426-335C-4F71-8E1D-80029472C3FD}" type="sibTrans" cxnId="{2A097072-C131-4F7F-8391-8645DE813B88}">
+      <dgm:prSet/>
+      <dgm:spPr/>
+      <dgm:t>
+        <a:bodyPr/>
+        <a:lstStyle/>
+        <a:p>
+          <a:endParaRPr lang="en-US"/>
+        </a:p>
+      </dgm:t>
+    </dgm:pt>
+    <dgm:pt modelId="{15A39E0B-71A5-42DF-82AC-679A5854954A}">
+      <dgm:prSet phldrT="[Text]"/>
+      <dgm:spPr/>
+      <dgm:t>
+        <a:bodyPr/>
+        <a:lstStyle/>
+        <a:p>
+          <a:r>
+            <a:rPr lang="en-US" dirty="0" smtClean="0"/>
+            <a:t>Track Requirements Change</a:t>
+          </a:r>
+          <a:endParaRPr lang="en-US" dirty="0"/>
+        </a:p>
+      </dgm:t>
+    </dgm:pt>
+    <dgm:pt modelId="{C143BBC4-7162-41B6-93A4-3FD171ECB543}" type="parTrans" cxnId="{236882C4-07F5-4F82-8E85-A69A24473568}">
+      <dgm:prSet/>
+      <dgm:spPr/>
+      <dgm:t>
+        <a:bodyPr/>
+        <a:lstStyle/>
+        <a:p>
+          <a:endParaRPr lang="en-US"/>
+        </a:p>
+      </dgm:t>
+    </dgm:pt>
+    <dgm:pt modelId="{A144092E-5F06-4AB4-846D-DAD51A89FFF8}" type="sibTrans" cxnId="{236882C4-07F5-4F82-8E85-A69A24473568}">
+      <dgm:prSet/>
+      <dgm:spPr/>
+      <dgm:t>
+        <a:bodyPr/>
+        <a:lstStyle/>
+        <a:p>
+          <a:endParaRPr lang="en-US"/>
+        </a:p>
+      </dgm:t>
+    </dgm:pt>
+    <dgm:pt modelId="{24A58D54-A651-43D8-AF96-B5A6B10D05E0}">
+      <dgm:prSet phldrT="[Text]"/>
+      <dgm:spPr/>
+      <dgm:t>
+        <a:bodyPr/>
+        <a:lstStyle/>
+        <a:p>
+          <a:r>
+            <a:rPr lang="en-US" dirty="0" smtClean="0"/>
+            <a:t>5. </a:t>
+          </a:r>
+          <a:r>
+            <a:rPr lang="en-US" dirty="0" err="1" smtClean="0"/>
+            <a:t>Statictics</a:t>
+          </a:r>
+          <a:endParaRPr lang="en-US" dirty="0"/>
+        </a:p>
+      </dgm:t>
+    </dgm:pt>
+    <dgm:pt modelId="{A3086E40-0730-44D3-9019-84A926407B09}" type="parTrans" cxnId="{31D827F6-D922-4354-82B9-CC742FFFC5AF}">
+      <dgm:prSet/>
+      <dgm:spPr/>
+      <dgm:t>
+        <a:bodyPr/>
+        <a:lstStyle/>
+        <a:p>
+          <a:endParaRPr lang="en-US"/>
+        </a:p>
+      </dgm:t>
+    </dgm:pt>
+    <dgm:pt modelId="{E21DD2D5-62F8-447A-8FBE-A2B575D62EF4}" type="sibTrans" cxnId="{31D827F6-D922-4354-82B9-CC742FFFC5AF}">
+      <dgm:prSet/>
+      <dgm:spPr/>
+      <dgm:t>
+        <a:bodyPr/>
+        <a:lstStyle/>
+        <a:p>
+          <a:endParaRPr lang="en-US"/>
+        </a:p>
+      </dgm:t>
+    </dgm:pt>
+    <dgm:pt modelId="{365DA76D-1C7E-4DE6-B68B-1FC7FBC42DFC}">
+      <dgm:prSet phldrT="[Text]"/>
+      <dgm:spPr/>
+      <dgm:t>
+        <a:bodyPr/>
+        <a:lstStyle/>
+        <a:p>
+          <a:r>
+            <a:rPr lang="en-US" dirty="0" smtClean="0"/>
+            <a:t>4. Compare Between Baselines</a:t>
+          </a:r>
+          <a:endParaRPr lang="en-US" dirty="0"/>
+        </a:p>
+      </dgm:t>
+    </dgm:pt>
+    <dgm:pt modelId="{21899489-846D-4F60-8D92-02A155F2CC7C}" type="parTrans" cxnId="{1050083E-B671-4E54-A887-8B694645C4BF}">
+      <dgm:prSet/>
+      <dgm:spPr/>
+      <dgm:t>
+        <a:bodyPr/>
+        <a:lstStyle/>
+        <a:p>
+          <a:endParaRPr lang="en-US"/>
+        </a:p>
+      </dgm:t>
+    </dgm:pt>
+    <dgm:pt modelId="{ED125C1A-988E-489C-9332-372FF042816D}" type="sibTrans" cxnId="{1050083E-B671-4E54-A887-8B694645C4BF}">
+      <dgm:prSet/>
+      <dgm:spPr/>
+      <dgm:t>
+        <a:bodyPr/>
+        <a:lstStyle/>
+        <a:p>
+          <a:endParaRPr lang="en-US"/>
+        </a:p>
+      </dgm:t>
+    </dgm:pt>
+    <dgm:pt modelId="{D6CAEDD6-4295-4F20-BC44-0792C4F34543}">
+      <dgm:prSet phldrT="[Text]"/>
+      <dgm:spPr/>
+      <dgm:t>
+        <a:bodyPr/>
+        <a:lstStyle/>
+        <a:p>
+          <a:r>
+            <a:rPr lang="en-US" dirty="0" smtClean="0"/>
+            <a:t>Check the changes between Baselines</a:t>
+          </a:r>
+          <a:endParaRPr lang="en-US" dirty="0"/>
+        </a:p>
+      </dgm:t>
+    </dgm:pt>
+    <dgm:pt modelId="{62695632-C651-4452-8345-C3EFC1370BE2}" type="parTrans" cxnId="{4CF15E2C-34F6-4444-8865-50F3F06D08C9}">
+      <dgm:prSet/>
+      <dgm:spPr/>
+      <dgm:t>
+        <a:bodyPr/>
+        <a:lstStyle/>
+        <a:p>
+          <a:endParaRPr lang="en-US"/>
+        </a:p>
+      </dgm:t>
+    </dgm:pt>
+    <dgm:pt modelId="{E201BCDE-E856-4CDE-ACA6-AA3E73D377D3}" type="sibTrans" cxnId="{4CF15E2C-34F6-4444-8865-50F3F06D08C9}">
+      <dgm:prSet/>
+      <dgm:spPr/>
+      <dgm:t>
+        <a:bodyPr/>
+        <a:lstStyle/>
+        <a:p>
+          <a:endParaRPr lang="en-US"/>
+        </a:p>
+      </dgm:t>
+    </dgm:pt>
+    <dgm:pt modelId="{5DECD265-3593-4081-A818-CD1E8CFC61CC}">
+      <dgm:prSet phldrT="[Text]"/>
+      <dgm:spPr/>
+      <dgm:t>
+        <a:bodyPr/>
+        <a:lstStyle/>
+        <a:p>
+          <a:r>
+            <a:rPr lang="en-US" dirty="0" smtClean="0"/>
+            <a:t>Code Coverage Percentage</a:t>
+          </a:r>
+          <a:endParaRPr lang="en-US" dirty="0"/>
+        </a:p>
+      </dgm:t>
+    </dgm:pt>
+    <dgm:pt modelId="{6FE6B167-7E17-43C5-ACA7-0B874177F4A5}" type="parTrans" cxnId="{B55934BF-A88A-48E4-B713-3E9D5E8D9D30}">
+      <dgm:prSet/>
+      <dgm:spPr/>
+      <dgm:t>
+        <a:bodyPr/>
+        <a:lstStyle/>
+        <a:p>
+          <a:endParaRPr lang="en-US"/>
+        </a:p>
+      </dgm:t>
+    </dgm:pt>
+    <dgm:pt modelId="{CEC989B5-4C5E-4B93-86E4-C49EA1AD2A6D}" type="sibTrans" cxnId="{B55934BF-A88A-48E4-B713-3E9D5E8D9D30}">
+      <dgm:prSet/>
+      <dgm:spPr/>
+      <dgm:t>
+        <a:bodyPr/>
+        <a:lstStyle/>
+        <a:p>
+          <a:endParaRPr lang="en-US"/>
+        </a:p>
+      </dgm:t>
+    </dgm:pt>
+    <dgm:pt modelId="{968809A9-6636-4192-A609-44F58DC7B28C}">
+      <dgm:prSet phldrT="[Text]"/>
+      <dgm:spPr/>
+      <dgm:t>
+        <a:bodyPr/>
+        <a:lstStyle/>
+        <a:p>
+          <a:r>
+            <a:rPr lang="en-US" dirty="0" smtClean="0"/>
+            <a:t>Version Mismatch Requirements</a:t>
+          </a:r>
+          <a:endParaRPr lang="en-US" dirty="0"/>
+        </a:p>
+      </dgm:t>
+    </dgm:pt>
+    <dgm:pt modelId="{FF1E0EC6-638D-4F50-9DF6-66C4243C7ECB}" type="parTrans" cxnId="{384C9DA2-F202-4EAF-AF5F-CF50A3C25B64}">
+      <dgm:prSet/>
+      <dgm:spPr/>
+      <dgm:t>
+        <a:bodyPr/>
+        <a:lstStyle/>
+        <a:p>
+          <a:endParaRPr lang="en-US"/>
+        </a:p>
+      </dgm:t>
+    </dgm:pt>
+    <dgm:pt modelId="{55D569BD-E578-4D9A-872B-8BB3D57D4BE5}" type="sibTrans" cxnId="{384C9DA2-F202-4EAF-AF5F-CF50A3C25B64}">
+      <dgm:prSet/>
+      <dgm:spPr/>
+      <dgm:t>
+        <a:bodyPr/>
+        <a:lstStyle/>
+        <a:p>
+          <a:endParaRPr lang="en-US"/>
+        </a:p>
+      </dgm:t>
+    </dgm:pt>
+    <dgm:pt modelId="{CF9D4D41-34BB-43EB-9DCC-460A32582F0A}" type="pres">
+      <dgm:prSet presAssocID="{15612445-E8FD-46A0-B70C-96D5D1BAD06E}" presName="composite" presStyleCnt="0">
+        <dgm:presLayoutVars>
+          <dgm:chMax val="5"/>
+          <dgm:dir/>
+          <dgm:animLvl val="ctr"/>
+          <dgm:resizeHandles val="exact"/>
+        </dgm:presLayoutVars>
+      </dgm:prSet>
+      <dgm:spPr/>
+    </dgm:pt>
+    <dgm:pt modelId="{F283FE39-E46E-48B2-9D4C-47F8629939B7}" type="pres">
+      <dgm:prSet presAssocID="{15612445-E8FD-46A0-B70C-96D5D1BAD06E}" presName="cycle" presStyleCnt="0"/>
+      <dgm:spPr/>
+    </dgm:pt>
+    <dgm:pt modelId="{D124DFBD-00A5-4FC5-BCF8-78A84178A182}" type="pres">
+      <dgm:prSet presAssocID="{15612445-E8FD-46A0-B70C-96D5D1BAD06E}" presName="centerShape" presStyleCnt="0"/>
+      <dgm:spPr/>
+    </dgm:pt>
+    <dgm:pt modelId="{45DD3CF6-C892-48FE-A364-4F33A84B840A}" type="pres">
+      <dgm:prSet presAssocID="{15612445-E8FD-46A0-B70C-96D5D1BAD06E}" presName="connSite" presStyleLbl="node1" presStyleIdx="0" presStyleCnt="6"/>
+      <dgm:spPr/>
+    </dgm:pt>
+    <dgm:pt modelId="{D20421F3-553F-4254-98DC-1338092FA480}" type="pres">
+      <dgm:prSet presAssocID="{15612445-E8FD-46A0-B70C-96D5D1BAD06E}" presName="visible" presStyleLbl="node1" presStyleIdx="0" presStyleCnt="6"/>
+      <dgm:spPr/>
+    </dgm:pt>
+    <dgm:pt modelId="{0486AB06-B600-477B-83B6-463A9F7425DD}" type="pres">
+      <dgm:prSet presAssocID="{69C847DD-8975-48AF-9E19-B7ED890BEDC1}" presName="Name25" presStyleLbl="parChTrans1D1" presStyleIdx="0" presStyleCnt="5"/>
+      <dgm:spPr/>
+    </dgm:pt>
+    <dgm:pt modelId="{198C9F3D-2117-49B4-B08B-4D3B006F23F0}" type="pres">
+      <dgm:prSet presAssocID="{F2084A1E-FDEF-4458-9A80-0752CE8EDD87}" presName="node" presStyleCnt="0"/>
+      <dgm:spPr/>
+    </dgm:pt>
+    <dgm:pt modelId="{D24A9992-9C79-40EE-B658-66F56DE27CE1}" type="pres">
+      <dgm:prSet presAssocID="{F2084A1E-FDEF-4458-9A80-0752CE8EDD87}" presName="parentNode" presStyleLbl="node1" presStyleIdx="1" presStyleCnt="6">
+        <dgm:presLayoutVars>
+          <dgm:chMax val="1"/>
+          <dgm:bulletEnabled val="1"/>
+        </dgm:presLayoutVars>
+      </dgm:prSet>
+      <dgm:spPr/>
+      <dgm:t>
+        <a:bodyPr/>
+        <a:lstStyle/>
+        <a:p>
+          <a:endParaRPr lang="en-US"/>
+        </a:p>
+      </dgm:t>
+    </dgm:pt>
+    <dgm:pt modelId="{12A3B840-C674-4F6C-851F-DFF00D1ED611}" type="pres">
+      <dgm:prSet presAssocID="{F2084A1E-FDEF-4458-9A80-0752CE8EDD87}" presName="childNode" presStyleLbl="revTx" presStyleIdx="0" presStyleCnt="5">
+        <dgm:presLayoutVars>
+          <dgm:bulletEnabled val="1"/>
+        </dgm:presLayoutVars>
+      </dgm:prSet>
+      <dgm:spPr/>
+      <dgm:t>
+        <a:bodyPr/>
+        <a:lstStyle/>
+        <a:p>
+          <a:endParaRPr lang="en-US"/>
+        </a:p>
+      </dgm:t>
+    </dgm:pt>
+    <dgm:pt modelId="{F55717B8-D84E-473A-9F76-DFF998FD0FDD}" type="pres">
+      <dgm:prSet presAssocID="{AAE95A1D-5022-48B4-9A75-E9F74E07E27B}" presName="Name25" presStyleLbl="parChTrans1D1" presStyleIdx="1" presStyleCnt="5"/>
+      <dgm:spPr/>
+    </dgm:pt>
+    <dgm:pt modelId="{B407EC56-A1F9-42F0-A73F-5827EEF0F59E}" type="pres">
+      <dgm:prSet presAssocID="{4996626F-C073-4D39-8D2B-24E2B006D958}" presName="node" presStyleCnt="0"/>
+      <dgm:spPr/>
+    </dgm:pt>
+    <dgm:pt modelId="{849D85A3-2A76-4604-8750-5E29200C6E89}" type="pres">
+      <dgm:prSet presAssocID="{4996626F-C073-4D39-8D2B-24E2B006D958}" presName="parentNode" presStyleLbl="node1" presStyleIdx="2" presStyleCnt="6">
+        <dgm:presLayoutVars>
+          <dgm:chMax val="1"/>
+          <dgm:bulletEnabled val="1"/>
+        </dgm:presLayoutVars>
+      </dgm:prSet>
+      <dgm:spPr/>
+      <dgm:t>
+        <a:bodyPr/>
+        <a:lstStyle/>
+        <a:p>
+          <a:endParaRPr lang="en-US"/>
+        </a:p>
+      </dgm:t>
+    </dgm:pt>
+    <dgm:pt modelId="{CB55A5DC-FB18-4B68-A340-DEB5F498031B}" type="pres">
+      <dgm:prSet presAssocID="{4996626F-C073-4D39-8D2B-24E2B006D958}" presName="childNode" presStyleLbl="revTx" presStyleIdx="1" presStyleCnt="5">
+        <dgm:presLayoutVars>
+          <dgm:bulletEnabled val="1"/>
+        </dgm:presLayoutVars>
+      </dgm:prSet>
+      <dgm:spPr/>
+      <dgm:t>
+        <a:bodyPr/>
+        <a:lstStyle/>
+        <a:p>
+          <a:endParaRPr lang="en-US"/>
+        </a:p>
+      </dgm:t>
+    </dgm:pt>
+    <dgm:pt modelId="{7DE0EAAA-FF87-4BD6-9860-3373F4EFCD55}" type="pres">
+      <dgm:prSet presAssocID="{D92FFB5F-C9EF-4071-A69C-34EB7F2C523F}" presName="Name25" presStyleLbl="parChTrans1D1" presStyleIdx="2" presStyleCnt="5"/>
+      <dgm:spPr/>
+    </dgm:pt>
+    <dgm:pt modelId="{6BD53979-914D-48C2-9529-E100590CEC4D}" type="pres">
+      <dgm:prSet presAssocID="{BEF4E5E4-4B8E-474E-8E98-3EE06257D7EF}" presName="node" presStyleCnt="0"/>
+      <dgm:spPr/>
+    </dgm:pt>
+    <dgm:pt modelId="{827C7AC8-4341-43A5-A69F-B3F3F492AAC9}" type="pres">
+      <dgm:prSet presAssocID="{BEF4E5E4-4B8E-474E-8E98-3EE06257D7EF}" presName="parentNode" presStyleLbl="node1" presStyleIdx="3" presStyleCnt="6">
+        <dgm:presLayoutVars>
+          <dgm:chMax val="1"/>
+          <dgm:bulletEnabled val="1"/>
+        </dgm:presLayoutVars>
+      </dgm:prSet>
+      <dgm:spPr/>
+      <dgm:t>
+        <a:bodyPr/>
+        <a:lstStyle/>
+        <a:p>
+          <a:endParaRPr lang="en-US"/>
+        </a:p>
+      </dgm:t>
+    </dgm:pt>
+    <dgm:pt modelId="{CCCEBBB4-3003-4C2D-A225-114BC2B2F0D7}" type="pres">
+      <dgm:prSet presAssocID="{BEF4E5E4-4B8E-474E-8E98-3EE06257D7EF}" presName="childNode" presStyleLbl="revTx" presStyleIdx="2" presStyleCnt="5">
+        <dgm:presLayoutVars>
+          <dgm:bulletEnabled val="1"/>
+        </dgm:presLayoutVars>
+      </dgm:prSet>
+      <dgm:spPr/>
+      <dgm:t>
+        <a:bodyPr/>
+        <a:lstStyle/>
+        <a:p>
+          <a:endParaRPr lang="en-US"/>
+        </a:p>
+      </dgm:t>
+    </dgm:pt>
+    <dgm:pt modelId="{D326A595-0EE7-41BD-A747-9DF708032150}" type="pres">
+      <dgm:prSet presAssocID="{21899489-846D-4F60-8D92-02A155F2CC7C}" presName="Name25" presStyleLbl="parChTrans1D1" presStyleIdx="3" presStyleCnt="5"/>
+      <dgm:spPr/>
+    </dgm:pt>
+    <dgm:pt modelId="{013716E7-9EB5-41EE-8DC2-86CD6C680128}" type="pres">
+      <dgm:prSet presAssocID="{365DA76D-1C7E-4DE6-B68B-1FC7FBC42DFC}" presName="node" presStyleCnt="0"/>
+      <dgm:spPr/>
+    </dgm:pt>
+    <dgm:pt modelId="{6B1CE858-C88F-431D-8249-7245590019A4}" type="pres">
+      <dgm:prSet presAssocID="{365DA76D-1C7E-4DE6-B68B-1FC7FBC42DFC}" presName="parentNode" presStyleLbl="node1" presStyleIdx="4" presStyleCnt="6">
+        <dgm:presLayoutVars>
+          <dgm:chMax val="1"/>
+          <dgm:bulletEnabled val="1"/>
+        </dgm:presLayoutVars>
+      </dgm:prSet>
+      <dgm:spPr/>
+    </dgm:pt>
+    <dgm:pt modelId="{8CF2AE99-8B99-42B7-BC11-9C69BD6966C3}" type="pres">
+      <dgm:prSet presAssocID="{365DA76D-1C7E-4DE6-B68B-1FC7FBC42DFC}" presName="childNode" presStyleLbl="revTx" presStyleIdx="3" presStyleCnt="5">
+        <dgm:presLayoutVars>
+          <dgm:bulletEnabled val="1"/>
+        </dgm:presLayoutVars>
+      </dgm:prSet>
+      <dgm:spPr/>
+      <dgm:t>
+        <a:bodyPr/>
+        <a:lstStyle/>
+        <a:p>
+          <a:endParaRPr lang="en-US"/>
+        </a:p>
+      </dgm:t>
+    </dgm:pt>
+    <dgm:pt modelId="{14A6F81C-84CE-41CA-BBB2-A433FF22DD62}" type="pres">
+      <dgm:prSet presAssocID="{A3086E40-0730-44D3-9019-84A926407B09}" presName="Name25" presStyleLbl="parChTrans1D1" presStyleIdx="4" presStyleCnt="5"/>
+      <dgm:spPr/>
+    </dgm:pt>
+    <dgm:pt modelId="{95E58749-7325-4664-9D53-1C0029836794}" type="pres">
+      <dgm:prSet presAssocID="{24A58D54-A651-43D8-AF96-B5A6B10D05E0}" presName="node" presStyleCnt="0"/>
+      <dgm:spPr/>
+    </dgm:pt>
+    <dgm:pt modelId="{6BE5F644-6A7E-431B-8495-8DA9384BAF11}" type="pres">
+      <dgm:prSet presAssocID="{24A58D54-A651-43D8-AF96-B5A6B10D05E0}" presName="parentNode" presStyleLbl="node1" presStyleIdx="5" presStyleCnt="6">
+        <dgm:presLayoutVars>
+          <dgm:chMax val="1"/>
+          <dgm:bulletEnabled val="1"/>
+        </dgm:presLayoutVars>
+      </dgm:prSet>
+      <dgm:spPr/>
+    </dgm:pt>
+    <dgm:pt modelId="{5A1EBD2E-EA4A-466E-9666-1E36FEB3BE09}" type="pres">
+      <dgm:prSet presAssocID="{24A58D54-A651-43D8-AF96-B5A6B10D05E0}" presName="childNode" presStyleLbl="revTx" presStyleIdx="4" presStyleCnt="5">
+        <dgm:presLayoutVars>
+          <dgm:bulletEnabled val="1"/>
+        </dgm:presLayoutVars>
+      </dgm:prSet>
+      <dgm:spPr/>
+    </dgm:pt>
+  </dgm:ptLst>
+  <dgm:cxnLst>
+    <dgm:cxn modelId="{61C7617A-DB13-4220-B8A0-D44199AB48F7}" type="presOf" srcId="{4996626F-C073-4D39-8D2B-24E2B006D958}" destId="{849D85A3-2A76-4604-8750-5E29200C6E89}" srcOrd="0" destOrd="0" presId="urn:microsoft.com/office/officeart/2005/8/layout/radial2"/>
+    <dgm:cxn modelId="{2A097072-C131-4F7F-8391-8645DE813B88}" srcId="{15612445-E8FD-46A0-B70C-96D5D1BAD06E}" destId="{BEF4E5E4-4B8E-474E-8E98-3EE06257D7EF}" srcOrd="2" destOrd="0" parTransId="{D92FFB5F-C9EF-4071-A69C-34EB7F2C523F}" sibTransId="{DEFC3426-335C-4F71-8E1D-80029472C3FD}"/>
+    <dgm:cxn modelId="{B36B0538-9646-4E81-AEAC-809239E73ACD}" type="presOf" srcId="{CDCACF33-A244-4BED-BAF4-EDBF180FC8D3}" destId="{12A3B840-C674-4F6C-851F-DFF00D1ED611}" srcOrd="0" destOrd="0" presId="urn:microsoft.com/office/officeart/2005/8/layout/radial2"/>
+    <dgm:cxn modelId="{34B76E84-8C2B-4E07-AC10-6E502C709014}" type="presOf" srcId="{D6CAEDD6-4295-4F20-BC44-0792C4F34543}" destId="{8CF2AE99-8B99-42B7-BC11-9C69BD6966C3}" srcOrd="0" destOrd="0" presId="urn:microsoft.com/office/officeart/2005/8/layout/radial2"/>
+    <dgm:cxn modelId="{F8603134-CE27-487E-A192-3C8ADD2B6B32}" type="presOf" srcId="{24A58D54-A651-43D8-AF96-B5A6B10D05E0}" destId="{6BE5F644-6A7E-431B-8495-8DA9384BAF11}" srcOrd="0" destOrd="0" presId="urn:microsoft.com/office/officeart/2005/8/layout/radial2"/>
+    <dgm:cxn modelId="{384C9DA2-F202-4EAF-AF5F-CF50A3C25B64}" srcId="{24A58D54-A651-43D8-AF96-B5A6B10D05E0}" destId="{968809A9-6636-4192-A609-44F58DC7B28C}" srcOrd="1" destOrd="0" parTransId="{FF1E0EC6-638D-4F50-9DF6-66C4243C7ECB}" sibTransId="{55D569BD-E578-4D9A-872B-8BB3D57D4BE5}"/>
+    <dgm:cxn modelId="{EAF023D0-4515-45EA-AE4F-0436FCE14639}" type="presOf" srcId="{15612445-E8FD-46A0-B70C-96D5D1BAD06E}" destId="{CF9D4D41-34BB-43EB-9DCC-460A32582F0A}" srcOrd="0" destOrd="0" presId="urn:microsoft.com/office/officeart/2005/8/layout/radial2"/>
+    <dgm:cxn modelId="{5D2E51A6-1149-400E-8D73-A4891AE5410F}" srcId="{F2084A1E-FDEF-4458-9A80-0752CE8EDD87}" destId="{A8398DA1-353A-45D8-BDB2-F6D9174F75BB}" srcOrd="1" destOrd="0" parTransId="{86329AF8-4FAA-47B7-ABD4-AAD6E288AA17}" sibTransId="{732B6DB8-B879-4C28-A158-E363D892D786}"/>
+    <dgm:cxn modelId="{87C6A403-78D0-4589-AADB-89D40FBD4D0E}" type="presOf" srcId="{365DA76D-1C7E-4DE6-B68B-1FC7FBC42DFC}" destId="{6B1CE858-C88F-431D-8249-7245590019A4}" srcOrd="0" destOrd="0" presId="urn:microsoft.com/office/officeart/2005/8/layout/radial2"/>
+    <dgm:cxn modelId="{618FEA90-8673-4EBD-90D0-2A60A4291F07}" type="presOf" srcId="{A8398DA1-353A-45D8-BDB2-F6D9174F75BB}" destId="{12A3B840-C674-4F6C-851F-DFF00D1ED611}" srcOrd="0" destOrd="1" presId="urn:microsoft.com/office/officeart/2005/8/layout/radial2"/>
+    <dgm:cxn modelId="{E72405D3-DBE9-486A-941E-6E09A61D0570}" type="presOf" srcId="{15A39E0B-71A5-42DF-82AC-679A5854954A}" destId="{CCCEBBB4-3003-4C2D-A225-114BC2B2F0D7}" srcOrd="0" destOrd="0" presId="urn:microsoft.com/office/officeart/2005/8/layout/radial2"/>
+    <dgm:cxn modelId="{1050083E-B671-4E54-A887-8B694645C4BF}" srcId="{15612445-E8FD-46A0-B70C-96D5D1BAD06E}" destId="{365DA76D-1C7E-4DE6-B68B-1FC7FBC42DFC}" srcOrd="3" destOrd="0" parTransId="{21899489-846D-4F60-8D92-02A155F2CC7C}" sibTransId="{ED125C1A-988E-489C-9332-372FF042816D}"/>
+    <dgm:cxn modelId="{B1A4AB1C-E115-42AB-9293-877D1258939D}" type="presOf" srcId="{F2084A1E-FDEF-4458-9A80-0752CE8EDD87}" destId="{D24A9992-9C79-40EE-B658-66F56DE27CE1}" srcOrd="0" destOrd="0" presId="urn:microsoft.com/office/officeart/2005/8/layout/radial2"/>
+    <dgm:cxn modelId="{A7966481-4960-45F5-9246-B7F9AE84EAEC}" type="presOf" srcId="{21899489-846D-4F60-8D92-02A155F2CC7C}" destId="{D326A595-0EE7-41BD-A747-9DF708032150}" srcOrd="0" destOrd="0" presId="urn:microsoft.com/office/officeart/2005/8/layout/radial2"/>
+    <dgm:cxn modelId="{B55934BF-A88A-48E4-B713-3E9D5E8D9D30}" srcId="{24A58D54-A651-43D8-AF96-B5A6B10D05E0}" destId="{5DECD265-3593-4081-A818-CD1E8CFC61CC}" srcOrd="0" destOrd="0" parTransId="{6FE6B167-7E17-43C5-ACA7-0B874177F4A5}" sibTransId="{CEC989B5-4C5E-4B93-86E4-C49EA1AD2A6D}"/>
+    <dgm:cxn modelId="{768E826B-7711-4CD1-9991-5BCF53FD6854}" srcId="{F2084A1E-FDEF-4458-9A80-0752CE8EDD87}" destId="{CDCACF33-A244-4BED-BAF4-EDBF180FC8D3}" srcOrd="0" destOrd="0" parTransId="{CF1FC038-AE8B-485E-A1A2-09B90DEA566E}" sibTransId="{58B85F34-C3C4-4C6D-A835-E0785526F45E}"/>
+    <dgm:cxn modelId="{CFA9DE83-D51E-4DBD-A67C-E2B3FB87FB0A}" type="presOf" srcId="{AAE95A1D-5022-48B4-9A75-E9F74E07E27B}" destId="{F55717B8-D84E-473A-9F76-DFF998FD0FDD}" srcOrd="0" destOrd="0" presId="urn:microsoft.com/office/officeart/2005/8/layout/radial2"/>
+    <dgm:cxn modelId="{81B8BE9E-3354-43CB-95A5-126E636FE28A}" type="presOf" srcId="{D92FFB5F-C9EF-4071-A69C-34EB7F2C523F}" destId="{7DE0EAAA-FF87-4BD6-9860-3373F4EFCD55}" srcOrd="0" destOrd="0" presId="urn:microsoft.com/office/officeart/2005/8/layout/radial2"/>
+    <dgm:cxn modelId="{FBD468BC-8CAF-41C5-AFC5-0EB152A17E59}" srcId="{4996626F-C073-4D39-8D2B-24E2B006D958}" destId="{27EE3672-6EA2-4C66-97BD-2EE8419A0732}" srcOrd="0" destOrd="0" parTransId="{0B94DBD4-15FB-4409-9D08-72CD98FFF9CC}" sibTransId="{E6BC6304-3716-4550-B6FC-A596325445AC}"/>
+    <dgm:cxn modelId="{2DD8249C-C4F9-4703-945E-D2106A309F03}" type="presOf" srcId="{A3086E40-0730-44D3-9019-84A926407B09}" destId="{14A6F81C-84CE-41CA-BBB2-A433FF22DD62}" srcOrd="0" destOrd="0" presId="urn:microsoft.com/office/officeart/2005/8/layout/radial2"/>
+    <dgm:cxn modelId="{7300D8A9-7E1C-4C22-AD16-BC41CB60A6E2}" srcId="{15612445-E8FD-46A0-B70C-96D5D1BAD06E}" destId="{F2084A1E-FDEF-4458-9A80-0752CE8EDD87}" srcOrd="0" destOrd="0" parTransId="{69C847DD-8975-48AF-9E19-B7ED890BEDC1}" sibTransId="{558B313C-786A-460C-A8CC-2E19406D4B56}"/>
+    <dgm:cxn modelId="{DF5EA550-F542-4567-9DA3-621FFF46BFB3}" type="presOf" srcId="{BEF4E5E4-4B8E-474E-8E98-3EE06257D7EF}" destId="{827C7AC8-4341-43A5-A69F-B3F3F492AAC9}" srcOrd="0" destOrd="0" presId="urn:microsoft.com/office/officeart/2005/8/layout/radial2"/>
+    <dgm:cxn modelId="{1180652B-7851-4FAA-88C9-7CD52EEB22F2}" type="presOf" srcId="{27EE3672-6EA2-4C66-97BD-2EE8419A0732}" destId="{CB55A5DC-FB18-4B68-A340-DEB5F498031B}" srcOrd="0" destOrd="0" presId="urn:microsoft.com/office/officeart/2005/8/layout/radial2"/>
+    <dgm:cxn modelId="{1557093A-EFA6-4EDC-9FB9-BB63D8152A25}" type="presOf" srcId="{968809A9-6636-4192-A609-44F58DC7B28C}" destId="{5A1EBD2E-EA4A-466E-9666-1E36FEB3BE09}" srcOrd="0" destOrd="1" presId="urn:microsoft.com/office/officeart/2005/8/layout/radial2"/>
+    <dgm:cxn modelId="{184C8098-487D-4DDF-96D7-D58C14E9CEF2}" type="presOf" srcId="{5DECD265-3593-4081-A818-CD1E8CFC61CC}" destId="{5A1EBD2E-EA4A-466E-9666-1E36FEB3BE09}" srcOrd="0" destOrd="0" presId="urn:microsoft.com/office/officeart/2005/8/layout/radial2"/>
+    <dgm:cxn modelId="{688B1688-13CD-4B24-9201-EEE48C328A23}" srcId="{15612445-E8FD-46A0-B70C-96D5D1BAD06E}" destId="{4996626F-C073-4D39-8D2B-24E2B006D958}" srcOrd="1" destOrd="0" parTransId="{AAE95A1D-5022-48B4-9A75-E9F74E07E27B}" sibTransId="{9D8A4188-0C41-4133-8EF4-E6F3FF605923}"/>
+    <dgm:cxn modelId="{236882C4-07F5-4F82-8E85-A69A24473568}" srcId="{BEF4E5E4-4B8E-474E-8E98-3EE06257D7EF}" destId="{15A39E0B-71A5-42DF-82AC-679A5854954A}" srcOrd="0" destOrd="0" parTransId="{C143BBC4-7162-41B6-93A4-3FD171ECB543}" sibTransId="{A144092E-5F06-4AB4-846D-DAD51A89FFF8}"/>
+    <dgm:cxn modelId="{31D827F6-D922-4354-82B9-CC742FFFC5AF}" srcId="{15612445-E8FD-46A0-B70C-96D5D1BAD06E}" destId="{24A58D54-A651-43D8-AF96-B5A6B10D05E0}" srcOrd="4" destOrd="0" parTransId="{A3086E40-0730-44D3-9019-84A926407B09}" sibTransId="{E21DD2D5-62F8-447A-8FBE-A2B575D62EF4}"/>
+    <dgm:cxn modelId="{20AFA7D8-3E00-4106-B268-3AAF819C221B}" type="presOf" srcId="{69C847DD-8975-48AF-9E19-B7ED890BEDC1}" destId="{0486AB06-B600-477B-83B6-463A9F7425DD}" srcOrd="0" destOrd="0" presId="urn:microsoft.com/office/officeart/2005/8/layout/radial2"/>
+    <dgm:cxn modelId="{4CF15E2C-34F6-4444-8865-50F3F06D08C9}" srcId="{365DA76D-1C7E-4DE6-B68B-1FC7FBC42DFC}" destId="{D6CAEDD6-4295-4F20-BC44-0792C4F34543}" srcOrd="0" destOrd="0" parTransId="{62695632-C651-4452-8345-C3EFC1370BE2}" sibTransId="{E201BCDE-E856-4CDE-ACA6-AA3E73D377D3}"/>
+    <dgm:cxn modelId="{088B6145-A01A-4F19-A492-4E6D1EAAAEED}" type="presParOf" srcId="{CF9D4D41-34BB-43EB-9DCC-460A32582F0A}" destId="{F283FE39-E46E-48B2-9D4C-47F8629939B7}" srcOrd="0" destOrd="0" presId="urn:microsoft.com/office/officeart/2005/8/layout/radial2"/>
+    <dgm:cxn modelId="{24593A93-D24D-45B8-A50E-EEBE7407B3CC}" type="presParOf" srcId="{F283FE39-E46E-48B2-9D4C-47F8629939B7}" destId="{D124DFBD-00A5-4FC5-BCF8-78A84178A182}" srcOrd="0" destOrd="0" presId="urn:microsoft.com/office/officeart/2005/8/layout/radial2"/>
+    <dgm:cxn modelId="{5A947A97-8CF1-406B-A0DC-00B61C854FE1}" type="presParOf" srcId="{D124DFBD-00A5-4FC5-BCF8-78A84178A182}" destId="{45DD3CF6-C892-48FE-A364-4F33A84B840A}" srcOrd="0" destOrd="0" presId="urn:microsoft.com/office/officeart/2005/8/layout/radial2"/>
+    <dgm:cxn modelId="{99A4ECFB-E917-4488-8AA0-0AFDB88D796B}" type="presParOf" srcId="{D124DFBD-00A5-4FC5-BCF8-78A84178A182}" destId="{D20421F3-553F-4254-98DC-1338092FA480}" srcOrd="1" destOrd="0" presId="urn:microsoft.com/office/officeart/2005/8/layout/radial2"/>
+    <dgm:cxn modelId="{8D741543-542B-4F14-A492-EC7183808401}" type="presParOf" srcId="{F283FE39-E46E-48B2-9D4C-47F8629939B7}" destId="{0486AB06-B600-477B-83B6-463A9F7425DD}" srcOrd="1" destOrd="0" presId="urn:microsoft.com/office/officeart/2005/8/layout/radial2"/>
+    <dgm:cxn modelId="{C30204F7-BA68-4AD7-B9CB-CFF98399E44B}" type="presParOf" srcId="{F283FE39-E46E-48B2-9D4C-47F8629939B7}" destId="{198C9F3D-2117-49B4-B08B-4D3B006F23F0}" srcOrd="2" destOrd="0" presId="urn:microsoft.com/office/officeart/2005/8/layout/radial2"/>
+    <dgm:cxn modelId="{758301AF-B53B-43C5-8DB4-5F52E3C3F8C0}" type="presParOf" srcId="{198C9F3D-2117-49B4-B08B-4D3B006F23F0}" destId="{D24A9992-9C79-40EE-B658-66F56DE27CE1}" srcOrd="0" destOrd="0" presId="urn:microsoft.com/office/officeart/2005/8/layout/radial2"/>
+    <dgm:cxn modelId="{648381DC-8C45-4D09-850E-29FE4FF48691}" type="presParOf" srcId="{198C9F3D-2117-49B4-B08B-4D3B006F23F0}" destId="{12A3B840-C674-4F6C-851F-DFF00D1ED611}" srcOrd="1" destOrd="0" presId="urn:microsoft.com/office/officeart/2005/8/layout/radial2"/>
+    <dgm:cxn modelId="{62BE5DC0-3E86-470A-BFF8-6F8121A27C4C}" type="presParOf" srcId="{F283FE39-E46E-48B2-9D4C-47F8629939B7}" destId="{F55717B8-D84E-473A-9F76-DFF998FD0FDD}" srcOrd="3" destOrd="0" presId="urn:microsoft.com/office/officeart/2005/8/layout/radial2"/>
+    <dgm:cxn modelId="{B05085F1-B61D-4C73-A418-4E955A47C783}" type="presParOf" srcId="{F283FE39-E46E-48B2-9D4C-47F8629939B7}" destId="{B407EC56-A1F9-42F0-A73F-5827EEF0F59E}" srcOrd="4" destOrd="0" presId="urn:microsoft.com/office/officeart/2005/8/layout/radial2"/>
+    <dgm:cxn modelId="{0957D7EB-2B6C-46C8-BEF6-9AB1BEC810E5}" type="presParOf" srcId="{B407EC56-A1F9-42F0-A73F-5827EEF0F59E}" destId="{849D85A3-2A76-4604-8750-5E29200C6E89}" srcOrd="0" destOrd="0" presId="urn:microsoft.com/office/officeart/2005/8/layout/radial2"/>
+    <dgm:cxn modelId="{B0E07082-8083-4A1A-B0E4-0A1915518C28}" type="presParOf" srcId="{B407EC56-A1F9-42F0-A73F-5827EEF0F59E}" destId="{CB55A5DC-FB18-4B68-A340-DEB5F498031B}" srcOrd="1" destOrd="0" presId="urn:microsoft.com/office/officeart/2005/8/layout/radial2"/>
+    <dgm:cxn modelId="{21E05397-7C3A-49FB-964D-2B25363904FE}" type="presParOf" srcId="{F283FE39-E46E-48B2-9D4C-47F8629939B7}" destId="{7DE0EAAA-FF87-4BD6-9860-3373F4EFCD55}" srcOrd="5" destOrd="0" presId="urn:microsoft.com/office/officeart/2005/8/layout/radial2"/>
+    <dgm:cxn modelId="{3212F32B-69B9-494C-A350-87ECED65D25D}" type="presParOf" srcId="{F283FE39-E46E-48B2-9D4C-47F8629939B7}" destId="{6BD53979-914D-48C2-9529-E100590CEC4D}" srcOrd="6" destOrd="0" presId="urn:microsoft.com/office/officeart/2005/8/layout/radial2"/>
+    <dgm:cxn modelId="{DB9B32BF-EC5C-493B-BB16-8E40E36D7B49}" type="presParOf" srcId="{6BD53979-914D-48C2-9529-E100590CEC4D}" destId="{827C7AC8-4341-43A5-A69F-B3F3F492AAC9}" srcOrd="0" destOrd="0" presId="urn:microsoft.com/office/officeart/2005/8/layout/radial2"/>
+    <dgm:cxn modelId="{3CE325EA-EA62-4456-8464-405A60BBFC81}" type="presParOf" srcId="{6BD53979-914D-48C2-9529-E100590CEC4D}" destId="{CCCEBBB4-3003-4C2D-A225-114BC2B2F0D7}" srcOrd="1" destOrd="0" presId="urn:microsoft.com/office/officeart/2005/8/layout/radial2"/>
+    <dgm:cxn modelId="{FA228130-912E-4235-B649-01CBC9734E5A}" type="presParOf" srcId="{F283FE39-E46E-48B2-9D4C-47F8629939B7}" destId="{D326A595-0EE7-41BD-A747-9DF708032150}" srcOrd="7" destOrd="0" presId="urn:microsoft.com/office/officeart/2005/8/layout/radial2"/>
+    <dgm:cxn modelId="{3467031C-7263-47BA-8293-CD96C80A8634}" type="presParOf" srcId="{F283FE39-E46E-48B2-9D4C-47F8629939B7}" destId="{013716E7-9EB5-41EE-8DC2-86CD6C680128}" srcOrd="8" destOrd="0" presId="urn:microsoft.com/office/officeart/2005/8/layout/radial2"/>
+    <dgm:cxn modelId="{0BABAC63-4B74-4903-8874-DF447157B058}" type="presParOf" srcId="{013716E7-9EB5-41EE-8DC2-86CD6C680128}" destId="{6B1CE858-C88F-431D-8249-7245590019A4}" srcOrd="0" destOrd="0" presId="urn:microsoft.com/office/officeart/2005/8/layout/radial2"/>
+    <dgm:cxn modelId="{C758C695-1657-45D2-A13B-65AB4166DD21}" type="presParOf" srcId="{013716E7-9EB5-41EE-8DC2-86CD6C680128}" destId="{8CF2AE99-8B99-42B7-BC11-9C69BD6966C3}" srcOrd="1" destOrd="0" presId="urn:microsoft.com/office/officeart/2005/8/layout/radial2"/>
+    <dgm:cxn modelId="{AA4F9D63-1232-46D7-8F2E-1AF31F12A01F}" type="presParOf" srcId="{F283FE39-E46E-48B2-9D4C-47F8629939B7}" destId="{14A6F81C-84CE-41CA-BBB2-A433FF22DD62}" srcOrd="9" destOrd="0" presId="urn:microsoft.com/office/officeart/2005/8/layout/radial2"/>
+    <dgm:cxn modelId="{DC3BB314-63E7-40F8-B34E-411AF039293A}" type="presParOf" srcId="{F283FE39-E46E-48B2-9D4C-47F8629939B7}" destId="{95E58749-7325-4664-9D53-1C0029836794}" srcOrd="10" destOrd="0" presId="urn:microsoft.com/office/officeart/2005/8/layout/radial2"/>
+    <dgm:cxn modelId="{9E59C2AA-FAEF-4327-AB1E-06BDE8D7240F}" type="presParOf" srcId="{95E58749-7325-4664-9D53-1C0029836794}" destId="{6BE5F644-6A7E-431B-8495-8DA9384BAF11}" srcOrd="0" destOrd="0" presId="urn:microsoft.com/office/officeart/2005/8/layout/radial2"/>
+    <dgm:cxn modelId="{3704F642-75AE-4D0B-9EA0-0A063CDC604A}" type="presParOf" srcId="{95E58749-7325-4664-9D53-1C0029836794}" destId="{5A1EBD2E-EA4A-466E-9666-1E36FEB3BE09}" srcOrd="1" destOrd="0" presId="urn:microsoft.com/office/officeart/2005/8/layout/radial2"/>
+  </dgm:cxnLst>
+  <dgm:bg/>
+  <dgm:whole/>
+  <dgm:extLst>
+    <a:ext uri="http://schemas.microsoft.com/office/drawing/2008/diagram">
+      <dsp:dataModelExt xmlns:dsp="http://schemas.microsoft.com/office/drawing/2008/diagram" xmlns="" relId="rId6" minVer="http://schemas.openxmlformats.org/drawingml/2006/diagram"/>
+    </a:ext>
+  </dgm:extLst>
+</dgm:dataModel>
+</file>
+
+<file path=ppt/diagrams/data2.xml><?xml version="1.0" encoding="utf-8"?>
+<dgm:dataModel xmlns:dgm="http://schemas.openxmlformats.org/drawingml/2006/diagram" xmlns:a="http://schemas.openxmlformats.org/drawingml/2006/main">
+  <dgm:ptLst>
+    <dgm:pt modelId="{F4B1222C-BF42-4A6E-B495-1982BDAADC71}" type="doc">
+      <dgm:prSet loTypeId="urn:microsoft.com/office/officeart/2005/8/layout/list1" loCatId="list" qsTypeId="urn:microsoft.com/office/officeart/2005/8/quickstyle/simple1" qsCatId="simple" csTypeId="urn:microsoft.com/office/officeart/2005/8/colors/accent1_2" csCatId="accent1" phldr="1"/>
+      <dgm:spPr/>
+      <dgm:t>
+        <a:bodyPr/>
+        <a:lstStyle/>
+        <a:p>
+          <a:endParaRPr lang="en-US"/>
+        </a:p>
+      </dgm:t>
+    </dgm:pt>
+    <dgm:pt modelId="{A97E13E7-8694-4F12-A47D-93F8B9327F27}">
+      <dgm:prSet phldrT="[Text]"/>
+      <dgm:spPr/>
+      <dgm:t>
+        <a:bodyPr/>
+        <a:lstStyle/>
+        <a:p>
+          <a:r>
+            <a:rPr lang="en-US" dirty="0" smtClean="0"/>
+            <a:t>Install Environment (</a:t>
+          </a:r>
+          <a:r>
+            <a:rPr lang="en-US" dirty="0" err="1" smtClean="0"/>
+            <a:t>GitHub</a:t>
+          </a:r>
+          <a:r>
+            <a:rPr lang="en-US" dirty="0" smtClean="0"/>
+            <a:t> and Visual Studio Community)</a:t>
+          </a:r>
+          <a:endParaRPr lang="en-US" dirty="0"/>
+        </a:p>
+      </dgm:t>
+    </dgm:pt>
+    <dgm:pt modelId="{9B1CE351-275F-4AC3-93AC-48FB0488561D}" type="parTrans" cxnId="{1AB22663-7456-4EF4-98C5-9FCA0BA44989}">
+      <dgm:prSet/>
+      <dgm:spPr/>
+      <dgm:t>
+        <a:bodyPr/>
+        <a:lstStyle/>
+        <a:p>
+          <a:endParaRPr lang="en-US"/>
+        </a:p>
+      </dgm:t>
+    </dgm:pt>
+    <dgm:pt modelId="{3FFE3DCB-DFD4-4D1A-9AE0-B26D86B3E182}" type="sibTrans" cxnId="{1AB22663-7456-4EF4-98C5-9FCA0BA44989}">
+      <dgm:prSet/>
+      <dgm:spPr/>
+      <dgm:t>
+        <a:bodyPr/>
+        <a:lstStyle/>
+        <a:p>
+          <a:endParaRPr lang="en-US"/>
+        </a:p>
+      </dgm:t>
+    </dgm:pt>
+    <dgm:pt modelId="{44C3DD26-42FC-4372-8FFF-053172273D0C}">
+      <dgm:prSet phldrT="[Text]"/>
+      <dgm:spPr/>
+      <dgm:t>
+        <a:bodyPr/>
+        <a:lstStyle/>
+        <a:p>
+          <a:r>
+            <a:rPr lang="en-US" dirty="0" err="1" smtClean="0"/>
+            <a:t>GitHub</a:t>
+          </a:r>
+          <a:r>
+            <a:rPr lang="en-US" dirty="0" smtClean="0"/>
+            <a:t> YouTube Tutorial.</a:t>
+          </a:r>
+          <a:endParaRPr lang="en-US" dirty="0"/>
+        </a:p>
+      </dgm:t>
+    </dgm:pt>
+    <dgm:pt modelId="{C785DE10-1767-4B8F-A485-D4D537ED8678}" type="parTrans" cxnId="{20DA8577-F651-44B6-AA47-99B7B07D77F0}">
+      <dgm:prSet/>
+      <dgm:spPr/>
+      <dgm:t>
+        <a:bodyPr/>
+        <a:lstStyle/>
+        <a:p>
+          <a:endParaRPr lang="en-US"/>
+        </a:p>
+      </dgm:t>
+    </dgm:pt>
+    <dgm:pt modelId="{8BCDC223-57C8-4CF0-887E-E5EF7CFAF5BE}" type="sibTrans" cxnId="{20DA8577-F651-44B6-AA47-99B7B07D77F0}">
+      <dgm:prSet/>
+      <dgm:spPr/>
+      <dgm:t>
+        <a:bodyPr/>
+        <a:lstStyle/>
+        <a:p>
+          <a:endParaRPr lang="en-US"/>
+        </a:p>
+      </dgm:t>
+    </dgm:pt>
+    <dgm:pt modelId="{FD63FB1E-8E51-423E-B87E-C2876D1B5CD2}">
+      <dgm:prSet phldrT="[Text]"/>
+      <dgm:spPr/>
+      <dgm:t>
+        <a:bodyPr/>
+        <a:lstStyle/>
+        <a:p>
+          <a:r>
+            <a:rPr lang="en-US" dirty="0" smtClean="0"/>
+            <a:t>Get familiar with the project.</a:t>
+          </a:r>
+          <a:endParaRPr lang="en-US" dirty="0"/>
+        </a:p>
+      </dgm:t>
+    </dgm:pt>
+    <dgm:pt modelId="{E4BB637A-50B4-4D55-B01F-3B7BC03D2748}" type="parTrans" cxnId="{D5AEFFF6-DDF0-4F3B-BB3A-AECF2D6F7AC1}">
+      <dgm:prSet/>
+      <dgm:spPr/>
+      <dgm:t>
+        <a:bodyPr/>
+        <a:lstStyle/>
+        <a:p>
+          <a:endParaRPr lang="en-US"/>
+        </a:p>
+      </dgm:t>
+    </dgm:pt>
+    <dgm:pt modelId="{0E06E950-3401-44E6-BEC3-ADCAA864529D}" type="sibTrans" cxnId="{D5AEFFF6-DDF0-4F3B-BB3A-AECF2D6F7AC1}">
+      <dgm:prSet/>
+      <dgm:spPr/>
+      <dgm:t>
+        <a:bodyPr/>
+        <a:lstStyle/>
+        <a:p>
+          <a:endParaRPr lang="en-US"/>
+        </a:p>
+      </dgm:t>
+    </dgm:pt>
+    <dgm:pt modelId="{39BEBA28-F74C-4A5D-8B9F-766B0ADBA4E3}">
+      <dgm:prSet phldrT="[Text]"/>
+      <dgm:spPr/>
+      <dgm:t>
+        <a:bodyPr/>
+        <a:lstStyle/>
+        <a:p>
+          <a:r>
+            <a:rPr lang="en-US" smtClean="0"/>
+            <a:t>Try to understant the code that is already developed.</a:t>
+          </a:r>
+          <a:endParaRPr lang="en-US" dirty="0"/>
+        </a:p>
+      </dgm:t>
+    </dgm:pt>
+    <dgm:pt modelId="{315456F5-45DA-4F99-A9C9-AE6821914180}" type="parTrans" cxnId="{7E8B0286-766A-4ADE-97D0-76E45A59BA40}">
+      <dgm:prSet/>
+      <dgm:spPr/>
+      <dgm:t>
+        <a:bodyPr/>
+        <a:lstStyle/>
+        <a:p>
+          <a:endParaRPr lang="en-US"/>
+        </a:p>
+      </dgm:t>
+    </dgm:pt>
+    <dgm:pt modelId="{B088C52F-37C2-494B-B2FC-642A9D52D672}" type="sibTrans" cxnId="{7E8B0286-766A-4ADE-97D0-76E45A59BA40}">
+      <dgm:prSet/>
+      <dgm:spPr/>
+      <dgm:t>
+        <a:bodyPr/>
+        <a:lstStyle/>
+        <a:p>
+          <a:endParaRPr lang="en-US"/>
+        </a:p>
+      </dgm:t>
+    </dgm:pt>
+    <dgm:pt modelId="{8C3060F3-7F74-4AE5-91A3-12CB86006DCD}" type="pres">
+      <dgm:prSet presAssocID="{F4B1222C-BF42-4A6E-B495-1982BDAADC71}" presName="linear" presStyleCnt="0">
+        <dgm:presLayoutVars>
+          <dgm:dir/>
+          <dgm:animLvl val="lvl"/>
+          <dgm:resizeHandles val="exact"/>
+        </dgm:presLayoutVars>
+      </dgm:prSet>
+      <dgm:spPr/>
+    </dgm:pt>
+    <dgm:pt modelId="{4CFB8996-0FD5-40D0-82DC-29110341574B}" type="pres">
+      <dgm:prSet presAssocID="{A97E13E7-8694-4F12-A47D-93F8B9327F27}" presName="parentLin" presStyleCnt="0"/>
+      <dgm:spPr/>
+    </dgm:pt>
+    <dgm:pt modelId="{B55ABD3D-44E2-4EBA-8856-9E85DAC68003}" type="pres">
+      <dgm:prSet presAssocID="{A97E13E7-8694-4F12-A47D-93F8B9327F27}" presName="parentLeftMargin" presStyleLbl="node1" presStyleIdx="0" presStyleCnt="4"/>
+      <dgm:spPr/>
+    </dgm:pt>
+    <dgm:pt modelId="{81D0BAC5-D2D0-4300-83E1-6C11579A4014}" type="pres">
+      <dgm:prSet presAssocID="{A97E13E7-8694-4F12-A47D-93F8B9327F27}" presName="parentText" presStyleLbl="node1" presStyleIdx="0" presStyleCnt="4">
+        <dgm:presLayoutVars>
+          <dgm:chMax val="0"/>
+          <dgm:bulletEnabled val="1"/>
+        </dgm:presLayoutVars>
+      </dgm:prSet>
+      <dgm:spPr/>
+      <dgm:t>
+        <a:bodyPr/>
+        <a:lstStyle/>
+        <a:p>
+          <a:endParaRPr lang="en-US"/>
+        </a:p>
+      </dgm:t>
+    </dgm:pt>
+    <dgm:pt modelId="{C0E41C6E-A314-4EDB-8B1E-5F379AD45064}" type="pres">
+      <dgm:prSet presAssocID="{A97E13E7-8694-4F12-A47D-93F8B9327F27}" presName="negativeSpace" presStyleCnt="0"/>
+      <dgm:spPr/>
+    </dgm:pt>
+    <dgm:pt modelId="{D253BCC1-EDDA-4422-B415-FA726239A4E5}" type="pres">
+      <dgm:prSet presAssocID="{A97E13E7-8694-4F12-A47D-93F8B9327F27}" presName="childText" presStyleLbl="conFgAcc1" presStyleIdx="0" presStyleCnt="4">
+        <dgm:presLayoutVars>
+          <dgm:bulletEnabled val="1"/>
+        </dgm:presLayoutVars>
+      </dgm:prSet>
+      <dgm:spPr/>
+    </dgm:pt>
+    <dgm:pt modelId="{7610FC45-71E8-47C1-BFED-956C95C136C5}" type="pres">
+      <dgm:prSet presAssocID="{3FFE3DCB-DFD4-4D1A-9AE0-B26D86B3E182}" presName="spaceBetweenRectangles" presStyleCnt="0"/>
+      <dgm:spPr/>
+    </dgm:pt>
+    <dgm:pt modelId="{91493DDE-A690-4E47-8C9F-9D5D022D9DB7}" type="pres">
+      <dgm:prSet presAssocID="{44C3DD26-42FC-4372-8FFF-053172273D0C}" presName="parentLin" presStyleCnt="0"/>
+      <dgm:spPr/>
+    </dgm:pt>
+    <dgm:pt modelId="{1F316442-0AA1-4648-BB0E-82B8CDB4136D}" type="pres">
+      <dgm:prSet presAssocID="{44C3DD26-42FC-4372-8FFF-053172273D0C}" presName="parentLeftMargin" presStyleLbl="node1" presStyleIdx="0" presStyleCnt="4"/>
+      <dgm:spPr/>
+    </dgm:pt>
+    <dgm:pt modelId="{F145935C-62BE-4D17-ABD3-08349726AFFF}" type="pres">
+      <dgm:prSet presAssocID="{44C3DD26-42FC-4372-8FFF-053172273D0C}" presName="parentText" presStyleLbl="node1" presStyleIdx="1" presStyleCnt="4">
+        <dgm:presLayoutVars>
+          <dgm:chMax val="0"/>
+          <dgm:bulletEnabled val="1"/>
+        </dgm:presLayoutVars>
+      </dgm:prSet>
+      <dgm:spPr/>
+      <dgm:t>
+        <a:bodyPr/>
+        <a:lstStyle/>
+        <a:p>
+          <a:endParaRPr lang="en-US"/>
+        </a:p>
+      </dgm:t>
+    </dgm:pt>
+    <dgm:pt modelId="{503ECFDF-CD3A-4B4A-8DA9-9F2E73EDCEDC}" type="pres">
+      <dgm:prSet presAssocID="{44C3DD26-42FC-4372-8FFF-053172273D0C}" presName="negativeSpace" presStyleCnt="0"/>
+      <dgm:spPr/>
+    </dgm:pt>
+    <dgm:pt modelId="{43CC63D1-BE84-473B-B7A6-090527C0DBF1}" type="pres">
+      <dgm:prSet presAssocID="{44C3DD26-42FC-4372-8FFF-053172273D0C}" presName="childText" presStyleLbl="conFgAcc1" presStyleIdx="1" presStyleCnt="4">
+        <dgm:presLayoutVars>
+          <dgm:bulletEnabled val="1"/>
+        </dgm:presLayoutVars>
+      </dgm:prSet>
+      <dgm:spPr/>
+    </dgm:pt>
+    <dgm:pt modelId="{1F6CFF60-9BCC-4C78-B5B2-3549419E2989}" type="pres">
+      <dgm:prSet presAssocID="{8BCDC223-57C8-4CF0-887E-E5EF7CFAF5BE}" presName="spaceBetweenRectangles" presStyleCnt="0"/>
+      <dgm:spPr/>
+    </dgm:pt>
+    <dgm:pt modelId="{4EE6C286-A566-4916-AD8C-3ABDE73ADE7B}" type="pres">
+      <dgm:prSet presAssocID="{FD63FB1E-8E51-423E-B87E-C2876D1B5CD2}" presName="parentLin" presStyleCnt="0"/>
+      <dgm:spPr/>
+    </dgm:pt>
+    <dgm:pt modelId="{8AE54B62-939C-4C28-AC1E-4CD7B57BBC74}" type="pres">
+      <dgm:prSet presAssocID="{FD63FB1E-8E51-423E-B87E-C2876D1B5CD2}" presName="parentLeftMargin" presStyleLbl="node1" presStyleIdx="1" presStyleCnt="4"/>
+      <dgm:spPr/>
+    </dgm:pt>
+    <dgm:pt modelId="{1513AE73-EB32-4056-AE35-FCF3AE6368B5}" type="pres">
+      <dgm:prSet presAssocID="{FD63FB1E-8E51-423E-B87E-C2876D1B5CD2}" presName="parentText" presStyleLbl="node1" presStyleIdx="2" presStyleCnt="4">
+        <dgm:presLayoutVars>
+          <dgm:chMax val="0"/>
+          <dgm:bulletEnabled val="1"/>
+        </dgm:presLayoutVars>
+      </dgm:prSet>
+      <dgm:spPr/>
+      <dgm:t>
+        <a:bodyPr/>
+        <a:lstStyle/>
+        <a:p>
+          <a:endParaRPr lang="en-US"/>
+        </a:p>
+      </dgm:t>
+    </dgm:pt>
+    <dgm:pt modelId="{92F1F7E0-F21A-4457-B241-98C3D71BC630}" type="pres">
+      <dgm:prSet presAssocID="{FD63FB1E-8E51-423E-B87E-C2876D1B5CD2}" presName="negativeSpace" presStyleCnt="0"/>
+      <dgm:spPr/>
+    </dgm:pt>
+    <dgm:pt modelId="{F0708EAB-5333-4123-8D06-040F973B16D7}" type="pres">
+      <dgm:prSet presAssocID="{FD63FB1E-8E51-423E-B87E-C2876D1B5CD2}" presName="childText" presStyleLbl="conFgAcc1" presStyleIdx="2" presStyleCnt="4">
+        <dgm:presLayoutVars>
+          <dgm:bulletEnabled val="1"/>
+        </dgm:presLayoutVars>
+      </dgm:prSet>
+      <dgm:spPr/>
+    </dgm:pt>
+    <dgm:pt modelId="{E1024A82-7967-446E-B5ED-6D5A9A1B8BC3}" type="pres">
+      <dgm:prSet presAssocID="{0E06E950-3401-44E6-BEC3-ADCAA864529D}" presName="spaceBetweenRectangles" presStyleCnt="0"/>
+      <dgm:spPr/>
+    </dgm:pt>
+    <dgm:pt modelId="{54892FBE-DCB3-46F8-A1EE-69064EC1CBC3}" type="pres">
+      <dgm:prSet presAssocID="{39BEBA28-F74C-4A5D-8B9F-766B0ADBA4E3}" presName="parentLin" presStyleCnt="0"/>
+      <dgm:spPr/>
+    </dgm:pt>
+    <dgm:pt modelId="{000BF17C-702E-413B-A3EF-CEAF25D93C11}" type="pres">
+      <dgm:prSet presAssocID="{39BEBA28-F74C-4A5D-8B9F-766B0ADBA4E3}" presName="parentLeftMargin" presStyleLbl="node1" presStyleIdx="2" presStyleCnt="4"/>
+      <dgm:spPr/>
+    </dgm:pt>
+    <dgm:pt modelId="{201B7982-A4C0-47F3-A0AB-5EDEC56C6D3B}" type="pres">
+      <dgm:prSet presAssocID="{39BEBA28-F74C-4A5D-8B9F-766B0ADBA4E3}" presName="parentText" presStyleLbl="node1" presStyleIdx="3" presStyleCnt="4">
+        <dgm:presLayoutVars>
+          <dgm:chMax val="0"/>
+          <dgm:bulletEnabled val="1"/>
+        </dgm:presLayoutVars>
+      </dgm:prSet>
+      <dgm:spPr/>
+      <dgm:t>
+        <a:bodyPr/>
+        <a:lstStyle/>
+        <a:p>
+          <a:endParaRPr lang="en-US"/>
+        </a:p>
+      </dgm:t>
+    </dgm:pt>
+    <dgm:pt modelId="{0DC723B0-F84E-4980-A19C-B579991F70F8}" type="pres">
+      <dgm:prSet presAssocID="{39BEBA28-F74C-4A5D-8B9F-766B0ADBA4E3}" presName="negativeSpace" presStyleCnt="0"/>
+      <dgm:spPr/>
+    </dgm:pt>
+    <dgm:pt modelId="{ABCCC47D-7926-411B-BA3D-3045D69B12F3}" type="pres">
+      <dgm:prSet presAssocID="{39BEBA28-F74C-4A5D-8B9F-766B0ADBA4E3}" presName="childText" presStyleLbl="conFgAcc1" presStyleIdx="3" presStyleCnt="4">
+        <dgm:presLayoutVars>
+          <dgm:bulletEnabled val="1"/>
+        </dgm:presLayoutVars>
+      </dgm:prSet>
+      <dgm:spPr/>
+    </dgm:pt>
+  </dgm:ptLst>
+  <dgm:cxnLst>
+    <dgm:cxn modelId="{887F61BA-4AF4-4919-8FEF-3B5619474A5D}" type="presOf" srcId="{39BEBA28-F74C-4A5D-8B9F-766B0ADBA4E3}" destId="{000BF17C-702E-413B-A3EF-CEAF25D93C11}" srcOrd="0" destOrd="0" presId="urn:microsoft.com/office/officeart/2005/8/layout/list1"/>
+    <dgm:cxn modelId="{7B877BF0-AF26-4C4E-AC8E-6B4C1E350896}" type="presOf" srcId="{F4B1222C-BF42-4A6E-B495-1982BDAADC71}" destId="{8C3060F3-7F74-4AE5-91A3-12CB86006DCD}" srcOrd="0" destOrd="0" presId="urn:microsoft.com/office/officeart/2005/8/layout/list1"/>
+    <dgm:cxn modelId="{31EC7123-89D0-4B5F-8F48-A20D79BBA0D5}" type="presOf" srcId="{39BEBA28-F74C-4A5D-8B9F-766B0ADBA4E3}" destId="{201B7982-A4C0-47F3-A0AB-5EDEC56C6D3B}" srcOrd="1" destOrd="0" presId="urn:microsoft.com/office/officeart/2005/8/layout/list1"/>
+    <dgm:cxn modelId="{FDCA7164-8E9D-45C4-94A7-3316677CE4C9}" type="presOf" srcId="{FD63FB1E-8E51-423E-B87E-C2876D1B5CD2}" destId="{8AE54B62-939C-4C28-AC1E-4CD7B57BBC74}" srcOrd="0" destOrd="0" presId="urn:microsoft.com/office/officeart/2005/8/layout/list1"/>
+    <dgm:cxn modelId="{72821974-F6A6-49F6-8054-31EB0DDA0A42}" type="presOf" srcId="{44C3DD26-42FC-4372-8FFF-053172273D0C}" destId="{F145935C-62BE-4D17-ABD3-08349726AFFF}" srcOrd="1" destOrd="0" presId="urn:microsoft.com/office/officeart/2005/8/layout/list1"/>
+    <dgm:cxn modelId="{038A3F62-2533-498E-87CB-1B75095755B8}" type="presOf" srcId="{A97E13E7-8694-4F12-A47D-93F8B9327F27}" destId="{B55ABD3D-44E2-4EBA-8856-9E85DAC68003}" srcOrd="0" destOrd="0" presId="urn:microsoft.com/office/officeart/2005/8/layout/list1"/>
+    <dgm:cxn modelId="{6EFF5058-7A45-4184-8345-C9667EBBA30E}" type="presOf" srcId="{44C3DD26-42FC-4372-8FFF-053172273D0C}" destId="{1F316442-0AA1-4648-BB0E-82B8CDB4136D}" srcOrd="0" destOrd="0" presId="urn:microsoft.com/office/officeart/2005/8/layout/list1"/>
+    <dgm:cxn modelId="{20DA8577-F651-44B6-AA47-99B7B07D77F0}" srcId="{F4B1222C-BF42-4A6E-B495-1982BDAADC71}" destId="{44C3DD26-42FC-4372-8FFF-053172273D0C}" srcOrd="1" destOrd="0" parTransId="{C785DE10-1767-4B8F-A485-D4D537ED8678}" sibTransId="{8BCDC223-57C8-4CF0-887E-E5EF7CFAF5BE}"/>
+    <dgm:cxn modelId="{B45C8D18-E402-4412-AB9F-DBECE7FF05C6}" type="presOf" srcId="{A97E13E7-8694-4F12-A47D-93F8B9327F27}" destId="{81D0BAC5-D2D0-4300-83E1-6C11579A4014}" srcOrd="1" destOrd="0" presId="urn:microsoft.com/office/officeart/2005/8/layout/list1"/>
+    <dgm:cxn modelId="{D5AEFFF6-DDF0-4F3B-BB3A-AECF2D6F7AC1}" srcId="{F4B1222C-BF42-4A6E-B495-1982BDAADC71}" destId="{FD63FB1E-8E51-423E-B87E-C2876D1B5CD2}" srcOrd="2" destOrd="0" parTransId="{E4BB637A-50B4-4D55-B01F-3B7BC03D2748}" sibTransId="{0E06E950-3401-44E6-BEC3-ADCAA864529D}"/>
+    <dgm:cxn modelId="{4F118367-D807-4B4B-9D9E-9BAC56AE483C}" type="presOf" srcId="{FD63FB1E-8E51-423E-B87E-C2876D1B5CD2}" destId="{1513AE73-EB32-4056-AE35-FCF3AE6368B5}" srcOrd="1" destOrd="0" presId="urn:microsoft.com/office/officeart/2005/8/layout/list1"/>
+    <dgm:cxn modelId="{7E8B0286-766A-4ADE-97D0-76E45A59BA40}" srcId="{F4B1222C-BF42-4A6E-B495-1982BDAADC71}" destId="{39BEBA28-F74C-4A5D-8B9F-766B0ADBA4E3}" srcOrd="3" destOrd="0" parTransId="{315456F5-45DA-4F99-A9C9-AE6821914180}" sibTransId="{B088C52F-37C2-494B-B2FC-642A9D52D672}"/>
+    <dgm:cxn modelId="{1AB22663-7456-4EF4-98C5-9FCA0BA44989}" srcId="{F4B1222C-BF42-4A6E-B495-1982BDAADC71}" destId="{A97E13E7-8694-4F12-A47D-93F8B9327F27}" srcOrd="0" destOrd="0" parTransId="{9B1CE351-275F-4AC3-93AC-48FB0488561D}" sibTransId="{3FFE3DCB-DFD4-4D1A-9AE0-B26D86B3E182}"/>
+    <dgm:cxn modelId="{DBF72989-193F-4A5E-8A44-6C21A5FBF4D3}" type="presParOf" srcId="{8C3060F3-7F74-4AE5-91A3-12CB86006DCD}" destId="{4CFB8996-0FD5-40D0-82DC-29110341574B}" srcOrd="0" destOrd="0" presId="urn:microsoft.com/office/officeart/2005/8/layout/list1"/>
+    <dgm:cxn modelId="{832EDB75-45AA-4AEB-8574-7494F5806EB1}" type="presParOf" srcId="{4CFB8996-0FD5-40D0-82DC-29110341574B}" destId="{B55ABD3D-44E2-4EBA-8856-9E85DAC68003}" srcOrd="0" destOrd="0" presId="urn:microsoft.com/office/officeart/2005/8/layout/list1"/>
+    <dgm:cxn modelId="{49EDD2EF-7D57-4770-9848-628422873EF8}" type="presParOf" srcId="{4CFB8996-0FD5-40D0-82DC-29110341574B}" destId="{81D0BAC5-D2D0-4300-83E1-6C11579A4014}" srcOrd="1" destOrd="0" presId="urn:microsoft.com/office/officeart/2005/8/layout/list1"/>
+    <dgm:cxn modelId="{EC74C9B7-22A3-4F3B-BE9F-C2C374AA594F}" type="presParOf" srcId="{8C3060F3-7F74-4AE5-91A3-12CB86006DCD}" destId="{C0E41C6E-A314-4EDB-8B1E-5F379AD45064}" srcOrd="1" destOrd="0" presId="urn:microsoft.com/office/officeart/2005/8/layout/list1"/>
+    <dgm:cxn modelId="{12C076F6-A51C-4199-B98E-A9C30C2522C9}" type="presParOf" srcId="{8C3060F3-7F74-4AE5-91A3-12CB86006DCD}" destId="{D253BCC1-EDDA-4422-B415-FA726239A4E5}" srcOrd="2" destOrd="0" presId="urn:microsoft.com/office/officeart/2005/8/layout/list1"/>
+    <dgm:cxn modelId="{FC4ED575-0439-4A5A-BBB2-414CF89EC6B4}" type="presParOf" srcId="{8C3060F3-7F74-4AE5-91A3-12CB86006DCD}" destId="{7610FC45-71E8-47C1-BFED-956C95C136C5}" srcOrd="3" destOrd="0" presId="urn:microsoft.com/office/officeart/2005/8/layout/list1"/>
+    <dgm:cxn modelId="{5B72CD2B-5F98-449F-95D2-CAD12B8538CA}" type="presParOf" srcId="{8C3060F3-7F74-4AE5-91A3-12CB86006DCD}" destId="{91493DDE-A690-4E47-8C9F-9D5D022D9DB7}" srcOrd="4" destOrd="0" presId="urn:microsoft.com/office/officeart/2005/8/layout/list1"/>
+    <dgm:cxn modelId="{9CEF4FD3-56AF-4B1C-ACE3-A7935020D9C0}" type="presParOf" srcId="{91493DDE-A690-4E47-8C9F-9D5D022D9DB7}" destId="{1F316442-0AA1-4648-BB0E-82B8CDB4136D}" srcOrd="0" destOrd="0" presId="urn:microsoft.com/office/officeart/2005/8/layout/list1"/>
+    <dgm:cxn modelId="{17BA7ACB-6BFB-4D9E-8BDB-C9038CA04B0D}" type="presParOf" srcId="{91493DDE-A690-4E47-8C9F-9D5D022D9DB7}" destId="{F145935C-62BE-4D17-ABD3-08349726AFFF}" srcOrd="1" destOrd="0" presId="urn:microsoft.com/office/officeart/2005/8/layout/list1"/>
+    <dgm:cxn modelId="{CB07148F-1974-47E5-9C9A-D60E37A62C17}" type="presParOf" srcId="{8C3060F3-7F74-4AE5-91A3-12CB86006DCD}" destId="{503ECFDF-CD3A-4B4A-8DA9-9F2E73EDCEDC}" srcOrd="5" destOrd="0" presId="urn:microsoft.com/office/officeart/2005/8/layout/list1"/>
+    <dgm:cxn modelId="{5A0260AA-FD3D-4696-8567-72331F38FEB6}" type="presParOf" srcId="{8C3060F3-7F74-4AE5-91A3-12CB86006DCD}" destId="{43CC63D1-BE84-473B-B7A6-090527C0DBF1}" srcOrd="6" destOrd="0" presId="urn:microsoft.com/office/officeart/2005/8/layout/list1"/>
+    <dgm:cxn modelId="{1A05B681-1F85-4594-B91F-213ACFA429EF}" type="presParOf" srcId="{8C3060F3-7F74-4AE5-91A3-12CB86006DCD}" destId="{1F6CFF60-9BCC-4C78-B5B2-3549419E2989}" srcOrd="7" destOrd="0" presId="urn:microsoft.com/office/officeart/2005/8/layout/list1"/>
+    <dgm:cxn modelId="{D5F6CB7C-AE3D-40CD-9D0F-95F389D79792}" type="presParOf" srcId="{8C3060F3-7F74-4AE5-91A3-12CB86006DCD}" destId="{4EE6C286-A566-4916-AD8C-3ABDE73ADE7B}" srcOrd="8" destOrd="0" presId="urn:microsoft.com/office/officeart/2005/8/layout/list1"/>
+    <dgm:cxn modelId="{D396EAA6-9EDC-4684-80A2-CE2F1ECDB651}" type="presParOf" srcId="{4EE6C286-A566-4916-AD8C-3ABDE73ADE7B}" destId="{8AE54B62-939C-4C28-AC1E-4CD7B57BBC74}" srcOrd="0" destOrd="0" presId="urn:microsoft.com/office/officeart/2005/8/layout/list1"/>
+    <dgm:cxn modelId="{C33C475E-4F82-40A9-A97B-D2C0510B2EBF}" type="presParOf" srcId="{4EE6C286-A566-4916-AD8C-3ABDE73ADE7B}" destId="{1513AE73-EB32-4056-AE35-FCF3AE6368B5}" srcOrd="1" destOrd="0" presId="urn:microsoft.com/office/officeart/2005/8/layout/list1"/>
+    <dgm:cxn modelId="{4D62F3F7-D29D-4F78-8783-6516F9461858}" type="presParOf" srcId="{8C3060F3-7F74-4AE5-91A3-12CB86006DCD}" destId="{92F1F7E0-F21A-4457-B241-98C3D71BC630}" srcOrd="9" destOrd="0" presId="urn:microsoft.com/office/officeart/2005/8/layout/list1"/>
+    <dgm:cxn modelId="{8CFEE13C-03C5-4E67-A6F0-D307DDFB07BC}" type="presParOf" srcId="{8C3060F3-7F74-4AE5-91A3-12CB86006DCD}" destId="{F0708EAB-5333-4123-8D06-040F973B16D7}" srcOrd="10" destOrd="0" presId="urn:microsoft.com/office/officeart/2005/8/layout/list1"/>
+    <dgm:cxn modelId="{9B094F43-30F4-47D9-8FD6-938006E38B06}" type="presParOf" srcId="{8C3060F3-7F74-4AE5-91A3-12CB86006DCD}" destId="{E1024A82-7967-446E-B5ED-6D5A9A1B8BC3}" srcOrd="11" destOrd="0" presId="urn:microsoft.com/office/officeart/2005/8/layout/list1"/>
+    <dgm:cxn modelId="{7C4FF3B7-61BE-4AD4-9151-2A06F331B87E}" type="presParOf" srcId="{8C3060F3-7F74-4AE5-91A3-12CB86006DCD}" destId="{54892FBE-DCB3-46F8-A1EE-69064EC1CBC3}" srcOrd="12" destOrd="0" presId="urn:microsoft.com/office/officeart/2005/8/layout/list1"/>
+    <dgm:cxn modelId="{4C6687FF-28D5-40E8-8170-B94BBD65BC41}" type="presParOf" srcId="{54892FBE-DCB3-46F8-A1EE-69064EC1CBC3}" destId="{000BF17C-702E-413B-A3EF-CEAF25D93C11}" srcOrd="0" destOrd="0" presId="urn:microsoft.com/office/officeart/2005/8/layout/list1"/>
+    <dgm:cxn modelId="{B624C078-4A77-4286-8F3F-E10B44DF2531}" type="presParOf" srcId="{54892FBE-DCB3-46F8-A1EE-69064EC1CBC3}" destId="{201B7982-A4C0-47F3-A0AB-5EDEC56C6D3B}" srcOrd="1" destOrd="0" presId="urn:microsoft.com/office/officeart/2005/8/layout/list1"/>
+    <dgm:cxn modelId="{FDB31DFA-9BAF-47FE-81B3-2AC943946B4A}" type="presParOf" srcId="{8C3060F3-7F74-4AE5-91A3-12CB86006DCD}" destId="{0DC723B0-F84E-4980-A19C-B579991F70F8}" srcOrd="13" destOrd="0" presId="urn:microsoft.com/office/officeart/2005/8/layout/list1"/>
+    <dgm:cxn modelId="{565024AD-8955-4B8D-ACD0-FE9C9FD55572}" type="presParOf" srcId="{8C3060F3-7F74-4AE5-91A3-12CB86006DCD}" destId="{ABCCC47D-7926-411B-BA3D-3045D69B12F3}" srcOrd="14" destOrd="0" presId="urn:microsoft.com/office/officeart/2005/8/layout/list1"/>
+  </dgm:cxnLst>
+  <dgm:bg/>
+  <dgm:whole/>
+  <dgm:extLst>
+    <a:ext uri="http://schemas.microsoft.com/office/drawing/2008/diagram">
+      <dsp:dataModelExt xmlns:dsp="http://schemas.microsoft.com/office/drawing/2008/diagram" xmlns="" relId="rId6" minVer="http://schemas.openxmlformats.org/drawingml/2006/diagram"/>
+    </a:ext>
+  </dgm:extLst>
+</dgm:dataModel>
+</file>
+
+<file path=ppt/diagrams/drawing1.xml><?xml version="1.0" encoding="utf-8"?>
+<dsp:drawing xmlns:dgm="http://schemas.openxmlformats.org/drawingml/2006/diagram" xmlns:a="http://schemas.openxmlformats.org/drawingml/2006/main" xmlns:dsp="http://schemas.microsoft.com/office/drawing/2008/diagram">
+  <dsp:spTree>
+    <dsp:nvGrpSpPr>
+      <dsp:cNvPr id="0" name=""/>
+      <dsp:cNvGrpSpPr/>
+    </dsp:nvGrpSpPr>
+    <dsp:grpSpPr/>
+    <dsp:sp modelId="{14A6F81C-84CE-41CA-BBB2-A433FF22DD62}">
+      <dsp:nvSpPr>
+        <dsp:cNvPr id="0" name=""/>
+        <dsp:cNvSpPr/>
+      </dsp:nvSpPr>
+      <dsp:spPr>
+        <a:xfrm rot="3371337">
+          <a:off x="2455075" y="3899732"/>
+          <a:ext cx="1589355" cy="32739"/>
+        </a:xfrm>
+        <a:custGeom>
+          <a:avLst/>
+          <a:gdLst/>
+          <a:ahLst/>
+          <a:cxnLst/>
+          <a:rect l="0" t="0" r="0" b="0"/>
+          <a:pathLst>
+            <a:path>
+              <a:moveTo>
+                <a:pt x="0" y="16369"/>
+              </a:moveTo>
+              <a:lnTo>
+                <a:pt x="1589355" y="16369"/>
+              </a:lnTo>
+            </a:path>
+          </a:pathLst>
+        </a:custGeom>
+        <a:noFill/>
+        <a:ln w="25400" cap="flat" cmpd="sng" algn="ctr">
+          <a:solidFill>
+            <a:schemeClr val="accent1">
+              <a:shade val="60000"/>
+              <a:hueOff val="0"/>
+              <a:satOff val="0"/>
+              <a:lumOff val="0"/>
+              <a:alphaOff val="0"/>
+            </a:schemeClr>
+          </a:solidFill>
+          <a:prstDash val="solid"/>
+        </a:ln>
+        <a:effectLst/>
+      </dsp:spPr>
+      <dsp:style>
+        <a:lnRef idx="2">
+          <a:scrgbClr r="0" g="0" b="0"/>
+        </a:lnRef>
+        <a:fillRef idx="0">
+          <a:scrgbClr r="0" g="0" b="0"/>
+        </a:fillRef>
+        <a:effectRef idx="0">
+          <a:scrgbClr r="0" g="0" b="0"/>
+        </a:effectRef>
+        <a:fontRef idx="minor"/>
+      </dsp:style>
+    </dsp:sp>
+    <dsp:sp modelId="{D326A595-0EE7-41BD-A747-9DF708032150}">
+      <dsp:nvSpPr>
+        <dsp:cNvPr id="0" name=""/>
+        <dsp:cNvSpPr/>
+      </dsp:nvSpPr>
+      <dsp:spPr>
+        <a:xfrm rot="1740089">
+          <a:off x="2896899" y="3343900"/>
+          <a:ext cx="1425761" cy="32739"/>
+        </a:xfrm>
+        <a:custGeom>
+          <a:avLst/>
+          <a:gdLst/>
+          <a:ahLst/>
+          <a:cxnLst/>
+          <a:rect l="0" t="0" r="0" b="0"/>
+          <a:pathLst>
+            <a:path>
+              <a:moveTo>
+                <a:pt x="0" y="16369"/>
+              </a:moveTo>
+              <a:lnTo>
+                <a:pt x="1425761" y="16369"/>
+              </a:lnTo>
+            </a:path>
+          </a:pathLst>
+        </a:custGeom>
+        <a:noFill/>
+        <a:ln w="25400" cap="flat" cmpd="sng" algn="ctr">
+          <a:solidFill>
+            <a:schemeClr val="accent1">
+              <a:shade val="60000"/>
+              <a:hueOff val="0"/>
+              <a:satOff val="0"/>
+              <a:lumOff val="0"/>
+              <a:alphaOff val="0"/>
+            </a:schemeClr>
+          </a:solidFill>
+          <a:prstDash val="solid"/>
+        </a:ln>
+        <a:effectLst/>
+      </dsp:spPr>
+      <dsp:style>
+        <a:lnRef idx="2">
+          <a:scrgbClr r="0" g="0" b="0"/>
+        </a:lnRef>
+        <a:fillRef idx="0">
+          <a:scrgbClr r="0" g="0" b="0"/>
+        </a:fillRef>
+        <a:effectRef idx="0">
+          <a:scrgbClr r="0" g="0" b="0"/>
+        </a:effectRef>
+        <a:fontRef idx="minor"/>
+      </dsp:style>
+    </dsp:sp>
+    <dsp:sp modelId="{7DE0EAAA-FF87-4BD6-9860-3373F4EFCD55}">
+      <dsp:nvSpPr>
+        <dsp:cNvPr id="0" name=""/>
+        <dsp:cNvSpPr/>
+      </dsp:nvSpPr>
+      <dsp:spPr>
+        <a:xfrm>
+          <a:off x="2986289" y="2698274"/>
+          <a:ext cx="1430722" cy="32739"/>
+        </a:xfrm>
+        <a:custGeom>
+          <a:avLst/>
+          <a:gdLst/>
+          <a:ahLst/>
+          <a:cxnLst/>
+          <a:rect l="0" t="0" r="0" b="0"/>
+          <a:pathLst>
+            <a:path>
+              <a:moveTo>
+                <a:pt x="0" y="16369"/>
+              </a:moveTo>
+              <a:lnTo>
+                <a:pt x="1430722" y="16369"/>
+              </a:lnTo>
+            </a:path>
+          </a:pathLst>
+        </a:custGeom>
+        <a:noFill/>
+        <a:ln w="25400" cap="flat" cmpd="sng" algn="ctr">
+          <a:solidFill>
+            <a:schemeClr val="accent1">
+              <a:shade val="60000"/>
+              <a:hueOff val="0"/>
+              <a:satOff val="0"/>
+              <a:lumOff val="0"/>
+              <a:alphaOff val="0"/>
+            </a:schemeClr>
+          </a:solidFill>
+          <a:prstDash val="solid"/>
+        </a:ln>
+        <a:effectLst/>
+      </dsp:spPr>
+      <dsp:style>
+        <a:lnRef idx="2">
+          <a:scrgbClr r="0" g="0" b="0"/>
+        </a:lnRef>
+        <a:fillRef idx="0">
+          <a:scrgbClr r="0" g="0" b="0"/>
+        </a:fillRef>
+        <a:effectRef idx="0">
+          <a:scrgbClr r="0" g="0" b="0"/>
+        </a:effectRef>
+        <a:fontRef idx="minor"/>
+      </dsp:style>
+    </dsp:sp>
+    <dsp:sp modelId="{F55717B8-D84E-473A-9F76-DFF998FD0FDD}">
+      <dsp:nvSpPr>
+        <dsp:cNvPr id="0" name=""/>
+        <dsp:cNvSpPr/>
+      </dsp:nvSpPr>
+      <dsp:spPr>
+        <a:xfrm rot="19859911">
+          <a:off x="2896899" y="2052648"/>
+          <a:ext cx="1425761" cy="32739"/>
+        </a:xfrm>
+        <a:custGeom>
+          <a:avLst/>
+          <a:gdLst/>
+          <a:ahLst/>
+          <a:cxnLst/>
+          <a:rect l="0" t="0" r="0" b="0"/>
+          <a:pathLst>
+            <a:path>
+              <a:moveTo>
+                <a:pt x="0" y="16369"/>
+              </a:moveTo>
+              <a:lnTo>
+                <a:pt x="1425761" y="16369"/>
+              </a:lnTo>
+            </a:path>
+          </a:pathLst>
+        </a:custGeom>
+        <a:noFill/>
+        <a:ln w="25400" cap="flat" cmpd="sng" algn="ctr">
+          <a:solidFill>
+            <a:schemeClr val="accent1">
+              <a:shade val="60000"/>
+              <a:hueOff val="0"/>
+              <a:satOff val="0"/>
+              <a:lumOff val="0"/>
+              <a:alphaOff val="0"/>
+            </a:schemeClr>
+          </a:solidFill>
+          <a:prstDash val="solid"/>
+        </a:ln>
+        <a:effectLst/>
+      </dsp:spPr>
+      <dsp:style>
+        <a:lnRef idx="2">
+          <a:scrgbClr r="0" g="0" b="0"/>
+        </a:lnRef>
+        <a:fillRef idx="0">
+          <a:scrgbClr r="0" g="0" b="0"/>
+        </a:fillRef>
+        <a:effectRef idx="0">
+          <a:scrgbClr r="0" g="0" b="0"/>
+        </a:effectRef>
+        <a:fontRef idx="minor"/>
+      </dsp:style>
+    </dsp:sp>
+    <dsp:sp modelId="{0486AB06-B600-477B-83B6-463A9F7425DD}">
+      <dsp:nvSpPr>
+        <dsp:cNvPr id="0" name=""/>
+        <dsp:cNvSpPr/>
+      </dsp:nvSpPr>
+      <dsp:spPr>
+        <a:xfrm rot="18228663">
+          <a:off x="2455075" y="1496816"/>
+          <a:ext cx="1589355" cy="32739"/>
+        </a:xfrm>
+        <a:custGeom>
+          <a:avLst/>
+          <a:gdLst/>
+          <a:ahLst/>
+          <a:cxnLst/>
+          <a:rect l="0" t="0" r="0" b="0"/>
+          <a:pathLst>
+            <a:path>
+              <a:moveTo>
+                <a:pt x="0" y="16369"/>
+              </a:moveTo>
+              <a:lnTo>
+                <a:pt x="1589355" y="16369"/>
+              </a:lnTo>
+            </a:path>
+          </a:pathLst>
+        </a:custGeom>
+        <a:noFill/>
+        <a:ln w="25400" cap="flat" cmpd="sng" algn="ctr">
+          <a:solidFill>
+            <a:schemeClr val="accent1">
+              <a:shade val="60000"/>
+              <a:hueOff val="0"/>
+              <a:satOff val="0"/>
+              <a:lumOff val="0"/>
+              <a:alphaOff val="0"/>
+            </a:schemeClr>
+          </a:solidFill>
+          <a:prstDash val="solid"/>
+        </a:ln>
+        <a:effectLst/>
+      </dsp:spPr>
+      <dsp:style>
+        <a:lnRef idx="2">
+          <a:scrgbClr r="0" g="0" b="0"/>
+        </a:lnRef>
+        <a:fillRef idx="0">
+          <a:scrgbClr r="0" g="0" b="0"/>
+        </a:fillRef>
+        <a:effectRef idx="0">
+          <a:scrgbClr r="0" g="0" b="0"/>
+        </a:effectRef>
+        <a:fontRef idx="minor"/>
+      </dsp:style>
+    </dsp:sp>
+    <dsp:sp modelId="{D20421F3-553F-4254-98DC-1338092FA480}">
+      <dsp:nvSpPr>
+        <dsp:cNvPr id="0" name=""/>
+        <dsp:cNvSpPr/>
+      </dsp:nvSpPr>
+      <dsp:spPr>
+        <a:xfrm>
+          <a:off x="1671998" y="1941531"/>
+          <a:ext cx="1546224" cy="1546224"/>
+        </a:xfrm>
+        <a:prstGeom prst="ellipse">
+          <a:avLst/>
+        </a:prstGeom>
+        <a:solidFill>
+          <a:schemeClr val="accent1">
+            <a:hueOff val="0"/>
+            <a:satOff val="0"/>
+            <a:lumOff val="0"/>
+            <a:alphaOff val="0"/>
+          </a:schemeClr>
+        </a:solidFill>
+        <a:ln w="25400" cap="flat" cmpd="sng" algn="ctr">
+          <a:solidFill>
+            <a:schemeClr val="lt1">
+              <a:hueOff val="0"/>
+              <a:satOff val="0"/>
+              <a:lumOff val="0"/>
+              <a:alphaOff val="0"/>
+            </a:schemeClr>
+          </a:solidFill>
+          <a:prstDash val="solid"/>
+        </a:ln>
+        <a:effectLst/>
+      </dsp:spPr>
+      <dsp:style>
+        <a:lnRef idx="2">
+          <a:scrgbClr r="0" g="0" b="0"/>
+        </a:lnRef>
+        <a:fillRef idx="1">
+          <a:scrgbClr r="0" g="0" b="0"/>
+        </a:fillRef>
+        <a:effectRef idx="0">
+          <a:scrgbClr r="0" g="0" b="0"/>
+        </a:effectRef>
+        <a:fontRef idx="minor">
+          <a:schemeClr val="lt1"/>
+        </a:fontRef>
+      </dsp:style>
+    </dsp:sp>
+    <dsp:sp modelId="{D24A9992-9C79-40EE-B658-66F56DE27CE1}">
+      <dsp:nvSpPr>
+        <dsp:cNvPr id="0" name=""/>
+        <dsp:cNvSpPr/>
+      </dsp:nvSpPr>
+      <dsp:spPr>
+        <a:xfrm>
+          <a:off x="3486210" y="3621"/>
+          <a:ext cx="927734" cy="927734"/>
+        </a:xfrm>
+        <a:prstGeom prst="ellipse">
+          <a:avLst/>
+        </a:prstGeom>
+        <a:solidFill>
+          <a:schemeClr val="accent1">
+            <a:hueOff val="0"/>
+            <a:satOff val="0"/>
+            <a:lumOff val="0"/>
+            <a:alphaOff val="0"/>
+          </a:schemeClr>
+        </a:solidFill>
+        <a:ln w="25400" cap="flat" cmpd="sng" algn="ctr">
+          <a:solidFill>
+            <a:schemeClr val="lt1">
+              <a:hueOff val="0"/>
+              <a:satOff val="0"/>
+              <a:lumOff val="0"/>
+              <a:alphaOff val="0"/>
+            </a:schemeClr>
+          </a:solidFill>
+          <a:prstDash val="solid"/>
+        </a:ln>
+        <a:effectLst/>
+      </dsp:spPr>
+      <dsp:style>
+        <a:lnRef idx="2">
+          <a:scrgbClr r="0" g="0" b="0"/>
+        </a:lnRef>
+        <a:fillRef idx="1">
+          <a:scrgbClr r="0" g="0" b="0"/>
+        </a:fillRef>
+        <a:effectRef idx="0">
+          <a:scrgbClr r="0" g="0" b="0"/>
+        </a:effectRef>
+        <a:fontRef idx="minor">
+          <a:schemeClr val="lt1"/>
+        </a:fontRef>
+      </dsp:style>
+      <dsp:txBody>
+        <a:bodyPr spcFirstLastPara="0" vert="horz" wrap="square" lIns="5080" tIns="5080" rIns="5080" bIns="5080" numCol="1" spcCol="1270" anchor="ctr" anchorCtr="0">
+          <a:noAutofit/>
+        </a:bodyPr>
+        <a:lstStyle/>
+        <a:p>
+          <a:pPr lvl="0" algn="ctr" defTabSz="355600">
+            <a:lnSpc>
+              <a:spcPct val="90000"/>
+            </a:lnSpc>
+            <a:spcBef>
+              <a:spcPct val="0"/>
+            </a:spcBef>
+            <a:spcAft>
+              <a:spcPct val="35000"/>
+            </a:spcAft>
+          </a:pPr>
+          <a:r>
+            <a:rPr lang="en-US" sz="800" kern="1200" dirty="0" smtClean="0"/>
+            <a:t>1. Store Requirements</a:t>
+          </a:r>
+          <a:endParaRPr lang="en-US" sz="800" kern="1200" dirty="0"/>
+        </a:p>
+      </dsp:txBody>
+      <dsp:txXfrm>
+        <a:off x="3486210" y="3621"/>
+        <a:ext cx="927734" cy="927734"/>
+      </dsp:txXfrm>
+    </dsp:sp>
+    <dsp:sp modelId="{12A3B840-C674-4F6C-851F-DFF00D1ED611}">
+      <dsp:nvSpPr>
+        <dsp:cNvPr id="0" name=""/>
+        <dsp:cNvSpPr/>
+      </dsp:nvSpPr>
+      <dsp:spPr>
+        <a:xfrm>
+          <a:off x="4506718" y="3621"/>
+          <a:ext cx="1391602" cy="927734"/>
+        </a:xfrm>
+        <a:prstGeom prst="rect">
+          <a:avLst/>
+        </a:prstGeom>
+        <a:noFill/>
+        <a:ln>
+          <a:noFill/>
+        </a:ln>
+        <a:effectLst/>
+      </dsp:spPr>
+      <dsp:style>
+        <a:lnRef idx="0">
+          <a:scrgbClr r="0" g="0" b="0"/>
+        </a:lnRef>
+        <a:fillRef idx="0">
+          <a:scrgbClr r="0" g="0" b="0"/>
+        </a:fillRef>
+        <a:effectRef idx="0">
+          <a:scrgbClr r="0" g="0" b="0"/>
+        </a:effectRef>
+        <a:fontRef idx="minor"/>
+      </dsp:style>
+      <dsp:txBody>
+        <a:bodyPr spcFirstLastPara="0" vert="horz" wrap="square" lIns="0" tIns="0" rIns="0" bIns="0" numCol="1" spcCol="1270" anchor="ctr" anchorCtr="0">
+          <a:noAutofit/>
+        </a:bodyPr>
+        <a:lstStyle/>
+        <a:p>
+          <a:pPr marL="114300" lvl="1" indent="-114300" algn="l" defTabSz="577850">
+            <a:lnSpc>
+              <a:spcPct val="90000"/>
+            </a:lnSpc>
+            <a:spcBef>
+              <a:spcPct val="0"/>
+            </a:spcBef>
+            <a:spcAft>
+              <a:spcPct val="15000"/>
+            </a:spcAft>
+            <a:buChar char="••"/>
+          </a:pPr>
+          <a:r>
+            <a:rPr lang="en-US" sz="1300" kern="1200" dirty="0" smtClean="0"/>
+            <a:t>Xml file</a:t>
+          </a:r>
+          <a:endParaRPr lang="en-US" sz="1300" kern="1200" dirty="0"/>
+        </a:p>
+        <a:p>
+          <a:pPr marL="114300" lvl="1" indent="-114300" algn="l" defTabSz="577850">
+            <a:lnSpc>
+              <a:spcPct val="90000"/>
+            </a:lnSpc>
+            <a:spcBef>
+              <a:spcPct val="0"/>
+            </a:spcBef>
+            <a:spcAft>
+              <a:spcPct val="15000"/>
+            </a:spcAft>
+            <a:buChar char="••"/>
+          </a:pPr>
+          <a:r>
+            <a:rPr lang="en-US" sz="1300" kern="1200" dirty="0" smtClean="0"/>
+            <a:t>Requirements and Document Settings</a:t>
+          </a:r>
+          <a:endParaRPr lang="en-US" sz="1300" kern="1200" dirty="0"/>
+        </a:p>
+      </dsp:txBody>
+      <dsp:txXfrm>
+        <a:off x="4506718" y="3621"/>
+        <a:ext cx="1391602" cy="927734"/>
+      </dsp:txXfrm>
+    </dsp:sp>
+    <dsp:sp modelId="{849D85A3-2A76-4604-8750-5E29200C6E89}">
+      <dsp:nvSpPr>
+        <dsp:cNvPr id="0" name=""/>
+        <dsp:cNvSpPr/>
+      </dsp:nvSpPr>
+      <dsp:spPr>
+        <a:xfrm>
+          <a:off x="4175105" y="1034625"/>
+          <a:ext cx="927734" cy="927734"/>
+        </a:xfrm>
+        <a:prstGeom prst="ellipse">
+          <a:avLst/>
+        </a:prstGeom>
+        <a:solidFill>
+          <a:schemeClr val="accent1">
+            <a:hueOff val="0"/>
+            <a:satOff val="0"/>
+            <a:lumOff val="0"/>
+            <a:alphaOff val="0"/>
+          </a:schemeClr>
+        </a:solidFill>
+        <a:ln w="25400" cap="flat" cmpd="sng" algn="ctr">
+          <a:solidFill>
+            <a:schemeClr val="lt1">
+              <a:hueOff val="0"/>
+              <a:satOff val="0"/>
+              <a:lumOff val="0"/>
+              <a:alphaOff val="0"/>
+            </a:schemeClr>
+          </a:solidFill>
+          <a:prstDash val="solid"/>
+        </a:ln>
+        <a:effectLst/>
+      </dsp:spPr>
+      <dsp:style>
+        <a:lnRef idx="2">
+          <a:scrgbClr r="0" g="0" b="0"/>
+        </a:lnRef>
+        <a:fillRef idx="1">
+          <a:scrgbClr r="0" g="0" b="0"/>
+        </a:fillRef>
+        <a:effectRef idx="0">
+          <a:scrgbClr r="0" g="0" b="0"/>
+        </a:effectRef>
+        <a:fontRef idx="minor">
+          <a:schemeClr val="lt1"/>
+        </a:fontRef>
+      </dsp:style>
+      <dsp:txBody>
+        <a:bodyPr spcFirstLastPara="0" vert="horz" wrap="square" lIns="5080" tIns="5080" rIns="5080" bIns="5080" numCol="1" spcCol="1270" anchor="ctr" anchorCtr="0">
+          <a:noAutofit/>
+        </a:bodyPr>
+        <a:lstStyle/>
+        <a:p>
+          <a:pPr lvl="0" algn="ctr" defTabSz="355600">
+            <a:lnSpc>
+              <a:spcPct val="90000"/>
+            </a:lnSpc>
+            <a:spcBef>
+              <a:spcPct val="0"/>
+            </a:spcBef>
+            <a:spcAft>
+              <a:spcPct val="35000"/>
+            </a:spcAft>
+          </a:pPr>
+          <a:r>
+            <a:rPr lang="en-US" sz="800" kern="1200" dirty="0" smtClean="0"/>
+            <a:t>2. Track Project Requirements</a:t>
+          </a:r>
+          <a:endParaRPr lang="en-US" sz="800" kern="1200" dirty="0"/>
+        </a:p>
+      </dsp:txBody>
+      <dsp:txXfrm>
+        <a:off x="4175105" y="1034625"/>
+        <a:ext cx="927734" cy="927734"/>
+      </dsp:txXfrm>
+    </dsp:sp>
+    <dsp:sp modelId="{CB55A5DC-FB18-4B68-A340-DEB5F498031B}">
+      <dsp:nvSpPr>
+        <dsp:cNvPr id="0" name=""/>
+        <dsp:cNvSpPr/>
+      </dsp:nvSpPr>
+      <dsp:spPr>
+        <a:xfrm>
+          <a:off x="5195613" y="1034625"/>
+          <a:ext cx="1391602" cy="927734"/>
+        </a:xfrm>
+        <a:prstGeom prst="rect">
+          <a:avLst/>
+        </a:prstGeom>
+        <a:noFill/>
+        <a:ln>
+          <a:noFill/>
+        </a:ln>
+        <a:effectLst/>
+      </dsp:spPr>
+      <dsp:style>
+        <a:lnRef idx="0">
+          <a:scrgbClr r="0" g="0" b="0"/>
+        </a:lnRef>
+        <a:fillRef idx="0">
+          <a:scrgbClr r="0" g="0" b="0"/>
+        </a:fillRef>
+        <a:effectRef idx="0">
+          <a:scrgbClr r="0" g="0" b="0"/>
+        </a:effectRef>
+        <a:fontRef idx="minor"/>
+      </dsp:style>
+      <dsp:txBody>
+        <a:bodyPr spcFirstLastPara="0" vert="horz" wrap="square" lIns="0" tIns="0" rIns="0" bIns="0" numCol="1" spcCol="1270" anchor="ctr" anchorCtr="0">
+          <a:noAutofit/>
+        </a:bodyPr>
+        <a:lstStyle/>
+        <a:p>
+          <a:pPr marL="114300" lvl="1" indent="-114300" algn="l" defTabSz="577850">
+            <a:lnSpc>
+              <a:spcPct val="90000"/>
+            </a:lnSpc>
+            <a:spcBef>
+              <a:spcPct val="0"/>
+            </a:spcBef>
+            <a:spcAft>
+              <a:spcPct val="15000"/>
+            </a:spcAft>
+            <a:buChar char="••"/>
+          </a:pPr>
+          <a:r>
+            <a:rPr lang="en-US" sz="1300" kern="1200" dirty="0" smtClean="0"/>
+            <a:t>Perform Code Coverage</a:t>
+          </a:r>
+          <a:endParaRPr lang="en-US" sz="1300" kern="1200" dirty="0"/>
+        </a:p>
+      </dsp:txBody>
+      <dsp:txXfrm>
+        <a:off x="5195613" y="1034625"/>
+        <a:ext cx="1391602" cy="927734"/>
+      </dsp:txXfrm>
+    </dsp:sp>
+    <dsp:sp modelId="{827C7AC8-4341-43A5-A69F-B3F3F492AAC9}">
+      <dsp:nvSpPr>
+        <dsp:cNvPr id="0" name=""/>
+        <dsp:cNvSpPr/>
+      </dsp:nvSpPr>
+      <dsp:spPr>
+        <a:xfrm>
+          <a:off x="4417012" y="2250776"/>
+          <a:ext cx="927734" cy="927734"/>
+        </a:xfrm>
+        <a:prstGeom prst="ellipse">
+          <a:avLst/>
+        </a:prstGeom>
+        <a:solidFill>
+          <a:schemeClr val="accent1">
+            <a:hueOff val="0"/>
+            <a:satOff val="0"/>
+            <a:lumOff val="0"/>
+            <a:alphaOff val="0"/>
+          </a:schemeClr>
+        </a:solidFill>
+        <a:ln w="25400" cap="flat" cmpd="sng" algn="ctr">
+          <a:solidFill>
+            <a:schemeClr val="lt1">
+              <a:hueOff val="0"/>
+              <a:satOff val="0"/>
+              <a:lumOff val="0"/>
+              <a:alphaOff val="0"/>
+            </a:schemeClr>
+          </a:solidFill>
+          <a:prstDash val="solid"/>
+        </a:ln>
+        <a:effectLst/>
+      </dsp:spPr>
+      <dsp:style>
+        <a:lnRef idx="2">
+          <a:scrgbClr r="0" g="0" b="0"/>
+        </a:lnRef>
+        <a:fillRef idx="1">
+          <a:scrgbClr r="0" g="0" b="0"/>
+        </a:fillRef>
+        <a:effectRef idx="0">
+          <a:scrgbClr r="0" g="0" b="0"/>
+        </a:effectRef>
+        <a:fontRef idx="minor">
+          <a:schemeClr val="lt1"/>
+        </a:fontRef>
+      </dsp:style>
+      <dsp:txBody>
+        <a:bodyPr spcFirstLastPara="0" vert="horz" wrap="square" lIns="5080" tIns="5080" rIns="5080" bIns="5080" numCol="1" spcCol="1270" anchor="ctr" anchorCtr="0">
+          <a:noAutofit/>
+        </a:bodyPr>
+        <a:lstStyle/>
+        <a:p>
+          <a:pPr lvl="0" algn="ctr" defTabSz="355600">
+            <a:lnSpc>
+              <a:spcPct val="90000"/>
+            </a:lnSpc>
+            <a:spcBef>
+              <a:spcPct val="0"/>
+            </a:spcBef>
+            <a:spcAft>
+              <a:spcPct val="35000"/>
+            </a:spcAft>
+          </a:pPr>
+          <a:r>
+            <a:rPr lang="en-US" sz="800" kern="1200" dirty="0" smtClean="0"/>
+            <a:t>3. Monitor Requirements</a:t>
+          </a:r>
+          <a:endParaRPr lang="en-US" sz="800" kern="1200" dirty="0"/>
+        </a:p>
+      </dsp:txBody>
+      <dsp:txXfrm>
+        <a:off x="4417012" y="2250776"/>
+        <a:ext cx="927734" cy="927734"/>
+      </dsp:txXfrm>
+    </dsp:sp>
+    <dsp:sp modelId="{CCCEBBB4-3003-4C2D-A225-114BC2B2F0D7}">
+      <dsp:nvSpPr>
+        <dsp:cNvPr id="0" name=""/>
+        <dsp:cNvSpPr/>
+      </dsp:nvSpPr>
+      <dsp:spPr>
+        <a:xfrm>
+          <a:off x="5437520" y="2250776"/>
+          <a:ext cx="1391602" cy="927734"/>
+        </a:xfrm>
+        <a:prstGeom prst="rect">
+          <a:avLst/>
+        </a:prstGeom>
+        <a:noFill/>
+        <a:ln>
+          <a:noFill/>
+        </a:ln>
+        <a:effectLst/>
+      </dsp:spPr>
+      <dsp:style>
+        <a:lnRef idx="0">
+          <a:scrgbClr r="0" g="0" b="0"/>
+        </a:lnRef>
+        <a:fillRef idx="0">
+          <a:scrgbClr r="0" g="0" b="0"/>
+        </a:fillRef>
+        <a:effectRef idx="0">
+          <a:scrgbClr r="0" g="0" b="0"/>
+        </a:effectRef>
+        <a:fontRef idx="minor"/>
+      </dsp:style>
+      <dsp:txBody>
+        <a:bodyPr spcFirstLastPara="0" vert="horz" wrap="square" lIns="0" tIns="0" rIns="0" bIns="0" numCol="1" spcCol="1270" anchor="ctr" anchorCtr="0">
+          <a:noAutofit/>
+        </a:bodyPr>
+        <a:lstStyle/>
+        <a:p>
+          <a:pPr marL="114300" lvl="1" indent="-114300" algn="l" defTabSz="577850">
+            <a:lnSpc>
+              <a:spcPct val="90000"/>
+            </a:lnSpc>
+            <a:spcBef>
+              <a:spcPct val="0"/>
+            </a:spcBef>
+            <a:spcAft>
+              <a:spcPct val="15000"/>
+            </a:spcAft>
+            <a:buChar char="••"/>
+          </a:pPr>
+          <a:r>
+            <a:rPr lang="en-US" sz="1300" kern="1200" dirty="0" smtClean="0"/>
+            <a:t>Track Requirements Change</a:t>
+          </a:r>
+          <a:endParaRPr lang="en-US" sz="1300" kern="1200" dirty="0"/>
+        </a:p>
+      </dsp:txBody>
+      <dsp:txXfrm>
+        <a:off x="5437520" y="2250776"/>
+        <a:ext cx="1391602" cy="927734"/>
+      </dsp:txXfrm>
+    </dsp:sp>
+    <dsp:sp modelId="{6B1CE858-C88F-431D-8249-7245590019A4}">
+      <dsp:nvSpPr>
+        <dsp:cNvPr id="0" name=""/>
+        <dsp:cNvSpPr/>
+      </dsp:nvSpPr>
+      <dsp:spPr>
+        <a:xfrm>
+          <a:off x="4175105" y="3466928"/>
+          <a:ext cx="927734" cy="927734"/>
+        </a:xfrm>
+        <a:prstGeom prst="ellipse">
+          <a:avLst/>
+        </a:prstGeom>
+        <a:solidFill>
+          <a:schemeClr val="accent1">
+            <a:hueOff val="0"/>
+            <a:satOff val="0"/>
+            <a:lumOff val="0"/>
+            <a:alphaOff val="0"/>
+          </a:schemeClr>
+        </a:solidFill>
+        <a:ln w="25400" cap="flat" cmpd="sng" algn="ctr">
+          <a:solidFill>
+            <a:schemeClr val="lt1">
+              <a:hueOff val="0"/>
+              <a:satOff val="0"/>
+              <a:lumOff val="0"/>
+              <a:alphaOff val="0"/>
+            </a:schemeClr>
+          </a:solidFill>
+          <a:prstDash val="solid"/>
+        </a:ln>
+        <a:effectLst/>
+      </dsp:spPr>
+      <dsp:style>
+        <a:lnRef idx="2">
+          <a:scrgbClr r="0" g="0" b="0"/>
+        </a:lnRef>
+        <a:fillRef idx="1">
+          <a:scrgbClr r="0" g="0" b="0"/>
+        </a:fillRef>
+        <a:effectRef idx="0">
+          <a:scrgbClr r="0" g="0" b="0"/>
+        </a:effectRef>
+        <a:fontRef idx="minor">
+          <a:schemeClr val="lt1"/>
+        </a:fontRef>
+      </dsp:style>
+      <dsp:txBody>
+        <a:bodyPr spcFirstLastPara="0" vert="horz" wrap="square" lIns="5080" tIns="5080" rIns="5080" bIns="5080" numCol="1" spcCol="1270" anchor="ctr" anchorCtr="0">
+          <a:noAutofit/>
+        </a:bodyPr>
+        <a:lstStyle/>
+        <a:p>
+          <a:pPr lvl="0" algn="ctr" defTabSz="355600">
+            <a:lnSpc>
+              <a:spcPct val="90000"/>
+            </a:lnSpc>
+            <a:spcBef>
+              <a:spcPct val="0"/>
+            </a:spcBef>
+            <a:spcAft>
+              <a:spcPct val="35000"/>
+            </a:spcAft>
+          </a:pPr>
+          <a:r>
+            <a:rPr lang="en-US" sz="800" kern="1200" dirty="0" smtClean="0"/>
+            <a:t>4. Compare Between Baselines</a:t>
+          </a:r>
+          <a:endParaRPr lang="en-US" sz="800" kern="1200" dirty="0"/>
+        </a:p>
+      </dsp:txBody>
+      <dsp:txXfrm>
+        <a:off x="4175105" y="3466928"/>
+        <a:ext cx="927734" cy="927734"/>
+      </dsp:txXfrm>
+    </dsp:sp>
+    <dsp:sp modelId="{8CF2AE99-8B99-42B7-BC11-9C69BD6966C3}">
+      <dsp:nvSpPr>
+        <dsp:cNvPr id="0" name=""/>
+        <dsp:cNvSpPr/>
+      </dsp:nvSpPr>
+      <dsp:spPr>
+        <a:xfrm>
+          <a:off x="5195613" y="3466928"/>
+          <a:ext cx="1391602" cy="927734"/>
+        </a:xfrm>
+        <a:prstGeom prst="rect">
+          <a:avLst/>
+        </a:prstGeom>
+        <a:noFill/>
+        <a:ln>
+          <a:noFill/>
+        </a:ln>
+        <a:effectLst/>
+      </dsp:spPr>
+      <dsp:style>
+        <a:lnRef idx="0">
+          <a:scrgbClr r="0" g="0" b="0"/>
+        </a:lnRef>
+        <a:fillRef idx="0">
+          <a:scrgbClr r="0" g="0" b="0"/>
+        </a:fillRef>
+        <a:effectRef idx="0">
+          <a:scrgbClr r="0" g="0" b="0"/>
+        </a:effectRef>
+        <a:fontRef idx="minor"/>
+      </dsp:style>
+      <dsp:txBody>
+        <a:bodyPr spcFirstLastPara="0" vert="horz" wrap="square" lIns="0" tIns="0" rIns="0" bIns="0" numCol="1" spcCol="1270" anchor="ctr" anchorCtr="0">
+          <a:noAutofit/>
+        </a:bodyPr>
+        <a:lstStyle/>
+        <a:p>
+          <a:pPr marL="114300" lvl="1" indent="-114300" algn="l" defTabSz="577850">
+            <a:lnSpc>
+              <a:spcPct val="90000"/>
+            </a:lnSpc>
+            <a:spcBef>
+              <a:spcPct val="0"/>
+            </a:spcBef>
+            <a:spcAft>
+              <a:spcPct val="15000"/>
+            </a:spcAft>
+            <a:buChar char="••"/>
+          </a:pPr>
+          <a:r>
+            <a:rPr lang="en-US" sz="1300" kern="1200" dirty="0" smtClean="0"/>
+            <a:t>Check the changes between Baselines</a:t>
+          </a:r>
+          <a:endParaRPr lang="en-US" sz="1300" kern="1200" dirty="0"/>
+        </a:p>
+      </dsp:txBody>
+      <dsp:txXfrm>
+        <a:off x="5195613" y="3466928"/>
+        <a:ext cx="1391602" cy="927734"/>
+      </dsp:txXfrm>
+    </dsp:sp>
+    <dsp:sp modelId="{6BE5F644-6A7E-431B-8495-8DA9384BAF11}">
+      <dsp:nvSpPr>
+        <dsp:cNvPr id="0" name=""/>
+        <dsp:cNvSpPr/>
+      </dsp:nvSpPr>
+      <dsp:spPr>
+        <a:xfrm>
+          <a:off x="3486210" y="4497931"/>
+          <a:ext cx="927734" cy="927734"/>
+        </a:xfrm>
+        <a:prstGeom prst="ellipse">
+          <a:avLst/>
+        </a:prstGeom>
+        <a:solidFill>
+          <a:schemeClr val="accent1">
+            <a:hueOff val="0"/>
+            <a:satOff val="0"/>
+            <a:lumOff val="0"/>
+            <a:alphaOff val="0"/>
+          </a:schemeClr>
+        </a:solidFill>
+        <a:ln w="25400" cap="flat" cmpd="sng" algn="ctr">
+          <a:solidFill>
+            <a:schemeClr val="lt1">
+              <a:hueOff val="0"/>
+              <a:satOff val="0"/>
+              <a:lumOff val="0"/>
+              <a:alphaOff val="0"/>
+            </a:schemeClr>
+          </a:solidFill>
+          <a:prstDash val="solid"/>
+        </a:ln>
+        <a:effectLst/>
+      </dsp:spPr>
+      <dsp:style>
+        <a:lnRef idx="2">
+          <a:scrgbClr r="0" g="0" b="0"/>
+        </a:lnRef>
+        <a:fillRef idx="1">
+          <a:scrgbClr r="0" g="0" b="0"/>
+        </a:fillRef>
+        <a:effectRef idx="0">
+          <a:scrgbClr r="0" g="0" b="0"/>
+        </a:effectRef>
+        <a:fontRef idx="minor">
+          <a:schemeClr val="lt1"/>
+        </a:fontRef>
+      </dsp:style>
+      <dsp:txBody>
+        <a:bodyPr spcFirstLastPara="0" vert="horz" wrap="square" lIns="5080" tIns="5080" rIns="5080" bIns="5080" numCol="1" spcCol="1270" anchor="ctr" anchorCtr="0">
+          <a:noAutofit/>
+        </a:bodyPr>
+        <a:lstStyle/>
+        <a:p>
+          <a:pPr lvl="0" algn="ctr" defTabSz="355600">
+            <a:lnSpc>
+              <a:spcPct val="90000"/>
+            </a:lnSpc>
+            <a:spcBef>
+              <a:spcPct val="0"/>
+            </a:spcBef>
+            <a:spcAft>
+              <a:spcPct val="35000"/>
+            </a:spcAft>
+          </a:pPr>
+          <a:r>
+            <a:rPr lang="en-US" sz="800" kern="1200" dirty="0" smtClean="0"/>
+            <a:t>5. </a:t>
+          </a:r>
+          <a:r>
+            <a:rPr lang="en-US" sz="800" kern="1200" dirty="0" err="1" smtClean="0"/>
+            <a:t>Statictics</a:t>
+          </a:r>
+          <a:endParaRPr lang="en-US" sz="800" kern="1200" dirty="0"/>
+        </a:p>
+      </dsp:txBody>
+      <dsp:txXfrm>
+        <a:off x="3486210" y="4497931"/>
+        <a:ext cx="927734" cy="927734"/>
+      </dsp:txXfrm>
+    </dsp:sp>
+    <dsp:sp modelId="{5A1EBD2E-EA4A-466E-9666-1E36FEB3BE09}">
+      <dsp:nvSpPr>
+        <dsp:cNvPr id="0" name=""/>
+        <dsp:cNvSpPr/>
+      </dsp:nvSpPr>
+      <dsp:spPr>
+        <a:xfrm>
+          <a:off x="4506718" y="4497931"/>
+          <a:ext cx="1391602" cy="927734"/>
+        </a:xfrm>
+        <a:prstGeom prst="rect">
+          <a:avLst/>
+        </a:prstGeom>
+        <a:noFill/>
+        <a:ln>
+          <a:noFill/>
+        </a:ln>
+        <a:effectLst/>
+      </dsp:spPr>
+      <dsp:style>
+        <a:lnRef idx="0">
+          <a:scrgbClr r="0" g="0" b="0"/>
+        </a:lnRef>
+        <a:fillRef idx="0">
+          <a:scrgbClr r="0" g="0" b="0"/>
+        </a:fillRef>
+        <a:effectRef idx="0">
+          <a:scrgbClr r="0" g="0" b="0"/>
+        </a:effectRef>
+        <a:fontRef idx="minor"/>
+      </dsp:style>
+      <dsp:txBody>
+        <a:bodyPr spcFirstLastPara="0" vert="horz" wrap="square" lIns="0" tIns="0" rIns="0" bIns="0" numCol="1" spcCol="1270" anchor="ctr" anchorCtr="0">
+          <a:noAutofit/>
+        </a:bodyPr>
+        <a:lstStyle/>
+        <a:p>
+          <a:pPr marL="114300" lvl="1" indent="-114300" algn="l" defTabSz="577850">
+            <a:lnSpc>
+              <a:spcPct val="90000"/>
+            </a:lnSpc>
+            <a:spcBef>
+              <a:spcPct val="0"/>
+            </a:spcBef>
+            <a:spcAft>
+              <a:spcPct val="15000"/>
+            </a:spcAft>
+            <a:buChar char="••"/>
+          </a:pPr>
+          <a:r>
+            <a:rPr lang="en-US" sz="1300" kern="1200" dirty="0" smtClean="0"/>
+            <a:t>Code Coverage Percentage</a:t>
+          </a:r>
+          <a:endParaRPr lang="en-US" sz="1300" kern="1200" dirty="0"/>
+        </a:p>
+        <a:p>
+          <a:pPr marL="114300" lvl="1" indent="-114300" algn="l" defTabSz="577850">
+            <a:lnSpc>
+              <a:spcPct val="90000"/>
+            </a:lnSpc>
+            <a:spcBef>
+              <a:spcPct val="0"/>
+            </a:spcBef>
+            <a:spcAft>
+              <a:spcPct val="15000"/>
+            </a:spcAft>
+            <a:buChar char="••"/>
+          </a:pPr>
+          <a:r>
+            <a:rPr lang="en-US" sz="1300" kern="1200" dirty="0" smtClean="0"/>
+            <a:t>Version Mismatch Requirements</a:t>
+          </a:r>
+          <a:endParaRPr lang="en-US" sz="1300" kern="1200" dirty="0"/>
+        </a:p>
+      </dsp:txBody>
+      <dsp:txXfrm>
+        <a:off x="4506718" y="4497931"/>
+        <a:ext cx="1391602" cy="927734"/>
+      </dsp:txXfrm>
+    </dsp:sp>
+  </dsp:spTree>
+</dsp:drawing>
+</file>
+
+<file path=ppt/diagrams/drawing2.xml><?xml version="1.0" encoding="utf-8"?>
+<dsp:drawing xmlns:dgm="http://schemas.openxmlformats.org/drawingml/2006/diagram" xmlns:a="http://schemas.openxmlformats.org/drawingml/2006/main" xmlns:dsp="http://schemas.microsoft.com/office/drawing/2008/diagram">
+  <dsp:spTree>
+    <dsp:nvGrpSpPr>
+      <dsp:cNvPr id="0" name=""/>
+      <dsp:cNvGrpSpPr/>
+    </dsp:nvGrpSpPr>
+    <dsp:grpSpPr/>
+    <dsp:sp modelId="{D253BCC1-EDDA-4422-B415-FA726239A4E5}">
+      <dsp:nvSpPr>
+        <dsp:cNvPr id="0" name=""/>
+        <dsp:cNvSpPr/>
+      </dsp:nvSpPr>
+      <dsp:spPr>
+        <a:xfrm>
+          <a:off x="0" y="292319"/>
+          <a:ext cx="7715304" cy="403200"/>
+        </a:xfrm>
+        <a:prstGeom prst="rect">
+          <a:avLst/>
+        </a:prstGeom>
+        <a:solidFill>
+          <a:schemeClr val="lt1">
+            <a:alpha val="90000"/>
+            <a:hueOff val="0"/>
+            <a:satOff val="0"/>
+            <a:lumOff val="0"/>
+            <a:alphaOff val="0"/>
+          </a:schemeClr>
+        </a:solidFill>
+        <a:ln w="25400" cap="flat" cmpd="sng" algn="ctr">
+          <a:solidFill>
+            <a:schemeClr val="accent1">
+              <a:hueOff val="0"/>
+              <a:satOff val="0"/>
+              <a:lumOff val="0"/>
+              <a:alphaOff val="0"/>
+            </a:schemeClr>
+          </a:solidFill>
+          <a:prstDash val="solid"/>
+        </a:ln>
+        <a:effectLst/>
+      </dsp:spPr>
+      <dsp:style>
+        <a:lnRef idx="2">
+          <a:scrgbClr r="0" g="0" b="0"/>
+        </a:lnRef>
+        <a:fillRef idx="1">
+          <a:scrgbClr r="0" g="0" b="0"/>
+        </a:fillRef>
+        <a:effectRef idx="0">
+          <a:scrgbClr r="0" g="0" b="0"/>
+        </a:effectRef>
+        <a:fontRef idx="minor"/>
+      </dsp:style>
+    </dsp:sp>
+    <dsp:sp modelId="{81D0BAC5-D2D0-4300-83E1-6C11579A4014}">
+      <dsp:nvSpPr>
+        <dsp:cNvPr id="0" name=""/>
+        <dsp:cNvSpPr/>
+      </dsp:nvSpPr>
+      <dsp:spPr>
+        <a:xfrm>
+          <a:off x="385765" y="56159"/>
+          <a:ext cx="5400712" cy="472320"/>
+        </a:xfrm>
+        <a:prstGeom prst="roundRect">
+          <a:avLst/>
+        </a:prstGeom>
+        <a:solidFill>
+          <a:schemeClr val="accent1">
+            <a:hueOff val="0"/>
+            <a:satOff val="0"/>
+            <a:lumOff val="0"/>
+            <a:alphaOff val="0"/>
+          </a:schemeClr>
+        </a:solidFill>
+        <a:ln w="25400" cap="flat" cmpd="sng" algn="ctr">
+          <a:solidFill>
+            <a:schemeClr val="lt1">
+              <a:hueOff val="0"/>
+              <a:satOff val="0"/>
+              <a:lumOff val="0"/>
+              <a:alphaOff val="0"/>
+            </a:schemeClr>
+          </a:solidFill>
+          <a:prstDash val="solid"/>
+        </a:ln>
+        <a:effectLst/>
+      </dsp:spPr>
+      <dsp:style>
+        <a:lnRef idx="2">
+          <a:scrgbClr r="0" g="0" b="0"/>
+        </a:lnRef>
+        <a:fillRef idx="1">
+          <a:scrgbClr r="0" g="0" b="0"/>
+        </a:fillRef>
+        <a:effectRef idx="0">
+          <a:scrgbClr r="0" g="0" b="0"/>
+        </a:effectRef>
+        <a:fontRef idx="minor">
+          <a:schemeClr val="lt1"/>
+        </a:fontRef>
+      </dsp:style>
+      <dsp:txBody>
+        <a:bodyPr spcFirstLastPara="0" vert="horz" wrap="square" lIns="204134" tIns="0" rIns="204134" bIns="0" numCol="1" spcCol="1270" anchor="ctr" anchorCtr="0">
+          <a:noAutofit/>
+        </a:bodyPr>
+        <a:lstStyle/>
+        <a:p>
+          <a:pPr lvl="0" algn="l" defTabSz="711200">
+            <a:lnSpc>
+              <a:spcPct val="90000"/>
+            </a:lnSpc>
+            <a:spcBef>
+              <a:spcPct val="0"/>
+            </a:spcBef>
+            <a:spcAft>
+              <a:spcPct val="35000"/>
+            </a:spcAft>
+          </a:pPr>
+          <a:r>
+            <a:rPr lang="en-US" sz="1600" kern="1200" dirty="0" smtClean="0"/>
+            <a:t>Install Environment (</a:t>
+          </a:r>
+          <a:r>
+            <a:rPr lang="en-US" sz="1600" kern="1200" dirty="0" err="1" smtClean="0"/>
+            <a:t>GitHub</a:t>
+          </a:r>
+          <a:r>
+            <a:rPr lang="en-US" sz="1600" kern="1200" dirty="0" smtClean="0"/>
+            <a:t> and Visual Studio Community)</a:t>
+          </a:r>
+          <a:endParaRPr lang="en-US" sz="1600" kern="1200" dirty="0"/>
+        </a:p>
+      </dsp:txBody>
+      <dsp:txXfrm>
+        <a:off x="385765" y="56159"/>
+        <a:ext cx="5400712" cy="472320"/>
+      </dsp:txXfrm>
+    </dsp:sp>
+    <dsp:sp modelId="{43CC63D1-BE84-473B-B7A6-090527C0DBF1}">
+      <dsp:nvSpPr>
+        <dsp:cNvPr id="0" name=""/>
+        <dsp:cNvSpPr/>
+      </dsp:nvSpPr>
+      <dsp:spPr>
+        <a:xfrm>
+          <a:off x="0" y="1018079"/>
+          <a:ext cx="7715304" cy="403200"/>
+        </a:xfrm>
+        <a:prstGeom prst="rect">
+          <a:avLst/>
+        </a:prstGeom>
+        <a:solidFill>
+          <a:schemeClr val="lt1">
+            <a:alpha val="90000"/>
+            <a:hueOff val="0"/>
+            <a:satOff val="0"/>
+            <a:lumOff val="0"/>
+            <a:alphaOff val="0"/>
+          </a:schemeClr>
+        </a:solidFill>
+        <a:ln w="25400" cap="flat" cmpd="sng" algn="ctr">
+          <a:solidFill>
+            <a:schemeClr val="accent1">
+              <a:hueOff val="0"/>
+              <a:satOff val="0"/>
+              <a:lumOff val="0"/>
+              <a:alphaOff val="0"/>
+            </a:schemeClr>
+          </a:solidFill>
+          <a:prstDash val="solid"/>
+        </a:ln>
+        <a:effectLst/>
+      </dsp:spPr>
+      <dsp:style>
+        <a:lnRef idx="2">
+          <a:scrgbClr r="0" g="0" b="0"/>
+        </a:lnRef>
+        <a:fillRef idx="1">
+          <a:scrgbClr r="0" g="0" b="0"/>
+        </a:fillRef>
+        <a:effectRef idx="0">
+          <a:scrgbClr r="0" g="0" b="0"/>
+        </a:effectRef>
+        <a:fontRef idx="minor"/>
+      </dsp:style>
+    </dsp:sp>
+    <dsp:sp modelId="{F145935C-62BE-4D17-ABD3-08349726AFFF}">
+      <dsp:nvSpPr>
+        <dsp:cNvPr id="0" name=""/>
+        <dsp:cNvSpPr/>
+      </dsp:nvSpPr>
+      <dsp:spPr>
+        <a:xfrm>
+          <a:off x="385765" y="781919"/>
+          <a:ext cx="5400712" cy="472320"/>
+        </a:xfrm>
+        <a:prstGeom prst="roundRect">
+          <a:avLst/>
+        </a:prstGeom>
+        <a:solidFill>
+          <a:schemeClr val="accent1">
+            <a:hueOff val="0"/>
+            <a:satOff val="0"/>
+            <a:lumOff val="0"/>
+            <a:alphaOff val="0"/>
+          </a:schemeClr>
+        </a:solidFill>
+        <a:ln w="25400" cap="flat" cmpd="sng" algn="ctr">
+          <a:solidFill>
+            <a:schemeClr val="lt1">
+              <a:hueOff val="0"/>
+              <a:satOff val="0"/>
+              <a:lumOff val="0"/>
+              <a:alphaOff val="0"/>
+            </a:schemeClr>
+          </a:solidFill>
+          <a:prstDash val="solid"/>
+        </a:ln>
+        <a:effectLst/>
+      </dsp:spPr>
+      <dsp:style>
+        <a:lnRef idx="2">
+          <a:scrgbClr r="0" g="0" b="0"/>
+        </a:lnRef>
+        <a:fillRef idx="1">
+          <a:scrgbClr r="0" g="0" b="0"/>
+        </a:fillRef>
+        <a:effectRef idx="0">
+          <a:scrgbClr r="0" g="0" b="0"/>
+        </a:effectRef>
+        <a:fontRef idx="minor">
+          <a:schemeClr val="lt1"/>
+        </a:fontRef>
+      </dsp:style>
+      <dsp:txBody>
+        <a:bodyPr spcFirstLastPara="0" vert="horz" wrap="square" lIns="204134" tIns="0" rIns="204134" bIns="0" numCol="1" spcCol="1270" anchor="ctr" anchorCtr="0">
+          <a:noAutofit/>
+        </a:bodyPr>
+        <a:lstStyle/>
+        <a:p>
+          <a:pPr lvl="0" algn="l" defTabSz="711200">
+            <a:lnSpc>
+              <a:spcPct val="90000"/>
+            </a:lnSpc>
+            <a:spcBef>
+              <a:spcPct val="0"/>
+            </a:spcBef>
+            <a:spcAft>
+              <a:spcPct val="35000"/>
+            </a:spcAft>
+          </a:pPr>
+          <a:r>
+            <a:rPr lang="en-US" sz="1600" kern="1200" dirty="0" err="1" smtClean="0"/>
+            <a:t>GitHub</a:t>
+          </a:r>
+          <a:r>
+            <a:rPr lang="en-US" sz="1600" kern="1200" dirty="0" smtClean="0"/>
+            <a:t> YouTube Tutorial.</a:t>
+          </a:r>
+          <a:endParaRPr lang="en-US" sz="1600" kern="1200" dirty="0"/>
+        </a:p>
+      </dsp:txBody>
+      <dsp:txXfrm>
+        <a:off x="385765" y="781919"/>
+        <a:ext cx="5400712" cy="472320"/>
+      </dsp:txXfrm>
+    </dsp:sp>
+    <dsp:sp modelId="{F0708EAB-5333-4123-8D06-040F973B16D7}">
+      <dsp:nvSpPr>
+        <dsp:cNvPr id="0" name=""/>
+        <dsp:cNvSpPr/>
+      </dsp:nvSpPr>
+      <dsp:spPr>
+        <a:xfrm>
+          <a:off x="0" y="1743839"/>
+          <a:ext cx="7715304" cy="403200"/>
+        </a:xfrm>
+        <a:prstGeom prst="rect">
+          <a:avLst/>
+        </a:prstGeom>
+        <a:solidFill>
+          <a:schemeClr val="lt1">
+            <a:alpha val="90000"/>
+            <a:hueOff val="0"/>
+            <a:satOff val="0"/>
+            <a:lumOff val="0"/>
+            <a:alphaOff val="0"/>
+          </a:schemeClr>
+        </a:solidFill>
+        <a:ln w="25400" cap="flat" cmpd="sng" algn="ctr">
+          <a:solidFill>
+            <a:schemeClr val="accent1">
+              <a:hueOff val="0"/>
+              <a:satOff val="0"/>
+              <a:lumOff val="0"/>
+              <a:alphaOff val="0"/>
+            </a:schemeClr>
+          </a:solidFill>
+          <a:prstDash val="solid"/>
+        </a:ln>
+        <a:effectLst/>
+      </dsp:spPr>
+      <dsp:style>
+        <a:lnRef idx="2">
+          <a:scrgbClr r="0" g="0" b="0"/>
+        </a:lnRef>
+        <a:fillRef idx="1">
+          <a:scrgbClr r="0" g="0" b="0"/>
+        </a:fillRef>
+        <a:effectRef idx="0">
+          <a:scrgbClr r="0" g="0" b="0"/>
+        </a:effectRef>
+        <a:fontRef idx="minor"/>
+      </dsp:style>
+    </dsp:sp>
+    <dsp:sp modelId="{1513AE73-EB32-4056-AE35-FCF3AE6368B5}">
+      <dsp:nvSpPr>
+        <dsp:cNvPr id="0" name=""/>
+        <dsp:cNvSpPr/>
+      </dsp:nvSpPr>
+      <dsp:spPr>
+        <a:xfrm>
+          <a:off x="385765" y="1507679"/>
+          <a:ext cx="5400712" cy="472320"/>
+        </a:xfrm>
+        <a:prstGeom prst="roundRect">
+          <a:avLst/>
+        </a:prstGeom>
+        <a:solidFill>
+          <a:schemeClr val="accent1">
+            <a:hueOff val="0"/>
+            <a:satOff val="0"/>
+            <a:lumOff val="0"/>
+            <a:alphaOff val="0"/>
+          </a:schemeClr>
+        </a:solidFill>
+        <a:ln w="25400" cap="flat" cmpd="sng" algn="ctr">
+          <a:solidFill>
+            <a:schemeClr val="lt1">
+              <a:hueOff val="0"/>
+              <a:satOff val="0"/>
+              <a:lumOff val="0"/>
+              <a:alphaOff val="0"/>
+            </a:schemeClr>
+          </a:solidFill>
+          <a:prstDash val="solid"/>
+        </a:ln>
+        <a:effectLst/>
+      </dsp:spPr>
+      <dsp:style>
+        <a:lnRef idx="2">
+          <a:scrgbClr r="0" g="0" b="0"/>
+        </a:lnRef>
+        <a:fillRef idx="1">
+          <a:scrgbClr r="0" g="0" b="0"/>
+        </a:fillRef>
+        <a:effectRef idx="0">
+          <a:scrgbClr r="0" g="0" b="0"/>
+        </a:effectRef>
+        <a:fontRef idx="minor">
+          <a:schemeClr val="lt1"/>
+        </a:fontRef>
+      </dsp:style>
+      <dsp:txBody>
+        <a:bodyPr spcFirstLastPara="0" vert="horz" wrap="square" lIns="204134" tIns="0" rIns="204134" bIns="0" numCol="1" spcCol="1270" anchor="ctr" anchorCtr="0">
+          <a:noAutofit/>
+        </a:bodyPr>
+        <a:lstStyle/>
+        <a:p>
+          <a:pPr lvl="0" algn="l" defTabSz="711200">
+            <a:lnSpc>
+              <a:spcPct val="90000"/>
+            </a:lnSpc>
+            <a:spcBef>
+              <a:spcPct val="0"/>
+            </a:spcBef>
+            <a:spcAft>
+              <a:spcPct val="35000"/>
+            </a:spcAft>
+          </a:pPr>
+          <a:r>
+            <a:rPr lang="en-US" sz="1600" kern="1200" dirty="0" smtClean="0"/>
+            <a:t>Get familiar with the project.</a:t>
+          </a:r>
+          <a:endParaRPr lang="en-US" sz="1600" kern="1200" dirty="0"/>
+        </a:p>
+      </dsp:txBody>
+      <dsp:txXfrm>
+        <a:off x="385765" y="1507679"/>
+        <a:ext cx="5400712" cy="472320"/>
+      </dsp:txXfrm>
+    </dsp:sp>
+    <dsp:sp modelId="{ABCCC47D-7926-411B-BA3D-3045D69B12F3}">
+      <dsp:nvSpPr>
+        <dsp:cNvPr id="0" name=""/>
+        <dsp:cNvSpPr/>
+      </dsp:nvSpPr>
+      <dsp:spPr>
+        <a:xfrm>
+          <a:off x="0" y="2469599"/>
+          <a:ext cx="7715304" cy="403200"/>
+        </a:xfrm>
+        <a:prstGeom prst="rect">
+          <a:avLst/>
+        </a:prstGeom>
+        <a:solidFill>
+          <a:schemeClr val="lt1">
+            <a:alpha val="90000"/>
+            <a:hueOff val="0"/>
+            <a:satOff val="0"/>
+            <a:lumOff val="0"/>
+            <a:alphaOff val="0"/>
+          </a:schemeClr>
+        </a:solidFill>
+        <a:ln w="25400" cap="flat" cmpd="sng" algn="ctr">
+          <a:solidFill>
+            <a:schemeClr val="accent1">
+              <a:hueOff val="0"/>
+              <a:satOff val="0"/>
+              <a:lumOff val="0"/>
+              <a:alphaOff val="0"/>
+            </a:schemeClr>
+          </a:solidFill>
+          <a:prstDash val="solid"/>
+        </a:ln>
+        <a:effectLst/>
+      </dsp:spPr>
+      <dsp:style>
+        <a:lnRef idx="2">
+          <a:scrgbClr r="0" g="0" b="0"/>
+        </a:lnRef>
+        <a:fillRef idx="1">
+          <a:scrgbClr r="0" g="0" b="0"/>
+        </a:fillRef>
+        <a:effectRef idx="0">
+          <a:scrgbClr r="0" g="0" b="0"/>
+        </a:effectRef>
+        <a:fontRef idx="minor"/>
+      </dsp:style>
+    </dsp:sp>
+    <dsp:sp modelId="{201B7982-A4C0-47F3-A0AB-5EDEC56C6D3B}">
+      <dsp:nvSpPr>
+        <dsp:cNvPr id="0" name=""/>
+        <dsp:cNvSpPr/>
+      </dsp:nvSpPr>
+      <dsp:spPr>
+        <a:xfrm>
+          <a:off x="385765" y="2233439"/>
+          <a:ext cx="5400712" cy="472320"/>
+        </a:xfrm>
+        <a:prstGeom prst="roundRect">
+          <a:avLst/>
+        </a:prstGeom>
+        <a:solidFill>
+          <a:schemeClr val="accent1">
+            <a:hueOff val="0"/>
+            <a:satOff val="0"/>
+            <a:lumOff val="0"/>
+            <a:alphaOff val="0"/>
+          </a:schemeClr>
+        </a:solidFill>
+        <a:ln w="25400" cap="flat" cmpd="sng" algn="ctr">
+          <a:solidFill>
+            <a:schemeClr val="lt1">
+              <a:hueOff val="0"/>
+              <a:satOff val="0"/>
+              <a:lumOff val="0"/>
+              <a:alphaOff val="0"/>
+            </a:schemeClr>
+          </a:solidFill>
+          <a:prstDash val="solid"/>
+        </a:ln>
+        <a:effectLst/>
+      </dsp:spPr>
+      <dsp:style>
+        <a:lnRef idx="2">
+          <a:scrgbClr r="0" g="0" b="0"/>
+        </a:lnRef>
+        <a:fillRef idx="1">
+          <a:scrgbClr r="0" g="0" b="0"/>
+        </a:fillRef>
+        <a:effectRef idx="0">
+          <a:scrgbClr r="0" g="0" b="0"/>
+        </a:effectRef>
+        <a:fontRef idx="minor">
+          <a:schemeClr val="lt1"/>
+        </a:fontRef>
+      </dsp:style>
+      <dsp:txBody>
+        <a:bodyPr spcFirstLastPara="0" vert="horz" wrap="square" lIns="204134" tIns="0" rIns="204134" bIns="0" numCol="1" spcCol="1270" anchor="ctr" anchorCtr="0">
+          <a:noAutofit/>
+        </a:bodyPr>
+        <a:lstStyle/>
+        <a:p>
+          <a:pPr lvl="0" algn="l" defTabSz="711200">
+            <a:lnSpc>
+              <a:spcPct val="90000"/>
+            </a:lnSpc>
+            <a:spcBef>
+              <a:spcPct val="0"/>
+            </a:spcBef>
+            <a:spcAft>
+              <a:spcPct val="35000"/>
+            </a:spcAft>
+          </a:pPr>
+          <a:r>
+            <a:rPr lang="en-US" sz="1600" kern="1200" smtClean="0"/>
+            <a:t>Try to understant the code that is already developed.</a:t>
+          </a:r>
+          <a:endParaRPr lang="en-US" sz="1600" kern="1200" dirty="0"/>
+        </a:p>
+      </dsp:txBody>
+      <dsp:txXfrm>
+        <a:off x="385765" y="2233439"/>
+        <a:ext cx="5400712" cy="472320"/>
+      </dsp:txXfrm>
+    </dsp:sp>
+  </dsp:spTree>
+</dsp:drawing>
+</file>
+
+<file path=ppt/diagrams/layout1.xml><?xml version="1.0" encoding="utf-8"?>
+<dgm:layoutDef xmlns:dgm="http://schemas.openxmlformats.org/drawingml/2006/diagram" xmlns:a="http://schemas.openxmlformats.org/drawingml/2006/main" uniqueId="urn:microsoft.com/office/officeart/2005/8/layout/radial2">
+  <dgm:title val=""/>
+  <dgm:desc val=""/>
+  <dgm:catLst>
+    <dgm:cat type="relationship" pri="20000"/>
+    <dgm:cat type="convert" pri="9000"/>
+  </dgm:catLst>
+  <dgm:sampData>
+    <dgm:dataModel>
+      <dgm:ptLst>
+        <dgm:pt modelId="0" type="doc"/>
+        <dgm:pt modelId="1">
+          <dgm:prSet phldr="1"/>
+        </dgm:pt>
+        <dgm:pt modelId="11">
+          <dgm:prSet phldr="1"/>
+        </dgm:pt>
+        <dgm:pt modelId="12">
+          <dgm:prSet phldr="1"/>
+        </dgm:pt>
+        <dgm:pt modelId="2">
+          <dgm:prSet phldr="1"/>
+        </dgm:pt>
+        <dgm:pt modelId="21">
+          <dgm:prSet phldr="1"/>
+        </dgm:pt>
+        <dgm:pt modelId="22">
+          <dgm:prSet phldr="1"/>
+        </dgm:pt>
+        <dgm:pt modelId="3">
+          <dgm:prSet phldr="1"/>
+        </dgm:pt>
+        <dgm:pt modelId="31">
+          <dgm:prSet phldr="1"/>
+        </dgm:pt>
+        <dgm:pt modelId="32">
+          <dgm:prSet phldr="1"/>
+        </dgm:pt>
+      </dgm:ptLst>
+      <dgm:cxnLst>
+        <dgm:cxn modelId="4" srcId="0" destId="1" srcOrd="0" destOrd="0"/>
+        <dgm:cxn modelId="5" srcId="0" destId="2" srcOrd="1" destOrd="0"/>
+        <dgm:cxn modelId="6" srcId="0" destId="3" srcOrd="2" destOrd="0"/>
+        <dgm:cxn modelId="13" srcId="1" destId="11" srcOrd="0" destOrd="0"/>
+        <dgm:cxn modelId="14" srcId="1" destId="12" srcOrd="1" destOrd="0"/>
+        <dgm:cxn modelId="23" srcId="2" destId="21" srcOrd="0" destOrd="0"/>
+        <dgm:cxn modelId="24" srcId="2" destId="22" srcOrd="1" destOrd="0"/>
+        <dgm:cxn modelId="33" srcId="3" destId="31" srcOrd="0" destOrd="0"/>
+        <dgm:cxn modelId="34" srcId="3" destId="32" srcOrd="1" destOrd="0"/>
+      </dgm:cxnLst>
+      <dgm:bg/>
+      <dgm:whole/>
+    </dgm:dataModel>
+  </dgm:sampData>
+  <dgm:styleData>
+    <dgm:dataModel>
+      <dgm:ptLst>
+        <dgm:pt modelId="0" type="doc"/>
+        <dgm:pt modelId="1"/>
+        <dgm:pt modelId="2"/>
+      </dgm:ptLst>
+      <dgm:cxnLst>
+        <dgm:cxn modelId="3" srcId="0" destId="1" srcOrd="0" destOrd="0"/>
+        <dgm:cxn modelId="4" srcId="0" destId="2" srcOrd="1" destOrd="0"/>
+      </dgm:cxnLst>
+      <dgm:bg/>
+      <dgm:whole/>
+    </dgm:dataModel>
+  </dgm:styleData>
+  <dgm:clrData>
+    <dgm:dataModel>
+      <dgm:ptLst>
+        <dgm:pt modelId="0" type="doc"/>
+        <dgm:pt modelId="1"/>
+        <dgm:pt modelId="2"/>
+        <dgm:pt modelId="3"/>
+        <dgm:pt modelId="4"/>
+      </dgm:ptLst>
+      <dgm:cxnLst>
+        <dgm:cxn modelId="5" srcId="0" destId="1" srcOrd="0" destOrd="0"/>
+        <dgm:cxn modelId="6" srcId="0" destId="2" srcOrd="1" destOrd="0"/>
+        <dgm:cxn modelId="7" srcId="0" destId="3" srcOrd="2" destOrd="0"/>
+        <dgm:cxn modelId="8" srcId="0" destId="4" srcOrd="3" destOrd="0"/>
+      </dgm:cxnLst>
+      <dgm:bg/>
+      <dgm:whole/>
+    </dgm:dataModel>
+  </dgm:clrData>
+  <dgm:layoutNode name="composite">
+    <dgm:varLst>
+      <dgm:chMax val="5"/>
+      <dgm:dir/>
+      <dgm:animLvl val="ctr"/>
+      <dgm:resizeHandles val="exact"/>
+    </dgm:varLst>
+    <dgm:alg type="composite"/>
+    <dgm:shape xmlns:r="http://schemas.openxmlformats.org/officeDocument/2006/relationships" r:blip="">
+      <dgm:adjLst/>
+    </dgm:shape>
+    <dgm:presOf/>
+    <dgm:constrLst>
+      <dgm:constr type="w" for="ch" forName="cycle" refType="w"/>
+      <dgm:constr type="h" for="ch" forName="cycle" refType="h"/>
+    </dgm:constrLst>
+    <dgm:ruleLst/>
+    <dgm:layoutNode name="cycle">
+      <dgm:choose name="Name0">
+        <dgm:if name="Name1" func="var" arg="dir" op="equ" val="norm">
+          <dgm:choose name="Name2">
+            <dgm:if name="Name3" axis="ch" ptType="node" func="cnt" op="lte" val="1">
+              <dgm:alg type="cycle">
+                <dgm:param type="stAng" val="90"/>
+                <dgm:param type="spanAng" val="360"/>
+                <dgm:param type="ctrShpMap" val="fNode"/>
+              </dgm:alg>
+            </dgm:if>
+            <dgm:if name="Name4" axis="ch" ptType="node" func="cnt" op="equ" val="2">
+              <dgm:alg type="cycle">
+                <dgm:param type="stAng" val="70"/>
+                <dgm:param type="spanAng" val="40"/>
+                <dgm:param type="ctrShpMap" val="fNode"/>
+              </dgm:alg>
+            </dgm:if>
+            <dgm:if name="Name5" axis="ch" ptType="node" func="cnt" op="equ" val="3">
+              <dgm:alg type="cycle">
+                <dgm:param type="stAng" val="60"/>
+                <dgm:param type="spanAng" val="60"/>
+                <dgm:param type="ctrShpMap" val="fNode"/>
+              </dgm:alg>
+            </dgm:if>
+            <dgm:else name="Name6">
+              <dgm:alg type="cycle">
+                <dgm:param type="stAng" val="45"/>
+                <dgm:param type="spanAng" val="90"/>
+                <dgm:param type="ctrShpMap" val="fNode"/>
+              </dgm:alg>
+            </dgm:else>
+          </dgm:choose>
+        </dgm:if>
+        <dgm:else name="Name7">
+          <dgm:choose name="Name8">
+            <dgm:if name="Name9" axis="ch" ptType="node" func="cnt" op="lte" val="1">
+              <dgm:alg type="cycle">
+                <dgm:param type="stAng" val="-90"/>
+                <dgm:param type="spanAng" val="-360"/>
+                <dgm:param type="ctrShpMap" val="fNode"/>
+              </dgm:alg>
+            </dgm:if>
+            <dgm:if name="Name10" axis="ch" ptType="node" func="cnt" op="equ" val="2">
+              <dgm:alg type="cycle">
+                <dgm:param type="stAng" val="-70"/>
+                <dgm:param type="spanAng" val="-40"/>
+                <dgm:param type="ctrShpMap" val="fNode"/>
+              </dgm:alg>
+            </dgm:if>
+            <dgm:if name="Name11" axis="ch" ptType="node" func="cnt" op="equ" val="3">
+              <dgm:alg type="cycle">
+                <dgm:param type="stAng" val="-60"/>
+                <dgm:param type="spanAng" val="-60"/>
+                <dgm:param type="ctrShpMap" val="fNode"/>
+              </dgm:alg>
+            </dgm:if>
+            <dgm:else name="Name12">
+              <dgm:alg type="cycle">
+                <dgm:param type="stAng" val="-45"/>
+                <dgm:param type="spanAng" val="-90"/>
+                <dgm:param type="ctrShpMap" val="fNode"/>
+              </dgm:alg>
+            </dgm:else>
+          </dgm:choose>
+        </dgm:else>
+      </dgm:choose>
+      <dgm:shape xmlns:r="http://schemas.openxmlformats.org/officeDocument/2006/relationships" r:blip="">
+        <dgm:adjLst/>
+      </dgm:shape>
+      <dgm:presOf/>
+      <dgm:constrLst>
+        <dgm:constr type="sp" val="20"/>
+        <dgm:constr type="w" for="ch" forName="centerShape" refType="w"/>
+        <dgm:constr type="w" for="ch" forName="node" refType="w" refFor="ch" refForName="centerShape" fact="1.5"/>
+        <dgm:constr type="sibSp" refType="w" refFor="ch" refForName="centerShape" op="equ" fact="0.08"/>
+        <dgm:constr type="primFontSz" for="des" forName="parentNode" op="equ" val="65"/>
+        <dgm:constr type="secFontSz" for="des" forName="childNode" op="equ" val="65"/>
+      </dgm:constrLst>
+      <dgm:ruleLst/>
+      <dgm:choose name="Name13">
+        <dgm:if name="Name14" axis="ch" ptType="node" hideLastTrans="0" func="cnt" op="gte" val="1">
+          <dgm:layoutNode name="centerShape" styleLbl="node0">
+            <dgm:alg type="composite"/>
+            <dgm:shape xmlns:r="http://schemas.openxmlformats.org/officeDocument/2006/relationships" r:blip="">
+              <dgm:adjLst/>
+            </dgm:shape>
+            <dgm:presOf axis="ch" ptType="node" cnt="1"/>
+            <dgm:constrLst>
+              <dgm:constr type="w" for="ch" forName="connSite" refType="w" fact="0.7"/>
+              <dgm:constr type="h" for="ch" forName="connSite" refType="w" fact="0.7"/>
+              <dgm:constr type="ctrX" for="ch" forName="connSite" refType="w" fact="0.5"/>
+              <dgm:constr type="ctrY" for="ch" forName="connSite" refType="h" fact="0.5"/>
+              <dgm:constr type="w" for="ch" forName="visible" refType="w"/>
+              <dgm:constr type="h" for="ch" forName="visible" refType="w"/>
+              <dgm:constr type="ctrX" for="ch" forName="visible" refType="w" fact="0.5"/>
+              <dgm:constr type="ctrY" for="ch" forName="visible" refType="h" fact="0.5"/>
+            </dgm:constrLst>
+            <dgm:ruleLst/>
+            <dgm:layoutNode name="connSite">
+              <dgm:alg type="sp"/>
+              <dgm:shape xmlns:r="http://schemas.openxmlformats.org/officeDocument/2006/relationships" type="ellipse" r:blip="" hideGeom="1">
+                <dgm:adjLst/>
+              </dgm:shape>
+              <dgm:presOf/>
+              <dgm:constrLst/>
+              <dgm:ruleLst/>
+            </dgm:layoutNode>
+            <dgm:layoutNode name="visible">
+              <dgm:alg type="sp"/>
+              <dgm:shape xmlns:r="http://schemas.openxmlformats.org/officeDocument/2006/relationships" type="ellipse" r:blip="" blipPhldr="1">
+                <dgm:adjLst/>
+              </dgm:shape>
+              <dgm:presOf/>
+              <dgm:constrLst/>
+              <dgm:ruleLst/>
+            </dgm:layoutNode>
+          </dgm:layoutNode>
+        </dgm:if>
+        <dgm:else name="Name15"/>
+      </dgm:choose>
+      <dgm:forEach name="Name16" axis="ch">
+        <dgm:forEach name="Name17" axis="self" ptType="node">
+          <dgm:layoutNode name="node">
+            <dgm:alg type="composite"/>
+            <dgm:shape xmlns:r="http://schemas.openxmlformats.org/officeDocument/2006/relationships" r:blip="">
+              <dgm:adjLst/>
+            </dgm:shape>
+            <dgm:presOf/>
+            <dgm:choose name="Name18">
+              <dgm:if name="Name19" func="var" arg="dir" op="equ" val="norm">
+                <dgm:constrLst>
+                  <dgm:constr type="t" for="ch" forName="parentNode"/>
+                  <dgm:constr type="l" for="ch" forName="parentNode"/>
+                  <dgm:constr type="w" for="ch" forName="parentNode" refType="w" fact="0.4"/>
+                  <dgm:constr type="h" for="ch" forName="parentNode" refType="w" refFor="ch" refForName="parentNode" op="equ"/>
+                  <dgm:constr type="ctrY" for="ch" forName="childNode" refType="h" refFor="ch" refForName="parentNode" fact="0.5"/>
+                  <dgm:constr type="l" for="ch" forName="childNode" refType="w" refFor="ch" refForName="parentNode" op="equ" fact="1.1"/>
+                  <dgm:constr type="w" for="ch" forName="childNode" refType="w" fact="0.6"/>
+                  <dgm:constr type="h" for="ch" forName="childNode" refType="h" refFor="ch" refForName="parentNode"/>
+                </dgm:constrLst>
+              </dgm:if>
+              <dgm:else name="Name20">
+                <dgm:constrLst>
+                  <dgm:constr type="t" for="ch" forName="parentNode"/>
+                  <dgm:constr type="r" for="ch" forName="parentNode" refType="w"/>
+                  <dgm:constr type="w" for="ch" forName="parentNode" refType="w" fact="0.4"/>
+                  <dgm:constr type="h" for="ch" forName="parentNode" refType="w" refFor="ch" refForName="parentNode" op="equ"/>
+                  <dgm:constr type="ctrY" for="ch" forName="childNode" refType="h" refFor="ch" refForName="parentNode" fact="0.5"/>
+                  <dgm:constr type="l" for="ch" forName="childNode"/>
+                  <dgm:constr type="w" for="ch" forName="childNode" refType="w" fact="0.6"/>
+                  <dgm:constr type="h" for="ch" forName="childNode" refType="h" refFor="ch" refForName="parentNode"/>
+                </dgm:constrLst>
+              </dgm:else>
+            </dgm:choose>
+            <dgm:ruleLst/>
+            <dgm:layoutNode name="parentNode" styleLbl="node1">
+              <dgm:varLst>
+                <dgm:chMax val="1"/>
+                <dgm:bulletEnabled val="1"/>
+              </dgm:varLst>
+              <dgm:alg type="tx"/>
+              <dgm:shape xmlns:r="http://schemas.openxmlformats.org/officeDocument/2006/relationships" type="ellipse" r:blip="">
+                <dgm:adjLst/>
+              </dgm:shape>
+              <dgm:presOf axis="self"/>
+              <dgm:constrLst>
+                <dgm:constr type="tMarg" refType="primFontSz" fact="0.05"/>
+                <dgm:constr type="bMarg" refType="primFontSz" fact="0.05"/>
+                <dgm:constr type="lMarg" refType="primFontSz" fact="0.05"/>
+                <dgm:constr type="rMarg" refType="primFontSz" fact="0.05"/>
+              </dgm:constrLst>
+              <dgm:ruleLst>
+                <dgm:rule type="primFontSz" val="5" fact="NaN" max="NaN"/>
+              </dgm:ruleLst>
+            </dgm:layoutNode>
+            <dgm:layoutNode name="childNode" styleLbl="revTx" moveWith="parentNode">
+              <dgm:varLst>
+                <dgm:bulletEnabled val="1"/>
+              </dgm:varLst>
+              <dgm:alg type="tx">
+                <dgm:param type="txAnchorVertCh" val="mid"/>
+                <dgm:param type="stBulletLvl" val="1"/>
+              </dgm:alg>
+              <dgm:choose name="Name21">
+                <dgm:if name="Name22" axis="ch" ptType="node" func="cnt" op="gte" val="1">
+                  <dgm:shape xmlns:r="http://schemas.openxmlformats.org/officeDocument/2006/relationships" type="rect" r:blip="">
+                    <dgm:adjLst/>
+                  </dgm:shape>
+                </dgm:if>
+                <dgm:else name="Name23">
+                  <dgm:shape xmlns:r="http://schemas.openxmlformats.org/officeDocument/2006/relationships" type="rect" r:blip="" hideGeom="1">
+                    <dgm:adjLst/>
+                  </dgm:shape>
+                </dgm:else>
+              </dgm:choose>
+              <dgm:presOf axis="des" ptType="node"/>
+              <dgm:constrLst>
+                <dgm:constr type="tMarg"/>
+                <dgm:constr type="bMarg"/>
+                <dgm:constr type="lMarg"/>
+                <dgm:constr type="rMarg"/>
+              </dgm:constrLst>
+              <dgm:ruleLst>
+                <dgm:rule type="secFontSz" val="5" fact="NaN" max="NaN"/>
+              </dgm:ruleLst>
+            </dgm:layoutNode>
+          </dgm:layoutNode>
+        </dgm:forEach>
+        <dgm:forEach name="Name24" axis="self" ptType="parTrans" cnt="1">
+          <dgm:layoutNode name="Name25">
+            <dgm:alg type="conn">
+              <dgm:param type="dim" val="1D"/>
+              <dgm:param type="endSty" val="noArr"/>
+              <dgm:param type="begPts" val="auto"/>
+              <dgm:param type="endPts" val="auto"/>
+              <dgm:param type="srcNode" val="connSite"/>
+              <dgm:param type="dstNode" val="parentNode"/>
+            </dgm:alg>
+            <dgm:shape xmlns:r="http://schemas.openxmlformats.org/officeDocument/2006/relationships" type="conn" r:blip="" zOrderOff="-99">
+              <dgm:adjLst/>
+            </dgm:shape>
+            <dgm:presOf axis="self"/>
+            <dgm:constrLst>
+              <dgm:constr type="connDist"/>
+              <dgm:constr type="w" val="1"/>
+              <dgm:constr type="h" val="5"/>
+              <dgm:constr type="begPad"/>
+              <dgm:constr type="endPad"/>
+            </dgm:constrLst>
+            <dgm:ruleLst/>
+          </dgm:layoutNode>
+        </dgm:forEach>
+      </dgm:forEach>
+    </dgm:layoutNode>
+  </dgm:layoutNode>
+</dgm:layoutDef>
+</file>
+
+<file path=ppt/diagrams/layout2.xml><?xml version="1.0" encoding="utf-8"?>
+<dgm:layoutDef xmlns:dgm="http://schemas.openxmlformats.org/drawingml/2006/diagram" xmlns:a="http://schemas.openxmlformats.org/drawingml/2006/main" uniqueId="urn:microsoft.com/office/officeart/2005/8/layout/list1">
+  <dgm:title val=""/>
+  <dgm:desc val=""/>
+  <dgm:catLst>
+    <dgm:cat type="list" pri="4000"/>
+  </dgm:catLst>
+  <dgm:sampData>
+    <dgm:dataModel>
+      <dgm:ptLst>
+        <dgm:pt modelId="0" type="doc"/>
+        <dgm:pt modelId="1">
+          <dgm:prSet phldr="1"/>
+        </dgm:pt>
+        <dgm:pt modelId="2">
+          <dgm:prSet phldr="1"/>
+        </dgm:pt>
+        <dgm:pt modelId="3">
+          <dgm:prSet phldr="1"/>
+        </dgm:pt>
+      </dgm:ptLst>
+      <dgm:cxnLst>
+        <dgm:cxn modelId="4" srcId="0" destId="1" srcOrd="0" destOrd="0"/>
+        <dgm:cxn modelId="5" srcId="0" destId="2" srcOrd="1" destOrd="0"/>
+        <dgm:cxn modelId="6" srcId="0" destId="3" srcOrd="2" destOrd="0"/>
+      </dgm:cxnLst>
+      <dgm:bg/>
+      <dgm:whole/>
+    </dgm:dataModel>
+  </dgm:sampData>
+  <dgm:styleData>
+    <dgm:dataModel>
+      <dgm:ptLst>
+        <dgm:pt modelId="0" type="doc"/>
+        <dgm:pt modelId="1"/>
+        <dgm:pt modelId="2"/>
+      </dgm:ptLst>
+      <dgm:cxnLst>
+        <dgm:cxn modelId="4" srcId="0" destId="1" srcOrd="0" destOrd="0"/>
+        <dgm:cxn modelId="5" srcId="0" destId="2" srcOrd="1" destOrd="0"/>
+      </dgm:cxnLst>
+      <dgm:bg/>
+      <dgm:whole/>
+    </dgm:dataModel>
+  </dgm:styleData>
+  <dgm:clrData>
+    <dgm:dataModel>
+      <dgm:ptLst>
+        <dgm:pt modelId="0" type="doc"/>
+        <dgm:pt modelId="1"/>
+        <dgm:pt modelId="2"/>
+        <dgm:pt modelId="3"/>
+        <dgm:pt modelId="4"/>
+      </dgm:ptLst>
+      <dgm:cxnLst>
+        <dgm:cxn modelId="5" srcId="0" destId="1" srcOrd="0" destOrd="0"/>
+        <dgm:cxn modelId="6" srcId="0" destId="2" srcOrd="1" destOrd="0"/>
+        <dgm:cxn modelId="7" srcId="0" destId="3" srcOrd="2" destOrd="0"/>
+        <dgm:cxn modelId="8" srcId="0" destId="4" srcOrd="3" destOrd="0"/>
+      </dgm:cxnLst>
+      <dgm:bg/>
+      <dgm:whole/>
+    </dgm:dataModel>
+  </dgm:clrData>
+  <dgm:layoutNode name="linear">
+    <dgm:varLst>
+      <dgm:dir/>
+      <dgm:animLvl val="lvl"/>
+      <dgm:resizeHandles val="exact"/>
+    </dgm:varLst>
+    <dgm:choose name="Name0">
+      <dgm:if name="Name1" func="var" arg="dir" op="equ" val="norm">
+        <dgm:alg type="lin">
+          <dgm:param type="linDir" val="fromT"/>
+          <dgm:param type="vertAlign" val="mid"/>
+          <dgm:param type="horzAlign" val="l"/>
+          <dgm:param type="nodeHorzAlign" val="l"/>
+        </dgm:alg>
+      </dgm:if>
+      <dgm:else name="Name2">
+        <dgm:alg type="lin">
+          <dgm:param type="linDir" val="fromT"/>
+          <dgm:param type="vertAlign" val="mid"/>
+          <dgm:param type="horzAlign" val="r"/>
+          <dgm:param type="nodeHorzAlign" val="r"/>
+        </dgm:alg>
+      </dgm:else>
+    </dgm:choose>
+    <dgm:shape xmlns:r="http://schemas.openxmlformats.org/officeDocument/2006/relationships" r:blip="">
+      <dgm:adjLst/>
+    </dgm:shape>
+    <dgm:presOf/>
+    <dgm:constrLst>
+      <dgm:constr type="w" for="ch" forName="parentLin" refType="w"/>
+      <dgm:constr type="h" for="ch" forName="parentLin" val="INF"/>
+      <dgm:constr type="w" for="des" forName="parentLeftMargin" refType="w" fact="0.05"/>
+      <dgm:constr type="w" for="des" forName="parentText" refType="w" fact="0.7"/>
+      <dgm:constr type="h" for="des" forName="parentText" refType="primFontSz" refFor="des" refForName="parentText" fact="0.82"/>
+      <dgm:constr type="h" for="ch" forName="negativeSpace" refType="primFontSz" refFor="des" refForName="parentText" fact="-0.41"/>
+      <dgm:constr type="h" for="ch" forName="negativeSpace" refType="h" refFor="des" refForName="parentText" op="lte" fact="-0.82"/>
+      <dgm:constr type="h" for="ch" forName="negativeSpace" refType="h" refFor="des" refForName="parentText" op="gte" fact="-0.82"/>
+      <dgm:constr type="w" for="ch" forName="childText" refType="w"/>
+      <dgm:constr type="h" for="ch" forName="childText" refType="primFontSz" refFor="des" refForName="parentText" fact="0.7"/>
+      <dgm:constr type="primFontSz" for="des" forName="parentText" val="65"/>
+      <dgm:constr type="primFontSz" for="ch" forName="childText" refType="primFontSz" refFor="des" refForName="parentText"/>
+      <dgm:constr type="tMarg" for="ch" forName="childText" refType="primFontSz" refFor="des" refForName="parentText" fact="1.64"/>
+      <dgm:constr type="tMarg" for="ch" forName="childText" refType="h" refFor="des" refForName="parentText" op="lte" fact="3.28"/>
+      <dgm:constr type="tMarg" for="ch" forName="childText" refType="h" refFor="des" refForName="parentText" op="gte" fact="3.28"/>
+      <dgm:constr type="lMarg" for="ch" forName="childText" refType="w" fact="0.22"/>
+      <dgm:constr type="rMarg" for="ch" forName="childText" refType="lMarg" refFor="ch" refForName="childText"/>
+      <dgm:constr type="lMarg" for="des" forName="parentText" refType="w" fact="0.075"/>
+      <dgm:constr type="rMarg" for="des" forName="parentText" refType="lMarg" refFor="des" refForName="parentText"/>
+      <dgm:constr type="h" for="ch" forName="spaceBetweenRectangles" refType="primFontSz" refFor="des" refForName="parentText" fact="0.15"/>
+    </dgm:constrLst>
+    <dgm:ruleLst>
+      <dgm:rule type="primFontSz" for="des" forName="parentText" val="5" fact="NaN" max="NaN"/>
+    </dgm:ruleLst>
+    <dgm:forEach name="Name3" axis="ch" ptType="node">
+      <dgm:layoutNode name="parentLin">
+        <dgm:choose name="Name4">
+          <dgm:if name="Name5" func="var" arg="dir" op="equ" val="norm">
+            <dgm:alg type="lin">
+              <dgm:param type="linDir" val="fromL"/>
+              <dgm:param type="horzAlign" val="l"/>
+              <dgm:param type="nodeHorzAlign" val="l"/>
+            </dgm:alg>
+          </dgm:if>
+          <dgm:else name="Name6">
+            <dgm:alg type="lin">
+              <dgm:param type="linDir" val="fromR"/>
+              <dgm:param type="horzAlign" val="r"/>
+              <dgm:param type="nodeHorzAlign" val="r"/>
+            </dgm:alg>
+          </dgm:else>
+        </dgm:choose>
+        <dgm:shape xmlns:r="http://schemas.openxmlformats.org/officeDocument/2006/relationships" r:blip="">
+          <dgm:adjLst/>
+        </dgm:shape>
+        <dgm:presOf/>
+        <dgm:constrLst/>
+        <dgm:ruleLst/>
+        <dgm:layoutNode name="parentLeftMargin">
+          <dgm:alg type="sp"/>
+          <dgm:shape xmlns:r="http://schemas.openxmlformats.org/officeDocument/2006/relationships" type="rect" r:blip="" hideGeom="1">
+            <dgm:adjLst/>
+          </dgm:shape>
+          <dgm:presOf axis="self"/>
+          <dgm:constrLst>
+            <dgm:constr type="h"/>
+          </dgm:constrLst>
+          <dgm:ruleLst/>
+        </dgm:layoutNode>
+        <dgm:layoutNode name="parentText" styleLbl="node1">
+          <dgm:varLst>
+            <dgm:chMax val="0"/>
+            <dgm:bulletEnabled val="1"/>
+          </dgm:varLst>
+          <dgm:choose name="Name7">
+            <dgm:if name="Name8" func="var" arg="dir" op="equ" val="norm">
+              <dgm:alg type="tx">
+                <dgm:param type="parTxLTRAlign" val="l"/>
+                <dgm:param type="parTxRTLAlign" val="l"/>
+              </dgm:alg>
+            </dgm:if>
+            <dgm:else name="Name9">
+              <dgm:alg type="tx">
+                <dgm:param type="parTxLTRAlign" val="r"/>
+                <dgm:param type="parTxRTLAlign" val="r"/>
+              </dgm:alg>
+            </dgm:else>
+          </dgm:choose>
+          <dgm:shape xmlns:r="http://schemas.openxmlformats.org/officeDocument/2006/relationships" type="roundRect" r:blip="">
+            <dgm:adjLst/>
+          </dgm:shape>
+          <dgm:presOf axis="self" ptType="node"/>
+          <dgm:constrLst>
+            <dgm:constr type="tMarg"/>
+            <dgm:constr type="bMarg"/>
+          </dgm:constrLst>
+          <dgm:ruleLst/>
+        </dgm:layoutNode>
+      </dgm:layoutNode>
+      <dgm:layoutNode name="negativeSpace">
+        <dgm:alg type="sp"/>
+        <dgm:shape xmlns:r="http://schemas.openxmlformats.org/officeDocument/2006/relationships" r:blip="">
+          <dgm:adjLst/>
+        </dgm:shape>
+        <dgm:presOf/>
+        <dgm:constrLst/>
+        <dgm:ruleLst/>
+      </dgm:layoutNode>
+      <dgm:layoutNode name="childText" styleLbl="conFgAcc1">
+        <dgm:varLst>
+          <dgm:bulletEnabled val="1"/>
+        </dgm:varLst>
+        <dgm:alg type="tx">
+          <dgm:param type="stBulletLvl" val="1"/>
+        </dgm:alg>
+        <dgm:shape xmlns:r="http://schemas.openxmlformats.org/officeDocument/2006/relationships" type="rect" r:blip="" zOrderOff="-2">
+          <dgm:adjLst/>
+        </dgm:shape>
+        <dgm:presOf axis="des" ptType="node"/>
+        <dgm:constrLst>
+          <dgm:constr type="secFontSz" refType="primFontSz"/>
+        </dgm:constrLst>
+        <dgm:ruleLst>
+          <dgm:rule type="h" val="INF" fact="NaN" max="NaN"/>
+        </dgm:ruleLst>
+      </dgm:layoutNode>
+      <dgm:forEach name="Name10" axis="followSib" ptType="sibTrans" cnt="1">
+        <dgm:layoutNode name="spaceBetweenRectangles">
+          <dgm:alg type="sp"/>
+          <dgm:shape xmlns:r="http://schemas.openxmlformats.org/officeDocument/2006/relationships" r:blip="">
+            <dgm:adjLst/>
+          </dgm:shape>
+          <dgm:presOf/>
+          <dgm:constrLst/>
+          <dgm:ruleLst/>
+        </dgm:layoutNode>
+      </dgm:forEach>
+    </dgm:forEach>
+  </dgm:layoutNode>
+</dgm:layoutDef>
+</file>
+
+<file path=ppt/diagrams/quickStyle1.xml><?xml version="1.0" encoding="utf-8"?>
+<dgm:styleDef xmlns:dgm="http://schemas.openxmlformats.org/drawingml/2006/diagram" xmlns:a="http://schemas.openxmlformats.org/drawingml/2006/main" uniqueId="urn:microsoft.com/office/officeart/2005/8/quickstyle/simple1">
+  <dgm:title val=""/>
+  <dgm:desc val=""/>
+  <dgm:catLst>
+    <dgm:cat type="simple" pri="10100"/>
+  </dgm:catLst>
+  <dgm:scene3d>
+    <a:camera prst="orthographicFront"/>
+    <a:lightRig rig="threePt" dir="t"/>
+  </dgm:scene3d>
+  <dgm:styleLbl name="node0">
+    <dgm:scene3d>
+      <a:camera prst="orthographicFront"/>
+      <a:lightRig rig="threePt" dir="t"/>
+    </dgm:scene3d>
+    <dgm:sp3d/>
+    <dgm:txPr/>
+    <dgm:style>
+      <a:lnRef idx="2">
+        <a:scrgbClr r="0" g="0" b="0"/>
+      </a:lnRef>
+      <a:fillRef idx="1">
+        <a:scrgbClr r="0" g="0" b="0"/>
+      </a:fillRef>
+      <a:effectRef idx="0">
+        <a:scrgbClr r="0" g="0" b="0"/>
+      </a:effectRef>
+      <a:fontRef idx="minor">
+        <a:schemeClr val="lt1"/>
+      </a:fontRef>
+    </dgm:style>
+  </dgm:styleLbl>
+  <dgm:styleLbl name="lnNode1">
+    <dgm:scene3d>
+      <a:camera prst="orthographicFront"/>
+      <a:lightRig rig="threePt" dir="t"/>
+    </dgm:scene3d>
+    <dgm:sp3d/>
+    <dgm:txPr/>
+    <dgm:style>
+      <a:lnRef idx="2">
+        <a:scrgbClr r="0" g="0" b="0"/>
+      </a:lnRef>
+      <a:fillRef idx="1">
+        <a:scrgbClr r="0" g="0" b="0"/>
+      </a:fillRef>
+      <a:effectRef idx="0">
+        <a:scrgbClr r="0" g="0" b="0"/>
+      </a:effectRef>
+      <a:fontRef idx="minor">
+        <a:schemeClr val="lt1"/>
+      </a:fontRef>
+    </dgm:style>
+  </dgm:styleLbl>
+  <dgm:styleLbl name="vennNode1">
+    <dgm:scene3d>
+      <a:camera prst="orthographicFront"/>
+      <a:lightRig rig="threePt" dir="t"/>
+    </dgm:scene3d>
+    <dgm:sp3d/>
+    <dgm:txPr/>
+    <dgm:style>
+      <a:lnRef idx="2">
+        <a:scrgbClr r="0" g="0" b="0"/>
+      </a:lnRef>
+      <a:fillRef idx="1">
+        <a:scrgbClr r="0" g="0" b="0"/>
+      </a:fillRef>
+      <a:effectRef idx="0">
+        <a:scrgbClr r="0" g="0" b="0"/>
+      </a:effectRef>
+      <a:fontRef idx="minor">
+        <a:schemeClr val="tx1"/>
+      </a:fontRef>
+    </dgm:style>
+  </dgm:styleLbl>
+  <dgm:styleLbl name="alignNode1">
+    <dgm:scene3d>
+      <a:camera prst="orthographicFront"/>
+      <a:lightRig rig="threePt" dir="t"/>
+    </dgm:scene3d>
+    <dgm:sp3d/>
+    <dgm:txPr/>
+    <dgm:style>
+      <a:lnRef idx="2">
+        <a:scrgbClr r="0" g="0" b="0"/>
+      </a:lnRef>
+      <a:fillRef idx="1">
+        <a:scrgbClr r="0" g="0" b="0"/>
+      </a:fillRef>
+      <a:effectRef idx="0">
+        <a:scrgbClr r="0" g="0" b="0"/>
+      </a:effectRef>
+      <a:fontRef idx="minor">
+        <a:schemeClr val="lt1"/>
+      </a:fontRef>
+    </dgm:style>
+  </dgm:styleLbl>
+  <dgm:styleLbl name="node1">
+    <dgm:scene3d>
+      <a:camera prst="orthographicFront"/>
+      <a:lightRig rig="threePt" dir="t"/>
+    </dgm:scene3d>
+    <dgm:sp3d/>
+    <dgm:txPr/>
+    <dgm:style>
+      <a:lnRef idx="2">
+        <a:scrgbClr r="0" g="0" b="0"/>
+      </a:lnRef>
+      <a:fillRef idx="1">
+        <a:scrgbClr r="0" g="0" b="0"/>
+      </a:fillRef>
+      <a:effectRef idx="0">
+        <a:scrgbClr r="0" g="0" b="0"/>
+      </a:effectRef>
+      <a:fontRef idx="minor">
+        <a:schemeClr val="lt1"/>
+      </a:fontRef>
+    </dgm:style>
+  </dgm:styleLbl>
+  <dgm:styleLbl name="node2">
+    <dgm:scene3d>
+      <a:camera prst="orthographicFront"/>
+      <a:lightRig rig="threePt" dir="t"/>
+    </dgm:scene3d>
+    <dgm:sp3d/>
+    <dgm:txPr/>
+    <dgm:style>
+      <a:lnRef idx="2">
+        <a:scrgbClr r="0" g="0" b="0"/>
+      </a:lnRef>
+      <a:fillRef idx="1">
+        <a:scrgbClr r="0" g="0" b="0"/>
+      </a:fillRef>
+      <a:effectRef idx="0">
+        <a:scrgbClr r="0" g="0" b="0"/>
+      </a:effectRef>
+      <a:fontRef idx="minor">
+        <a:schemeClr val="lt1"/>
+      </a:fontRef>
+    </dgm:style>
+  </dgm:styleLbl>
+  <dgm:styleLbl name="node3">
+    <dgm:scene3d>
+      <a:camera prst="orthographicFront"/>
+      <a:lightRig rig="threePt" dir="t"/>
+    </dgm:scene3d>
+    <dgm:sp3d/>
+    <dgm:txPr/>
+    <dgm:style>
+      <a:lnRef idx="2">
+        <a:scrgbClr r="0" g="0" b="0"/>
+      </a:lnRef>
+      <a:fillRef idx="1">
+        <a:scrgbClr r="0" g="0" b="0"/>
+      </a:fillRef>
+      <a:effectRef idx="0">
+        <a:scrgbClr r="0" g="0" b="0"/>
+      </a:effectRef>
+      <a:fontRef idx="minor">
+        <a:schemeClr val="lt1"/>
+      </a:fontRef>
+    </dgm:style>
+  </dgm:styleLbl>
+  <dgm:styleLbl name="node4">
+    <dgm:scene3d>
+      <a:camera prst="orthographicFront"/>
+      <a:lightRig rig="threePt" dir="t"/>
+    </dgm:scene3d>
+    <dgm:sp3d/>
+    <dgm:txPr/>
+    <dgm:style>
+      <a:lnRef idx="2">
+        <a:scrgbClr r="0" g="0" b="0"/>
+      </a:lnRef>
+      <a:fillRef idx="1">
+        <a:scrgbClr r="0" g="0" b="0"/>
+      </a:fillRef>
+      <a:effectRef idx="0">
+        <a:scrgbClr r="0" g="0" b="0"/>
+      </a:effectRef>
+      <a:fontRef idx="minor">
+        <a:schemeClr val="lt1"/>
+      </a:fontRef>
+    </dgm:style>
+  </dgm:styleLbl>
+  <dgm:styleLbl name="fgImgPlace1">
+    <dgm:scene3d>
+      <a:camera prst="orthographicFront"/>
+      <a:lightRig rig="threePt" dir="t"/>
+    </dgm:scene3d>
+    <dgm:sp3d/>
+    <dgm:txPr/>
+    <dgm:style>
+      <a:lnRef idx="2">
+        <a:scrgbClr r="0" g="0" b="0"/>
+      </a:lnRef>
+      <a:fillRef idx="1">
+        <a:scrgbClr r="0" g="0" b="0"/>
+      </a:fillRef>
+      <a:effectRef idx="0">
+        <a:scrgbClr r="0" g="0" b="0"/>
+      </a:effectRef>
+      <a:fontRef idx="minor"/>
+    </dgm:style>
+  </dgm:styleLbl>
+  <dgm:styleLbl name="alignImgPlace1">
+    <dgm:scene3d>
+      <a:camera prst="orthographicFront"/>
+      <a:lightRig rig="threePt" dir="t"/>
+    </dgm:scene3d>
+    <dgm:sp3d/>
+    <dgm:txPr/>
+    <dgm:style>
+      <a:lnRef idx="2">
+        <a:scrgbClr r="0" g="0" b="0"/>
+      </a:lnRef>
+      <a:fillRef idx="1">
+        <a:scrgbClr r="0" g="0" b="0"/>
+      </a:fillRef>
+      <a:effectRef idx="0">
+        <a:scrgbClr r="0" g="0" b="0"/>
+      </a:effectRef>
+      <a:fontRef idx="minor"/>
+    </dgm:style>
+  </dgm:styleLbl>
+  <dgm:styleLbl name="bgImgPlace1">
+    <dgm:scene3d>
+      <a:camera prst="orthographicFront"/>
+      <a:lightRig rig="threePt" dir="t"/>
+    </dgm:scene3d>
+    <dgm:sp3d/>
+    <dgm:txPr/>
+    <dgm:style>
+      <a:lnRef idx="2">
+        <a:scrgbClr r="0" g="0" b="0"/>
+      </a:lnRef>
+      <a:fillRef idx="1">
+        <a:scrgbClr r="0" g="0" b="0"/>
+      </a:fillRef>
+      <a:effectRef idx="0">
+        <a:scrgbClr r="0" g="0" b="0"/>
+      </a:effectRef>
+      <a:fontRef idx="minor"/>
+    </dgm:style>
+  </dgm:styleLbl>
+  <dgm:styleLbl name="sibTrans2D1">
+    <dgm:scene3d>
+      <a:camera prst="orthographicFront"/>
+      <a:lightRig rig="threePt" dir="t"/>
+    </dgm:scene3d>
+    <dgm:sp3d/>
+    <dgm:txPr/>
+    <dgm:style>
+      <a:lnRef idx="0">
+        <a:scrgbClr r="0" g="0" b="0"/>
+      </a:lnRef>
+      <a:fillRef idx="1">
+        <a:scrgbClr r="0" g="0" b="0"/>
+      </a:fillRef>
+      <a:effectRef idx="0">
+        <a:scrgbClr r="0" g="0" b="0"/>
+      </a:effectRef>
+      <a:fontRef idx="minor">
+        <a:schemeClr val="lt1"/>
+      </a:fontRef>
+    </dgm:style>
+  </dgm:styleLbl>
+  <dgm:styleLbl name="fgSibTrans2D1">
+    <dgm:scene3d>
+      <a:camera prst="orthographicFront"/>
+      <a:lightRig rig="threePt" dir="t"/>
+    </dgm:scene3d>
+    <dgm:sp3d/>
+    <dgm:txPr/>
+    <dgm:style>
+      <a:lnRef idx="0">
+        <a:scrgbClr r="0" g="0" b="0"/>
+      </a:lnRef>
+      <a:fillRef idx="1">
+        <a:scrgbClr r="0" g="0" b="0"/>
+      </a:fillRef>
+      <a:effectRef idx="0">
+        <a:scrgbClr r="0" g="0" b="0"/>
+      </a:effectRef>
+      <a:fontRef idx="minor">
+        <a:schemeClr val="lt1"/>
+      </a:fontRef>
+    </dgm:style>
+  </dgm:styleLbl>
+  <dgm:styleLbl name="bgSibTrans2D1">
+    <dgm:scene3d>
+      <a:camera prst="orthographicFront"/>
+      <a:lightRig rig="threePt" dir="t"/>
+    </dgm:scene3d>
+    <dgm:sp3d/>
+    <dgm:txPr/>
+    <dgm:style>
+      <a:lnRef idx="0">
+        <a:scrgbClr r="0" g="0" b="0"/>
+      </a:lnRef>
+      <a:fillRef idx="1">
+        <a:scrgbClr r="0" g="0" b="0"/>
+      </a:fillRef>
+      <a:effectRef idx="0">
+        <a:scrgbClr r="0" g="0" b="0"/>
+      </a:effectRef>
+      <a:fontRef idx="minor">
+        <a:schemeClr val="lt1"/>
+      </a:fontRef>
+    </dgm:style>
+  </dgm:styleLbl>
+  <dgm:styleLbl name="sibTrans1D1">
+    <dgm:scene3d>
+      <a:camera prst="orthographicFront"/>
+      <a:lightRig rig="threePt" dir="t"/>
+    </dgm:scene3d>
+    <dgm:sp3d/>
+    <dgm:txPr/>
+    <dgm:style>
+      <a:lnRef idx="1">
+        <a:scrgbClr r="0" g="0" b="0"/>
+      </a:lnRef>
+      <a:fillRef idx="0">
+        <a:scrgbClr r="0" g="0" b="0"/>
+      </a:fillRef>
+      <a:effectRef idx="0">
+        <a:scrgbClr r="0" g="0" b="0"/>
+      </a:effectRef>
+      <a:fontRef idx="minor"/>
+    </dgm:style>
+  </dgm:styleLbl>
+  <dgm:styleLbl name="callout">
+    <dgm:scene3d>
+      <a:camera prst="orthographicFront"/>
+      <a:lightRig rig="threePt" dir="t"/>
+    </dgm:scene3d>
+    <dgm:sp3d/>
+    <dgm:txPr/>
+    <dgm:style>
+      <a:lnRef idx="2">
+        <a:scrgbClr r="0" g="0" b="0"/>
+      </a:lnRef>
+      <a:fillRef idx="1">
+        <a:scrgbClr r="0" g="0" b="0"/>
+      </a:fillRef>
+      <a:effectRef idx="0">
+        <a:scrgbClr r="0" g="0" b="0"/>
+      </a:effectRef>
+      <a:fontRef idx="minor"/>
+    </dgm:style>
+  </dgm:styleLbl>
+  <dgm:styleLbl name="asst0">
+    <dgm:scene3d>
+      <a:camera prst="orthographicFront"/>
+      <a:lightRig rig="threePt" dir="t"/>
+    </dgm:scene3d>
+    <dgm:sp3d/>
+    <dgm:txPr/>
+    <dgm:style>
+      <a:lnRef idx="2">
+        <a:scrgbClr r="0" g="0" b="0"/>
+      </a:lnRef>
+      <a:fillRef idx="1">
+        <a:scrgbClr r="0" g="0" b="0"/>
+      </a:fillRef>
+      <a:effectRef idx="0">
+        <a:scrgbClr r="0" g="0" b="0"/>
+      </a:effectRef>
+      <a:fontRef idx="minor">
+        <a:schemeClr val="lt1"/>
+      </a:fontRef>
+    </dgm:style>
+  </dgm:styleLbl>
+  <dgm:styleLbl name="asst1">
+    <dgm:scene3d>
+      <a:camera prst="orthographicFront"/>
+      <a:lightRig rig="threePt" dir="t"/>
+    </dgm:scene3d>
+    <dgm:sp3d/>
+    <dgm:txPr/>
+    <dgm:style>
+      <a:lnRef idx="2">
+        <a:scrgbClr r="0" g="0" b="0"/>
+      </a:lnRef>
+      <a:fillRef idx="1">
+        <a:scrgbClr r="0" g="0" b="0"/>
+      </a:fillRef>
+      <a:effectRef idx="0">
+        <a:scrgbClr r="0" g="0" b="0"/>
+      </a:effectRef>
+      <a:fontRef idx="minor">
+        <a:schemeClr val="lt1"/>
+      </a:fontRef>
+    </dgm:style>
+  </dgm:styleLbl>
+  <dgm:styleLbl name="asst2">
+    <dgm:scene3d>
+      <a:camera prst="orthographicFront"/>
+      <a:lightRig rig="threePt" dir="t"/>
+    </dgm:scene3d>
+    <dgm:sp3d/>
+    <dgm:txPr/>
+    <dgm:style>
+      <a:lnRef idx="2">
+        <a:scrgbClr r="0" g="0" b="0"/>
+      </a:lnRef>
+      <a:fillRef idx="1">
+        <a:scrgbClr r="0" g="0" b="0"/>
+      </a:fillRef>
+      <a:effectRef idx="0">
+        <a:scrgbClr r="0" g="0" b="0"/>
+      </a:effectRef>
+      <a:fontRef idx="minor">
+        <a:schemeClr val="lt1"/>
+      </a:fontRef>
+    </dgm:style>
+  </dgm:styleLbl>
+  <dgm:styleLbl name="asst3">
+    <dgm:scene3d>
+      <a:camera prst="orthographicFront"/>
+      <a:lightRig rig="threePt" dir="t"/>
+    </dgm:scene3d>
+    <dgm:sp3d/>
+    <dgm:txPr/>
+    <dgm:style>
+      <a:lnRef idx="2">
+        <a:scrgbClr r="0" g="0" b="0"/>
+      </a:lnRef>
+      <a:fillRef idx="1">
+        <a:scrgbClr r="0" g="0" b="0"/>
+      </a:fillRef>
+      <a:effectRef idx="0">
+        <a:scrgbClr r="0" g="0" b="0"/>
+      </a:effectRef>
+      <a:fontRef idx="minor">
+        <a:schemeClr val="lt1"/>
+      </a:fontRef>
+    </dgm:style>
+  </dgm:styleLbl>
+  <dgm:styleLbl name="asst4">
+    <dgm:scene3d>
+      <a:camera prst="orthographicFront"/>
+      <a:lightRig rig="threePt" dir="t"/>
+    </dgm:scene3d>
+    <dgm:sp3d/>
+    <dgm:txPr/>
+    <dgm:style>
+      <a:lnRef idx="2">
+        <a:scrgbClr r="0" g="0" b="0"/>
+      </a:lnRef>
+      <a:fillRef idx="1">
+        <a:scrgbClr r="0" g="0" b="0"/>
+      </a:fillRef>
+      <a:effectRef idx="0">
+        <a:scrgbClr r="0" g="0" b="0"/>
+      </a:effectRef>
+      <a:fontRef idx="minor">
+        <a:schemeClr val="lt1"/>
+      </a:fontRef>
+    </dgm:style>
+  </dgm:styleLbl>
+  <dgm:styleLbl name="parChTrans2D1">
+    <dgm:scene3d>
+      <a:camera prst="orthographicFront"/>
+      <a:lightRig rig="threePt" dir="t"/>
+    </dgm:scene3d>
+    <dgm:sp3d/>
+    <dgm:txPr/>
+    <dgm:style>
+      <a:lnRef idx="2">
+        <a:scrgbClr r="0" g="0" b="0"/>
+      </a:lnRef>
+      <a:fillRef idx="1">
+        <a:scrgbClr r="0" g="0" b="0"/>
+      </a:fillRef>
+      <a:effectRef idx="0">
+        <a:scrgbClr r="0" g="0" b="0"/>
+      </a:effectRef>
+      <a:fontRef idx="minor">
+        <a:schemeClr val="lt1"/>
+      </a:fontRef>
+    </dgm:style>
+  </dgm:styleLbl>
+  <dgm:styleLbl name="parChTrans2D2">
+    <dgm:scene3d>
+      <a:camera prst="orthographicFront"/>
+      <a:lightRig rig="threePt" dir="t"/>
+    </dgm:scene3d>
+    <dgm:sp3d/>
+    <dgm:txPr/>
+    <dgm:style>
+      <a:lnRef idx="2">
+        <a:scrgbClr r="0" g="0" b="0"/>
+      </a:lnRef>
+      <a:fillRef idx="1">
+        <a:scrgbClr r="0" g="0" b="0"/>
+      </a:fillRef>
+      <a:effectRef idx="0">
+        <a:scrgbClr r="0" g="0" b="0"/>
+      </a:effectRef>
+      <a:fontRef idx="minor">
+        <a:schemeClr val="lt1"/>
+      </a:fontRef>
+    </dgm:style>
+  </dgm:styleLbl>
+  <dgm:styleLbl name="parChTrans2D3">
+    <dgm:scene3d>
+      <a:camera prst="orthographicFront"/>
+      <a:lightRig rig="threePt" dir="t"/>
+    </dgm:scene3d>
+    <dgm:sp3d/>
+    <dgm:txPr/>
+    <dgm:style>
+      <a:lnRef idx="2">
+        <a:scrgbClr r="0" g="0" b="0"/>
+      </a:lnRef>
+      <a:fillRef idx="1">
+        <a:scrgbClr r="0" g="0" b="0"/>
+      </a:fillRef>
+      <a:effectRef idx="0">
+        <a:scrgbClr r="0" g="0" b="0"/>
+      </a:effectRef>
+      <a:fontRef idx="minor">
+        <a:schemeClr val="lt1"/>
+      </a:fontRef>
+    </dgm:style>
+  </dgm:styleLbl>
+  <dgm:styleLbl name="parChTrans2D4">
+    <dgm:scene3d>
+      <a:camera prst="orthographicFront"/>
+      <a:lightRig rig="threePt" dir="t"/>
+    </dgm:scene3d>
+    <dgm:sp3d/>
+    <dgm:txPr/>
+    <dgm:style>
+      <a:lnRef idx="2">
+        <a:scrgbClr r="0" g="0" b="0"/>
+      </a:lnRef>
+      <a:fillRef idx="1">
+        <a:scrgbClr r="0" g="0" b="0"/>
+      </a:fillRef>
+      <a:effectRef idx="0">
+        <a:scrgbClr r="0" g="0" b="0"/>
+      </a:effectRef>
+      <a:fontRef idx="minor">
+        <a:schemeClr val="lt1"/>
+      </a:fontRef>
+    </dgm:style>
+  </dgm:styleLbl>
+  <dgm:styleLbl name="parChTrans1D1">
+    <dgm:scene3d>
+      <a:camera prst="orthographicFront"/>
+      <a:lightRig rig="threePt" dir="t"/>
+    </dgm:scene3d>
+    <dgm:sp3d/>
+    <dgm:txPr/>
+    <dgm:style>
+      <a:lnRef idx="2">
+        <a:scrgbClr r="0" g="0" b="0"/>
+      </a:lnRef>
+      <a:fillRef idx="0">
+        <a:scrgbClr r="0" g="0" b="0"/>
+      </a:fillRef>
+      <a:effectRef idx="0">
+        <a:scrgbClr r="0" g="0" b="0"/>
+      </a:effectRef>
+      <a:fontRef idx="minor"/>
+    </dgm:style>
+  </dgm:styleLbl>
+  <dgm:styleLbl name="parChTrans1D2">
+    <dgm:scene3d>
+      <a:camera prst="orthographicFront"/>
+      <a:lightRig rig="threePt" dir="t"/>
+    </dgm:scene3d>
+    <dgm:sp3d/>
+    <dgm:txPr/>
+    <dgm:style>
+      <a:lnRef idx="2">
+        <a:scrgbClr r="0" g="0" b="0"/>
+      </a:lnRef>
+      <a:fillRef idx="0">
+        <a:scrgbClr r="0" g="0" b="0"/>
+      </a:fillRef>
+      <a:effectRef idx="0">
+        <a:scrgbClr r="0" g="0" b="0"/>
+      </a:effectRef>
+      <a:fontRef idx="minor"/>
+    </dgm:style>
+  </dgm:styleLbl>
+  <dgm:styleLbl name="parChTrans1D3">
+    <dgm:scene3d>
+      <a:camera prst="orthographicFront"/>
+      <a:lightRig rig="threePt" dir="t"/>
+    </dgm:scene3d>
+    <dgm:sp3d/>
+    <dgm:txPr/>
+    <dgm:style>
+      <a:lnRef idx="2">
+        <a:scrgbClr r="0" g="0" b="0"/>
+      </a:lnRef>
+      <a:fillRef idx="0">
+        <a:scrgbClr r="0" g="0" b="0"/>
+      </a:fillRef>
+      <a:effectRef idx="0">
+        <a:scrgbClr r="0" g="0" b="0"/>
+      </a:effectRef>
+      <a:fontRef idx="minor"/>
+    </dgm:style>
+  </dgm:styleLbl>
+  <dgm:styleLbl name="parChTrans1D4">
+    <dgm:scene3d>
+      <a:camera prst="orthographicFront"/>
+      <a:lightRig rig="threePt" dir="t"/>
+    </dgm:scene3d>
+    <dgm:sp3d/>
+    <dgm:txPr/>
+    <dgm:style>
+      <a:lnRef idx="2">
+        <a:scrgbClr r="0" g="0" b="0"/>
+      </a:lnRef>
+      <a:fillRef idx="0">
+        <a:scrgbClr r="0" g="0" b="0"/>
+      </a:fillRef>
+      <a:effectRef idx="0">
+        <a:scrgbClr r="0" g="0" b="0"/>
+      </a:effectRef>
+      <a:fontRef idx="minor"/>
+    </dgm:style>
+  </dgm:styleLbl>
+  <dgm:styleLbl name="fgAcc1">
+    <dgm:scene3d>
+      <a:camera prst="orthographicFront"/>
+      <a:lightRig rig="threePt" dir="t"/>
+    </dgm:scene3d>
+    <dgm:sp3d/>
+    <dgm:txPr/>
+    <dgm:style>
+      <a:lnRef idx="2">
+        <a:scrgbClr r="0" g="0" b="0"/>
+      </a:lnRef>
+      <a:fillRef idx="1">
+        <a:scrgbClr r="0" g="0" b="0"/>
+      </a:fillRef>
+      <a:effectRef idx="0">
+        <a:scrgbClr r="0" g="0" b="0"/>
+      </a:effectRef>
+      <a:fontRef idx="minor"/>
+    </dgm:style>
+  </dgm:styleLbl>
+  <dgm:styleLbl name="conFgAcc1">
+    <dgm:scene3d>
+      <a:camera prst="orthographicFront"/>
+      <a:lightRig rig="threePt" dir="t"/>
+    </dgm:scene3d>
+    <dgm:sp3d/>
+    <dgm:txPr/>
+    <dgm:style>
+      <a:lnRef idx="2">
+        <a:scrgbClr r="0" g="0" b="0"/>
+      </a:lnRef>
+      <a:fillRef idx="1">
+        <a:scrgbClr r="0" g="0" b="0"/>
+      </a:fillRef>
+      <a:effectRef idx="0">
+        <a:scrgbClr r="0" g="0" b="0"/>
+      </a:effectRef>
+      <a:fontRef idx="minor"/>
+    </dgm:style>
+  </dgm:styleLbl>
+  <dgm:styleLbl name="alignAcc1">
+    <dgm:scene3d>
+      <a:camera prst="orthographicFront"/>
+      <a:lightRig rig="threePt" dir="t"/>
+    </dgm:scene3d>
+    <dgm:sp3d/>
+    <dgm:txPr/>
+    <dgm:style>
+      <a:lnRef idx="2">
+        <a:scrgbClr r="0" g="0" b="0"/>
+      </a:lnRef>
+      <a:fillRef idx="1">
+        <a:scrgbClr r="0" g="0" b="0"/>
+      </a:fillRef>
+      <a:effectRef idx="0">
+        <a:scrgbClr r="0" g="0" b="0"/>
+      </a:effectRef>
+      <a:fontRef idx="minor"/>
+    </dgm:style>
+  </dgm:styleLbl>
+  <dgm:styleLbl name="trAlignAcc1">
+    <dgm:scene3d>
+      <a:camera prst="orthographicFront"/>
+      <a:lightRig rig="threePt" dir="t"/>
+    </dgm:scene3d>
+    <dgm:sp3d/>
+    <dgm:txPr/>
+    <dgm:style>
+      <a:lnRef idx="1">
+        <a:scrgbClr r="0" g="0" b="0"/>
+      </a:lnRef>
+      <a:fillRef idx="1">
+        <a:scrgbClr r="0" g="0" b="0"/>
+      </a:fillRef>
+      <a:effectRef idx="0">
+        <a:scrgbClr r="0" g="0" b="0"/>
+      </a:effectRef>
+      <a:fontRef idx="minor"/>
+    </dgm:style>
+  </dgm:styleLbl>
+  <dgm:styleLbl name="bgAcc1">
+    <dgm:scene3d>
+      <a:camera prst="orthographicFront"/>
+      <a:lightRig rig="threePt" dir="t"/>
+    </dgm:scene3d>
+    <dgm:sp3d/>
+    <dgm:txPr/>
+    <dgm:style>
+      <a:lnRef idx="2">
+        <a:scrgbClr r="0" g="0" b="0"/>
+      </a:lnRef>
+      <a:fillRef idx="1">
+        <a:scrgbClr r="0" g="0" b="0"/>
+      </a:fillRef>
+      <a:effectRef idx="0">
+        <a:scrgbClr r="0" g="0" b="0"/>
+      </a:effectRef>
+      <a:fontRef idx="minor"/>
+    </dgm:style>
+  </dgm:styleLbl>
+  <dgm:styleLbl name="solidFgAcc1">
+    <dgm:scene3d>
+      <a:camera prst="orthographicFront"/>
+      <a:lightRig rig="threePt" dir="t"/>
+    </dgm:scene3d>
+    <dgm:sp3d/>
+    <dgm:txPr/>
+    <dgm:style>
+      <a:lnRef idx="2">
+        <a:scrgbClr r="0" g="0" b="0"/>
+      </a:lnRef>
+      <a:fillRef idx="1">
+        <a:scrgbClr r="0" g="0" b="0"/>
+      </a:fillRef>
+      <a:effectRef idx="0">
+        <a:scrgbClr r="0" g="0" b="0"/>
+      </a:effectRef>
+      <a:fontRef idx="minor"/>
+    </dgm:style>
+  </dgm:styleLbl>
+  <dgm:styleLbl name="solidAlignAcc1">
+    <dgm:scene3d>
+      <a:camera prst="orthographicFront"/>
+      <a:lightRig rig="threePt" dir="t"/>
+    </dgm:scene3d>
+    <dgm:sp3d/>
+    <dgm:txPr/>
+    <dgm:style>
+      <a:lnRef idx="2">
+        <a:scrgbClr r="0" g="0" b="0"/>
+      </a:lnRef>
+      <a:fillRef idx="1">
+        <a:scrgbClr r="0" g="0" b="0"/>
+      </a:fillRef>
+      <a:effectRef idx="0">
+        <a:scrgbClr r="0" g="0" b="0"/>
+      </a:effectRef>
+      <a:fontRef idx="minor"/>
+    </dgm:style>
+  </dgm:styleLbl>
+  <dgm:styleLbl name="solidBgAcc1">
+    <dgm:scene3d>
+      <a:camera prst="orthographicFront"/>
+      <a:lightRig rig="threePt" dir="t"/>
+    </dgm:scene3d>
+    <dgm:sp3d/>
+    <dgm:txPr/>
+    <dgm:style>
+      <a:lnRef idx="2">
+        <a:scrgbClr r="0" g="0" b="0"/>
+      </a:lnRef>
+      <a:fillRef idx="1">
+        <a:scrgbClr r="0" g="0" b="0"/>
+      </a:fillRef>
+      <a:effectRef idx="0">
+        <a:scrgbClr r="0" g="0" b="0"/>
+      </a:effectRef>
+      <a:fontRef idx="minor"/>
+    </dgm:style>
+  </dgm:styleLbl>
+  <dgm:styleLbl name="fgAccFollowNode1">
+    <dgm:scene3d>
+      <a:camera prst="orthographicFront"/>
+      <a:lightRig rig="threePt" dir="t"/>
+    </dgm:scene3d>
+    <dgm:sp3d/>
+    <dgm:txPr/>
+    <dgm:style>
+      <a:lnRef idx="2">
+        <a:scrgbClr r="0" g="0" b="0"/>
+      </a:lnRef>
+      <a:fillRef idx="1">
+        <a:scrgbClr r="0" g="0" b="0"/>
+      </a:fillRef>
+      <a:effectRef idx="0">
+        <a:scrgbClr r="0" g="0" b="0"/>
+      </a:effectRef>
+      <a:fontRef idx="minor"/>
+    </dgm:style>
+  </dgm:styleLbl>
+  <dgm:styleLbl name="alignAccFollowNode1">
+    <dgm:scene3d>
+      <a:camera prst="orthographicFront"/>
+      <a:lightRig rig="threePt" dir="t"/>
+    </dgm:scene3d>
+    <dgm:sp3d/>
+    <dgm:txPr/>
+    <dgm:style>
+      <a:lnRef idx="2">
+        <a:scrgbClr r="0" g="0" b="0"/>
+      </a:lnRef>
+      <a:fillRef idx="1">
+        <a:scrgbClr r="0" g="0" b="0"/>
+      </a:fillRef>
+      <a:effectRef idx="0">
+        <a:scrgbClr r="0" g="0" b="0"/>
+      </a:effectRef>
+      <a:fontRef idx="minor"/>
+    </dgm:style>
+  </dgm:styleLbl>
+  <dgm:styleLbl name="bgAccFollowNode1">
+    <dgm:scene3d>
+      <a:camera prst="orthographicFront"/>
+      <a:lightRig rig="threePt" dir="t"/>
+    </dgm:scene3d>
+    <dgm:sp3d/>
+    <dgm:txPr/>
+    <dgm:style>
+      <a:lnRef idx="2">
+        <a:scrgbClr r="0" g="0" b="0"/>
+      </a:lnRef>
+      <a:fillRef idx="1">
+        <a:scrgbClr r="0" g="0" b="0"/>
+      </a:fillRef>
+      <a:effectRef idx="0">
+        <a:scrgbClr r="0" g="0" b="0"/>
+      </a:effectRef>
+      <a:fontRef idx="minor"/>
+    </dgm:style>
+  </dgm:styleLbl>
+  <dgm:styleLbl name="fgAcc0">
+    <dgm:scene3d>
+      <a:camera prst="orthographicFront"/>
+      <a:lightRig rig="threePt" dir="t"/>
+    </dgm:scene3d>
+    <dgm:sp3d/>
+    <dgm:txPr/>
+    <dgm:style>
+      <a:lnRef idx="2">
+        <a:scrgbClr r="0" g="0" b="0"/>
+      </a:lnRef>
+      <a:fillRef idx="1">
+        <a:scrgbClr r="0" g="0" b="0"/>
+      </a:fillRef>
+      <a:effectRef idx="0">
+        <a:scrgbClr r="0" g="0" b="0"/>
+      </a:effectRef>
+      <a:fontRef idx="minor"/>
+    </dgm:style>
+  </dgm:styleLbl>
+  <dgm:styleLbl name="fgAcc2">
+    <dgm:scene3d>
+      <a:camera prst="orthographicFront"/>
+      <a:lightRig rig="threePt" dir="t"/>
+    </dgm:scene3d>
+    <dgm:sp3d/>
+    <dgm:txPr/>
+    <dgm:style>
+      <a:lnRef idx="2">
+        <a:scrgbClr r="0" g="0" b="0"/>
+      </a:lnRef>
+      <a:fillRef idx="1">
+        <a:scrgbClr r="0" g="0" b="0"/>
+      </a:fillRef>
+      <a:effectRef idx="0">
+        <a:scrgbClr r="0" g="0" b="0"/>
+      </a:effectRef>
+      <a:fontRef idx="minor"/>
+    </dgm:style>
+  </dgm:styleLbl>
+  <dgm:styleLbl name="fgAcc3">
+    <dgm:scene3d>
+      <a:camera prst="orthographicFront"/>
+      <a:lightRig rig="threePt" dir="t"/>
+    </dgm:scene3d>
+    <dgm:sp3d/>
+    <dgm:txPr/>
+    <dgm:style>
+      <a:lnRef idx="2">
+        <a:scrgbClr r="0" g="0" b="0"/>
+      </a:lnRef>
+      <a:fillRef idx="1">
+        <a:scrgbClr r="0" g="0" b="0"/>
+      </a:fillRef>
+      <a:effectRef idx="0">
+        <a:scrgbClr r="0" g="0" b="0"/>
+      </a:effectRef>
+      <a:fontRef idx="minor"/>
+    </dgm:style>
+  </dgm:styleLbl>
+  <dgm:styleLbl name="fgAcc4">
+    <dgm:scene3d>
+      <a:camera prst="orthographicFront"/>
+      <a:lightRig rig="threePt" dir="t"/>
+    </dgm:scene3d>
+    <dgm:sp3d/>
+    <dgm:txPr/>
+    <dgm:style>
+      <a:lnRef idx="2">
+        <a:scrgbClr r="0" g="0" b="0"/>
+      </a:lnRef>
+      <a:fillRef idx="1">
+        <a:scrgbClr r="0" g="0" b="0"/>
+      </a:fillRef>
+      <a:effectRef idx="0">
+        <a:scrgbClr r="0" g="0" b="0"/>
+      </a:effectRef>
+      <a:fontRef idx="minor"/>
+    </dgm:style>
+  </dgm:styleLbl>
+  <dgm:styleLbl name="bgShp">
+    <dgm:scene3d>
+      <a:camera prst="orthographicFront"/>
+      <a:lightRig rig="threePt" dir="t"/>
+    </dgm:scene3d>
+    <dgm:sp3d/>
+    <dgm:txPr/>
+    <dgm:style>
+      <a:lnRef idx="0">
+        <a:scrgbClr r="0" g="0" b="0"/>
+      </a:lnRef>
+      <a:fillRef idx="1">
+        <a:scrgbClr r="0" g="0" b="0"/>
+      </a:fillRef>
+      <a:effectRef idx="0">
+        <a:scrgbClr r="0" g="0" b="0"/>
+      </a:effectRef>
+      <a:fontRef idx="minor"/>
+    </dgm:style>
+  </dgm:styleLbl>
+  <dgm:styleLbl name="dkBgShp">
+    <dgm:scene3d>
+      <a:camera prst="orthographicFront"/>
+      <a:lightRig rig="threePt" dir="t"/>
+    </dgm:scene3d>
+    <dgm:sp3d/>
+    <dgm:txPr/>
+    <dgm:style>
+      <a:lnRef idx="0">
+        <a:scrgbClr r="0" g="0" b="0"/>
+      </a:lnRef>
+      <a:fillRef idx="1">
+        <a:scrgbClr r="0" g="0" b="0"/>
+      </a:fillRef>
+      <a:effectRef idx="0">
+        <a:scrgbClr r="0" g="0" b="0"/>
+      </a:effectRef>
+      <a:fontRef idx="minor"/>
+    </dgm:style>
+  </dgm:styleLbl>
+  <dgm:styleLbl name="trBgShp">
+    <dgm:scene3d>
+      <a:camera prst="orthographicFront"/>
+      <a:lightRig rig="threePt" dir="t"/>
+    </dgm:scene3d>
+    <dgm:sp3d/>
+    <dgm:txPr/>
+    <dgm:style>
+      <a:lnRef idx="0">
+        <a:scrgbClr r="0" g="0" b="0"/>
+      </a:lnRef>
+      <a:fillRef idx="1">
+        <a:scrgbClr r="0" g="0" b="0"/>
+      </a:fillRef>
+      <a:effectRef idx="0">
+        <a:scrgbClr r="0" g="0" b="0"/>
+      </a:effectRef>
+      <a:fontRef idx="minor"/>
+    </dgm:style>
+  </dgm:styleLbl>
+  <dgm:styleLbl name="fgShp">
+    <dgm:scene3d>
+      <a:camera prst="orthographicFront"/>
+      <a:lightRig rig="threePt" dir="t"/>
+    </dgm:scene3d>
+    <dgm:sp3d/>
+    <dgm:txPr/>
+    <dgm:style>
+      <a:lnRef idx="2">
+        <a:scrgbClr r="0" g="0" b="0"/>
+      </a:lnRef>
+      <a:fillRef idx="1">
+        <a:scrgbClr r="0" g="0" b="0"/>
+      </a:fillRef>
+      <a:effectRef idx="0">
+        <a:scrgbClr r="0" g="0" b="0"/>
+      </a:effectRef>
+      <a:fontRef idx="minor"/>
+    </dgm:style>
+  </dgm:styleLbl>
+  <dgm:styleLbl name="revTx">
+    <dgm:scene3d>
+      <a:camera prst="orthographicFront"/>
+      <a:lightRig rig="threePt" dir="t"/>
+    </dgm:scene3d>
+    <dgm:sp3d/>
+    <dgm:txPr/>
+    <dgm:style>
+      <a:lnRef idx="0">
+        <a:scrgbClr r="0" g="0" b="0"/>
+      </a:lnRef>
+      <a:fillRef idx="0">
+        <a:scrgbClr r="0" g="0" b="0"/>
+      </a:fillRef>
+      <a:effectRef idx="0">
+        <a:scrgbClr r="0" g="0" b="0"/>
+      </a:effectRef>
+      <a:fontRef idx="minor"/>
+    </dgm:style>
+  </dgm:styleLbl>
+</dgm:styleDef>
+</file>
+
+<file path=ppt/diagrams/quickStyle2.xml><?xml version="1.0" encoding="utf-8"?>
+<dgm:styleDef xmlns:dgm="http://schemas.openxmlformats.org/drawingml/2006/diagram" xmlns:a="http://schemas.openxmlformats.org/drawingml/2006/main" uniqueId="urn:microsoft.com/office/officeart/2005/8/quickstyle/simple1">
+  <dgm:title val=""/>
+  <dgm:desc val=""/>
+  <dgm:catLst>
+    <dgm:cat type="simple" pri="10100"/>
+  </dgm:catLst>
+  <dgm:scene3d>
+    <a:camera prst="orthographicFront"/>
+    <a:lightRig rig="threePt" dir="t"/>
+  </dgm:scene3d>
+  <dgm:styleLbl name="node0">
+    <dgm:scene3d>
+      <a:camera prst="orthographicFront"/>
+      <a:lightRig rig="threePt" dir="t"/>
+    </dgm:scene3d>
+    <dgm:sp3d/>
+    <dgm:txPr/>
+    <dgm:style>
+      <a:lnRef idx="2">
+        <a:scrgbClr r="0" g="0" b="0"/>
+      </a:lnRef>
+      <a:fillRef idx="1">
+        <a:scrgbClr r="0" g="0" b="0"/>
+      </a:fillRef>
+      <a:effectRef idx="0">
+        <a:scrgbClr r="0" g="0" b="0"/>
+      </a:effectRef>
+      <a:fontRef idx="minor">
+        <a:schemeClr val="lt1"/>
+      </a:fontRef>
+    </dgm:style>
+  </dgm:styleLbl>
+  <dgm:styleLbl name="lnNode1">
+    <dgm:scene3d>
+      <a:camera prst="orthographicFront"/>
+      <a:lightRig rig="threePt" dir="t"/>
+    </dgm:scene3d>
+    <dgm:sp3d/>
+    <dgm:txPr/>
+    <dgm:style>
+      <a:lnRef idx="2">
+        <a:scrgbClr r="0" g="0" b="0"/>
+      </a:lnRef>
+      <a:fillRef idx="1">
+        <a:scrgbClr r="0" g="0" b="0"/>
+      </a:fillRef>
+      <a:effectRef idx="0">
+        <a:scrgbClr r="0" g="0" b="0"/>
+      </a:effectRef>
+      <a:fontRef idx="minor">
+        <a:schemeClr val="lt1"/>
+      </a:fontRef>
+    </dgm:style>
+  </dgm:styleLbl>
+  <dgm:styleLbl name="vennNode1">
+    <dgm:scene3d>
+      <a:camera prst="orthographicFront"/>
+      <a:lightRig rig="threePt" dir="t"/>
+    </dgm:scene3d>
+    <dgm:sp3d/>
+    <dgm:txPr/>
+    <dgm:style>
+      <a:lnRef idx="2">
+        <a:scrgbClr r="0" g="0" b="0"/>
+      </a:lnRef>
+      <a:fillRef idx="1">
+        <a:scrgbClr r="0" g="0" b="0"/>
+      </a:fillRef>
+      <a:effectRef idx="0">
+        <a:scrgbClr r="0" g="0" b="0"/>
+      </a:effectRef>
+      <a:fontRef idx="minor">
+        <a:schemeClr val="tx1"/>
+      </a:fontRef>
+    </dgm:style>
+  </dgm:styleLbl>
+  <dgm:styleLbl name="alignNode1">
+    <dgm:scene3d>
+      <a:camera prst="orthographicFront"/>
+      <a:lightRig rig="threePt" dir="t"/>
+    </dgm:scene3d>
+    <dgm:sp3d/>
+    <dgm:txPr/>
+    <dgm:style>
+      <a:lnRef idx="2">
+        <a:scrgbClr r="0" g="0" b="0"/>
+      </a:lnRef>
+      <a:fillRef idx="1">
+        <a:scrgbClr r="0" g="0" b="0"/>
+      </a:fillRef>
+      <a:effectRef idx="0">
+        <a:scrgbClr r="0" g="0" b="0"/>
+      </a:effectRef>
+      <a:fontRef idx="minor">
+        <a:schemeClr val="lt1"/>
+      </a:fontRef>
+    </dgm:style>
+  </dgm:styleLbl>
+  <dgm:styleLbl name="node1">
+    <dgm:scene3d>
+      <a:camera prst="orthographicFront"/>
+      <a:lightRig rig="threePt" dir="t"/>
+    </dgm:scene3d>
+    <dgm:sp3d/>
+    <dgm:txPr/>
+    <dgm:style>
+      <a:lnRef idx="2">
+        <a:scrgbClr r="0" g="0" b="0"/>
+      </a:lnRef>
+      <a:fillRef idx="1">
+        <a:scrgbClr r="0" g="0" b="0"/>
+      </a:fillRef>
+      <a:effectRef idx="0">
+        <a:scrgbClr r="0" g="0" b="0"/>
+      </a:effectRef>
+      <a:fontRef idx="minor">
+        <a:schemeClr val="lt1"/>
+      </a:fontRef>
+    </dgm:style>
+  </dgm:styleLbl>
+  <dgm:styleLbl name="node2">
+    <dgm:scene3d>
+      <a:camera prst="orthographicFront"/>
+      <a:lightRig rig="threePt" dir="t"/>
+    </dgm:scene3d>
+    <dgm:sp3d/>
+    <dgm:txPr/>
+    <dgm:style>
+      <a:lnRef idx="2">
+        <a:scrgbClr r="0" g="0" b="0"/>
+      </a:lnRef>
+      <a:fillRef idx="1">
+        <a:scrgbClr r="0" g="0" b="0"/>
+      </a:fillRef>
+      <a:effectRef idx="0">
+        <a:scrgbClr r="0" g="0" b="0"/>
+      </a:effectRef>
+      <a:fontRef idx="minor">
+        <a:schemeClr val="lt1"/>
+      </a:fontRef>
+    </dgm:style>
+  </dgm:styleLbl>
+  <dgm:styleLbl name="node3">
+    <dgm:scene3d>
+      <a:camera prst="orthographicFront"/>
+      <a:lightRig rig="threePt" dir="t"/>
+    </dgm:scene3d>
+    <dgm:sp3d/>
+    <dgm:txPr/>
+    <dgm:style>
+      <a:lnRef idx="2">
+        <a:scrgbClr r="0" g="0" b="0"/>
+      </a:lnRef>
+      <a:fillRef idx="1">
+        <a:scrgbClr r="0" g="0" b="0"/>
+      </a:fillRef>
+      <a:effectRef idx="0">
+        <a:scrgbClr r="0" g="0" b="0"/>
+      </a:effectRef>
+      <a:fontRef idx="minor">
+        <a:schemeClr val="lt1"/>
+      </a:fontRef>
+    </dgm:style>
+  </dgm:styleLbl>
+  <dgm:styleLbl name="node4">
+    <dgm:scene3d>
+      <a:camera prst="orthographicFront"/>
+      <a:lightRig rig="threePt" dir="t"/>
+    </dgm:scene3d>
+    <dgm:sp3d/>
+    <dgm:txPr/>
+    <dgm:style>
+      <a:lnRef idx="2">
+        <a:scrgbClr r="0" g="0" b="0"/>
+      </a:lnRef>
+      <a:fillRef idx="1">
+        <a:scrgbClr r="0" g="0" b="0"/>
+      </a:fillRef>
+      <a:effectRef idx="0">
+        <a:scrgbClr r="0" g="0" b="0"/>
+      </a:effectRef>
+      <a:fontRef idx="minor">
+        <a:schemeClr val="lt1"/>
+      </a:fontRef>
+    </dgm:style>
+  </dgm:styleLbl>
+  <dgm:styleLbl name="fgImgPlace1">
+    <dgm:scene3d>
+      <a:camera prst="orthographicFront"/>
+      <a:lightRig rig="threePt" dir="t"/>
+    </dgm:scene3d>
+    <dgm:sp3d/>
+    <dgm:txPr/>
+    <dgm:style>
+      <a:lnRef idx="2">
+        <a:scrgbClr r="0" g="0" b="0"/>
+      </a:lnRef>
+      <a:fillRef idx="1">
+        <a:scrgbClr r="0" g="0" b="0"/>
+      </a:fillRef>
+      <a:effectRef idx="0">
+        <a:scrgbClr r="0" g="0" b="0"/>
+      </a:effectRef>
+      <a:fontRef idx="minor"/>
+    </dgm:style>
+  </dgm:styleLbl>
+  <dgm:styleLbl name="alignImgPlace1">
+    <dgm:scene3d>
+      <a:camera prst="orthographicFront"/>
+      <a:lightRig rig="threePt" dir="t"/>
+    </dgm:scene3d>
+    <dgm:sp3d/>
+    <dgm:txPr/>
+    <dgm:style>
+      <a:lnRef idx="2">
+        <a:scrgbClr r="0" g="0" b="0"/>
+      </a:lnRef>
+      <a:fillRef idx="1">
+        <a:scrgbClr r="0" g="0" b="0"/>
+      </a:fillRef>
+      <a:effectRef idx="0">
+        <a:scrgbClr r="0" g="0" b="0"/>
+      </a:effectRef>
+      <a:fontRef idx="minor"/>
+    </dgm:style>
+  </dgm:styleLbl>
+  <dgm:styleLbl name="bgImgPlace1">
+    <dgm:scene3d>
+      <a:camera prst="orthographicFront"/>
+      <a:lightRig rig="threePt" dir="t"/>
+    </dgm:scene3d>
+    <dgm:sp3d/>
+    <dgm:txPr/>
+    <dgm:style>
+      <a:lnRef idx="2">
+        <a:scrgbClr r="0" g="0" b="0"/>
+      </a:lnRef>
+      <a:fillRef idx="1">
+        <a:scrgbClr r="0" g="0" b="0"/>
+      </a:fillRef>
+      <a:effectRef idx="0">
+        <a:scrgbClr r="0" g="0" b="0"/>
+      </a:effectRef>
+      <a:fontRef idx="minor"/>
+    </dgm:style>
+  </dgm:styleLbl>
+  <dgm:styleLbl name="sibTrans2D1">
+    <dgm:scene3d>
+      <a:camera prst="orthographicFront"/>
+      <a:lightRig rig="threePt" dir="t"/>
+    </dgm:scene3d>
+    <dgm:sp3d/>
+    <dgm:txPr/>
+    <dgm:style>
+      <a:lnRef idx="0">
+        <a:scrgbClr r="0" g="0" b="0"/>
+      </a:lnRef>
+      <a:fillRef idx="1">
+        <a:scrgbClr r="0" g="0" b="0"/>
+      </a:fillRef>
+      <a:effectRef idx="0">
+        <a:scrgbClr r="0" g="0" b="0"/>
+      </a:effectRef>
+      <a:fontRef idx="minor">
+        <a:schemeClr val="lt1"/>
+      </a:fontRef>
+    </dgm:style>
+  </dgm:styleLbl>
+  <dgm:styleLbl name="fgSibTrans2D1">
+    <dgm:scene3d>
+      <a:camera prst="orthographicFront"/>
+      <a:lightRig rig="threePt" dir="t"/>
+    </dgm:scene3d>
+    <dgm:sp3d/>
+    <dgm:txPr/>
+    <dgm:style>
+      <a:lnRef idx="0">
+        <a:scrgbClr r="0" g="0" b="0"/>
+      </a:lnRef>
+      <a:fillRef idx="1">
+        <a:scrgbClr r="0" g="0" b="0"/>
+      </a:fillRef>
+      <a:effectRef idx="0">
+        <a:scrgbClr r="0" g="0" b="0"/>
+      </a:effectRef>
+      <a:fontRef idx="minor">
+        <a:schemeClr val="lt1"/>
+      </a:fontRef>
+    </dgm:style>
+  </dgm:styleLbl>
+  <dgm:styleLbl name="bgSibTrans2D1">
+    <dgm:scene3d>
+      <a:camera prst="orthographicFront"/>
+      <a:lightRig rig="threePt" dir="t"/>
+    </dgm:scene3d>
+    <dgm:sp3d/>
+    <dgm:txPr/>
+    <dgm:style>
+      <a:lnRef idx="0">
+        <a:scrgbClr r="0" g="0" b="0"/>
+      </a:lnRef>
+      <a:fillRef idx="1">
+        <a:scrgbClr r="0" g="0" b="0"/>
+      </a:fillRef>
+      <a:effectRef idx="0">
+        <a:scrgbClr r="0" g="0" b="0"/>
+      </a:effectRef>
+      <a:fontRef idx="minor">
+        <a:schemeClr val="lt1"/>
+      </a:fontRef>
+    </dgm:style>
+  </dgm:styleLbl>
+  <dgm:styleLbl name="sibTrans1D1">
+    <dgm:scene3d>
+      <a:camera prst="orthographicFront"/>
+      <a:lightRig rig="threePt" dir="t"/>
+    </dgm:scene3d>
+    <dgm:sp3d/>
+    <dgm:txPr/>
+    <dgm:style>
+      <a:lnRef idx="1">
+        <a:scrgbClr r="0" g="0" b="0"/>
+      </a:lnRef>
+      <a:fillRef idx="0">
+        <a:scrgbClr r="0" g="0" b="0"/>
+      </a:fillRef>
+      <a:effectRef idx="0">
+        <a:scrgbClr r="0" g="0" b="0"/>
+      </a:effectRef>
+      <a:fontRef idx="minor"/>
+    </dgm:style>
+  </dgm:styleLbl>
+  <dgm:styleLbl name="callout">
+    <dgm:scene3d>
+      <a:camera prst="orthographicFront"/>
+      <a:lightRig rig="threePt" dir="t"/>
+    </dgm:scene3d>
+    <dgm:sp3d/>
+    <dgm:txPr/>
+    <dgm:style>
+      <a:lnRef idx="2">
+        <a:scrgbClr r="0" g="0" b="0"/>
+      </a:lnRef>
+      <a:fillRef idx="1">
+        <a:scrgbClr r="0" g="0" b="0"/>
+      </a:fillRef>
+      <a:effectRef idx="0">
+        <a:scrgbClr r="0" g="0" b="0"/>
+      </a:effectRef>
+      <a:fontRef idx="minor"/>
+    </dgm:style>
+  </dgm:styleLbl>
+  <dgm:styleLbl name="asst0">
+    <dgm:scene3d>
+      <a:camera prst="orthographicFront"/>
+      <a:lightRig rig="threePt" dir="t"/>
+    </dgm:scene3d>
+    <dgm:sp3d/>
+    <dgm:txPr/>
+    <dgm:style>
+      <a:lnRef idx="2">
+        <a:scrgbClr r="0" g="0" b="0"/>
+      </a:lnRef>
+      <a:fillRef idx="1">
+        <a:scrgbClr r="0" g="0" b="0"/>
+      </a:fillRef>
+      <a:effectRef idx="0">
+        <a:scrgbClr r="0" g="0" b="0"/>
+      </a:effectRef>
+      <a:fontRef idx="minor">
+        <a:schemeClr val="lt1"/>
+      </a:fontRef>
+    </dgm:style>
+  </dgm:styleLbl>
+  <dgm:styleLbl name="asst1">
+    <dgm:scene3d>
+      <a:camera prst="orthographicFront"/>
+      <a:lightRig rig="threePt" dir="t"/>
+    </dgm:scene3d>
+    <dgm:sp3d/>
+    <dgm:txPr/>
+    <dgm:style>
+      <a:lnRef idx="2">
+        <a:scrgbClr r="0" g="0" b="0"/>
+      </a:lnRef>
+      <a:fillRef idx="1">
+        <a:scrgbClr r="0" g="0" b="0"/>
+      </a:fillRef>
+      <a:effectRef idx="0">
+        <a:scrgbClr r="0" g="0" b="0"/>
+      </a:effectRef>
+      <a:fontRef idx="minor">
+        <a:schemeClr val="lt1"/>
+      </a:fontRef>
+    </dgm:style>
+  </dgm:styleLbl>
+  <dgm:styleLbl name="asst2">
+    <dgm:scene3d>
+      <a:camera prst="orthographicFront"/>
+      <a:lightRig rig="threePt" dir="t"/>
+    </dgm:scene3d>
+    <dgm:sp3d/>
+    <dgm:txPr/>
+    <dgm:style>
+      <a:lnRef idx="2">
+        <a:scrgbClr r="0" g="0" b="0"/>
+      </a:lnRef>
+      <a:fillRef idx="1">
+        <a:scrgbClr r="0" g="0" b="0"/>
+      </a:fillRef>
+      <a:effectRef idx="0">
+        <a:scrgbClr r="0" g="0" b="0"/>
+      </a:effectRef>
+      <a:fontRef idx="minor">
+        <a:schemeClr val="lt1"/>
+      </a:fontRef>
+    </dgm:style>
+  </dgm:styleLbl>
+  <dgm:styleLbl name="asst3">
+    <dgm:scene3d>
+      <a:camera prst="orthographicFront"/>
+      <a:lightRig rig="threePt" dir="t"/>
+    </dgm:scene3d>
+    <dgm:sp3d/>
+    <dgm:txPr/>
+    <dgm:style>
+      <a:lnRef idx="2">
+        <a:scrgbClr r="0" g="0" b="0"/>
+      </a:lnRef>
+      <a:fillRef idx="1">
+        <a:scrgbClr r="0" g="0" b="0"/>
+      </a:fillRef>
+      <a:effectRef idx="0">
+        <a:scrgbClr r="0" g="0" b="0"/>
+      </a:effectRef>
+      <a:fontRef idx="minor">
+        <a:schemeClr val="lt1"/>
+      </a:fontRef>
+    </dgm:style>
+  </dgm:styleLbl>
+  <dgm:styleLbl name="asst4">
+    <dgm:scene3d>
+      <a:camera prst="orthographicFront"/>
+      <a:lightRig rig="threePt" dir="t"/>
+    </dgm:scene3d>
+    <dgm:sp3d/>
+    <dgm:txPr/>
+    <dgm:style>
+      <a:lnRef idx="2">
+        <a:scrgbClr r="0" g="0" b="0"/>
+      </a:lnRef>
+      <a:fillRef idx="1">
+        <a:scrgbClr r="0" g="0" b="0"/>
+      </a:fillRef>
+      <a:effectRef idx="0">
+        <a:scrgbClr r="0" g="0" b="0"/>
+      </a:effectRef>
+      <a:fontRef idx="minor">
+        <a:schemeClr val="lt1"/>
+      </a:fontRef>
+    </dgm:style>
+  </dgm:styleLbl>
+  <dgm:styleLbl name="parChTrans2D1">
+    <dgm:scene3d>
+      <a:camera prst="orthographicFront"/>
+      <a:lightRig rig="threePt" dir="t"/>
+    </dgm:scene3d>
+    <dgm:sp3d/>
+    <dgm:txPr/>
+    <dgm:style>
+      <a:lnRef idx="2">
+        <a:scrgbClr r="0" g="0" b="0"/>
+      </a:lnRef>
+      <a:fillRef idx="1">
+        <a:scrgbClr r="0" g="0" b="0"/>
+      </a:fillRef>
+      <a:effectRef idx="0">
+        <a:scrgbClr r="0" g="0" b="0"/>
+      </a:effectRef>
+      <a:fontRef idx="minor">
+        <a:schemeClr val="lt1"/>
+      </a:fontRef>
+    </dgm:style>
+  </dgm:styleLbl>
+  <dgm:styleLbl name="parChTrans2D2">
+    <dgm:scene3d>
+      <a:camera prst="orthographicFront"/>
+      <a:lightRig rig="threePt" dir="t"/>
+    </dgm:scene3d>
+    <dgm:sp3d/>
+    <dgm:txPr/>
+    <dgm:style>
+      <a:lnRef idx="2">
+        <a:scrgbClr r="0" g="0" b="0"/>
+      </a:lnRef>
+      <a:fillRef idx="1">
+        <a:scrgbClr r="0" g="0" b="0"/>
+      </a:fillRef>
+      <a:effectRef idx="0">
+        <a:scrgbClr r="0" g="0" b="0"/>
+      </a:effectRef>
+      <a:fontRef idx="minor">
+        <a:schemeClr val="lt1"/>
+      </a:fontRef>
+    </dgm:style>
+  </dgm:styleLbl>
+  <dgm:styleLbl name="parChTrans2D3">
+    <dgm:scene3d>
+      <a:camera prst="orthographicFront"/>
+      <a:lightRig rig="threePt" dir="t"/>
+    </dgm:scene3d>
+    <dgm:sp3d/>
+    <dgm:txPr/>
+    <dgm:style>
+      <a:lnRef idx="2">
+        <a:scrgbClr r="0" g="0" b="0"/>
+      </a:lnRef>
+      <a:fillRef idx="1">
+        <a:scrgbClr r="0" g="0" b="0"/>
+      </a:fillRef>
+      <a:effectRef idx="0">
+        <a:scrgbClr r="0" g="0" b="0"/>
+      </a:effectRef>
+      <a:fontRef idx="minor">
+        <a:schemeClr val="lt1"/>
+      </a:fontRef>
+    </dgm:style>
+  </dgm:styleLbl>
+  <dgm:styleLbl name="parChTrans2D4">
+    <dgm:scene3d>
+      <a:camera prst="orthographicFront"/>
+      <a:lightRig rig="threePt" dir="t"/>
+    </dgm:scene3d>
+    <dgm:sp3d/>
+    <dgm:txPr/>
+    <dgm:style>
+      <a:lnRef idx="2">
+        <a:scrgbClr r="0" g="0" b="0"/>
+      </a:lnRef>
+      <a:fillRef idx="1">
+        <a:scrgbClr r="0" g="0" b="0"/>
+      </a:fillRef>
+      <a:effectRef idx="0">
+        <a:scrgbClr r="0" g="0" b="0"/>
+      </a:effectRef>
+      <a:fontRef idx="minor">
+        <a:schemeClr val="lt1"/>
+      </a:fontRef>
+    </dgm:style>
+  </dgm:styleLbl>
+  <dgm:styleLbl name="parChTrans1D1">
+    <dgm:scene3d>
+      <a:camera prst="orthographicFront"/>
+      <a:lightRig rig="threePt" dir="t"/>
+    </dgm:scene3d>
+    <dgm:sp3d/>
+    <dgm:txPr/>
+    <dgm:style>
+      <a:lnRef idx="2">
+        <a:scrgbClr r="0" g="0" b="0"/>
+      </a:lnRef>
+      <a:fillRef idx="0">
+        <a:scrgbClr r="0" g="0" b="0"/>
+      </a:fillRef>
+      <a:effectRef idx="0">
+        <a:scrgbClr r="0" g="0" b="0"/>
+      </a:effectRef>
+      <a:fontRef idx="minor"/>
+    </dgm:style>
+  </dgm:styleLbl>
+  <dgm:styleLbl name="parChTrans1D2">
+    <dgm:scene3d>
+      <a:camera prst="orthographicFront"/>
+      <a:lightRig rig="threePt" dir="t"/>
+    </dgm:scene3d>
+    <dgm:sp3d/>
+    <dgm:txPr/>
+    <dgm:style>
+      <a:lnRef idx="2">
+        <a:scrgbClr r="0" g="0" b="0"/>
+      </a:lnRef>
+      <a:fillRef idx="0">
+        <a:scrgbClr r="0" g="0" b="0"/>
+      </a:fillRef>
+      <a:effectRef idx="0">
+        <a:scrgbClr r="0" g="0" b="0"/>
+      </a:effectRef>
+      <a:fontRef idx="minor"/>
+    </dgm:style>
+  </dgm:styleLbl>
+  <dgm:styleLbl name="parChTrans1D3">
+    <dgm:scene3d>
+      <a:camera prst="orthographicFront"/>
+      <a:lightRig rig="threePt" dir="t"/>
+    </dgm:scene3d>
+    <dgm:sp3d/>
+    <dgm:txPr/>
+    <dgm:style>
+      <a:lnRef idx="2">
+        <a:scrgbClr r="0" g="0" b="0"/>
+      </a:lnRef>
+      <a:fillRef idx="0">
+        <a:scrgbClr r="0" g="0" b="0"/>
+      </a:fillRef>
+      <a:effectRef idx="0">
+        <a:scrgbClr r="0" g="0" b="0"/>
+      </a:effectRef>
+      <a:fontRef idx="minor"/>
+    </dgm:style>
+  </dgm:styleLbl>
+  <dgm:styleLbl name="parChTrans1D4">
+    <dgm:scene3d>
+      <a:camera prst="orthographicFront"/>
+      <a:lightRig rig="threePt" dir="t"/>
+    </dgm:scene3d>
+    <dgm:sp3d/>
+    <dgm:txPr/>
+    <dgm:style>
+      <a:lnRef idx="2">
+        <a:scrgbClr r="0" g="0" b="0"/>
+      </a:lnRef>
+      <a:fillRef idx="0">
+        <a:scrgbClr r="0" g="0" b="0"/>
+      </a:fillRef>
+      <a:effectRef idx="0">
+        <a:scrgbClr r="0" g="0" b="0"/>
+      </a:effectRef>
+      <a:fontRef idx="minor"/>
+    </dgm:style>
+  </dgm:styleLbl>
+  <dgm:styleLbl name="fgAcc1">
+    <dgm:scene3d>
+      <a:camera prst="orthographicFront"/>
+      <a:lightRig rig="threePt" dir="t"/>
+    </dgm:scene3d>
+    <dgm:sp3d/>
+    <dgm:txPr/>
+    <dgm:style>
+      <a:lnRef idx="2">
+        <a:scrgbClr r="0" g="0" b="0"/>
+      </a:lnRef>
+      <a:fillRef idx="1">
+        <a:scrgbClr r="0" g="0" b="0"/>
+      </a:fillRef>
+      <a:effectRef idx="0">
+        <a:scrgbClr r="0" g="0" b="0"/>
+      </a:effectRef>
+      <a:fontRef idx="minor"/>
+    </dgm:style>
+  </dgm:styleLbl>
+  <dgm:styleLbl name="conFgAcc1">
+    <dgm:scene3d>
+      <a:camera prst="orthographicFront"/>
+      <a:lightRig rig="threePt" dir="t"/>
+    </dgm:scene3d>
+    <dgm:sp3d/>
+    <dgm:txPr/>
+    <dgm:style>
+      <a:lnRef idx="2">
+        <a:scrgbClr r="0" g="0" b="0"/>
+      </a:lnRef>
+      <a:fillRef idx="1">
+        <a:scrgbClr r="0" g="0" b="0"/>
+      </a:fillRef>
+      <a:effectRef idx="0">
+        <a:scrgbClr r="0" g="0" b="0"/>
+      </a:effectRef>
+      <a:fontRef idx="minor"/>
+    </dgm:style>
+  </dgm:styleLbl>
+  <dgm:styleLbl name="alignAcc1">
+    <dgm:scene3d>
+      <a:camera prst="orthographicFront"/>
+      <a:lightRig rig="threePt" dir="t"/>
+    </dgm:scene3d>
+    <dgm:sp3d/>
+    <dgm:txPr/>
+    <dgm:style>
+      <a:lnRef idx="2">
+        <a:scrgbClr r="0" g="0" b="0"/>
+      </a:lnRef>
+      <a:fillRef idx="1">
+        <a:scrgbClr r="0" g="0" b="0"/>
+      </a:fillRef>
+      <a:effectRef idx="0">
+        <a:scrgbClr r="0" g="0" b="0"/>
+      </a:effectRef>
+      <a:fontRef idx="minor"/>
+    </dgm:style>
+  </dgm:styleLbl>
+  <dgm:styleLbl name="trAlignAcc1">
+    <dgm:scene3d>
+      <a:camera prst="orthographicFront"/>
+      <a:lightRig rig="threePt" dir="t"/>
+    </dgm:scene3d>
+    <dgm:sp3d/>
+    <dgm:txPr/>
+    <dgm:style>
+      <a:lnRef idx="1">
+        <a:scrgbClr r="0" g="0" b="0"/>
+      </a:lnRef>
+      <a:fillRef idx="1">
+        <a:scrgbClr r="0" g="0" b="0"/>
+      </a:fillRef>
+      <a:effectRef idx="0">
+        <a:scrgbClr r="0" g="0" b="0"/>
+      </a:effectRef>
+      <a:fontRef idx="minor"/>
+    </dgm:style>
+  </dgm:styleLbl>
+  <dgm:styleLbl name="bgAcc1">
+    <dgm:scene3d>
+      <a:camera prst="orthographicFront"/>
+      <a:lightRig rig="threePt" dir="t"/>
+    </dgm:scene3d>
+    <dgm:sp3d/>
+    <dgm:txPr/>
+    <dgm:style>
+      <a:lnRef idx="2">
+        <a:scrgbClr r="0" g="0" b="0"/>
+      </a:lnRef>
+      <a:fillRef idx="1">
+        <a:scrgbClr r="0" g="0" b="0"/>
+      </a:fillRef>
+      <a:effectRef idx="0">
+        <a:scrgbClr r="0" g="0" b="0"/>
+      </a:effectRef>
+      <a:fontRef idx="minor"/>
+    </dgm:style>
+  </dgm:styleLbl>
+  <dgm:styleLbl name="solidFgAcc1">
+    <dgm:scene3d>
+      <a:camera prst="orthographicFront"/>
+      <a:lightRig rig="threePt" dir="t"/>
+    </dgm:scene3d>
+    <dgm:sp3d/>
+    <dgm:txPr/>
+    <dgm:style>
+      <a:lnRef idx="2">
+        <a:scrgbClr r="0" g="0" b="0"/>
+      </a:lnRef>
+      <a:fillRef idx="1">
+        <a:scrgbClr r="0" g="0" b="0"/>
+      </a:fillRef>
+      <a:effectRef idx="0">
+        <a:scrgbClr r="0" g="0" b="0"/>
+      </a:effectRef>
+      <a:fontRef idx="minor"/>
+    </dgm:style>
+  </dgm:styleLbl>
+  <dgm:styleLbl name="solidAlignAcc1">
+    <dgm:scene3d>
+      <a:camera prst="orthographicFront"/>
+      <a:lightRig rig="threePt" dir="t"/>
+    </dgm:scene3d>
+    <dgm:sp3d/>
+    <dgm:txPr/>
+    <dgm:style>
+      <a:lnRef idx="2">
+        <a:scrgbClr r="0" g="0" b="0"/>
+      </a:lnRef>
+      <a:fillRef idx="1">
+        <a:scrgbClr r="0" g="0" b="0"/>
+      </a:fillRef>
+      <a:effectRef idx="0">
+        <a:scrgbClr r="0" g="0" b="0"/>
+      </a:effectRef>
+      <a:fontRef idx="minor"/>
+    </dgm:style>
+  </dgm:styleLbl>
+  <dgm:styleLbl name="solidBgAcc1">
+    <dgm:scene3d>
+      <a:camera prst="orthographicFront"/>
+      <a:lightRig rig="threePt" dir="t"/>
+    </dgm:scene3d>
+    <dgm:sp3d/>
+    <dgm:txPr/>
+    <dgm:style>
+      <a:lnRef idx="2">
+        <a:scrgbClr r="0" g="0" b="0"/>
+      </a:lnRef>
+      <a:fillRef idx="1">
+        <a:scrgbClr r="0" g="0" b="0"/>
+      </a:fillRef>
+      <a:effectRef idx="0">
+        <a:scrgbClr r="0" g="0" b="0"/>
+      </a:effectRef>
+      <a:fontRef idx="minor"/>
+    </dgm:style>
+  </dgm:styleLbl>
+  <dgm:styleLbl name="fgAccFollowNode1">
+    <dgm:scene3d>
+      <a:camera prst="orthographicFront"/>
+      <a:lightRig rig="threePt" dir="t"/>
+    </dgm:scene3d>
+    <dgm:sp3d/>
+    <dgm:txPr/>
+    <dgm:style>
+      <a:lnRef idx="2">
+        <a:scrgbClr r="0" g="0" b="0"/>
+      </a:lnRef>
+      <a:fillRef idx="1">
+        <a:scrgbClr r="0" g="0" b="0"/>
+      </a:fillRef>
+      <a:effectRef idx="0">
+        <a:scrgbClr r="0" g="0" b="0"/>
+      </a:effectRef>
+      <a:fontRef idx="minor"/>
+    </dgm:style>
+  </dgm:styleLbl>
+  <dgm:styleLbl name="alignAccFollowNode1">
+    <dgm:scene3d>
+      <a:camera prst="orthographicFront"/>
+      <a:lightRig rig="threePt" dir="t"/>
+    </dgm:scene3d>
+    <dgm:sp3d/>
+    <dgm:txPr/>
+    <dgm:style>
+      <a:lnRef idx="2">
+        <a:scrgbClr r="0" g="0" b="0"/>
+      </a:lnRef>
+      <a:fillRef idx="1">
+        <a:scrgbClr r="0" g="0" b="0"/>
+      </a:fillRef>
+      <a:effectRef idx="0">
+        <a:scrgbClr r="0" g="0" b="0"/>
+      </a:effectRef>
+      <a:fontRef idx="minor"/>
+    </dgm:style>
+  </dgm:styleLbl>
+  <dgm:styleLbl name="bgAccFollowNode1">
+    <dgm:scene3d>
+      <a:camera prst="orthographicFront"/>
+      <a:lightRig rig="threePt" dir="t"/>
+    </dgm:scene3d>
+    <dgm:sp3d/>
+    <dgm:txPr/>
+    <dgm:style>
+      <a:lnRef idx="2">
+        <a:scrgbClr r="0" g="0" b="0"/>
+      </a:lnRef>
+      <a:fillRef idx="1">
+        <a:scrgbClr r="0" g="0" b="0"/>
+      </a:fillRef>
+      <a:effectRef idx="0">
+        <a:scrgbClr r="0" g="0" b="0"/>
+      </a:effectRef>
+      <a:fontRef idx="minor"/>
+    </dgm:style>
+  </dgm:styleLbl>
+  <dgm:styleLbl name="fgAcc0">
+    <dgm:scene3d>
+      <a:camera prst="orthographicFront"/>
+      <a:lightRig rig="threePt" dir="t"/>
+    </dgm:scene3d>
+    <dgm:sp3d/>
+    <dgm:txPr/>
+    <dgm:style>
+      <a:lnRef idx="2">
+        <a:scrgbClr r="0" g="0" b="0"/>
+      </a:lnRef>
+      <a:fillRef idx="1">
+        <a:scrgbClr r="0" g="0" b="0"/>
+      </a:fillRef>
+      <a:effectRef idx="0">
+        <a:scrgbClr r="0" g="0" b="0"/>
+      </a:effectRef>
+      <a:fontRef idx="minor"/>
+    </dgm:style>
+  </dgm:styleLbl>
+  <dgm:styleLbl name="fgAcc2">
+    <dgm:scene3d>
+      <a:camera prst="orthographicFront"/>
+      <a:lightRig rig="threePt" dir="t"/>
+    </dgm:scene3d>
+    <dgm:sp3d/>
+    <dgm:txPr/>
+    <dgm:style>
+      <a:lnRef idx="2">
+        <a:scrgbClr r="0" g="0" b="0"/>
+      </a:lnRef>
+      <a:fillRef idx="1">
+        <a:scrgbClr r="0" g="0" b="0"/>
+      </a:fillRef>
+      <a:effectRef idx="0">
+        <a:scrgbClr r="0" g="0" b="0"/>
+      </a:effectRef>
+      <a:fontRef idx="minor"/>
+    </dgm:style>
+  </dgm:styleLbl>
+  <dgm:styleLbl name="fgAcc3">
+    <dgm:scene3d>
+      <a:camera prst="orthographicFront"/>
+      <a:lightRig rig="threePt" dir="t"/>
+    </dgm:scene3d>
+    <dgm:sp3d/>
+    <dgm:txPr/>
+    <dgm:style>
+      <a:lnRef idx="2">
+        <a:scrgbClr r="0" g="0" b="0"/>
+      </a:lnRef>
+      <a:fillRef idx="1">
+        <a:scrgbClr r="0" g="0" b="0"/>
+      </a:fillRef>
+      <a:effectRef idx="0">
+        <a:scrgbClr r="0" g="0" b="0"/>
+      </a:effectRef>
+      <a:fontRef idx="minor"/>
+    </dgm:style>
+  </dgm:styleLbl>
+  <dgm:styleLbl name="fgAcc4">
+    <dgm:scene3d>
+      <a:camera prst="orthographicFront"/>
+      <a:lightRig rig="threePt" dir="t"/>
+    </dgm:scene3d>
+    <dgm:sp3d/>
+    <dgm:txPr/>
+    <dgm:style>
+      <a:lnRef idx="2">
+        <a:scrgbClr r="0" g="0" b="0"/>
+      </a:lnRef>
+      <a:fillRef idx="1">
+        <a:scrgbClr r="0" g="0" b="0"/>
+      </a:fillRef>
+      <a:effectRef idx="0">
+        <a:scrgbClr r="0" g="0" b="0"/>
+      </a:effectRef>
+      <a:fontRef idx="minor"/>
+    </dgm:style>
+  </dgm:styleLbl>
+  <dgm:styleLbl name="bgShp">
+    <dgm:scene3d>
+      <a:camera prst="orthographicFront"/>
+      <a:lightRig rig="threePt" dir="t"/>
+    </dgm:scene3d>
+    <dgm:sp3d/>
+    <dgm:txPr/>
+    <dgm:style>
+      <a:lnRef idx="0">
+        <a:scrgbClr r="0" g="0" b="0"/>
+      </a:lnRef>
+      <a:fillRef idx="1">
+        <a:scrgbClr r="0" g="0" b="0"/>
+      </a:fillRef>
+      <a:effectRef idx="0">
+        <a:scrgbClr r="0" g="0" b="0"/>
+      </a:effectRef>
+      <a:fontRef idx="minor"/>
+    </dgm:style>
+  </dgm:styleLbl>
+  <dgm:styleLbl name="dkBgShp">
+    <dgm:scene3d>
+      <a:camera prst="orthographicFront"/>
+      <a:lightRig rig="threePt" dir="t"/>
+    </dgm:scene3d>
+    <dgm:sp3d/>
+    <dgm:txPr/>
+    <dgm:style>
+      <a:lnRef idx="0">
+        <a:scrgbClr r="0" g="0" b="0"/>
+      </a:lnRef>
+      <a:fillRef idx="1">
+        <a:scrgbClr r="0" g="0" b="0"/>
+      </a:fillRef>
+      <a:effectRef idx="0">
+        <a:scrgbClr r="0" g="0" b="0"/>
+      </a:effectRef>
+      <a:fontRef idx="minor"/>
+    </dgm:style>
+  </dgm:styleLbl>
+  <dgm:styleLbl name="trBgShp">
+    <dgm:scene3d>
+      <a:camera prst="orthographicFront"/>
+      <a:lightRig rig="threePt" dir="t"/>
+    </dgm:scene3d>
+    <dgm:sp3d/>
+    <dgm:txPr/>
+    <dgm:style>
+      <a:lnRef idx="0">
+        <a:scrgbClr r="0" g="0" b="0"/>
+      </a:lnRef>
+      <a:fillRef idx="1">
+        <a:scrgbClr r="0" g="0" b="0"/>
+      </a:fillRef>
+      <a:effectRef idx="0">
+        <a:scrgbClr r="0" g="0" b="0"/>
+      </a:effectRef>
+      <a:fontRef idx="minor"/>
+    </dgm:style>
+  </dgm:styleLbl>
+  <dgm:styleLbl name="fgShp">
+    <dgm:scene3d>
+      <a:camera prst="orthographicFront"/>
+      <a:lightRig rig="threePt" dir="t"/>
+    </dgm:scene3d>
+    <dgm:sp3d/>
+    <dgm:txPr/>
+    <dgm:style>
+      <a:lnRef idx="2">
+        <a:scrgbClr r="0" g="0" b="0"/>
+      </a:lnRef>
+      <a:fillRef idx="1">
+        <a:scrgbClr r="0" g="0" b="0"/>
+      </a:fillRef>
+      <a:effectRef idx="0">
+        <a:scrgbClr r="0" g="0" b="0"/>
+      </a:effectRef>
+      <a:fontRef idx="minor"/>
+    </dgm:style>
+  </dgm:styleLbl>
+  <dgm:styleLbl name="revTx">
+    <dgm:scene3d>
+      <a:camera prst="orthographicFront"/>
+      <a:lightRig rig="threePt" dir="t"/>
+    </dgm:scene3d>
+    <dgm:sp3d/>
+    <dgm:txPr/>
+    <dgm:style>
+      <a:lnRef idx="0">
+        <a:scrgbClr r="0" g="0" b="0"/>
+      </a:lnRef>
+      <a:fillRef idx="0">
+        <a:scrgbClr r="0" g="0" b="0"/>
+      </a:fillRef>
+      <a:effectRef idx="0">
+        <a:scrgbClr r="0" g="0" b="0"/>
+      </a:effectRef>
+      <a:fontRef idx="minor"/>
+    </dgm:style>
+  </dgm:styleLbl>
+</dgm:styleDef>
 </file>
 
 <file path=ppt/notesMasters/notesMaster1.xml><?xml version="1.0" encoding="utf-8"?>
@@ -391,7 +7239,7 @@
     </p:spTree>
     <p:extLst>
       <p:ext uri="{BB962C8B-B14F-4D97-AF65-F5344CB8AC3E}">
-        <p14:creationId xmlns="" xmlns:p14="http://schemas.microsoft.com/office/powerpoint/2010/main" val="2065034180"/>
+        <p14:creationId xmlns:p14="http://schemas.microsoft.com/office/powerpoint/2010/main" xmlns="" val="2065034180"/>
       </p:ext>
     </p:extLst>
   </p:cSld>
@@ -566,7 +7414,7 @@
     </p:spTree>
     <p:extLst>
       <p:ext uri="{BB962C8B-B14F-4D97-AF65-F5344CB8AC3E}">
-        <p14:creationId xmlns="" xmlns:p14="http://schemas.microsoft.com/office/powerpoint/2010/main" val="4027152195"/>
+        <p14:creationId xmlns:p14="http://schemas.microsoft.com/office/powerpoint/2010/main" xmlns="" val="4027152195"/>
       </p:ext>
     </p:extLst>
   </p:cSld>
@@ -668,7 +7516,7 @@
     </p:spTree>
     <p:extLst>
       <p:ext uri="{BB962C8B-B14F-4D97-AF65-F5344CB8AC3E}">
-        <p14:creationId xmlns="" xmlns:p14="http://schemas.microsoft.com/office/powerpoint/2010/main" val="3846376811"/>
+        <p14:creationId xmlns:p14="http://schemas.microsoft.com/office/powerpoint/2010/main" xmlns="" val="3846376811"/>
       </p:ext>
     </p:extLst>
   </p:cSld>
@@ -746,7 +7594,7 @@
             <a:fld id="{CF0F33D9-9668-411F-B72E-E0644CC82AA0}" type="slidenum">
               <a:rPr lang="de-DE" smtClean="0"/>
               <a:pPr/>
-              <a:t>3</a:t>
+              <a:t>4</a:t>
             </a:fld>
             <a:endParaRPr lang="de-DE"/>
           </a:p>
@@ -5299,7 +12147,7 @@
     </p:spTree>
     <p:extLst>
       <p:ext uri="{BB962C8B-B14F-4D97-AF65-F5344CB8AC3E}">
-        <p14:creationId xmlns="" xmlns:p14="http://schemas.microsoft.com/office/powerpoint/2010/main" val="25692125"/>
+        <p14:creationId xmlns:p14="http://schemas.microsoft.com/office/powerpoint/2010/main" xmlns="" val="25692125"/>
       </p:ext>
     </p:extLst>
   </p:cSld>
@@ -5531,7 +12379,7 @@
     </p:spTree>
     <p:extLst>
       <p:ext uri="{BB962C8B-B14F-4D97-AF65-F5344CB8AC3E}">
-        <p14:creationId xmlns="" xmlns:p14="http://schemas.microsoft.com/office/powerpoint/2010/main" val="1839328336"/>
+        <p14:creationId xmlns:p14="http://schemas.microsoft.com/office/powerpoint/2010/main" xmlns="" val="1839328336"/>
       </p:ext>
     </p:extLst>
   </p:cSld>
@@ -5549,6 +12397,86 @@
 </file>
 
 <file path=ppt/slides/slide3.xml><?xml version="1.0" encoding="utf-8"?>
+<p:sld xmlns:a="http://schemas.openxmlformats.org/drawingml/2006/main" xmlns:r="http://schemas.openxmlformats.org/officeDocument/2006/relationships" xmlns:p="http://schemas.openxmlformats.org/presentationml/2006/main">
+  <p:cSld>
+    <p:spTree>
+      <p:nvGrpSpPr>
+        <p:cNvPr id="1" name=""/>
+        <p:cNvGrpSpPr/>
+        <p:nvPr/>
+      </p:nvGrpSpPr>
+      <p:grpSpPr>
+        <a:xfrm>
+          <a:off x="0" y="0"/>
+          <a:ext cx="0" cy="0"/>
+          <a:chOff x="0" y="0"/>
+          <a:chExt cx="0" cy="0"/>
+        </a:xfrm>
+      </p:grpSpPr>
+      <p:sp>
+        <p:nvSpPr>
+          <p:cNvPr id="3" name="Text Placeholder 2"/>
+          <p:cNvSpPr>
+            <a:spLocks noGrp="1"/>
+          </p:cNvSpPr>
+          <p:nvPr>
+            <p:ph type="body" sz="quarter" idx="10"/>
+          </p:nvPr>
+        </p:nvSpPr>
+        <p:spPr/>
+        <p:txBody>
+          <a:bodyPr/>
+          <a:lstStyle/>
+          <a:p>
+            <a:r>
+              <a:rPr lang="en-US" dirty="0" smtClean="0"/>
+              <a:t>Welcome to NTT Data</a:t>
+            </a:r>
+            <a:endParaRPr lang="en-US" dirty="0"/>
+          </a:p>
+        </p:txBody>
+      </p:sp>
+      <p:pic>
+        <p:nvPicPr>
+          <p:cNvPr id="19459" name="Picture 3"/>
+          <p:cNvPicPr>
+            <a:picLocks noChangeAspect="1" noChangeArrowheads="1"/>
+          </p:cNvPicPr>
+          <p:nvPr/>
+        </p:nvPicPr>
+        <p:blipFill>
+          <a:blip r:embed="rId2" cstate="print"/>
+          <a:srcRect/>
+          <a:stretch>
+            <a:fillRect/>
+          </a:stretch>
+        </p:blipFill>
+        <p:spPr bwMode="auto">
+          <a:xfrm>
+            <a:off x="1714480" y="1785926"/>
+            <a:ext cx="5124450" cy="3267075"/>
+          </a:xfrm>
+          <a:prstGeom prst="rect">
+            <a:avLst/>
+          </a:prstGeom>
+          <a:noFill/>
+          <a:ln w="9525">
+            <a:noFill/>
+            <a:miter lim="800000"/>
+            <a:headEnd/>
+            <a:tailEnd/>
+          </a:ln>
+        </p:spPr>
+      </p:pic>
+    </p:spTree>
+  </p:cSld>
+  <p:clrMapOvr>
+    <a:masterClrMapping/>
+  </p:clrMapOvr>
+</p:sld>
+</file>
+
+<file path=ppt/slides/slide4.xml><?xml version="1.0" encoding="utf-8"?>
 <p:sld xmlns:a="http://schemas.openxmlformats.org/drawingml/2006/main" xmlns:r="http://schemas.openxmlformats.org/officeDocument/2006/relationships" xmlns:p="http://schemas.openxmlformats.org/presentationml/2006/main">
   <p:cSld>
     <p:spTree>
@@ -6461,7 +13389,6 @@
               <a:rPr lang="en-US" sz="2400" dirty="0" smtClean="0"/>
               <a:t>Project Scope</a:t>
             </a:r>
-            <a:endParaRPr lang="en-US" sz="2400" dirty="0" smtClean="0"/>
           </a:p>
           <a:p>
             <a:pPr marL="342900" indent="-342900">
@@ -6481,9 +13408,8 @@
             </a:pPr>
             <a:r>
               <a:rPr lang="en-US" sz="2400" dirty="0" smtClean="0"/>
-              <a:t>First Steps</a:t>
+              <a:t>Daily Sync.</a:t>
             </a:r>
-            <a:endParaRPr lang="en-US" sz="2400" dirty="0" smtClean="0"/>
           </a:p>
           <a:p>
             <a:pPr marL="342900" indent="-342900">
@@ -6492,18 +13418,7 @@
             </a:pPr>
             <a:r>
               <a:rPr lang="en-US" sz="2400" dirty="0" smtClean="0"/>
-              <a:t>Daily Sync.</a:t>
-            </a:r>
-            <a:endParaRPr lang="en-US" sz="2400" dirty="0" smtClean="0"/>
-          </a:p>
-          <a:p>
-            <a:pPr marL="342900" indent="-342900">
-              <a:buFont typeface="+mj-lt"/>
-              <a:buAutoNum type="arabicParenR"/>
-            </a:pPr>
-            <a:r>
-              <a:rPr lang="en-US" sz="2400" smtClean="0"/>
-              <a:t>etc</a:t>
+              <a:t>Schedule</a:t>
             </a:r>
             <a:endParaRPr lang="en-US" sz="2400" dirty="0" smtClean="0"/>
           </a:p>
@@ -6526,7 +13441,7 @@
     </p:spTree>
     <p:extLst>
       <p:ext uri="{BB962C8B-B14F-4D97-AF65-F5344CB8AC3E}">
-        <p14:creationId xmlns="" xmlns:p14="http://schemas.microsoft.com/office/powerpoint/2010/main" val="2588232481"/>
+        <p14:creationId xmlns:p14="http://schemas.microsoft.com/office/powerpoint/2010/main" xmlns="" val="2588232481"/>
       </p:ext>
     </p:extLst>
   </p:cSld>
@@ -6543,7 +13458,885 @@
 </p:sld>
 </file>
 
-<file path=ppt/slides/slide4.xml><?xml version="1.0" encoding="utf-8"?>
+<file path=ppt/slides/slide5.xml><?xml version="1.0" encoding="utf-8"?>
+<p:sld xmlns:a="http://schemas.openxmlformats.org/drawingml/2006/main" xmlns:r="http://schemas.openxmlformats.org/officeDocument/2006/relationships" xmlns:p="http://schemas.openxmlformats.org/presentationml/2006/main">
+  <p:cSld>
+    <p:spTree>
+      <p:nvGrpSpPr>
+        <p:cNvPr id="1" name=""/>
+        <p:cNvGrpSpPr/>
+        <p:nvPr/>
+      </p:nvGrpSpPr>
+      <p:grpSpPr>
+        <a:xfrm>
+          <a:off x="0" y="0"/>
+          <a:ext cx="0" cy="0"/>
+          <a:chOff x="0" y="0"/>
+          <a:chExt cx="0" cy="0"/>
+        </a:xfrm>
+      </p:grpSpPr>
+      <p:sp>
+        <p:nvSpPr>
+          <p:cNvPr id="3" name="Text Placeholder 2"/>
+          <p:cNvSpPr>
+            <a:spLocks noGrp="1"/>
+          </p:cNvSpPr>
+          <p:nvPr>
+            <p:ph type="body" sz="quarter" idx="10"/>
+          </p:nvPr>
+        </p:nvSpPr>
+        <p:spPr/>
+        <p:txBody>
+          <a:bodyPr/>
+          <a:lstStyle/>
+          <a:p>
+            <a:r>
+              <a:rPr lang="en-US" dirty="0" smtClean="0"/>
+              <a:t>Project Scope</a:t>
+            </a:r>
+            <a:endParaRPr lang="en-US" dirty="0"/>
+          </a:p>
+        </p:txBody>
+      </p:sp>
+      <p:sp>
+        <p:nvSpPr>
+          <p:cNvPr id="1026" name="Rectangle 2"/>
+          <p:cNvSpPr>
+            <a:spLocks noChangeArrowheads="1"/>
+          </p:cNvSpPr>
+          <p:nvPr/>
+        </p:nvSpPr>
+        <p:spPr bwMode="auto">
+          <a:xfrm>
+            <a:off x="0" y="714356"/>
+            <a:ext cx="9144000" cy="457200"/>
+          </a:xfrm>
+          <a:prstGeom prst="rect">
+            <a:avLst/>
+          </a:prstGeom>
+          <a:noFill/>
+          <a:ln w="9525">
+            <a:noFill/>
+            <a:miter lim="800000"/>
+            <a:headEnd/>
+            <a:tailEnd/>
+          </a:ln>
+          <a:effectLst/>
+        </p:spPr>
+        <p:txBody>
+          <a:bodyPr vert="horz" wrap="none" lIns="91440" tIns="45720" rIns="91440" bIns="45720" numCol="1" anchor="ctr" anchorCtr="0" compatLnSpc="1">
+            <a:prstTxWarp prst="textNoShape">
+              <a:avLst/>
+            </a:prstTxWarp>
+            <a:spAutoFit/>
+          </a:bodyPr>
+          <a:lstStyle/>
+          <a:p>
+            <a:pPr marL="0" marR="0" lvl="0" indent="0" algn="ctr" defTabSz="914400" rtl="0" eaLnBrk="1" fontAlgn="base" latinLnBrk="0" hangingPunct="1">
+              <a:lnSpc>
+                <a:spcPct val="100000"/>
+              </a:lnSpc>
+              <a:spcBef>
+                <a:spcPct val="0"/>
+              </a:spcBef>
+              <a:spcAft>
+                <a:spcPct val="0"/>
+              </a:spcAft>
+              <a:buClrTx/>
+              <a:buSzTx/>
+              <a:buFontTx/>
+              <a:buNone/>
+              <a:tabLst/>
+            </a:pPr>
+            <a:r>
+              <a:rPr kumimoji="0" lang="en-GB" sz="1400" b="1" i="0" u="none" strike="noStrike" cap="none" normalizeH="0" baseline="0" dirty="0" smtClean="0">
+                <a:ln>
+                  <a:noFill/>
+                </a:ln>
+                <a:solidFill>
+                  <a:schemeClr val="tx1"/>
+                </a:solidFill>
+                <a:effectLst/>
+                <a:latin typeface="Arial" pitchFamily="34" charset="0"/>
+                <a:ea typeface="MS Mincho" pitchFamily="49" charset="-128"/>
+                <a:cs typeface="Arial" pitchFamily="34" charset="0"/>
+              </a:rPr>
+              <a:t>R.A.D.U. - Requirements And Design Utility</a:t>
+            </a:r>
+            <a:endParaRPr kumimoji="0" lang="en-GB" sz="1800" b="0" i="0" u="none" strike="noStrike" cap="none" normalizeH="0" baseline="0" dirty="0" smtClean="0">
+              <a:ln>
+                <a:noFill/>
+              </a:ln>
+              <a:solidFill>
+                <a:schemeClr val="tx1"/>
+              </a:solidFill>
+              <a:effectLst/>
+              <a:latin typeface="Arial" pitchFamily="34" charset="0"/>
+              <a:cs typeface="Arial" pitchFamily="34" charset="0"/>
+            </a:endParaRPr>
+          </a:p>
+        </p:txBody>
+      </p:sp>
+      <p:graphicFrame>
+        <p:nvGraphicFramePr>
+          <p:cNvPr id="12" name="Diagram 11"/>
+          <p:cNvGraphicFramePr/>
+          <p:nvPr/>
+        </p:nvGraphicFramePr>
+        <p:xfrm>
+          <a:off x="-1285916" y="1142984"/>
+          <a:ext cx="8501122" cy="5429288"/>
+        </p:xfrm>
+        <a:graphic>
+          <a:graphicData uri="http://schemas.openxmlformats.org/drawingml/2006/diagram">
+            <dgm:relIds xmlns:dgm="http://schemas.openxmlformats.org/drawingml/2006/diagram" xmlns:r="http://schemas.openxmlformats.org/officeDocument/2006/relationships" r:dm="rId2" r:lo="rId3" r:qs="rId4" r:cs="rId5"/>
+          </a:graphicData>
+        </a:graphic>
+      </p:graphicFrame>
+    </p:spTree>
+  </p:cSld>
+  <p:clrMapOvr>
+    <a:masterClrMapping/>
+  </p:clrMapOvr>
+  <p:timing>
+    <p:tnLst>
+      <p:par>
+        <p:cTn id="1" dur="indefinite" restart="never" nodeType="tmRoot"/>
+      </p:par>
+    </p:tnLst>
+  </p:timing>
+</p:sld>
+</file>
+
+<file path=ppt/slides/slide6.xml><?xml version="1.0" encoding="utf-8"?>
+<p:sld xmlns:a="http://schemas.openxmlformats.org/drawingml/2006/main" xmlns:r="http://schemas.openxmlformats.org/officeDocument/2006/relationships" xmlns:p="http://schemas.openxmlformats.org/presentationml/2006/main">
+  <p:cSld>
+    <p:spTree>
+      <p:nvGrpSpPr>
+        <p:cNvPr id="1" name=""/>
+        <p:cNvGrpSpPr/>
+        <p:nvPr/>
+      </p:nvGrpSpPr>
+      <p:grpSpPr>
+        <a:xfrm>
+          <a:off x="0" y="0"/>
+          <a:ext cx="0" cy="0"/>
+          <a:chOff x="0" y="0"/>
+          <a:chExt cx="0" cy="0"/>
+        </a:xfrm>
+      </p:grpSpPr>
+      <p:sp>
+        <p:nvSpPr>
+          <p:cNvPr id="3" name="Text Placeholder 2"/>
+          <p:cNvSpPr>
+            <a:spLocks noGrp="1"/>
+          </p:cNvSpPr>
+          <p:nvPr>
+            <p:ph type="body" sz="quarter" idx="10"/>
+          </p:nvPr>
+        </p:nvSpPr>
+        <p:spPr/>
+        <p:txBody>
+          <a:bodyPr/>
+          <a:lstStyle/>
+          <a:p>
+            <a:r>
+              <a:rPr lang="en-US" dirty="0" smtClean="0"/>
+              <a:t>Agenda</a:t>
+            </a:r>
+            <a:endParaRPr lang="en-US" dirty="0"/>
+          </a:p>
+        </p:txBody>
+      </p:sp>
+      <p:graphicFrame>
+        <p:nvGraphicFramePr>
+          <p:cNvPr id="7" name="Diagram 6"/>
+          <p:cNvGraphicFramePr/>
+          <p:nvPr/>
+        </p:nvGraphicFramePr>
+        <p:xfrm>
+          <a:off x="571472" y="1857364"/>
+          <a:ext cx="7715304" cy="2928958"/>
+        </p:xfrm>
+        <a:graphic>
+          <a:graphicData uri="http://schemas.openxmlformats.org/drawingml/2006/diagram">
+            <dgm:relIds xmlns:dgm="http://schemas.openxmlformats.org/drawingml/2006/diagram" xmlns:r="http://schemas.openxmlformats.org/officeDocument/2006/relationships" r:dm="rId2" r:lo="rId3" r:qs="rId4" r:cs="rId5"/>
+          </a:graphicData>
+        </a:graphic>
+      </p:graphicFrame>
+    </p:spTree>
+  </p:cSld>
+  <p:clrMapOvr>
+    <a:masterClrMapping/>
+  </p:clrMapOvr>
+  <p:timing>
+    <p:tnLst>
+      <p:par>
+        <p:cTn id="1" dur="indefinite" restart="never" nodeType="tmRoot"/>
+      </p:par>
+    </p:tnLst>
+  </p:timing>
+</p:sld>
+</file>
+
+<file path=ppt/slides/slide7.xml><?xml version="1.0" encoding="utf-8"?>
+<p:sld xmlns:a="http://schemas.openxmlformats.org/drawingml/2006/main" xmlns:r="http://schemas.openxmlformats.org/officeDocument/2006/relationships" xmlns:p="http://schemas.openxmlformats.org/presentationml/2006/main">
+  <p:cSld>
+    <p:spTree>
+      <p:nvGrpSpPr>
+        <p:cNvPr id="1" name=""/>
+        <p:cNvGrpSpPr/>
+        <p:nvPr/>
+      </p:nvGrpSpPr>
+      <p:grpSpPr>
+        <a:xfrm>
+          <a:off x="0" y="0"/>
+          <a:ext cx="0" cy="0"/>
+          <a:chOff x="0" y="0"/>
+          <a:chExt cx="0" cy="0"/>
+        </a:xfrm>
+      </p:grpSpPr>
+      <p:sp>
+        <p:nvSpPr>
+          <p:cNvPr id="3" name="Text Placeholder 2"/>
+          <p:cNvSpPr>
+            <a:spLocks noGrp="1"/>
+          </p:cNvSpPr>
+          <p:nvPr>
+            <p:ph type="body" sz="quarter" idx="10"/>
+          </p:nvPr>
+        </p:nvSpPr>
+        <p:spPr/>
+        <p:txBody>
+          <a:bodyPr/>
+          <a:lstStyle/>
+          <a:p>
+            <a:r>
+              <a:rPr lang="en-US" dirty="0" smtClean="0"/>
+              <a:t>Daily Sync</a:t>
+            </a:r>
+            <a:endParaRPr lang="en-US" dirty="0"/>
+          </a:p>
+        </p:txBody>
+      </p:sp>
+      <p:pic>
+        <p:nvPicPr>
+          <p:cNvPr id="17410" name="Picture 2"/>
+          <p:cNvPicPr>
+            <a:picLocks noChangeAspect="1" noChangeArrowheads="1"/>
+          </p:cNvPicPr>
+          <p:nvPr/>
+        </p:nvPicPr>
+        <p:blipFill>
+          <a:blip r:embed="rId2" cstate="print"/>
+          <a:srcRect/>
+          <a:stretch>
+            <a:fillRect/>
+          </a:stretch>
+        </p:blipFill>
+        <p:spPr bwMode="auto">
+          <a:xfrm>
+            <a:off x="4763100" y="1714488"/>
+            <a:ext cx="4145636" cy="2786082"/>
+          </a:xfrm>
+          <a:prstGeom prst="rect">
+            <a:avLst/>
+          </a:prstGeom>
+          <a:noFill/>
+          <a:ln w="9525">
+            <a:noFill/>
+            <a:miter lim="800000"/>
+            <a:headEnd/>
+            <a:tailEnd/>
+          </a:ln>
+        </p:spPr>
+      </p:pic>
+      <p:sp>
+        <p:nvSpPr>
+          <p:cNvPr id="6" name="Rectangle 5"/>
+          <p:cNvSpPr/>
+          <p:nvPr/>
+        </p:nvSpPr>
+        <p:spPr>
+          <a:xfrm>
+            <a:off x="264635" y="2428868"/>
+            <a:ext cx="3536096" cy="646331"/>
+          </a:xfrm>
+          <a:prstGeom prst="rect">
+            <a:avLst/>
+          </a:prstGeom>
+        </p:spPr>
+        <p:txBody>
+          <a:bodyPr wrap="none">
+            <a:spAutoFit/>
+          </a:bodyPr>
+          <a:lstStyle/>
+          <a:p>
+            <a:r>
+              <a:rPr lang="en-US" b="1" dirty="0" smtClean="0"/>
+              <a:t>Participants:</a:t>
+            </a:r>
+          </a:p>
+          <a:p>
+            <a:r>
+              <a:rPr lang="en-US" dirty="0" smtClean="0"/>
+              <a:t>- One NTT Data employee and </a:t>
+            </a:r>
+            <a:r>
+              <a:rPr lang="en-US" u="sng" dirty="0" smtClean="0"/>
+              <a:t>YOU</a:t>
+            </a:r>
+            <a:r>
+              <a:rPr lang="en-US" dirty="0" smtClean="0"/>
+              <a:t>!</a:t>
+            </a:r>
+            <a:endParaRPr lang="en-US" dirty="0"/>
+          </a:p>
+        </p:txBody>
+      </p:sp>
+      <p:sp>
+        <p:nvSpPr>
+          <p:cNvPr id="7" name="Rectangle 6"/>
+          <p:cNvSpPr/>
+          <p:nvPr/>
+        </p:nvSpPr>
+        <p:spPr>
+          <a:xfrm>
+            <a:off x="264635" y="3071810"/>
+            <a:ext cx="2715102" cy="646331"/>
+          </a:xfrm>
+          <a:prstGeom prst="rect">
+            <a:avLst/>
+          </a:prstGeom>
+        </p:spPr>
+        <p:txBody>
+          <a:bodyPr wrap="none">
+            <a:spAutoFit/>
+          </a:bodyPr>
+          <a:lstStyle/>
+          <a:p>
+            <a:r>
+              <a:rPr lang="en-US" b="1" dirty="0" smtClean="0"/>
+              <a:t>Duration:</a:t>
+            </a:r>
+          </a:p>
+          <a:p>
+            <a:r>
+              <a:rPr lang="en-US" dirty="0" smtClean="0"/>
+              <a:t>- No more than 20 minutes</a:t>
+            </a:r>
+            <a:endParaRPr lang="en-US" dirty="0"/>
+          </a:p>
+        </p:txBody>
+      </p:sp>
+      <p:sp>
+        <p:nvSpPr>
+          <p:cNvPr id="8" name="Rectangle 7"/>
+          <p:cNvSpPr/>
+          <p:nvPr/>
+        </p:nvSpPr>
+        <p:spPr>
+          <a:xfrm>
+            <a:off x="264635" y="3714752"/>
+            <a:ext cx="4593117" cy="1754326"/>
+          </a:xfrm>
+          <a:prstGeom prst="rect">
+            <a:avLst/>
+          </a:prstGeom>
+        </p:spPr>
+        <p:txBody>
+          <a:bodyPr wrap="none">
+            <a:spAutoFit/>
+          </a:bodyPr>
+          <a:lstStyle/>
+          <a:p>
+            <a:r>
+              <a:rPr lang="en-US" b="1" dirty="0" smtClean="0"/>
+              <a:t>Purpose:</a:t>
+            </a:r>
+          </a:p>
+          <a:p>
+            <a:pPr>
+              <a:buFontTx/>
+              <a:buChar char="-"/>
+            </a:pPr>
+            <a:r>
+              <a:rPr lang="en-US" dirty="0" smtClean="0"/>
+              <a:t>Answering the following three questions:</a:t>
+            </a:r>
+          </a:p>
+          <a:p>
+            <a:pPr>
+              <a:buFont typeface="Arial" pitchFamily="34" charset="0"/>
+              <a:buChar char="•"/>
+            </a:pPr>
+            <a:r>
+              <a:rPr lang="en-US" dirty="0" smtClean="0"/>
+              <a:t>What </a:t>
+            </a:r>
+            <a:r>
+              <a:rPr lang="en-US" dirty="0" smtClean="0"/>
+              <a:t>did I do yesterday that helped </a:t>
+            </a:r>
+            <a:r>
+              <a:rPr lang="en-US" dirty="0" smtClean="0"/>
+              <a:t>the</a:t>
+            </a:r>
+          </a:p>
+          <a:p>
+            <a:r>
+              <a:rPr lang="en-US" dirty="0" smtClean="0"/>
+              <a:t>development </a:t>
+            </a:r>
+            <a:r>
+              <a:rPr lang="en-US" dirty="0" smtClean="0"/>
+              <a:t>team meet </a:t>
+            </a:r>
+            <a:r>
+              <a:rPr lang="en-US" dirty="0" smtClean="0"/>
+              <a:t>my daily goal</a:t>
+            </a:r>
+            <a:r>
+              <a:rPr lang="en-US" dirty="0" smtClean="0"/>
+              <a:t>?</a:t>
+            </a:r>
+          </a:p>
+          <a:p>
+            <a:pPr>
+              <a:buFont typeface="Arial" pitchFamily="34" charset="0"/>
+              <a:buChar char="•"/>
+            </a:pPr>
+            <a:r>
+              <a:rPr lang="en-US" dirty="0" smtClean="0"/>
+              <a:t>What </a:t>
+            </a:r>
+            <a:r>
+              <a:rPr lang="en-US" dirty="0" smtClean="0"/>
+              <a:t>will I </a:t>
+            </a:r>
+            <a:r>
+              <a:rPr lang="en-US" dirty="0" smtClean="0"/>
+              <a:t>do today?</a:t>
+            </a:r>
+            <a:endParaRPr lang="en-US" dirty="0" smtClean="0"/>
+          </a:p>
+          <a:p>
+            <a:pPr>
+              <a:buFont typeface="Arial" pitchFamily="34" charset="0"/>
+              <a:buChar char="•"/>
+            </a:pPr>
+            <a:r>
+              <a:rPr lang="en-US" dirty="0" smtClean="0"/>
+              <a:t> Do </a:t>
+            </a:r>
+            <a:r>
+              <a:rPr lang="en-US" dirty="0" smtClean="0"/>
+              <a:t>I see any impediment </a:t>
+            </a:r>
+            <a:r>
+              <a:rPr lang="en-US" dirty="0" smtClean="0"/>
+              <a:t>in the near future? </a:t>
+            </a:r>
+            <a:endParaRPr lang="en-US" dirty="0"/>
+          </a:p>
+        </p:txBody>
+      </p:sp>
+      <p:sp>
+        <p:nvSpPr>
+          <p:cNvPr id="9" name="Rectangle 8"/>
+          <p:cNvSpPr/>
+          <p:nvPr/>
+        </p:nvSpPr>
+        <p:spPr>
+          <a:xfrm>
+            <a:off x="264635" y="1643050"/>
+            <a:ext cx="3558154" cy="646331"/>
+          </a:xfrm>
+          <a:prstGeom prst="rect">
+            <a:avLst/>
+          </a:prstGeom>
+        </p:spPr>
+        <p:txBody>
+          <a:bodyPr wrap="none">
+            <a:spAutoFit/>
+          </a:bodyPr>
+          <a:lstStyle/>
+          <a:p>
+            <a:r>
+              <a:rPr lang="en-US" b="1" dirty="0" smtClean="0"/>
+              <a:t>Location:</a:t>
+            </a:r>
+          </a:p>
+          <a:p>
+            <a:r>
+              <a:rPr lang="en-US" dirty="0" smtClean="0"/>
+              <a:t>- To be Decided. (at the office desk).</a:t>
+            </a:r>
+            <a:endParaRPr lang="en-US" dirty="0"/>
+          </a:p>
+        </p:txBody>
+      </p:sp>
+    </p:spTree>
+  </p:cSld>
+  <p:clrMapOvr>
+    <a:masterClrMapping/>
+  </p:clrMapOvr>
+</p:sld>
+</file>
+
+<file path=ppt/slides/slide8.xml><?xml version="1.0" encoding="utf-8"?>
+<p:sld xmlns:a="http://schemas.openxmlformats.org/drawingml/2006/main" xmlns:r="http://schemas.openxmlformats.org/officeDocument/2006/relationships" xmlns:p="http://schemas.openxmlformats.org/presentationml/2006/main">
+  <p:cSld>
+    <p:spTree>
+      <p:nvGrpSpPr>
+        <p:cNvPr id="1" name=""/>
+        <p:cNvGrpSpPr/>
+        <p:nvPr/>
+      </p:nvGrpSpPr>
+      <p:grpSpPr>
+        <a:xfrm>
+          <a:off x="0" y="0"/>
+          <a:ext cx="0" cy="0"/>
+          <a:chOff x="0" y="0"/>
+          <a:chExt cx="0" cy="0"/>
+        </a:xfrm>
+      </p:grpSpPr>
+      <p:sp>
+        <p:nvSpPr>
+          <p:cNvPr id="3" name="Text Placeholder 2"/>
+          <p:cNvSpPr>
+            <a:spLocks noGrp="1"/>
+          </p:cNvSpPr>
+          <p:nvPr>
+            <p:ph type="body" sz="quarter" idx="10"/>
+          </p:nvPr>
+        </p:nvSpPr>
+        <p:spPr/>
+        <p:txBody>
+          <a:bodyPr/>
+          <a:lstStyle/>
+          <a:p>
+            <a:r>
+              <a:rPr lang="en-US" dirty="0" smtClean="0"/>
+              <a:t>Remainder</a:t>
+            </a:r>
+            <a:endParaRPr lang="en-US" dirty="0"/>
+          </a:p>
+        </p:txBody>
+      </p:sp>
+      <p:pic>
+        <p:nvPicPr>
+          <p:cNvPr id="18435" name="Picture 3"/>
+          <p:cNvPicPr>
+            <a:picLocks noChangeAspect="1" noChangeArrowheads="1"/>
+          </p:cNvPicPr>
+          <p:nvPr/>
+        </p:nvPicPr>
+        <p:blipFill>
+          <a:blip r:embed="rId2" cstate="print"/>
+          <a:srcRect/>
+          <a:stretch>
+            <a:fillRect/>
+          </a:stretch>
+        </p:blipFill>
+        <p:spPr bwMode="auto">
+          <a:xfrm>
+            <a:off x="500034" y="1214422"/>
+            <a:ext cx="2857520" cy="1597511"/>
+          </a:xfrm>
+          <a:prstGeom prst="rect">
+            <a:avLst/>
+          </a:prstGeom>
+          <a:noFill/>
+          <a:ln w="9525">
+            <a:noFill/>
+            <a:miter lim="800000"/>
+            <a:headEnd/>
+            <a:tailEnd/>
+          </a:ln>
+        </p:spPr>
+      </p:pic>
+      <p:sp>
+        <p:nvSpPr>
+          <p:cNvPr id="6" name="Rectangle 5"/>
+          <p:cNvSpPr/>
+          <p:nvPr/>
+        </p:nvSpPr>
+        <p:spPr>
+          <a:xfrm>
+            <a:off x="1357290" y="2857496"/>
+            <a:ext cx="968535" cy="369332"/>
+          </a:xfrm>
+          <a:prstGeom prst="rect">
+            <a:avLst/>
+          </a:prstGeom>
+        </p:spPr>
+        <p:txBody>
+          <a:bodyPr wrap="none">
+            <a:spAutoFit/>
+          </a:bodyPr>
+          <a:lstStyle/>
+          <a:p>
+            <a:pPr lvl="0"/>
+            <a:r>
+              <a:rPr lang="en-US" dirty="0" smtClean="0"/>
+              <a:t>4</a:t>
+            </a:r>
+            <a:r>
+              <a:rPr lang="en-US" baseline="30000" dirty="0" smtClean="0"/>
+              <a:t>th</a:t>
+            </a:r>
+            <a:r>
+              <a:rPr lang="en-US" dirty="0" smtClean="0"/>
+              <a:t> Floor</a:t>
+            </a:r>
+            <a:endParaRPr lang="en-US" dirty="0"/>
+          </a:p>
+        </p:txBody>
+      </p:sp>
+      <p:pic>
+        <p:nvPicPr>
+          <p:cNvPr id="18436" name="Picture 4"/>
+          <p:cNvPicPr>
+            <a:picLocks noChangeAspect="1" noChangeArrowheads="1"/>
+          </p:cNvPicPr>
+          <p:nvPr/>
+        </p:nvPicPr>
+        <p:blipFill>
+          <a:blip r:embed="rId3" cstate="print"/>
+          <a:srcRect/>
+          <a:stretch>
+            <a:fillRect/>
+          </a:stretch>
+        </p:blipFill>
+        <p:spPr bwMode="auto">
+          <a:xfrm>
+            <a:off x="5286380" y="1571612"/>
+            <a:ext cx="2981325" cy="2495550"/>
+          </a:xfrm>
+          <a:prstGeom prst="rect">
+            <a:avLst/>
+          </a:prstGeom>
+          <a:noFill/>
+          <a:ln w="9525">
+            <a:noFill/>
+            <a:miter lim="800000"/>
+            <a:headEnd/>
+            <a:tailEnd/>
+          </a:ln>
+        </p:spPr>
+      </p:pic>
+      <p:sp>
+        <p:nvSpPr>
+          <p:cNvPr id="8" name="Rectangle 7"/>
+          <p:cNvSpPr/>
+          <p:nvPr/>
+        </p:nvSpPr>
+        <p:spPr>
+          <a:xfrm>
+            <a:off x="6500826" y="4143380"/>
+            <a:ext cx="1000467" cy="369332"/>
+          </a:xfrm>
+          <a:prstGeom prst="rect">
+            <a:avLst/>
+          </a:prstGeom>
+        </p:spPr>
+        <p:txBody>
+          <a:bodyPr wrap="none">
+            <a:spAutoFit/>
+          </a:bodyPr>
+          <a:lstStyle/>
+          <a:p>
+            <a:pPr lvl="0"/>
+            <a:r>
+              <a:rPr lang="en-US" dirty="0" smtClean="0"/>
+              <a:t>1</a:t>
+            </a:r>
+            <a:r>
+              <a:rPr lang="en-US" baseline="30000" dirty="0" smtClean="0"/>
+              <a:t>st</a:t>
+            </a:r>
+            <a:r>
+              <a:rPr lang="en-US" dirty="0" smtClean="0"/>
+              <a:t>  Floor</a:t>
+            </a:r>
+            <a:endParaRPr lang="en-US" dirty="0"/>
+          </a:p>
+        </p:txBody>
+      </p:sp>
+      <p:pic>
+        <p:nvPicPr>
+          <p:cNvPr id="18437" name="Picture 5"/>
+          <p:cNvPicPr>
+            <a:picLocks noChangeAspect="1" noChangeArrowheads="1"/>
+          </p:cNvPicPr>
+          <p:nvPr/>
+        </p:nvPicPr>
+        <p:blipFill>
+          <a:blip r:embed="rId4" cstate="print"/>
+          <a:srcRect/>
+          <a:stretch>
+            <a:fillRect/>
+          </a:stretch>
+        </p:blipFill>
+        <p:spPr bwMode="auto">
+          <a:xfrm>
+            <a:off x="1571604" y="4500570"/>
+            <a:ext cx="2786049" cy="1095824"/>
+          </a:xfrm>
+          <a:prstGeom prst="rect">
+            <a:avLst/>
+          </a:prstGeom>
+          <a:noFill/>
+          <a:ln w="9525">
+            <a:noFill/>
+            <a:miter lim="800000"/>
+            <a:headEnd/>
+            <a:tailEnd/>
+          </a:ln>
+        </p:spPr>
+      </p:pic>
+      <p:sp>
+        <p:nvSpPr>
+          <p:cNvPr id="10" name="Rectangle 9"/>
+          <p:cNvSpPr/>
+          <p:nvPr/>
+        </p:nvSpPr>
+        <p:spPr>
+          <a:xfrm>
+            <a:off x="2214546" y="5643578"/>
+            <a:ext cx="1191352" cy="369332"/>
+          </a:xfrm>
+          <a:prstGeom prst="rect">
+            <a:avLst/>
+          </a:prstGeom>
+        </p:spPr>
+        <p:txBody>
+          <a:bodyPr wrap="none">
+            <a:spAutoFit/>
+          </a:bodyPr>
+          <a:lstStyle/>
+          <a:p>
+            <a:pPr lvl="0"/>
+            <a:r>
+              <a:rPr lang="en-US" dirty="0" smtClean="0"/>
+              <a:t>11</a:t>
+            </a:r>
+            <a:r>
+              <a:rPr lang="en-US" baseline="30000" dirty="0" smtClean="0"/>
+              <a:t>th</a:t>
+            </a:r>
+            <a:r>
+              <a:rPr lang="en-US" dirty="0" smtClean="0"/>
+              <a:t>   </a:t>
+            </a:r>
+            <a:r>
+              <a:rPr lang="en-US" dirty="0" smtClean="0"/>
+              <a:t>Floor</a:t>
+            </a:r>
+            <a:endParaRPr lang="en-US" dirty="0"/>
+          </a:p>
+        </p:txBody>
+      </p:sp>
+      <p:sp>
+        <p:nvSpPr>
+          <p:cNvPr id="11" name="Rectangle 10"/>
+          <p:cNvSpPr/>
+          <p:nvPr/>
+        </p:nvSpPr>
+        <p:spPr>
+          <a:xfrm>
+            <a:off x="2500298" y="4143380"/>
+            <a:ext cx="741870" cy="369332"/>
+          </a:xfrm>
+          <a:prstGeom prst="rect">
+            <a:avLst/>
+          </a:prstGeom>
+        </p:spPr>
+        <p:txBody>
+          <a:bodyPr wrap="none">
+            <a:spAutoFit/>
+          </a:bodyPr>
+          <a:lstStyle/>
+          <a:p>
+            <a:pPr lvl="0"/>
+            <a:r>
+              <a:rPr lang="en-US" dirty="0" smtClean="0"/>
+              <a:t>Office</a:t>
+            </a:r>
+            <a:endParaRPr lang="en-US" dirty="0"/>
+          </a:p>
+        </p:txBody>
+      </p:sp>
+      <p:sp>
+        <p:nvSpPr>
+          <p:cNvPr id="12" name="Rectangle 11"/>
+          <p:cNvSpPr/>
+          <p:nvPr/>
+        </p:nvSpPr>
+        <p:spPr>
+          <a:xfrm>
+            <a:off x="6000760" y="1000108"/>
+            <a:ext cx="1648785" cy="369332"/>
+          </a:xfrm>
+          <a:prstGeom prst="rect">
+            <a:avLst/>
+          </a:prstGeom>
+        </p:spPr>
+        <p:txBody>
+          <a:bodyPr wrap="none">
+            <a:spAutoFit/>
+          </a:bodyPr>
+          <a:lstStyle/>
+          <a:p>
+            <a:pPr lvl="0"/>
+            <a:r>
+              <a:rPr lang="en-US" dirty="0" smtClean="0"/>
+              <a:t>Relaxation Area</a:t>
+            </a:r>
+            <a:endParaRPr lang="en-US" dirty="0"/>
+          </a:p>
+        </p:txBody>
+      </p:sp>
+      <p:sp>
+        <p:nvSpPr>
+          <p:cNvPr id="13" name="Rectangle 12"/>
+          <p:cNvSpPr/>
+          <p:nvPr/>
+        </p:nvSpPr>
+        <p:spPr>
+          <a:xfrm>
+            <a:off x="1097855" y="857232"/>
+            <a:ext cx="1331005" cy="369332"/>
+          </a:xfrm>
+          <a:prstGeom prst="rect">
+            <a:avLst/>
+          </a:prstGeom>
+        </p:spPr>
+        <p:txBody>
+          <a:bodyPr wrap="none">
+            <a:spAutoFit/>
+          </a:bodyPr>
+          <a:lstStyle/>
+          <a:p>
+            <a:pPr lvl="0"/>
+            <a:r>
+              <a:rPr lang="en-US" dirty="0" smtClean="0"/>
+              <a:t>Lunch Break</a:t>
+            </a:r>
+            <a:endParaRPr lang="en-US" dirty="0"/>
+          </a:p>
+        </p:txBody>
+      </p:sp>
+    </p:spTree>
+  </p:cSld>
+  <p:clrMapOvr>
+    <a:masterClrMapping/>
+  </p:clrMapOvr>
+</p:sld>
+</file>
+
+<file path=ppt/slides/slide9.xml><?xml version="1.0" encoding="utf-8"?>
 <p:sld xmlns:a="http://schemas.openxmlformats.org/drawingml/2006/main" xmlns:r="http://schemas.openxmlformats.org/officeDocument/2006/relationships" xmlns:p="http://schemas.openxmlformats.org/presentationml/2006/main">
   <p:cSld>
     <p:spTree>
@@ -6762,7 +14555,7 @@
     </p:spTree>
     <p:extLst>
       <p:ext uri="{BB962C8B-B14F-4D97-AF65-F5344CB8AC3E}">
-        <p14:creationId xmlns="" xmlns:p14="http://schemas.microsoft.com/office/powerpoint/2010/main" val="3397981741"/>
+        <p14:creationId xmlns:p14="http://schemas.microsoft.com/office/powerpoint/2010/main" xmlns="" val="3397981741"/>
       </p:ext>
     </p:extLst>
   </p:cSld>

--- a/ProjectDocuments/05_Misc/00_Introduction.pptx
+++ b/ProjectDocuments/05_Misc/00_Introduction.pptx
@@ -5,7 +5,7 @@
     <p:sldMasterId id="2147483660" r:id="rId1"/>
   </p:sldMasterIdLst>
   <p:notesMasterIdLst>
-    <p:notesMasterId r:id="rId11"/>
+    <p:notesMasterId r:id="rId12"/>
   </p:notesMasterIdLst>
   <p:sldIdLst>
     <p:sldId id="280" r:id="rId2"/>
@@ -15,8 +15,9 @@
     <p:sldId id="322" r:id="rId6"/>
     <p:sldId id="323" r:id="rId7"/>
     <p:sldId id="324" r:id="rId8"/>
-    <p:sldId id="325" r:id="rId9"/>
-    <p:sldId id="321" r:id="rId10"/>
+    <p:sldId id="327" r:id="rId9"/>
+    <p:sldId id="325" r:id="rId10"/>
+    <p:sldId id="321" r:id="rId11"/>
   </p:sldIdLst>
   <p:sldSz cx="9144000" cy="6858000" type="screen4x3"/>
   <p:notesSz cx="6858000" cy="9144000"/>
@@ -26,7 +27,7 @@
         <p:sld r:id="rId2"/>
         <p:sld r:id="rId3"/>
         <p:sld r:id="rId5"/>
-        <p:sld r:id="rId10"/>
+        <p:sld r:id="rId11"/>
       </p:sldLst>
     </p:custShow>
   </p:custShowLst>
@@ -127,7 +128,7 @@
   </p:defaultTextStyle>
   <p:extLst>
     <p:ext uri="{EFAFB233-063F-42B5-8137-9DF3F51BA10A}">
-      <p15:sldGuideLst xmlns:p15="http://schemas.microsoft.com/office/powerpoint/2012/main" xmlns="">
+      <p15:sldGuideLst xmlns="" xmlns:p15="http://schemas.microsoft.com/office/powerpoint/2012/main">
         <p15:guide id="1" orient="horz" pos="2160">
           <p15:clr>
             <a:srgbClr val="A4A3A4"/>
@@ -2110,6 +2111,13 @@
         </dgm:presLayoutVars>
       </dgm:prSet>
       <dgm:spPr/>
+      <dgm:t>
+        <a:bodyPr/>
+        <a:lstStyle/>
+        <a:p>
+          <a:endParaRPr lang="en-US"/>
+        </a:p>
+      </dgm:t>
     </dgm:pt>
     <dgm:pt modelId="{F283FE39-E46E-48B2-9D4C-47F8629939B7}" type="pres">
       <dgm:prSet presAssocID="{15612445-E8FD-46A0-B70C-96D5D1BAD06E}" presName="cycle" presStyleCnt="0"/>
@@ -2130,6 +2138,13 @@
     <dgm:pt modelId="{0486AB06-B600-477B-83B6-463A9F7425DD}" type="pres">
       <dgm:prSet presAssocID="{69C847DD-8975-48AF-9E19-B7ED890BEDC1}" presName="Name25" presStyleLbl="parChTrans1D1" presStyleIdx="0" presStyleCnt="5"/>
       <dgm:spPr/>
+      <dgm:t>
+        <a:bodyPr/>
+        <a:lstStyle/>
+        <a:p>
+          <a:endParaRPr lang="en-US"/>
+        </a:p>
+      </dgm:t>
     </dgm:pt>
     <dgm:pt modelId="{198C9F3D-2117-49B4-B08B-4D3B006F23F0}" type="pres">
       <dgm:prSet presAssocID="{F2084A1E-FDEF-4458-9A80-0752CE8EDD87}" presName="node" presStyleCnt="0"/>
@@ -2169,6 +2184,13 @@
     <dgm:pt modelId="{F55717B8-D84E-473A-9F76-DFF998FD0FDD}" type="pres">
       <dgm:prSet presAssocID="{AAE95A1D-5022-48B4-9A75-E9F74E07E27B}" presName="Name25" presStyleLbl="parChTrans1D1" presStyleIdx="1" presStyleCnt="5"/>
       <dgm:spPr/>
+      <dgm:t>
+        <a:bodyPr/>
+        <a:lstStyle/>
+        <a:p>
+          <a:endParaRPr lang="en-US"/>
+        </a:p>
+      </dgm:t>
     </dgm:pt>
     <dgm:pt modelId="{B407EC56-A1F9-42F0-A73F-5827EEF0F59E}" type="pres">
       <dgm:prSet presAssocID="{4996626F-C073-4D39-8D2B-24E2B006D958}" presName="node" presStyleCnt="0"/>
@@ -2208,6 +2230,13 @@
     <dgm:pt modelId="{7DE0EAAA-FF87-4BD6-9860-3373F4EFCD55}" type="pres">
       <dgm:prSet presAssocID="{D92FFB5F-C9EF-4071-A69C-34EB7F2C523F}" presName="Name25" presStyleLbl="parChTrans1D1" presStyleIdx="2" presStyleCnt="5"/>
       <dgm:spPr/>
+      <dgm:t>
+        <a:bodyPr/>
+        <a:lstStyle/>
+        <a:p>
+          <a:endParaRPr lang="en-US"/>
+        </a:p>
+      </dgm:t>
     </dgm:pt>
     <dgm:pt modelId="{6BD53979-914D-48C2-9529-E100590CEC4D}" type="pres">
       <dgm:prSet presAssocID="{BEF4E5E4-4B8E-474E-8E98-3EE06257D7EF}" presName="node" presStyleCnt="0"/>
@@ -2247,6 +2276,13 @@
     <dgm:pt modelId="{D326A595-0EE7-41BD-A747-9DF708032150}" type="pres">
       <dgm:prSet presAssocID="{21899489-846D-4F60-8D92-02A155F2CC7C}" presName="Name25" presStyleLbl="parChTrans1D1" presStyleIdx="3" presStyleCnt="5"/>
       <dgm:spPr/>
+      <dgm:t>
+        <a:bodyPr/>
+        <a:lstStyle/>
+        <a:p>
+          <a:endParaRPr lang="en-US"/>
+        </a:p>
+      </dgm:t>
     </dgm:pt>
     <dgm:pt modelId="{013716E7-9EB5-41EE-8DC2-86CD6C680128}" type="pres">
       <dgm:prSet presAssocID="{365DA76D-1C7E-4DE6-B68B-1FC7FBC42DFC}" presName="node" presStyleCnt="0"/>
@@ -2260,6 +2296,13 @@
         </dgm:presLayoutVars>
       </dgm:prSet>
       <dgm:spPr/>
+      <dgm:t>
+        <a:bodyPr/>
+        <a:lstStyle/>
+        <a:p>
+          <a:endParaRPr lang="en-US"/>
+        </a:p>
+      </dgm:t>
     </dgm:pt>
     <dgm:pt modelId="{8CF2AE99-8B99-42B7-BC11-9C69BD6966C3}" type="pres">
       <dgm:prSet presAssocID="{365DA76D-1C7E-4DE6-B68B-1FC7FBC42DFC}" presName="childNode" presStyleLbl="revTx" presStyleIdx="3" presStyleCnt="5">
@@ -2279,6 +2322,13 @@
     <dgm:pt modelId="{14A6F81C-84CE-41CA-BBB2-A433FF22DD62}" type="pres">
       <dgm:prSet presAssocID="{A3086E40-0730-44D3-9019-84A926407B09}" presName="Name25" presStyleLbl="parChTrans1D1" presStyleIdx="4" presStyleCnt="5"/>
       <dgm:spPr/>
+      <dgm:t>
+        <a:bodyPr/>
+        <a:lstStyle/>
+        <a:p>
+          <a:endParaRPr lang="en-US"/>
+        </a:p>
+      </dgm:t>
     </dgm:pt>
     <dgm:pt modelId="{95E58749-7325-4664-9D53-1C0029836794}" type="pres">
       <dgm:prSet presAssocID="{24A58D54-A651-43D8-AF96-B5A6B10D05E0}" presName="node" presStyleCnt="0"/>
@@ -2292,6 +2342,13 @@
         </dgm:presLayoutVars>
       </dgm:prSet>
       <dgm:spPr/>
+      <dgm:t>
+        <a:bodyPr/>
+        <a:lstStyle/>
+        <a:p>
+          <a:endParaRPr lang="en-US"/>
+        </a:p>
+      </dgm:t>
     </dgm:pt>
     <dgm:pt modelId="{5A1EBD2E-EA4A-466E-9666-1E36FEB3BE09}" type="pres">
       <dgm:prSet presAssocID="{24A58D54-A651-43D8-AF96-B5A6B10D05E0}" presName="childNode" presStyleLbl="revTx" presStyleIdx="4" presStyleCnt="5">
@@ -2300,39 +2357,46 @@
         </dgm:presLayoutVars>
       </dgm:prSet>
       <dgm:spPr/>
+      <dgm:t>
+        <a:bodyPr/>
+        <a:lstStyle/>
+        <a:p>
+          <a:endParaRPr lang="en-US"/>
+        </a:p>
+      </dgm:t>
     </dgm:pt>
   </dgm:ptLst>
   <dgm:cxnLst>
+    <dgm:cxn modelId="{CFA9DE83-D51E-4DBD-A67C-E2B3FB87FB0A}" type="presOf" srcId="{AAE95A1D-5022-48B4-9A75-E9F74E07E27B}" destId="{F55717B8-D84E-473A-9F76-DFF998FD0FDD}" srcOrd="0" destOrd="0" presId="urn:microsoft.com/office/officeart/2005/8/layout/radial2"/>
+    <dgm:cxn modelId="{34B76E84-8C2B-4E07-AC10-6E502C709014}" type="presOf" srcId="{D6CAEDD6-4295-4F20-BC44-0792C4F34543}" destId="{8CF2AE99-8B99-42B7-BC11-9C69BD6966C3}" srcOrd="0" destOrd="0" presId="urn:microsoft.com/office/officeart/2005/8/layout/radial2"/>
+    <dgm:cxn modelId="{81B8BE9E-3354-43CB-95A5-126E636FE28A}" type="presOf" srcId="{D92FFB5F-C9EF-4071-A69C-34EB7F2C523F}" destId="{7DE0EAAA-FF87-4BD6-9860-3373F4EFCD55}" srcOrd="0" destOrd="0" presId="urn:microsoft.com/office/officeart/2005/8/layout/radial2"/>
+    <dgm:cxn modelId="{A7966481-4960-45F5-9246-B7F9AE84EAEC}" type="presOf" srcId="{21899489-846D-4F60-8D92-02A155F2CC7C}" destId="{D326A595-0EE7-41BD-A747-9DF708032150}" srcOrd="0" destOrd="0" presId="urn:microsoft.com/office/officeart/2005/8/layout/radial2"/>
+    <dgm:cxn modelId="{87C6A403-78D0-4589-AADB-89D40FBD4D0E}" type="presOf" srcId="{365DA76D-1C7E-4DE6-B68B-1FC7FBC42DFC}" destId="{6B1CE858-C88F-431D-8249-7245590019A4}" srcOrd="0" destOrd="0" presId="urn:microsoft.com/office/officeart/2005/8/layout/radial2"/>
+    <dgm:cxn modelId="{236882C4-07F5-4F82-8E85-A69A24473568}" srcId="{BEF4E5E4-4B8E-474E-8E98-3EE06257D7EF}" destId="{15A39E0B-71A5-42DF-82AC-679A5854954A}" srcOrd="0" destOrd="0" parTransId="{C143BBC4-7162-41B6-93A4-3FD171ECB543}" sibTransId="{A144092E-5F06-4AB4-846D-DAD51A89FFF8}"/>
+    <dgm:cxn modelId="{B36B0538-9646-4E81-AEAC-809239E73ACD}" type="presOf" srcId="{CDCACF33-A244-4BED-BAF4-EDBF180FC8D3}" destId="{12A3B840-C674-4F6C-851F-DFF00D1ED611}" srcOrd="0" destOrd="0" presId="urn:microsoft.com/office/officeart/2005/8/layout/radial2"/>
+    <dgm:cxn modelId="{5D2E51A6-1149-400E-8D73-A4891AE5410F}" srcId="{F2084A1E-FDEF-4458-9A80-0752CE8EDD87}" destId="{A8398DA1-353A-45D8-BDB2-F6D9174F75BB}" srcOrd="1" destOrd="0" parTransId="{86329AF8-4FAA-47B7-ABD4-AAD6E288AA17}" sibTransId="{732B6DB8-B879-4C28-A158-E363D892D786}"/>
+    <dgm:cxn modelId="{7300D8A9-7E1C-4C22-AD16-BC41CB60A6E2}" srcId="{15612445-E8FD-46A0-B70C-96D5D1BAD06E}" destId="{F2084A1E-FDEF-4458-9A80-0752CE8EDD87}" srcOrd="0" destOrd="0" parTransId="{69C847DD-8975-48AF-9E19-B7ED890BEDC1}" sibTransId="{558B313C-786A-460C-A8CC-2E19406D4B56}"/>
+    <dgm:cxn modelId="{B1A4AB1C-E115-42AB-9293-877D1258939D}" type="presOf" srcId="{F2084A1E-FDEF-4458-9A80-0752CE8EDD87}" destId="{D24A9992-9C79-40EE-B658-66F56DE27CE1}" srcOrd="0" destOrd="0" presId="urn:microsoft.com/office/officeart/2005/8/layout/radial2"/>
+    <dgm:cxn modelId="{1557093A-EFA6-4EDC-9FB9-BB63D8152A25}" type="presOf" srcId="{968809A9-6636-4192-A609-44F58DC7B28C}" destId="{5A1EBD2E-EA4A-466E-9666-1E36FEB3BE09}" srcOrd="0" destOrd="1" presId="urn:microsoft.com/office/officeart/2005/8/layout/radial2"/>
+    <dgm:cxn modelId="{EAF023D0-4515-45EA-AE4F-0436FCE14639}" type="presOf" srcId="{15612445-E8FD-46A0-B70C-96D5D1BAD06E}" destId="{CF9D4D41-34BB-43EB-9DCC-460A32582F0A}" srcOrd="0" destOrd="0" presId="urn:microsoft.com/office/officeart/2005/8/layout/radial2"/>
+    <dgm:cxn modelId="{E72405D3-DBE9-486A-941E-6E09A61D0570}" type="presOf" srcId="{15A39E0B-71A5-42DF-82AC-679A5854954A}" destId="{CCCEBBB4-3003-4C2D-A225-114BC2B2F0D7}" srcOrd="0" destOrd="0" presId="urn:microsoft.com/office/officeart/2005/8/layout/radial2"/>
+    <dgm:cxn modelId="{384C9DA2-F202-4EAF-AF5F-CF50A3C25B64}" srcId="{24A58D54-A651-43D8-AF96-B5A6B10D05E0}" destId="{968809A9-6636-4192-A609-44F58DC7B28C}" srcOrd="1" destOrd="0" parTransId="{FF1E0EC6-638D-4F50-9DF6-66C4243C7ECB}" sibTransId="{55D569BD-E578-4D9A-872B-8BB3D57D4BE5}"/>
+    <dgm:cxn modelId="{F8603134-CE27-487E-A192-3C8ADD2B6B32}" type="presOf" srcId="{24A58D54-A651-43D8-AF96-B5A6B10D05E0}" destId="{6BE5F644-6A7E-431B-8495-8DA9384BAF11}" srcOrd="0" destOrd="0" presId="urn:microsoft.com/office/officeart/2005/8/layout/radial2"/>
+    <dgm:cxn modelId="{184C8098-487D-4DDF-96D7-D58C14E9CEF2}" type="presOf" srcId="{5DECD265-3593-4081-A818-CD1E8CFC61CC}" destId="{5A1EBD2E-EA4A-466E-9666-1E36FEB3BE09}" srcOrd="0" destOrd="0" presId="urn:microsoft.com/office/officeart/2005/8/layout/radial2"/>
+    <dgm:cxn modelId="{4CF15E2C-34F6-4444-8865-50F3F06D08C9}" srcId="{365DA76D-1C7E-4DE6-B68B-1FC7FBC42DFC}" destId="{D6CAEDD6-4295-4F20-BC44-0792C4F34543}" srcOrd="0" destOrd="0" parTransId="{62695632-C651-4452-8345-C3EFC1370BE2}" sibTransId="{E201BCDE-E856-4CDE-ACA6-AA3E73D377D3}"/>
+    <dgm:cxn modelId="{768E826B-7711-4CD1-9991-5BCF53FD6854}" srcId="{F2084A1E-FDEF-4458-9A80-0752CE8EDD87}" destId="{CDCACF33-A244-4BED-BAF4-EDBF180FC8D3}" srcOrd="0" destOrd="0" parTransId="{CF1FC038-AE8B-485E-A1A2-09B90DEA566E}" sibTransId="{58B85F34-C3C4-4C6D-A835-E0785526F45E}"/>
+    <dgm:cxn modelId="{B55934BF-A88A-48E4-B713-3E9D5E8D9D30}" srcId="{24A58D54-A651-43D8-AF96-B5A6B10D05E0}" destId="{5DECD265-3593-4081-A818-CD1E8CFC61CC}" srcOrd="0" destOrd="0" parTransId="{6FE6B167-7E17-43C5-ACA7-0B874177F4A5}" sibTransId="{CEC989B5-4C5E-4B93-86E4-C49EA1AD2A6D}"/>
+    <dgm:cxn modelId="{FBD468BC-8CAF-41C5-AFC5-0EB152A17E59}" srcId="{4996626F-C073-4D39-8D2B-24E2B006D958}" destId="{27EE3672-6EA2-4C66-97BD-2EE8419A0732}" srcOrd="0" destOrd="0" parTransId="{0B94DBD4-15FB-4409-9D08-72CD98FFF9CC}" sibTransId="{E6BC6304-3716-4550-B6FC-A596325445AC}"/>
+    <dgm:cxn modelId="{1050083E-B671-4E54-A887-8B694645C4BF}" srcId="{15612445-E8FD-46A0-B70C-96D5D1BAD06E}" destId="{365DA76D-1C7E-4DE6-B68B-1FC7FBC42DFC}" srcOrd="3" destOrd="0" parTransId="{21899489-846D-4F60-8D92-02A155F2CC7C}" sibTransId="{ED125C1A-988E-489C-9332-372FF042816D}"/>
     <dgm:cxn modelId="{61C7617A-DB13-4220-B8A0-D44199AB48F7}" type="presOf" srcId="{4996626F-C073-4D39-8D2B-24E2B006D958}" destId="{849D85A3-2A76-4604-8750-5E29200C6E89}" srcOrd="0" destOrd="0" presId="urn:microsoft.com/office/officeart/2005/8/layout/radial2"/>
+    <dgm:cxn modelId="{20AFA7D8-3E00-4106-B268-3AAF819C221B}" type="presOf" srcId="{69C847DD-8975-48AF-9E19-B7ED890BEDC1}" destId="{0486AB06-B600-477B-83B6-463A9F7425DD}" srcOrd="0" destOrd="0" presId="urn:microsoft.com/office/officeart/2005/8/layout/radial2"/>
+    <dgm:cxn modelId="{618FEA90-8673-4EBD-90D0-2A60A4291F07}" type="presOf" srcId="{A8398DA1-353A-45D8-BDB2-F6D9174F75BB}" destId="{12A3B840-C674-4F6C-851F-DFF00D1ED611}" srcOrd="0" destOrd="1" presId="urn:microsoft.com/office/officeart/2005/8/layout/radial2"/>
+    <dgm:cxn modelId="{688B1688-13CD-4B24-9201-EEE48C328A23}" srcId="{15612445-E8FD-46A0-B70C-96D5D1BAD06E}" destId="{4996626F-C073-4D39-8D2B-24E2B006D958}" srcOrd="1" destOrd="0" parTransId="{AAE95A1D-5022-48B4-9A75-E9F74E07E27B}" sibTransId="{9D8A4188-0C41-4133-8EF4-E6F3FF605923}"/>
     <dgm:cxn modelId="{2A097072-C131-4F7F-8391-8645DE813B88}" srcId="{15612445-E8FD-46A0-B70C-96D5D1BAD06E}" destId="{BEF4E5E4-4B8E-474E-8E98-3EE06257D7EF}" srcOrd="2" destOrd="0" parTransId="{D92FFB5F-C9EF-4071-A69C-34EB7F2C523F}" sibTransId="{DEFC3426-335C-4F71-8E1D-80029472C3FD}"/>
-    <dgm:cxn modelId="{B36B0538-9646-4E81-AEAC-809239E73ACD}" type="presOf" srcId="{CDCACF33-A244-4BED-BAF4-EDBF180FC8D3}" destId="{12A3B840-C674-4F6C-851F-DFF00D1ED611}" srcOrd="0" destOrd="0" presId="urn:microsoft.com/office/officeart/2005/8/layout/radial2"/>
-    <dgm:cxn modelId="{34B76E84-8C2B-4E07-AC10-6E502C709014}" type="presOf" srcId="{D6CAEDD6-4295-4F20-BC44-0792C4F34543}" destId="{8CF2AE99-8B99-42B7-BC11-9C69BD6966C3}" srcOrd="0" destOrd="0" presId="urn:microsoft.com/office/officeart/2005/8/layout/radial2"/>
-    <dgm:cxn modelId="{F8603134-CE27-487E-A192-3C8ADD2B6B32}" type="presOf" srcId="{24A58D54-A651-43D8-AF96-B5A6B10D05E0}" destId="{6BE5F644-6A7E-431B-8495-8DA9384BAF11}" srcOrd="0" destOrd="0" presId="urn:microsoft.com/office/officeart/2005/8/layout/radial2"/>
-    <dgm:cxn modelId="{384C9DA2-F202-4EAF-AF5F-CF50A3C25B64}" srcId="{24A58D54-A651-43D8-AF96-B5A6B10D05E0}" destId="{968809A9-6636-4192-A609-44F58DC7B28C}" srcOrd="1" destOrd="0" parTransId="{FF1E0EC6-638D-4F50-9DF6-66C4243C7ECB}" sibTransId="{55D569BD-E578-4D9A-872B-8BB3D57D4BE5}"/>
-    <dgm:cxn modelId="{EAF023D0-4515-45EA-AE4F-0436FCE14639}" type="presOf" srcId="{15612445-E8FD-46A0-B70C-96D5D1BAD06E}" destId="{CF9D4D41-34BB-43EB-9DCC-460A32582F0A}" srcOrd="0" destOrd="0" presId="urn:microsoft.com/office/officeart/2005/8/layout/radial2"/>
-    <dgm:cxn modelId="{5D2E51A6-1149-400E-8D73-A4891AE5410F}" srcId="{F2084A1E-FDEF-4458-9A80-0752CE8EDD87}" destId="{A8398DA1-353A-45D8-BDB2-F6D9174F75BB}" srcOrd="1" destOrd="0" parTransId="{86329AF8-4FAA-47B7-ABD4-AAD6E288AA17}" sibTransId="{732B6DB8-B879-4C28-A158-E363D892D786}"/>
-    <dgm:cxn modelId="{87C6A403-78D0-4589-AADB-89D40FBD4D0E}" type="presOf" srcId="{365DA76D-1C7E-4DE6-B68B-1FC7FBC42DFC}" destId="{6B1CE858-C88F-431D-8249-7245590019A4}" srcOrd="0" destOrd="0" presId="urn:microsoft.com/office/officeart/2005/8/layout/radial2"/>
-    <dgm:cxn modelId="{618FEA90-8673-4EBD-90D0-2A60A4291F07}" type="presOf" srcId="{A8398DA1-353A-45D8-BDB2-F6D9174F75BB}" destId="{12A3B840-C674-4F6C-851F-DFF00D1ED611}" srcOrd="0" destOrd="1" presId="urn:microsoft.com/office/officeart/2005/8/layout/radial2"/>
-    <dgm:cxn modelId="{E72405D3-DBE9-486A-941E-6E09A61D0570}" type="presOf" srcId="{15A39E0B-71A5-42DF-82AC-679A5854954A}" destId="{CCCEBBB4-3003-4C2D-A225-114BC2B2F0D7}" srcOrd="0" destOrd="0" presId="urn:microsoft.com/office/officeart/2005/8/layout/radial2"/>
-    <dgm:cxn modelId="{1050083E-B671-4E54-A887-8B694645C4BF}" srcId="{15612445-E8FD-46A0-B70C-96D5D1BAD06E}" destId="{365DA76D-1C7E-4DE6-B68B-1FC7FBC42DFC}" srcOrd="3" destOrd="0" parTransId="{21899489-846D-4F60-8D92-02A155F2CC7C}" sibTransId="{ED125C1A-988E-489C-9332-372FF042816D}"/>
-    <dgm:cxn modelId="{B1A4AB1C-E115-42AB-9293-877D1258939D}" type="presOf" srcId="{F2084A1E-FDEF-4458-9A80-0752CE8EDD87}" destId="{D24A9992-9C79-40EE-B658-66F56DE27CE1}" srcOrd="0" destOrd="0" presId="urn:microsoft.com/office/officeart/2005/8/layout/radial2"/>
-    <dgm:cxn modelId="{A7966481-4960-45F5-9246-B7F9AE84EAEC}" type="presOf" srcId="{21899489-846D-4F60-8D92-02A155F2CC7C}" destId="{D326A595-0EE7-41BD-A747-9DF708032150}" srcOrd="0" destOrd="0" presId="urn:microsoft.com/office/officeart/2005/8/layout/radial2"/>
-    <dgm:cxn modelId="{B55934BF-A88A-48E4-B713-3E9D5E8D9D30}" srcId="{24A58D54-A651-43D8-AF96-B5A6B10D05E0}" destId="{5DECD265-3593-4081-A818-CD1E8CFC61CC}" srcOrd="0" destOrd="0" parTransId="{6FE6B167-7E17-43C5-ACA7-0B874177F4A5}" sibTransId="{CEC989B5-4C5E-4B93-86E4-C49EA1AD2A6D}"/>
-    <dgm:cxn modelId="{768E826B-7711-4CD1-9991-5BCF53FD6854}" srcId="{F2084A1E-FDEF-4458-9A80-0752CE8EDD87}" destId="{CDCACF33-A244-4BED-BAF4-EDBF180FC8D3}" srcOrd="0" destOrd="0" parTransId="{CF1FC038-AE8B-485E-A1A2-09B90DEA566E}" sibTransId="{58B85F34-C3C4-4C6D-A835-E0785526F45E}"/>
-    <dgm:cxn modelId="{CFA9DE83-D51E-4DBD-A67C-E2B3FB87FB0A}" type="presOf" srcId="{AAE95A1D-5022-48B4-9A75-E9F74E07E27B}" destId="{F55717B8-D84E-473A-9F76-DFF998FD0FDD}" srcOrd="0" destOrd="0" presId="urn:microsoft.com/office/officeart/2005/8/layout/radial2"/>
-    <dgm:cxn modelId="{81B8BE9E-3354-43CB-95A5-126E636FE28A}" type="presOf" srcId="{D92FFB5F-C9EF-4071-A69C-34EB7F2C523F}" destId="{7DE0EAAA-FF87-4BD6-9860-3373F4EFCD55}" srcOrd="0" destOrd="0" presId="urn:microsoft.com/office/officeart/2005/8/layout/radial2"/>
-    <dgm:cxn modelId="{FBD468BC-8CAF-41C5-AFC5-0EB152A17E59}" srcId="{4996626F-C073-4D39-8D2B-24E2B006D958}" destId="{27EE3672-6EA2-4C66-97BD-2EE8419A0732}" srcOrd="0" destOrd="0" parTransId="{0B94DBD4-15FB-4409-9D08-72CD98FFF9CC}" sibTransId="{E6BC6304-3716-4550-B6FC-A596325445AC}"/>
+    <dgm:cxn modelId="{1180652B-7851-4FAA-88C9-7CD52EEB22F2}" type="presOf" srcId="{27EE3672-6EA2-4C66-97BD-2EE8419A0732}" destId="{CB55A5DC-FB18-4B68-A340-DEB5F498031B}" srcOrd="0" destOrd="0" presId="urn:microsoft.com/office/officeart/2005/8/layout/radial2"/>
+    <dgm:cxn modelId="{31D827F6-D922-4354-82B9-CC742FFFC5AF}" srcId="{15612445-E8FD-46A0-B70C-96D5D1BAD06E}" destId="{24A58D54-A651-43D8-AF96-B5A6B10D05E0}" srcOrd="4" destOrd="0" parTransId="{A3086E40-0730-44D3-9019-84A926407B09}" sibTransId="{E21DD2D5-62F8-447A-8FBE-A2B575D62EF4}"/>
+    <dgm:cxn modelId="{DF5EA550-F542-4567-9DA3-621FFF46BFB3}" type="presOf" srcId="{BEF4E5E4-4B8E-474E-8E98-3EE06257D7EF}" destId="{827C7AC8-4341-43A5-A69F-B3F3F492AAC9}" srcOrd="0" destOrd="0" presId="urn:microsoft.com/office/officeart/2005/8/layout/radial2"/>
     <dgm:cxn modelId="{2DD8249C-C4F9-4703-945E-D2106A309F03}" type="presOf" srcId="{A3086E40-0730-44D3-9019-84A926407B09}" destId="{14A6F81C-84CE-41CA-BBB2-A433FF22DD62}" srcOrd="0" destOrd="0" presId="urn:microsoft.com/office/officeart/2005/8/layout/radial2"/>
-    <dgm:cxn modelId="{7300D8A9-7E1C-4C22-AD16-BC41CB60A6E2}" srcId="{15612445-E8FD-46A0-B70C-96D5D1BAD06E}" destId="{F2084A1E-FDEF-4458-9A80-0752CE8EDD87}" srcOrd="0" destOrd="0" parTransId="{69C847DD-8975-48AF-9E19-B7ED890BEDC1}" sibTransId="{558B313C-786A-460C-A8CC-2E19406D4B56}"/>
-    <dgm:cxn modelId="{DF5EA550-F542-4567-9DA3-621FFF46BFB3}" type="presOf" srcId="{BEF4E5E4-4B8E-474E-8E98-3EE06257D7EF}" destId="{827C7AC8-4341-43A5-A69F-B3F3F492AAC9}" srcOrd="0" destOrd="0" presId="urn:microsoft.com/office/officeart/2005/8/layout/radial2"/>
-    <dgm:cxn modelId="{1180652B-7851-4FAA-88C9-7CD52EEB22F2}" type="presOf" srcId="{27EE3672-6EA2-4C66-97BD-2EE8419A0732}" destId="{CB55A5DC-FB18-4B68-A340-DEB5F498031B}" srcOrd="0" destOrd="0" presId="urn:microsoft.com/office/officeart/2005/8/layout/radial2"/>
-    <dgm:cxn modelId="{1557093A-EFA6-4EDC-9FB9-BB63D8152A25}" type="presOf" srcId="{968809A9-6636-4192-A609-44F58DC7B28C}" destId="{5A1EBD2E-EA4A-466E-9666-1E36FEB3BE09}" srcOrd="0" destOrd="1" presId="urn:microsoft.com/office/officeart/2005/8/layout/radial2"/>
-    <dgm:cxn modelId="{184C8098-487D-4DDF-96D7-D58C14E9CEF2}" type="presOf" srcId="{5DECD265-3593-4081-A818-CD1E8CFC61CC}" destId="{5A1EBD2E-EA4A-466E-9666-1E36FEB3BE09}" srcOrd="0" destOrd="0" presId="urn:microsoft.com/office/officeart/2005/8/layout/radial2"/>
-    <dgm:cxn modelId="{688B1688-13CD-4B24-9201-EEE48C328A23}" srcId="{15612445-E8FD-46A0-B70C-96D5D1BAD06E}" destId="{4996626F-C073-4D39-8D2B-24E2B006D958}" srcOrd="1" destOrd="0" parTransId="{AAE95A1D-5022-48B4-9A75-E9F74E07E27B}" sibTransId="{9D8A4188-0C41-4133-8EF4-E6F3FF605923}"/>
-    <dgm:cxn modelId="{236882C4-07F5-4F82-8E85-A69A24473568}" srcId="{BEF4E5E4-4B8E-474E-8E98-3EE06257D7EF}" destId="{15A39E0B-71A5-42DF-82AC-679A5854954A}" srcOrd="0" destOrd="0" parTransId="{C143BBC4-7162-41B6-93A4-3FD171ECB543}" sibTransId="{A144092E-5F06-4AB4-846D-DAD51A89FFF8}"/>
-    <dgm:cxn modelId="{31D827F6-D922-4354-82B9-CC742FFFC5AF}" srcId="{15612445-E8FD-46A0-B70C-96D5D1BAD06E}" destId="{24A58D54-A651-43D8-AF96-B5A6B10D05E0}" srcOrd="4" destOrd="0" parTransId="{A3086E40-0730-44D3-9019-84A926407B09}" sibTransId="{E21DD2D5-62F8-447A-8FBE-A2B575D62EF4}"/>
-    <dgm:cxn modelId="{20AFA7D8-3E00-4106-B268-3AAF819C221B}" type="presOf" srcId="{69C847DD-8975-48AF-9E19-B7ED890BEDC1}" destId="{0486AB06-B600-477B-83B6-463A9F7425DD}" srcOrd="0" destOrd="0" presId="urn:microsoft.com/office/officeart/2005/8/layout/radial2"/>
-    <dgm:cxn modelId="{4CF15E2C-34F6-4444-8865-50F3F06D08C9}" srcId="{365DA76D-1C7E-4DE6-B68B-1FC7FBC42DFC}" destId="{D6CAEDD6-4295-4F20-BC44-0792C4F34543}" srcOrd="0" destOrd="0" parTransId="{62695632-C651-4452-8345-C3EFC1370BE2}" sibTransId="{E201BCDE-E856-4CDE-ACA6-AA3E73D377D3}"/>
     <dgm:cxn modelId="{088B6145-A01A-4F19-A492-4E6D1EAAAEED}" type="presParOf" srcId="{CF9D4D41-34BB-43EB-9DCC-460A32582F0A}" destId="{F283FE39-E46E-48B2-9D4C-47F8629939B7}" srcOrd="0" destOrd="0" presId="urn:microsoft.com/office/officeart/2005/8/layout/radial2"/>
     <dgm:cxn modelId="{24593A93-D24D-45B8-A50E-EEBE7407B3CC}" type="presParOf" srcId="{F283FE39-E46E-48B2-9D4C-47F8629939B7}" destId="{D124DFBD-00A5-4FC5-BCF8-78A84178A182}" srcOrd="0" destOrd="0" presId="urn:microsoft.com/office/officeart/2005/8/layout/radial2"/>
     <dgm:cxn modelId="{5A947A97-8CF1-406B-A0DC-00B61C854FE1}" type="presParOf" srcId="{D124DFBD-00A5-4FC5-BCF8-78A84178A182}" destId="{45DD3CF6-C892-48FE-A364-4F33A84B840A}" srcOrd="0" destOrd="0" presId="urn:microsoft.com/office/officeart/2005/8/layout/radial2"/>
@@ -2551,6 +2615,13 @@
         </dgm:presLayoutVars>
       </dgm:prSet>
       <dgm:spPr/>
+      <dgm:t>
+        <a:bodyPr/>
+        <a:lstStyle/>
+        <a:p>
+          <a:endParaRPr lang="en-US"/>
+        </a:p>
+      </dgm:t>
     </dgm:pt>
     <dgm:pt modelId="{4CFB8996-0FD5-40D0-82DC-29110341574B}" type="pres">
       <dgm:prSet presAssocID="{A97E13E7-8694-4F12-A47D-93F8B9327F27}" presName="parentLin" presStyleCnt="0"/>
@@ -2559,6 +2630,13 @@
     <dgm:pt modelId="{B55ABD3D-44E2-4EBA-8856-9E85DAC68003}" type="pres">
       <dgm:prSet presAssocID="{A97E13E7-8694-4F12-A47D-93F8B9327F27}" presName="parentLeftMargin" presStyleLbl="node1" presStyleIdx="0" presStyleCnt="4"/>
       <dgm:spPr/>
+      <dgm:t>
+        <a:bodyPr/>
+        <a:lstStyle/>
+        <a:p>
+          <a:endParaRPr lang="en-US"/>
+        </a:p>
+      </dgm:t>
     </dgm:pt>
     <dgm:pt modelId="{81D0BAC5-D2D0-4300-83E1-6C11579A4014}" type="pres">
       <dgm:prSet presAssocID="{A97E13E7-8694-4F12-A47D-93F8B9327F27}" presName="parentText" presStyleLbl="node1" presStyleIdx="0" presStyleCnt="4">
@@ -2599,6 +2677,13 @@
     <dgm:pt modelId="{1F316442-0AA1-4648-BB0E-82B8CDB4136D}" type="pres">
       <dgm:prSet presAssocID="{44C3DD26-42FC-4372-8FFF-053172273D0C}" presName="parentLeftMargin" presStyleLbl="node1" presStyleIdx="0" presStyleCnt="4"/>
       <dgm:spPr/>
+      <dgm:t>
+        <a:bodyPr/>
+        <a:lstStyle/>
+        <a:p>
+          <a:endParaRPr lang="en-US"/>
+        </a:p>
+      </dgm:t>
     </dgm:pt>
     <dgm:pt modelId="{F145935C-62BE-4D17-ABD3-08349726AFFF}" type="pres">
       <dgm:prSet presAssocID="{44C3DD26-42FC-4372-8FFF-053172273D0C}" presName="parentText" presStyleLbl="node1" presStyleIdx="1" presStyleCnt="4">
@@ -2639,6 +2724,13 @@
     <dgm:pt modelId="{8AE54B62-939C-4C28-AC1E-4CD7B57BBC74}" type="pres">
       <dgm:prSet presAssocID="{FD63FB1E-8E51-423E-B87E-C2876D1B5CD2}" presName="parentLeftMargin" presStyleLbl="node1" presStyleIdx="1" presStyleCnt="4"/>
       <dgm:spPr/>
+      <dgm:t>
+        <a:bodyPr/>
+        <a:lstStyle/>
+        <a:p>
+          <a:endParaRPr lang="en-US"/>
+        </a:p>
+      </dgm:t>
     </dgm:pt>
     <dgm:pt modelId="{1513AE73-EB32-4056-AE35-FCF3AE6368B5}" type="pres">
       <dgm:prSet presAssocID="{FD63FB1E-8E51-423E-B87E-C2876D1B5CD2}" presName="parentText" presStyleLbl="node1" presStyleIdx="2" presStyleCnt="4">
@@ -2679,6 +2771,13 @@
     <dgm:pt modelId="{000BF17C-702E-413B-A3EF-CEAF25D93C11}" type="pres">
       <dgm:prSet presAssocID="{39BEBA28-F74C-4A5D-8B9F-766B0ADBA4E3}" presName="parentLeftMargin" presStyleLbl="node1" presStyleIdx="2" presStyleCnt="4"/>
       <dgm:spPr/>
+      <dgm:t>
+        <a:bodyPr/>
+        <a:lstStyle/>
+        <a:p>
+          <a:endParaRPr lang="en-US"/>
+        </a:p>
+      </dgm:t>
     </dgm:pt>
     <dgm:pt modelId="{201B7982-A4C0-47F3-A0AB-5EDEC56C6D3B}" type="pres">
       <dgm:prSet presAssocID="{39BEBA28-F74C-4A5D-8B9F-766B0ADBA4E3}" presName="parentText" presStyleLbl="node1" presStyleIdx="3" presStyleCnt="4">
@@ -7239,7 +7338,7 @@
     </p:spTree>
     <p:extLst>
       <p:ext uri="{BB962C8B-B14F-4D97-AF65-F5344CB8AC3E}">
-        <p14:creationId xmlns:p14="http://schemas.microsoft.com/office/powerpoint/2010/main" xmlns="" val="2065034180"/>
+        <p14:creationId xmlns="" xmlns:p14="http://schemas.microsoft.com/office/powerpoint/2010/main" val="2065034180"/>
       </p:ext>
     </p:extLst>
   </p:cSld>
@@ -7414,7 +7513,7 @@
     </p:spTree>
     <p:extLst>
       <p:ext uri="{BB962C8B-B14F-4D97-AF65-F5344CB8AC3E}">
-        <p14:creationId xmlns:p14="http://schemas.microsoft.com/office/powerpoint/2010/main" xmlns="" val="4027152195"/>
+        <p14:creationId xmlns="" xmlns:p14="http://schemas.microsoft.com/office/powerpoint/2010/main" val="4027152195"/>
       </p:ext>
     </p:extLst>
   </p:cSld>
@@ -7516,7 +7615,7 @@
     </p:spTree>
     <p:extLst>
       <p:ext uri="{BB962C8B-B14F-4D97-AF65-F5344CB8AC3E}">
-        <p14:creationId xmlns:p14="http://schemas.microsoft.com/office/powerpoint/2010/main" xmlns="" val="3846376811"/>
+        <p14:creationId xmlns="" xmlns:p14="http://schemas.microsoft.com/office/powerpoint/2010/main" val="3846376811"/>
       </p:ext>
     </p:extLst>
   </p:cSld>
@@ -12147,7 +12246,243 @@
     </p:spTree>
     <p:extLst>
       <p:ext uri="{BB962C8B-B14F-4D97-AF65-F5344CB8AC3E}">
-        <p14:creationId xmlns:p14="http://schemas.microsoft.com/office/powerpoint/2010/main" xmlns="" val="25692125"/>
+        <p14:creationId xmlns="" xmlns:p14="http://schemas.microsoft.com/office/powerpoint/2010/main" val="25692125"/>
+      </p:ext>
+    </p:extLst>
+  </p:cSld>
+  <p:clrMapOvr>
+    <a:masterClrMapping/>
+  </p:clrMapOvr>
+  <p:timing>
+    <p:tnLst>
+      <p:par>
+        <p:cTn id="1" dur="indefinite" restart="never" nodeType="tmRoot"/>
+      </p:par>
+    </p:tnLst>
+  </p:timing>
+</p:sld>
+</file>
+
+<file path=ppt/slides/slide10.xml><?xml version="1.0" encoding="utf-8"?>
+<p:sld xmlns:a="http://schemas.openxmlformats.org/drawingml/2006/main" xmlns:r="http://schemas.openxmlformats.org/officeDocument/2006/relationships" xmlns:p="http://schemas.openxmlformats.org/presentationml/2006/main">
+  <p:cSld>
+    <p:spTree>
+      <p:nvGrpSpPr>
+        <p:cNvPr id="1" name=""/>
+        <p:cNvGrpSpPr/>
+        <p:nvPr/>
+      </p:nvGrpSpPr>
+      <p:grpSpPr>
+        <a:xfrm>
+          <a:off x="0" y="0"/>
+          <a:ext cx="0" cy="0"/>
+          <a:chOff x="0" y="0"/>
+          <a:chExt cx="0" cy="0"/>
+        </a:xfrm>
+      </p:grpSpPr>
+      <p:sp>
+        <p:nvSpPr>
+          <p:cNvPr id="2" name="Text Placeholder 1"/>
+          <p:cNvSpPr>
+            <a:spLocks noGrp="1"/>
+          </p:cNvSpPr>
+          <p:nvPr>
+            <p:ph type="body" idx="13"/>
+          </p:nvPr>
+        </p:nvSpPr>
+        <p:spPr/>
+        <p:txBody>
+          <a:bodyPr/>
+          <a:lstStyle/>
+          <a:p>
+            <a:r>
+              <a:rPr lang="de-DE" dirty="0" smtClean="0"/>
+              <a:t>NTT Data Corporation</a:t>
+            </a:r>
+          </a:p>
+          <a:p>
+            <a:endParaRPr lang="de-DE" dirty="0"/>
+          </a:p>
+          <a:p>
+            <a:r>
+              <a:rPr lang="de-DE" b="1" dirty="0" smtClean="0">
+                <a:solidFill>
+                  <a:srgbClr val="FFFFFF"/>
+                </a:solidFill>
+              </a:rPr>
+              <a:t>Introduction to the R.A.D.U Project</a:t>
+            </a:r>
+            <a:endParaRPr lang="de-DE" dirty="0"/>
+          </a:p>
+        </p:txBody>
+      </p:sp>
+      <p:sp>
+        <p:nvSpPr>
+          <p:cNvPr id="3" name="Title 2"/>
+          <p:cNvSpPr>
+            <a:spLocks noGrp="1"/>
+          </p:cNvSpPr>
+          <p:nvPr>
+            <p:ph type="title"/>
+          </p:nvPr>
+        </p:nvSpPr>
+        <p:spPr/>
+        <p:txBody>
+          <a:bodyPr>
+            <a:normAutofit/>
+          </a:bodyPr>
+          <a:lstStyle/>
+          <a:p>
+            <a:r>
+              <a:rPr lang="de-DE" sz="2400" dirty="0" smtClean="0">
+                <a:solidFill>
+                  <a:srgbClr val="FFFFFF"/>
+                </a:solidFill>
+              </a:rPr>
+              <a:t>Thank you for your attention!</a:t>
+            </a:r>
+            <a:endParaRPr lang="de-DE" sz="2000" dirty="0">
+              <a:solidFill>
+                <a:srgbClr val="FFFFFF"/>
+              </a:solidFill>
+            </a:endParaRPr>
+          </a:p>
+        </p:txBody>
+      </p:sp>
+      <p:sp>
+        <p:nvSpPr>
+          <p:cNvPr id="5" name="Textfeld 6"/>
+          <p:cNvSpPr txBox="1"/>
+          <p:nvPr/>
+        </p:nvSpPr>
+        <p:spPr>
+          <a:xfrm>
+            <a:off x="1476000" y="6696000"/>
+            <a:ext cx="1428760" cy="184666"/>
+          </a:xfrm>
+          <a:prstGeom prst="rect">
+            <a:avLst/>
+          </a:prstGeom>
+          <a:noFill/>
+        </p:spPr>
+        <p:txBody>
+          <a:bodyPr wrap="square" rtlCol="0">
+            <a:spAutoFit/>
+          </a:bodyPr>
+          <a:lstStyle>
+            <a:defPPr>
+              <a:defRPr lang="de-DE"/>
+            </a:defPPr>
+            <a:lvl1pPr marL="0" algn="l" defTabSz="914400" rtl="0" eaLnBrk="1" latinLnBrk="0" hangingPunct="1">
+              <a:defRPr sz="1800" kern="1200">
+                <a:solidFill>
+                  <a:schemeClr val="tx1"/>
+                </a:solidFill>
+                <a:latin typeface="+mn-lt"/>
+                <a:ea typeface="+mn-ea"/>
+                <a:cs typeface="+mn-cs"/>
+              </a:defRPr>
+            </a:lvl1pPr>
+            <a:lvl2pPr marL="457200" algn="l" defTabSz="914400" rtl="0" eaLnBrk="1" latinLnBrk="0" hangingPunct="1">
+              <a:defRPr sz="1800" kern="1200">
+                <a:solidFill>
+                  <a:schemeClr val="tx1"/>
+                </a:solidFill>
+                <a:latin typeface="+mn-lt"/>
+                <a:ea typeface="+mn-ea"/>
+                <a:cs typeface="+mn-cs"/>
+              </a:defRPr>
+            </a:lvl2pPr>
+            <a:lvl3pPr marL="914400" algn="l" defTabSz="914400" rtl="0" eaLnBrk="1" latinLnBrk="0" hangingPunct="1">
+              <a:defRPr sz="1800" kern="1200">
+                <a:solidFill>
+                  <a:schemeClr val="tx1"/>
+                </a:solidFill>
+                <a:latin typeface="+mn-lt"/>
+                <a:ea typeface="+mn-ea"/>
+                <a:cs typeface="+mn-cs"/>
+              </a:defRPr>
+            </a:lvl3pPr>
+            <a:lvl4pPr marL="1371600" algn="l" defTabSz="914400" rtl="0" eaLnBrk="1" latinLnBrk="0" hangingPunct="1">
+              <a:defRPr sz="1800" kern="1200">
+                <a:solidFill>
+                  <a:schemeClr val="tx1"/>
+                </a:solidFill>
+                <a:latin typeface="+mn-lt"/>
+                <a:ea typeface="+mn-ea"/>
+                <a:cs typeface="+mn-cs"/>
+              </a:defRPr>
+            </a:lvl4pPr>
+            <a:lvl5pPr marL="1828800" algn="l" defTabSz="914400" rtl="0" eaLnBrk="1" latinLnBrk="0" hangingPunct="1">
+              <a:defRPr sz="1800" kern="1200">
+                <a:solidFill>
+                  <a:schemeClr val="tx1"/>
+                </a:solidFill>
+                <a:latin typeface="+mn-lt"/>
+                <a:ea typeface="+mn-ea"/>
+                <a:cs typeface="+mn-cs"/>
+              </a:defRPr>
+            </a:lvl5pPr>
+            <a:lvl6pPr marL="2286000" algn="l" defTabSz="914400" rtl="0" eaLnBrk="1" latinLnBrk="0" hangingPunct="1">
+              <a:defRPr sz="1800" kern="1200">
+                <a:solidFill>
+                  <a:schemeClr val="tx1"/>
+                </a:solidFill>
+                <a:latin typeface="+mn-lt"/>
+                <a:ea typeface="+mn-ea"/>
+                <a:cs typeface="+mn-cs"/>
+              </a:defRPr>
+            </a:lvl6pPr>
+            <a:lvl7pPr marL="2743200" algn="l" defTabSz="914400" rtl="0" eaLnBrk="1" latinLnBrk="0" hangingPunct="1">
+              <a:defRPr sz="1800" kern="1200">
+                <a:solidFill>
+                  <a:schemeClr val="tx1"/>
+                </a:solidFill>
+                <a:latin typeface="+mn-lt"/>
+                <a:ea typeface="+mn-ea"/>
+                <a:cs typeface="+mn-cs"/>
+              </a:defRPr>
+            </a:lvl7pPr>
+            <a:lvl8pPr marL="3200400" algn="l" defTabSz="914400" rtl="0" eaLnBrk="1" latinLnBrk="0" hangingPunct="1">
+              <a:defRPr sz="1800" kern="1200">
+                <a:solidFill>
+                  <a:schemeClr val="tx1"/>
+                </a:solidFill>
+                <a:latin typeface="+mn-lt"/>
+                <a:ea typeface="+mn-ea"/>
+                <a:cs typeface="+mn-cs"/>
+              </a:defRPr>
+            </a:lvl8pPr>
+            <a:lvl9pPr marL="3657600" algn="l" defTabSz="914400" rtl="0" eaLnBrk="1" latinLnBrk="0" hangingPunct="1">
+              <a:defRPr sz="1800" kern="1200">
+                <a:solidFill>
+                  <a:schemeClr val="tx1"/>
+                </a:solidFill>
+                <a:latin typeface="+mn-lt"/>
+                <a:ea typeface="+mn-ea"/>
+                <a:cs typeface="+mn-cs"/>
+              </a:defRPr>
+            </a:lvl9pPr>
+          </a:lstStyle>
+          <a:p>
+            <a:r>
+              <a:rPr lang="de-DE" sz="600" smtClean="0">
+                <a:latin typeface="Arial" pitchFamily="34" charset="0"/>
+                <a:cs typeface="Arial" pitchFamily="34" charset="0"/>
+              </a:rPr>
+              <a:t>Version 1.7 /  04.10.12</a:t>
+            </a:r>
+            <a:endParaRPr lang="de-DE" sz="600" dirty="0">
+              <a:latin typeface="Arial" pitchFamily="34" charset="0"/>
+              <a:cs typeface="Arial" pitchFamily="34" charset="0"/>
+            </a:endParaRPr>
+          </a:p>
+        </p:txBody>
+      </p:sp>
+    </p:spTree>
+    <p:extLst>
+      <p:ext uri="{BB962C8B-B14F-4D97-AF65-F5344CB8AC3E}">
+        <p14:creationId xmlns="" xmlns:p14="http://schemas.microsoft.com/office/powerpoint/2010/main" val="3397981741"/>
       </p:ext>
     </p:extLst>
   </p:cSld>
@@ -12379,7 +12714,7 @@
     </p:spTree>
     <p:extLst>
       <p:ext uri="{BB962C8B-B14F-4D97-AF65-F5344CB8AC3E}">
-        <p14:creationId xmlns:p14="http://schemas.microsoft.com/office/powerpoint/2010/main" xmlns="" val="1839328336"/>
+        <p14:creationId xmlns="" xmlns:p14="http://schemas.microsoft.com/office/powerpoint/2010/main" val="1839328336"/>
       </p:ext>
     </p:extLst>
   </p:cSld>
@@ -13399,7 +13734,6 @@
               <a:rPr lang="en-US" sz="2400" dirty="0" smtClean="0"/>
               <a:t>Agenda</a:t>
             </a:r>
-            <a:endParaRPr lang="en-US" sz="2400" dirty="0" smtClean="0"/>
           </a:p>
           <a:p>
             <a:pPr marL="342900" indent="-342900">
@@ -13420,7 +13754,6 @@
               <a:rPr lang="en-US" sz="2400" dirty="0" smtClean="0"/>
               <a:t>Schedule</a:t>
             </a:r>
-            <a:endParaRPr lang="en-US" sz="2400" dirty="0" smtClean="0"/>
           </a:p>
           <a:p>
             <a:pPr marL="342900" indent="-342900">
@@ -13441,7 +13774,7 @@
     </p:spTree>
     <p:extLst>
       <p:ext uri="{BB962C8B-B14F-4D97-AF65-F5344CB8AC3E}">
-        <p14:creationId xmlns:p14="http://schemas.microsoft.com/office/powerpoint/2010/main" xmlns="" val="2588232481"/>
+        <p14:creationId xmlns="" xmlns:p14="http://schemas.microsoft.com/office/powerpoint/2010/main" val="2588232481"/>
       </p:ext>
     </p:extLst>
   </p:cSld>
@@ -13872,33 +14205,13 @@
             </a:pPr>
             <a:r>
               <a:rPr lang="en-US" dirty="0" smtClean="0"/>
-              <a:t>What </a:t>
-            </a:r>
-            <a:r>
-              <a:rPr lang="en-US" dirty="0" smtClean="0"/>
-              <a:t>did I do yesterday that helped </a:t>
-            </a:r>
-            <a:r>
-              <a:rPr lang="en-US" dirty="0" smtClean="0"/>
-              <a:t>the</a:t>
+              <a:t>What did I do yesterday that helped the</a:t>
             </a:r>
           </a:p>
           <a:p>
             <a:r>
               <a:rPr lang="en-US" dirty="0" smtClean="0"/>
-              <a:t>development </a:t>
-            </a:r>
-            <a:r>
-              <a:rPr lang="en-US" dirty="0" smtClean="0"/>
-              <a:t>team meet </a:t>
-            </a:r>
-            <a:r>
-              <a:rPr lang="en-US" dirty="0" smtClean="0"/>
-              <a:t>my daily goal</a:t>
-            </a:r>
-            <a:r>
-              <a:rPr lang="en-US" dirty="0" smtClean="0"/>
-              <a:t>?</a:t>
+              <a:t>development team meet my daily goal?</a:t>
             </a:r>
           </a:p>
           <a:p>
@@ -13908,17 +14221,8 @@
             </a:pPr>
             <a:r>
               <a:rPr lang="en-US" dirty="0" smtClean="0"/>
-              <a:t>What </a:t>
+              <a:t>What will I do today?</a:t>
             </a:r>
-            <a:r>
-              <a:rPr lang="en-US" dirty="0" smtClean="0"/>
-              <a:t>will I </a:t>
-            </a:r>
-            <a:r>
-              <a:rPr lang="en-US" dirty="0" smtClean="0"/>
-              <a:t>do today?</a:t>
-            </a:r>
-            <a:endParaRPr lang="en-US" dirty="0" smtClean="0"/>
           </a:p>
           <a:p>
             <a:pPr>
@@ -13927,15 +14231,7 @@
             </a:pPr>
             <a:r>
               <a:rPr lang="en-US" dirty="0" smtClean="0"/>
-              <a:t> Do </a:t>
-            </a:r>
-            <a:r>
-              <a:rPr lang="en-US" dirty="0" smtClean="0"/>
-              <a:t>I see any impediment </a:t>
-            </a:r>
-            <a:r>
-              <a:rPr lang="en-US" dirty="0" smtClean="0"/>
-              <a:t>in the near future? </a:t>
+              <a:t> Do I see any impediment in the near future? </a:t>
             </a:r>
             <a:endParaRPr lang="en-US" dirty="0"/>
           </a:p>
@@ -13985,6 +14281,207 @@
 </file>
 
 <file path=ppt/slides/slide8.xml><?xml version="1.0" encoding="utf-8"?>
+<p:sld xmlns:a="http://schemas.openxmlformats.org/drawingml/2006/main" xmlns:r="http://schemas.openxmlformats.org/officeDocument/2006/relationships" xmlns:p="http://schemas.openxmlformats.org/presentationml/2006/main">
+  <p:cSld>
+    <p:spTree>
+      <p:nvGrpSpPr>
+        <p:cNvPr id="1" name=""/>
+        <p:cNvGrpSpPr/>
+        <p:nvPr/>
+      </p:nvGrpSpPr>
+      <p:grpSpPr>
+        <a:xfrm>
+          <a:off x="0" y="0"/>
+          <a:ext cx="0" cy="0"/>
+          <a:chOff x="0" y="0"/>
+          <a:chExt cx="0" cy="0"/>
+        </a:xfrm>
+      </p:grpSpPr>
+      <p:sp>
+        <p:nvSpPr>
+          <p:cNvPr id="3" name="Text Placeholder 2"/>
+          <p:cNvSpPr>
+            <a:spLocks noGrp="1"/>
+          </p:cNvSpPr>
+          <p:nvPr>
+            <p:ph type="body" sz="quarter" idx="10"/>
+          </p:nvPr>
+        </p:nvSpPr>
+        <p:spPr/>
+        <p:txBody>
+          <a:bodyPr/>
+          <a:lstStyle/>
+          <a:p>
+            <a:r>
+              <a:rPr lang="en-US" dirty="0" smtClean="0"/>
+              <a:t>Team </a:t>
+            </a:r>
+            <a:r>
+              <a:rPr lang="en-US" dirty="0" smtClean="0"/>
+              <a:t>work </a:t>
+            </a:r>
+            <a:r>
+              <a:rPr lang="en-US" dirty="0" smtClean="0"/>
+              <a:t>vs. </a:t>
+            </a:r>
+            <a:r>
+              <a:rPr lang="en-US" dirty="0" smtClean="0"/>
+              <a:t>individual work</a:t>
+            </a:r>
+            <a:endParaRPr lang="en-US" dirty="0"/>
+          </a:p>
+        </p:txBody>
+      </p:sp>
+      <p:pic>
+        <p:nvPicPr>
+          <p:cNvPr id="1026" name="Picture 2"/>
+          <p:cNvPicPr>
+            <a:picLocks noChangeAspect="1" noChangeArrowheads="1"/>
+          </p:cNvPicPr>
+          <p:nvPr/>
+        </p:nvPicPr>
+        <p:blipFill>
+          <a:blip r:embed="rId2" cstate="print"/>
+          <a:srcRect/>
+          <a:stretch>
+            <a:fillRect/>
+          </a:stretch>
+        </p:blipFill>
+        <p:spPr bwMode="auto">
+          <a:xfrm>
+            <a:off x="500034" y="1285860"/>
+            <a:ext cx="3316227" cy="2571768"/>
+          </a:xfrm>
+          <a:prstGeom prst="rect">
+            <a:avLst/>
+          </a:prstGeom>
+          <a:noFill/>
+          <a:ln w="9525">
+            <a:noFill/>
+            <a:miter lim="800000"/>
+            <a:headEnd/>
+            <a:tailEnd/>
+          </a:ln>
+        </p:spPr>
+      </p:pic>
+      <p:pic>
+        <p:nvPicPr>
+          <p:cNvPr id="1027" name="Picture 3"/>
+          <p:cNvPicPr>
+            <a:picLocks noChangeAspect="1" noChangeArrowheads="1"/>
+          </p:cNvPicPr>
+          <p:nvPr/>
+        </p:nvPicPr>
+        <p:blipFill>
+          <a:blip r:embed="rId3" cstate="print"/>
+          <a:srcRect/>
+          <a:stretch>
+            <a:fillRect/>
+          </a:stretch>
+        </p:blipFill>
+        <p:spPr bwMode="auto">
+          <a:xfrm>
+            <a:off x="5000628" y="4143380"/>
+            <a:ext cx="3893146" cy="2077216"/>
+          </a:xfrm>
+          <a:prstGeom prst="rect">
+            <a:avLst/>
+          </a:prstGeom>
+          <a:noFill/>
+          <a:ln w="9525">
+            <a:noFill/>
+            <a:miter lim="800000"/>
+            <a:headEnd/>
+            <a:tailEnd/>
+          </a:ln>
+        </p:spPr>
+      </p:pic>
+      <p:sp>
+        <p:nvSpPr>
+          <p:cNvPr id="6" name="Rectangle 5"/>
+          <p:cNvSpPr/>
+          <p:nvPr/>
+        </p:nvSpPr>
+        <p:spPr>
+          <a:xfrm>
+            <a:off x="4354344" y="3244334"/>
+            <a:ext cx="435312" cy="369332"/>
+          </a:xfrm>
+          <a:prstGeom prst="rect">
+            <a:avLst/>
+          </a:prstGeom>
+        </p:spPr>
+        <p:txBody>
+          <a:bodyPr wrap="none">
+            <a:spAutoFit/>
+          </a:bodyPr>
+          <a:lstStyle/>
+          <a:p>
+            <a:r>
+              <a:rPr lang="en-US" dirty="0" smtClean="0"/>
+              <a:t>vs.</a:t>
+            </a:r>
+            <a:endParaRPr lang="en-US" dirty="0"/>
+          </a:p>
+        </p:txBody>
+      </p:sp>
+      <p:sp>
+        <p:nvSpPr>
+          <p:cNvPr id="7" name="Rectangle 6"/>
+          <p:cNvSpPr/>
+          <p:nvPr/>
+        </p:nvSpPr>
+        <p:spPr>
+          <a:xfrm rot="2777858">
+            <a:off x="7450768" y="3128800"/>
+            <a:ext cx="115065" cy="4060621"/>
+          </a:xfrm>
+          <a:prstGeom prst="rect">
+            <a:avLst/>
+          </a:prstGeom>
+          <a:solidFill>
+            <a:srgbClr val="FF0000">
+              <a:alpha val="71000"/>
+            </a:srgbClr>
+          </a:solidFill>
+          <a:ln>
+            <a:solidFill>
+              <a:srgbClr val="FF0000"/>
+            </a:solidFill>
+          </a:ln>
+        </p:spPr>
+        <p:style>
+          <a:lnRef idx="1">
+            <a:schemeClr val="accent1"/>
+          </a:lnRef>
+          <a:fillRef idx="3">
+            <a:schemeClr val="accent1"/>
+          </a:fillRef>
+          <a:effectRef idx="2">
+            <a:schemeClr val="accent1"/>
+          </a:effectRef>
+          <a:fontRef idx="minor">
+            <a:schemeClr val="lt1"/>
+          </a:fontRef>
+        </p:style>
+        <p:txBody>
+          <a:bodyPr rtlCol="0" anchor="ctr"/>
+          <a:lstStyle/>
+          <a:p>
+            <a:pPr algn="ctr"/>
+            <a:endParaRPr lang="en-US"/>
+          </a:p>
+        </p:txBody>
+      </p:sp>
+    </p:spTree>
+  </p:cSld>
+  <p:clrMapOvr>
+    <a:masterClrMapping/>
+  </p:clrMapOvr>
+</p:sld>
+</file>
+
+<file path=ppt/slides/slide9.xml><?xml version="1.0" encoding="utf-8"?>
 <p:sld xmlns:a="http://schemas.openxmlformats.org/drawingml/2006/main" xmlns:r="http://schemas.openxmlformats.org/officeDocument/2006/relationships" xmlns:p="http://schemas.openxmlformats.org/presentationml/2006/main">
   <p:cSld>
     <p:spTree>
@@ -14228,11 +14725,7 @@
             </a:r>
             <a:r>
               <a:rPr lang="en-US" dirty="0" smtClean="0"/>
-              <a:t>   </a:t>
-            </a:r>
-            <a:r>
-              <a:rPr lang="en-US" dirty="0" smtClean="0"/>
-              <a:t>Floor</a:t>
+              <a:t>   Floor</a:t>
             </a:r>
             <a:endParaRPr lang="en-US" dirty="0"/>
           </a:p>
@@ -14333,242 +14826,6 @@
   <p:clrMapOvr>
     <a:masterClrMapping/>
   </p:clrMapOvr>
-</p:sld>
-</file>
-
-<file path=ppt/slides/slide9.xml><?xml version="1.0" encoding="utf-8"?>
-<p:sld xmlns:a="http://schemas.openxmlformats.org/drawingml/2006/main" xmlns:r="http://schemas.openxmlformats.org/officeDocument/2006/relationships" xmlns:p="http://schemas.openxmlformats.org/presentationml/2006/main">
-  <p:cSld>
-    <p:spTree>
-      <p:nvGrpSpPr>
-        <p:cNvPr id="1" name=""/>
-        <p:cNvGrpSpPr/>
-        <p:nvPr/>
-      </p:nvGrpSpPr>
-      <p:grpSpPr>
-        <a:xfrm>
-          <a:off x="0" y="0"/>
-          <a:ext cx="0" cy="0"/>
-          <a:chOff x="0" y="0"/>
-          <a:chExt cx="0" cy="0"/>
-        </a:xfrm>
-      </p:grpSpPr>
-      <p:sp>
-        <p:nvSpPr>
-          <p:cNvPr id="2" name="Text Placeholder 1"/>
-          <p:cNvSpPr>
-            <a:spLocks noGrp="1"/>
-          </p:cNvSpPr>
-          <p:nvPr>
-            <p:ph type="body" idx="13"/>
-          </p:nvPr>
-        </p:nvSpPr>
-        <p:spPr/>
-        <p:txBody>
-          <a:bodyPr/>
-          <a:lstStyle/>
-          <a:p>
-            <a:r>
-              <a:rPr lang="de-DE" dirty="0" smtClean="0"/>
-              <a:t>NTT Data Corporation</a:t>
-            </a:r>
-          </a:p>
-          <a:p>
-            <a:endParaRPr lang="de-DE" dirty="0"/>
-          </a:p>
-          <a:p>
-            <a:r>
-              <a:rPr lang="de-DE" b="1" dirty="0" smtClean="0">
-                <a:solidFill>
-                  <a:srgbClr val="FFFFFF"/>
-                </a:solidFill>
-              </a:rPr>
-              <a:t>Introduction to the R.A.D.U Project</a:t>
-            </a:r>
-            <a:endParaRPr lang="de-DE" dirty="0"/>
-          </a:p>
-        </p:txBody>
-      </p:sp>
-      <p:sp>
-        <p:nvSpPr>
-          <p:cNvPr id="3" name="Title 2"/>
-          <p:cNvSpPr>
-            <a:spLocks noGrp="1"/>
-          </p:cNvSpPr>
-          <p:nvPr>
-            <p:ph type="title"/>
-          </p:nvPr>
-        </p:nvSpPr>
-        <p:spPr/>
-        <p:txBody>
-          <a:bodyPr>
-            <a:normAutofit/>
-          </a:bodyPr>
-          <a:lstStyle/>
-          <a:p>
-            <a:r>
-              <a:rPr lang="de-DE" sz="2400" dirty="0" smtClean="0">
-                <a:solidFill>
-                  <a:srgbClr val="FFFFFF"/>
-                </a:solidFill>
-              </a:rPr>
-              <a:t>Thank you for your attention!</a:t>
-            </a:r>
-            <a:endParaRPr lang="de-DE" sz="2000" dirty="0">
-              <a:solidFill>
-                <a:srgbClr val="FFFFFF"/>
-              </a:solidFill>
-            </a:endParaRPr>
-          </a:p>
-        </p:txBody>
-      </p:sp>
-      <p:sp>
-        <p:nvSpPr>
-          <p:cNvPr id="5" name="Textfeld 6"/>
-          <p:cNvSpPr txBox="1"/>
-          <p:nvPr/>
-        </p:nvSpPr>
-        <p:spPr>
-          <a:xfrm>
-            <a:off x="1476000" y="6696000"/>
-            <a:ext cx="1428760" cy="184666"/>
-          </a:xfrm>
-          <a:prstGeom prst="rect">
-            <a:avLst/>
-          </a:prstGeom>
-          <a:noFill/>
-        </p:spPr>
-        <p:txBody>
-          <a:bodyPr wrap="square" rtlCol="0">
-            <a:spAutoFit/>
-          </a:bodyPr>
-          <a:lstStyle>
-            <a:defPPr>
-              <a:defRPr lang="de-DE"/>
-            </a:defPPr>
-            <a:lvl1pPr marL="0" algn="l" defTabSz="914400" rtl="0" eaLnBrk="1" latinLnBrk="0" hangingPunct="1">
-              <a:defRPr sz="1800" kern="1200">
-                <a:solidFill>
-                  <a:schemeClr val="tx1"/>
-                </a:solidFill>
-                <a:latin typeface="+mn-lt"/>
-                <a:ea typeface="+mn-ea"/>
-                <a:cs typeface="+mn-cs"/>
-              </a:defRPr>
-            </a:lvl1pPr>
-            <a:lvl2pPr marL="457200" algn="l" defTabSz="914400" rtl="0" eaLnBrk="1" latinLnBrk="0" hangingPunct="1">
-              <a:defRPr sz="1800" kern="1200">
-                <a:solidFill>
-                  <a:schemeClr val="tx1"/>
-                </a:solidFill>
-                <a:latin typeface="+mn-lt"/>
-                <a:ea typeface="+mn-ea"/>
-                <a:cs typeface="+mn-cs"/>
-              </a:defRPr>
-            </a:lvl2pPr>
-            <a:lvl3pPr marL="914400" algn="l" defTabSz="914400" rtl="0" eaLnBrk="1" latinLnBrk="0" hangingPunct="1">
-              <a:defRPr sz="1800" kern="1200">
-                <a:solidFill>
-                  <a:schemeClr val="tx1"/>
-                </a:solidFill>
-                <a:latin typeface="+mn-lt"/>
-                <a:ea typeface="+mn-ea"/>
-                <a:cs typeface="+mn-cs"/>
-              </a:defRPr>
-            </a:lvl3pPr>
-            <a:lvl4pPr marL="1371600" algn="l" defTabSz="914400" rtl="0" eaLnBrk="1" latinLnBrk="0" hangingPunct="1">
-              <a:defRPr sz="1800" kern="1200">
-                <a:solidFill>
-                  <a:schemeClr val="tx1"/>
-                </a:solidFill>
-                <a:latin typeface="+mn-lt"/>
-                <a:ea typeface="+mn-ea"/>
-                <a:cs typeface="+mn-cs"/>
-              </a:defRPr>
-            </a:lvl4pPr>
-            <a:lvl5pPr marL="1828800" algn="l" defTabSz="914400" rtl="0" eaLnBrk="1" latinLnBrk="0" hangingPunct="1">
-              <a:defRPr sz="1800" kern="1200">
-                <a:solidFill>
-                  <a:schemeClr val="tx1"/>
-                </a:solidFill>
-                <a:latin typeface="+mn-lt"/>
-                <a:ea typeface="+mn-ea"/>
-                <a:cs typeface="+mn-cs"/>
-              </a:defRPr>
-            </a:lvl5pPr>
-            <a:lvl6pPr marL="2286000" algn="l" defTabSz="914400" rtl="0" eaLnBrk="1" latinLnBrk="0" hangingPunct="1">
-              <a:defRPr sz="1800" kern="1200">
-                <a:solidFill>
-                  <a:schemeClr val="tx1"/>
-                </a:solidFill>
-                <a:latin typeface="+mn-lt"/>
-                <a:ea typeface="+mn-ea"/>
-                <a:cs typeface="+mn-cs"/>
-              </a:defRPr>
-            </a:lvl6pPr>
-            <a:lvl7pPr marL="2743200" algn="l" defTabSz="914400" rtl="0" eaLnBrk="1" latinLnBrk="0" hangingPunct="1">
-              <a:defRPr sz="1800" kern="1200">
-                <a:solidFill>
-                  <a:schemeClr val="tx1"/>
-                </a:solidFill>
-                <a:latin typeface="+mn-lt"/>
-                <a:ea typeface="+mn-ea"/>
-                <a:cs typeface="+mn-cs"/>
-              </a:defRPr>
-            </a:lvl7pPr>
-            <a:lvl8pPr marL="3200400" algn="l" defTabSz="914400" rtl="0" eaLnBrk="1" latinLnBrk="0" hangingPunct="1">
-              <a:defRPr sz="1800" kern="1200">
-                <a:solidFill>
-                  <a:schemeClr val="tx1"/>
-                </a:solidFill>
-                <a:latin typeface="+mn-lt"/>
-                <a:ea typeface="+mn-ea"/>
-                <a:cs typeface="+mn-cs"/>
-              </a:defRPr>
-            </a:lvl8pPr>
-            <a:lvl9pPr marL="3657600" algn="l" defTabSz="914400" rtl="0" eaLnBrk="1" latinLnBrk="0" hangingPunct="1">
-              <a:defRPr sz="1800" kern="1200">
-                <a:solidFill>
-                  <a:schemeClr val="tx1"/>
-                </a:solidFill>
-                <a:latin typeface="+mn-lt"/>
-                <a:ea typeface="+mn-ea"/>
-                <a:cs typeface="+mn-cs"/>
-              </a:defRPr>
-            </a:lvl9pPr>
-          </a:lstStyle>
-          <a:p>
-            <a:r>
-              <a:rPr lang="de-DE" sz="600" smtClean="0">
-                <a:latin typeface="Arial" pitchFamily="34" charset="0"/>
-                <a:cs typeface="Arial" pitchFamily="34" charset="0"/>
-              </a:rPr>
-              <a:t>Version 1.7 /  04.10.12</a:t>
-            </a:r>
-            <a:endParaRPr lang="de-DE" sz="600" dirty="0">
-              <a:latin typeface="Arial" pitchFamily="34" charset="0"/>
-              <a:cs typeface="Arial" pitchFamily="34" charset="0"/>
-            </a:endParaRPr>
-          </a:p>
-        </p:txBody>
-      </p:sp>
-    </p:spTree>
-    <p:extLst>
-      <p:ext uri="{BB962C8B-B14F-4D97-AF65-F5344CB8AC3E}">
-        <p14:creationId xmlns:p14="http://schemas.microsoft.com/office/powerpoint/2010/main" xmlns="" val="3397981741"/>
-      </p:ext>
-    </p:extLst>
-  </p:cSld>
-  <p:clrMapOvr>
-    <a:masterClrMapping/>
-  </p:clrMapOvr>
-  <p:timing>
-    <p:tnLst>
-      <p:par>
-        <p:cTn id="1" dur="indefinite" restart="never" nodeType="tmRoot"/>
-      </p:par>
-    </p:tnLst>
-  </p:timing>
 </p:sld>
 </file>
 

--- a/ProjectDocuments/05_Misc/00_Introduction.pptx
+++ b/ProjectDocuments/05_Misc/00_Introduction.pptx
@@ -5,7 +5,7 @@
     <p:sldMasterId id="2147483660" r:id="rId1"/>
   </p:sldMasterIdLst>
   <p:notesMasterIdLst>
-    <p:notesMasterId r:id="rId12"/>
+    <p:notesMasterId r:id="rId13"/>
   </p:notesMasterIdLst>
   <p:sldIdLst>
     <p:sldId id="280" r:id="rId2"/>
@@ -16,8 +16,9 @@
     <p:sldId id="323" r:id="rId7"/>
     <p:sldId id="324" r:id="rId8"/>
     <p:sldId id="327" r:id="rId9"/>
-    <p:sldId id="325" r:id="rId10"/>
-    <p:sldId id="321" r:id="rId11"/>
+    <p:sldId id="328" r:id="rId10"/>
+    <p:sldId id="325" r:id="rId11"/>
+    <p:sldId id="321" r:id="rId12"/>
   </p:sldIdLst>
   <p:sldSz cx="9144000" cy="6858000" type="screen4x3"/>
   <p:notesSz cx="6858000" cy="9144000"/>
@@ -27,7 +28,7 @@
         <p:sld r:id="rId2"/>
         <p:sld r:id="rId3"/>
         <p:sld r:id="rId5"/>
-        <p:sld r:id="rId11"/>
+        <p:sld r:id="rId12"/>
       </p:sldLst>
     </p:custShow>
   </p:custShowLst>
@@ -12282,6 +12283,354 @@
       </p:grpSpPr>
       <p:sp>
         <p:nvSpPr>
+          <p:cNvPr id="3" name="Text Placeholder 2"/>
+          <p:cNvSpPr>
+            <a:spLocks noGrp="1"/>
+          </p:cNvSpPr>
+          <p:nvPr>
+            <p:ph type="body" sz="quarter" idx="10"/>
+          </p:nvPr>
+        </p:nvSpPr>
+        <p:spPr/>
+        <p:txBody>
+          <a:bodyPr/>
+          <a:lstStyle/>
+          <a:p>
+            <a:r>
+              <a:rPr lang="en-US" dirty="0" smtClean="0"/>
+              <a:t>Remainder</a:t>
+            </a:r>
+            <a:endParaRPr lang="en-US" dirty="0"/>
+          </a:p>
+        </p:txBody>
+      </p:sp>
+      <p:pic>
+        <p:nvPicPr>
+          <p:cNvPr id="18435" name="Picture 3"/>
+          <p:cNvPicPr>
+            <a:picLocks noChangeAspect="1" noChangeArrowheads="1"/>
+          </p:cNvPicPr>
+          <p:nvPr/>
+        </p:nvPicPr>
+        <p:blipFill>
+          <a:blip r:embed="rId2" cstate="print"/>
+          <a:srcRect/>
+          <a:stretch>
+            <a:fillRect/>
+          </a:stretch>
+        </p:blipFill>
+        <p:spPr bwMode="auto">
+          <a:xfrm>
+            <a:off x="500034" y="1214422"/>
+            <a:ext cx="2857520" cy="1597511"/>
+          </a:xfrm>
+          <a:prstGeom prst="rect">
+            <a:avLst/>
+          </a:prstGeom>
+          <a:noFill/>
+          <a:ln w="9525">
+            <a:noFill/>
+            <a:miter lim="800000"/>
+            <a:headEnd/>
+            <a:tailEnd/>
+          </a:ln>
+        </p:spPr>
+      </p:pic>
+      <p:sp>
+        <p:nvSpPr>
+          <p:cNvPr id="6" name="Rectangle 5"/>
+          <p:cNvSpPr/>
+          <p:nvPr/>
+        </p:nvSpPr>
+        <p:spPr>
+          <a:xfrm>
+            <a:off x="1357290" y="2857496"/>
+            <a:ext cx="968535" cy="369332"/>
+          </a:xfrm>
+          <a:prstGeom prst="rect">
+            <a:avLst/>
+          </a:prstGeom>
+        </p:spPr>
+        <p:txBody>
+          <a:bodyPr wrap="none">
+            <a:spAutoFit/>
+          </a:bodyPr>
+          <a:lstStyle/>
+          <a:p>
+            <a:pPr lvl="0"/>
+            <a:r>
+              <a:rPr lang="en-US" dirty="0" smtClean="0"/>
+              <a:t>4</a:t>
+            </a:r>
+            <a:r>
+              <a:rPr lang="en-US" baseline="30000" dirty="0" smtClean="0"/>
+              <a:t>th</a:t>
+            </a:r>
+            <a:r>
+              <a:rPr lang="en-US" dirty="0" smtClean="0"/>
+              <a:t> Floor</a:t>
+            </a:r>
+            <a:endParaRPr lang="en-US" dirty="0"/>
+          </a:p>
+        </p:txBody>
+      </p:sp>
+      <p:pic>
+        <p:nvPicPr>
+          <p:cNvPr id="18436" name="Picture 4"/>
+          <p:cNvPicPr>
+            <a:picLocks noChangeAspect="1" noChangeArrowheads="1"/>
+          </p:cNvPicPr>
+          <p:nvPr/>
+        </p:nvPicPr>
+        <p:blipFill>
+          <a:blip r:embed="rId3" cstate="print"/>
+          <a:srcRect/>
+          <a:stretch>
+            <a:fillRect/>
+          </a:stretch>
+        </p:blipFill>
+        <p:spPr bwMode="auto">
+          <a:xfrm>
+            <a:off x="5286380" y="1571612"/>
+            <a:ext cx="2981325" cy="2495550"/>
+          </a:xfrm>
+          <a:prstGeom prst="rect">
+            <a:avLst/>
+          </a:prstGeom>
+          <a:noFill/>
+          <a:ln w="9525">
+            <a:noFill/>
+            <a:miter lim="800000"/>
+            <a:headEnd/>
+            <a:tailEnd/>
+          </a:ln>
+        </p:spPr>
+      </p:pic>
+      <p:sp>
+        <p:nvSpPr>
+          <p:cNvPr id="8" name="Rectangle 7"/>
+          <p:cNvSpPr/>
+          <p:nvPr/>
+        </p:nvSpPr>
+        <p:spPr>
+          <a:xfrm>
+            <a:off x="6500826" y="4143380"/>
+            <a:ext cx="1000467" cy="369332"/>
+          </a:xfrm>
+          <a:prstGeom prst="rect">
+            <a:avLst/>
+          </a:prstGeom>
+        </p:spPr>
+        <p:txBody>
+          <a:bodyPr wrap="none">
+            <a:spAutoFit/>
+          </a:bodyPr>
+          <a:lstStyle/>
+          <a:p>
+            <a:pPr lvl="0"/>
+            <a:r>
+              <a:rPr lang="en-US" dirty="0" smtClean="0"/>
+              <a:t>1</a:t>
+            </a:r>
+            <a:r>
+              <a:rPr lang="en-US" baseline="30000" dirty="0" smtClean="0"/>
+              <a:t>st</a:t>
+            </a:r>
+            <a:r>
+              <a:rPr lang="en-US" dirty="0" smtClean="0"/>
+              <a:t>  Floor</a:t>
+            </a:r>
+            <a:endParaRPr lang="en-US" dirty="0"/>
+          </a:p>
+        </p:txBody>
+      </p:sp>
+      <p:pic>
+        <p:nvPicPr>
+          <p:cNvPr id="18437" name="Picture 5"/>
+          <p:cNvPicPr>
+            <a:picLocks noChangeAspect="1" noChangeArrowheads="1"/>
+          </p:cNvPicPr>
+          <p:nvPr/>
+        </p:nvPicPr>
+        <p:blipFill>
+          <a:blip r:embed="rId4" cstate="print"/>
+          <a:srcRect/>
+          <a:stretch>
+            <a:fillRect/>
+          </a:stretch>
+        </p:blipFill>
+        <p:spPr bwMode="auto">
+          <a:xfrm>
+            <a:off x="1571604" y="4500570"/>
+            <a:ext cx="2786049" cy="1095824"/>
+          </a:xfrm>
+          <a:prstGeom prst="rect">
+            <a:avLst/>
+          </a:prstGeom>
+          <a:noFill/>
+          <a:ln w="9525">
+            <a:noFill/>
+            <a:miter lim="800000"/>
+            <a:headEnd/>
+            <a:tailEnd/>
+          </a:ln>
+        </p:spPr>
+      </p:pic>
+      <p:sp>
+        <p:nvSpPr>
+          <p:cNvPr id="10" name="Rectangle 9"/>
+          <p:cNvSpPr/>
+          <p:nvPr/>
+        </p:nvSpPr>
+        <p:spPr>
+          <a:xfrm>
+            <a:off x="2214546" y="5643578"/>
+            <a:ext cx="1191352" cy="369332"/>
+          </a:xfrm>
+          <a:prstGeom prst="rect">
+            <a:avLst/>
+          </a:prstGeom>
+        </p:spPr>
+        <p:txBody>
+          <a:bodyPr wrap="none">
+            <a:spAutoFit/>
+          </a:bodyPr>
+          <a:lstStyle/>
+          <a:p>
+            <a:pPr lvl="0"/>
+            <a:r>
+              <a:rPr lang="en-US" dirty="0" smtClean="0"/>
+              <a:t>11</a:t>
+            </a:r>
+            <a:r>
+              <a:rPr lang="en-US" baseline="30000" dirty="0" smtClean="0"/>
+              <a:t>th</a:t>
+            </a:r>
+            <a:r>
+              <a:rPr lang="en-US" dirty="0" smtClean="0"/>
+              <a:t>   Floor</a:t>
+            </a:r>
+            <a:endParaRPr lang="en-US" dirty="0"/>
+          </a:p>
+        </p:txBody>
+      </p:sp>
+      <p:sp>
+        <p:nvSpPr>
+          <p:cNvPr id="11" name="Rectangle 10"/>
+          <p:cNvSpPr/>
+          <p:nvPr/>
+        </p:nvSpPr>
+        <p:spPr>
+          <a:xfrm>
+            <a:off x="2500298" y="4143380"/>
+            <a:ext cx="741870" cy="369332"/>
+          </a:xfrm>
+          <a:prstGeom prst="rect">
+            <a:avLst/>
+          </a:prstGeom>
+        </p:spPr>
+        <p:txBody>
+          <a:bodyPr wrap="none">
+            <a:spAutoFit/>
+          </a:bodyPr>
+          <a:lstStyle/>
+          <a:p>
+            <a:pPr lvl="0"/>
+            <a:r>
+              <a:rPr lang="en-US" dirty="0" smtClean="0"/>
+              <a:t>Office</a:t>
+            </a:r>
+            <a:endParaRPr lang="en-US" dirty="0"/>
+          </a:p>
+        </p:txBody>
+      </p:sp>
+      <p:sp>
+        <p:nvSpPr>
+          <p:cNvPr id="12" name="Rectangle 11"/>
+          <p:cNvSpPr/>
+          <p:nvPr/>
+        </p:nvSpPr>
+        <p:spPr>
+          <a:xfrm>
+            <a:off x="6000760" y="1000108"/>
+            <a:ext cx="1648785" cy="369332"/>
+          </a:xfrm>
+          <a:prstGeom prst="rect">
+            <a:avLst/>
+          </a:prstGeom>
+        </p:spPr>
+        <p:txBody>
+          <a:bodyPr wrap="none">
+            <a:spAutoFit/>
+          </a:bodyPr>
+          <a:lstStyle/>
+          <a:p>
+            <a:pPr lvl="0"/>
+            <a:r>
+              <a:rPr lang="en-US" dirty="0" smtClean="0"/>
+              <a:t>Relaxation Area</a:t>
+            </a:r>
+            <a:endParaRPr lang="en-US" dirty="0"/>
+          </a:p>
+        </p:txBody>
+      </p:sp>
+      <p:sp>
+        <p:nvSpPr>
+          <p:cNvPr id="13" name="Rectangle 12"/>
+          <p:cNvSpPr/>
+          <p:nvPr/>
+        </p:nvSpPr>
+        <p:spPr>
+          <a:xfrm>
+            <a:off x="1097855" y="857232"/>
+            <a:ext cx="1331005" cy="369332"/>
+          </a:xfrm>
+          <a:prstGeom prst="rect">
+            <a:avLst/>
+          </a:prstGeom>
+        </p:spPr>
+        <p:txBody>
+          <a:bodyPr wrap="none">
+            <a:spAutoFit/>
+          </a:bodyPr>
+          <a:lstStyle/>
+          <a:p>
+            <a:pPr lvl="0"/>
+            <a:r>
+              <a:rPr lang="en-US" dirty="0" smtClean="0"/>
+              <a:t>Lunch Break</a:t>
+            </a:r>
+            <a:endParaRPr lang="en-US" dirty="0"/>
+          </a:p>
+        </p:txBody>
+      </p:sp>
+    </p:spTree>
+  </p:cSld>
+  <p:clrMapOvr>
+    <a:masterClrMapping/>
+  </p:clrMapOvr>
+</p:sld>
+</file>
+
+<file path=ppt/slides/slide11.xml><?xml version="1.0" encoding="utf-8"?>
+<p:sld xmlns:a="http://schemas.openxmlformats.org/drawingml/2006/main" xmlns:r="http://schemas.openxmlformats.org/officeDocument/2006/relationships" xmlns:p="http://schemas.openxmlformats.org/presentationml/2006/main">
+  <p:cSld>
+    <p:spTree>
+      <p:nvGrpSpPr>
+        <p:cNvPr id="1" name=""/>
+        <p:cNvGrpSpPr/>
+        <p:nvPr/>
+      </p:nvGrpSpPr>
+      <p:grpSpPr>
+        <a:xfrm>
+          <a:off x="0" y="0"/>
+          <a:ext cx="0" cy="0"/>
+          <a:chOff x="0" y="0"/>
+          <a:chExt cx="0" cy="0"/>
+        </a:xfrm>
+      </p:grpSpPr>
+      <p:sp>
+        <p:nvSpPr>
           <p:cNvPr id="2" name="Text Placeholder 1"/>
           <p:cNvSpPr>
             <a:spLocks noGrp="1"/>
@@ -13742,8 +14091,13 @@
             </a:pPr>
             <a:r>
               <a:rPr lang="en-US" sz="2400" dirty="0" smtClean="0"/>
-              <a:t>Daily Sync.</a:t>
+              <a:t>Daily </a:t>
             </a:r>
+            <a:r>
+              <a:rPr lang="en-US" sz="2400" dirty="0" smtClean="0"/>
+              <a:t>Sync</a:t>
+            </a:r>
+            <a:endParaRPr lang="en-US" sz="2400" dirty="0" smtClean="0"/>
           </a:p>
           <a:p>
             <a:pPr marL="342900" indent="-342900">
@@ -13917,7 +14271,7 @@
           <p:nvPr/>
         </p:nvGraphicFramePr>
         <p:xfrm>
-          <a:off x="-1285916" y="1142984"/>
+          <a:off x="500034" y="1142984"/>
           <a:ext cx="8501122" cy="5429288"/>
         </p:xfrm>
         <a:graphic>
@@ -13926,6 +14280,38 @@
           </a:graphicData>
         </a:graphic>
       </p:graphicFrame>
+      <p:pic>
+        <p:nvPicPr>
+          <p:cNvPr id="2050" name="Picture 2"/>
+          <p:cNvPicPr>
+            <a:picLocks noChangeAspect="1" noChangeArrowheads="1"/>
+          </p:cNvPicPr>
+          <p:nvPr/>
+        </p:nvPicPr>
+        <p:blipFill>
+          <a:blip r:embed="rId7" cstate="print"/>
+          <a:srcRect/>
+          <a:stretch>
+            <a:fillRect/>
+          </a:stretch>
+        </p:blipFill>
+        <p:spPr bwMode="auto">
+          <a:xfrm>
+            <a:off x="0" y="1071546"/>
+            <a:ext cx="2352675" cy="1590675"/>
+          </a:xfrm>
+          <a:prstGeom prst="rect">
+            <a:avLst/>
+          </a:prstGeom>
+          <a:noFill/>
+          <a:ln w="9525">
+            <a:noFill/>
+            <a:miter lim="800000"/>
+            <a:headEnd/>
+            <a:tailEnd/>
+          </a:ln>
+        </p:spPr>
+      </p:pic>
     </p:spTree>
   </p:cSld>
   <p:clrMapOvr>
@@ -13970,12 +14356,14 @@
         </p:nvSpPr>
         <p:spPr/>
         <p:txBody>
-          <a:bodyPr/>
+          <a:bodyPr>
+            <a:normAutofit/>
+          </a:bodyPr>
           <a:lstStyle/>
           <a:p>
             <a:r>
               <a:rPr lang="en-US" dirty="0" smtClean="0"/>
-              <a:t>Agenda</a:t>
+              <a:t>Today’s Agenda</a:t>
             </a:r>
             <a:endParaRPr lang="en-US" dirty="0"/>
           </a:p>
@@ -14092,7 +14480,7 @@
         </p:nvSpPr>
         <p:spPr>
           <a:xfrm>
-            <a:off x="264635" y="2428868"/>
+            <a:off x="214282" y="2428868"/>
             <a:ext cx="3536096" cy="646331"/>
           </a:xfrm>
           <a:prstGeom prst="rect">
@@ -14231,7 +14619,11 @@
             </a:pPr>
             <a:r>
               <a:rPr lang="en-US" dirty="0" smtClean="0"/>
-              <a:t> Do I see any impediment in the near future? </a:t>
+              <a:t>Do </a:t>
+            </a:r>
+            <a:r>
+              <a:rPr lang="en-US" dirty="0" smtClean="0"/>
+              <a:t>I see any impediment in the near future? </a:t>
             </a:r>
             <a:endParaRPr lang="en-US" dirty="0"/>
           </a:p>
@@ -14246,7 +14638,7 @@
         <p:spPr>
           <a:xfrm>
             <a:off x="264635" y="1643050"/>
-            <a:ext cx="3558154" cy="646331"/>
+            <a:ext cx="3063339" cy="646331"/>
           </a:xfrm>
           <a:prstGeom prst="rect">
             <a:avLst/>
@@ -14266,7 +14658,19 @@
           <a:p>
             <a:r>
               <a:rPr lang="en-US" dirty="0" smtClean="0"/>
-              <a:t>- To be Decided. (at the office desk).</a:t>
+              <a:t>- To be Decided. </a:t>
+            </a:r>
+            <a:r>
+              <a:rPr lang="en-US" dirty="0" smtClean="0"/>
+              <a:t>(</a:t>
+            </a:r>
+            <a:r>
+              <a:rPr lang="en-US" dirty="0" smtClean="0"/>
+              <a:t>in the office</a:t>
+            </a:r>
+            <a:r>
+              <a:rPr lang="en-US" dirty="0" smtClean="0"/>
+              <a:t>).</a:t>
             </a:r>
             <a:endParaRPr lang="en-US" dirty="0"/>
           </a:p>
@@ -14515,7 +14919,7 @@
           <a:p>
             <a:r>
               <a:rPr lang="en-US" dirty="0" smtClean="0"/>
-              <a:t>Remainder</a:t>
+              <a:t>Schedule</a:t>
             </a:r>
             <a:endParaRPr lang="en-US" dirty="0"/>
           </a:p>
@@ -14523,7 +14927,7 @@
       </p:sp>
       <p:pic>
         <p:nvPicPr>
-          <p:cNvPr id="18435" name="Picture 3"/>
+          <p:cNvPr id="3074" name="Picture 2"/>
           <p:cNvPicPr>
             <a:picLocks noChangeAspect="1" noChangeArrowheads="1"/>
           </p:cNvPicPr>
@@ -14538,8 +14942,8 @@
         </p:blipFill>
         <p:spPr bwMode="auto">
           <a:xfrm>
-            <a:off x="500034" y="1214422"/>
-            <a:ext cx="2857520" cy="1597511"/>
+            <a:off x="5643570" y="1285860"/>
+            <a:ext cx="2928958" cy="2934402"/>
           </a:xfrm>
           <a:prstGeom prst="rect">
             <a:avLst/>
@@ -14555,14 +14959,14 @@
       </p:pic>
       <p:sp>
         <p:nvSpPr>
-          <p:cNvPr id="6" name="Rectangle 5"/>
+          <p:cNvPr id="5" name="Rectangle 4"/>
           <p:cNvSpPr/>
           <p:nvPr/>
         </p:nvSpPr>
         <p:spPr>
           <a:xfrm>
-            <a:off x="1357290" y="2857496"/>
-            <a:ext cx="968535" cy="369332"/>
+            <a:off x="714348" y="2071678"/>
+            <a:ext cx="3709542" cy="646331"/>
           </a:xfrm>
           <a:prstGeom prst="rect">
             <a:avLst/>
@@ -14574,248 +14978,19 @@
           </a:bodyPr>
           <a:lstStyle/>
           <a:p>
-            <a:pPr lvl="0"/>
             <a:r>
               <a:rPr lang="en-US" dirty="0" smtClean="0"/>
-              <a:t>4</a:t>
+              <a:t>Preferable:</a:t>
             </a:r>
+          </a:p>
+          <a:p>
             <a:r>
-              <a:rPr lang="en-US" baseline="30000" dirty="0" smtClean="0"/>
-              <a:t>th</a:t>
+              <a:rPr lang="en-US" dirty="0" smtClean="0"/>
+              <a:t>- All three to have the same time </a:t>
             </a:r>
             <a:r>
               <a:rPr lang="en-US" dirty="0" smtClean="0"/>
-              <a:t> Floor</a:t>
-            </a:r>
-            <a:endParaRPr lang="en-US" dirty="0"/>
-          </a:p>
-        </p:txBody>
-      </p:sp>
-      <p:pic>
-        <p:nvPicPr>
-          <p:cNvPr id="18436" name="Picture 4"/>
-          <p:cNvPicPr>
-            <a:picLocks noChangeAspect="1" noChangeArrowheads="1"/>
-          </p:cNvPicPr>
-          <p:nvPr/>
-        </p:nvPicPr>
-        <p:blipFill>
-          <a:blip r:embed="rId3" cstate="print"/>
-          <a:srcRect/>
-          <a:stretch>
-            <a:fillRect/>
-          </a:stretch>
-        </p:blipFill>
-        <p:spPr bwMode="auto">
-          <a:xfrm>
-            <a:off x="5286380" y="1571612"/>
-            <a:ext cx="2981325" cy="2495550"/>
-          </a:xfrm>
-          <a:prstGeom prst="rect">
-            <a:avLst/>
-          </a:prstGeom>
-          <a:noFill/>
-          <a:ln w="9525">
-            <a:noFill/>
-            <a:miter lim="800000"/>
-            <a:headEnd/>
-            <a:tailEnd/>
-          </a:ln>
-        </p:spPr>
-      </p:pic>
-      <p:sp>
-        <p:nvSpPr>
-          <p:cNvPr id="8" name="Rectangle 7"/>
-          <p:cNvSpPr/>
-          <p:nvPr/>
-        </p:nvSpPr>
-        <p:spPr>
-          <a:xfrm>
-            <a:off x="6500826" y="4143380"/>
-            <a:ext cx="1000467" cy="369332"/>
-          </a:xfrm>
-          <a:prstGeom prst="rect">
-            <a:avLst/>
-          </a:prstGeom>
-        </p:spPr>
-        <p:txBody>
-          <a:bodyPr wrap="none">
-            <a:spAutoFit/>
-          </a:bodyPr>
-          <a:lstStyle/>
-          <a:p>
-            <a:pPr lvl="0"/>
-            <a:r>
-              <a:rPr lang="en-US" dirty="0" smtClean="0"/>
-              <a:t>1</a:t>
-            </a:r>
-            <a:r>
-              <a:rPr lang="en-US" baseline="30000" dirty="0" smtClean="0"/>
-              <a:t>st</a:t>
-            </a:r>
-            <a:r>
-              <a:rPr lang="en-US" dirty="0" smtClean="0"/>
-              <a:t>  Floor</a:t>
-            </a:r>
-            <a:endParaRPr lang="en-US" dirty="0"/>
-          </a:p>
-        </p:txBody>
-      </p:sp>
-      <p:pic>
-        <p:nvPicPr>
-          <p:cNvPr id="18437" name="Picture 5"/>
-          <p:cNvPicPr>
-            <a:picLocks noChangeAspect="1" noChangeArrowheads="1"/>
-          </p:cNvPicPr>
-          <p:nvPr/>
-        </p:nvPicPr>
-        <p:blipFill>
-          <a:blip r:embed="rId4" cstate="print"/>
-          <a:srcRect/>
-          <a:stretch>
-            <a:fillRect/>
-          </a:stretch>
-        </p:blipFill>
-        <p:spPr bwMode="auto">
-          <a:xfrm>
-            <a:off x="1571604" y="4500570"/>
-            <a:ext cx="2786049" cy="1095824"/>
-          </a:xfrm>
-          <a:prstGeom prst="rect">
-            <a:avLst/>
-          </a:prstGeom>
-          <a:noFill/>
-          <a:ln w="9525">
-            <a:noFill/>
-            <a:miter lim="800000"/>
-            <a:headEnd/>
-            <a:tailEnd/>
-          </a:ln>
-        </p:spPr>
-      </p:pic>
-      <p:sp>
-        <p:nvSpPr>
-          <p:cNvPr id="10" name="Rectangle 9"/>
-          <p:cNvSpPr/>
-          <p:nvPr/>
-        </p:nvSpPr>
-        <p:spPr>
-          <a:xfrm>
-            <a:off x="2214546" y="5643578"/>
-            <a:ext cx="1191352" cy="369332"/>
-          </a:xfrm>
-          <a:prstGeom prst="rect">
-            <a:avLst/>
-          </a:prstGeom>
-        </p:spPr>
-        <p:txBody>
-          <a:bodyPr wrap="none">
-            <a:spAutoFit/>
-          </a:bodyPr>
-          <a:lstStyle/>
-          <a:p>
-            <a:pPr lvl="0"/>
-            <a:r>
-              <a:rPr lang="en-US" dirty="0" smtClean="0"/>
-              <a:t>11</a:t>
-            </a:r>
-            <a:r>
-              <a:rPr lang="en-US" baseline="30000" dirty="0" smtClean="0"/>
-              <a:t>th</a:t>
-            </a:r>
-            <a:r>
-              <a:rPr lang="en-US" dirty="0" smtClean="0"/>
-              <a:t>   Floor</a:t>
-            </a:r>
-            <a:endParaRPr lang="en-US" dirty="0"/>
-          </a:p>
-        </p:txBody>
-      </p:sp>
-      <p:sp>
-        <p:nvSpPr>
-          <p:cNvPr id="11" name="Rectangle 10"/>
-          <p:cNvSpPr/>
-          <p:nvPr/>
-        </p:nvSpPr>
-        <p:spPr>
-          <a:xfrm>
-            <a:off x="2500298" y="4143380"/>
-            <a:ext cx="741870" cy="369332"/>
-          </a:xfrm>
-          <a:prstGeom prst="rect">
-            <a:avLst/>
-          </a:prstGeom>
-        </p:spPr>
-        <p:txBody>
-          <a:bodyPr wrap="none">
-            <a:spAutoFit/>
-          </a:bodyPr>
-          <a:lstStyle/>
-          <a:p>
-            <a:pPr lvl="0"/>
-            <a:r>
-              <a:rPr lang="en-US" dirty="0" smtClean="0"/>
-              <a:t>Office</a:t>
-            </a:r>
-            <a:endParaRPr lang="en-US" dirty="0"/>
-          </a:p>
-        </p:txBody>
-      </p:sp>
-      <p:sp>
-        <p:nvSpPr>
-          <p:cNvPr id="12" name="Rectangle 11"/>
-          <p:cNvSpPr/>
-          <p:nvPr/>
-        </p:nvSpPr>
-        <p:spPr>
-          <a:xfrm>
-            <a:off x="6000760" y="1000108"/>
-            <a:ext cx="1648785" cy="369332"/>
-          </a:xfrm>
-          <a:prstGeom prst="rect">
-            <a:avLst/>
-          </a:prstGeom>
-        </p:spPr>
-        <p:txBody>
-          <a:bodyPr wrap="none">
-            <a:spAutoFit/>
-          </a:bodyPr>
-          <a:lstStyle/>
-          <a:p>
-            <a:pPr lvl="0"/>
-            <a:r>
-              <a:rPr lang="en-US" dirty="0" smtClean="0"/>
-              <a:t>Relaxation Area</a:t>
-            </a:r>
-            <a:endParaRPr lang="en-US" dirty="0"/>
-          </a:p>
-        </p:txBody>
-      </p:sp>
-      <p:sp>
-        <p:nvSpPr>
-          <p:cNvPr id="13" name="Rectangle 12"/>
-          <p:cNvSpPr/>
-          <p:nvPr/>
-        </p:nvSpPr>
-        <p:spPr>
-          <a:xfrm>
-            <a:off x="1097855" y="857232"/>
-            <a:ext cx="1331005" cy="369332"/>
-          </a:xfrm>
-          <a:prstGeom prst="rect">
-            <a:avLst/>
-          </a:prstGeom>
-        </p:spPr>
-        <p:txBody>
-          <a:bodyPr wrap="none">
-            <a:spAutoFit/>
-          </a:bodyPr>
-          <a:lstStyle/>
-          <a:p>
-            <a:pPr lvl="0"/>
-            <a:r>
-              <a:rPr lang="en-US" dirty="0" smtClean="0"/>
-              <a:t>Lunch Break</a:t>
+              <a:t>slot.</a:t>
             </a:r>
             <a:endParaRPr lang="en-US" dirty="0"/>
           </a:p>
